--- a/presentation/cs6316-PresentationTemplate.pptx
+++ b/presentation/cs6316-PresentationTemplate.pptx
@@ -1,34 +1,421 @@
 
 <file path=ppt/presentation.xml><?xml version="1.0" encoding="utf-8"?>
-<p:presentation xmlns:a="http://schemas.openxmlformats.org/drawingml/2006/main" xmlns:p="http://schemas.openxmlformats.org/presentationml/2006/main" xmlns:r="http://schemas.openxmlformats.org/officeDocument/2006/relationships">
+<p:presentation xmlns:a="http://schemas.openxmlformats.org/drawingml/2006/main" xmlns:r="http://schemas.openxmlformats.org/officeDocument/2006/relationships" xmlns:p="http://schemas.openxmlformats.org/presentationml/2006/main">
   <p:sldMasterIdLst>
-    <p:sldMasterId id="2147483648" r:id="rId2"/>
-    <p:sldMasterId id="2147483661" r:id="rId3"/>
+    <p:sldMasterId id="2147483648" r:id="rId1"/>
+    <p:sldMasterId id="2147483661" r:id="rId2"/>
   </p:sldMasterIdLst>
   <p:notesMasterIdLst>
-    <p:notesMasterId r:id="rId4"/>
+    <p:notesMasterId r:id="rId15"/>
   </p:notesMasterIdLst>
   <p:sldIdLst>
-    <p:sldId id="256" r:id="rId5"/>
-    <p:sldId id="257" r:id="rId6"/>
-    <p:sldId id="258" r:id="rId7"/>
-    <p:sldId id="259" r:id="rId8"/>
-    <p:sldId id="260" r:id="rId9"/>
-    <p:sldId id="261" r:id="rId10"/>
-    <p:sldId id="262" r:id="rId11"/>
-    <p:sldId id="263" r:id="rId12"/>
-    <p:sldId id="264" r:id="rId13"/>
-    <p:sldId id="265" r:id="rId14"/>
-    <p:sldId id="266" r:id="rId15"/>
-    <p:sldId id="267" r:id="rId16"/>
+    <p:sldId id="256" r:id="rId3"/>
+    <p:sldId id="257" r:id="rId4"/>
+    <p:sldId id="258" r:id="rId5"/>
+    <p:sldId id="259" r:id="rId6"/>
+    <p:sldId id="260" r:id="rId7"/>
+    <p:sldId id="261" r:id="rId8"/>
+    <p:sldId id="262" r:id="rId9"/>
+    <p:sldId id="263" r:id="rId10"/>
+    <p:sldId id="264" r:id="rId11"/>
+    <p:sldId id="265" r:id="rId12"/>
+    <p:sldId id="266" r:id="rId13"/>
+    <p:sldId id="267" r:id="rId14"/>
   </p:sldIdLst>
-  <p:sldSz cx="9144000" cy="6858000"/>
+  <p:sldSz cx="9144000" cy="6858000" type="screen4x3"/>
   <p:notesSz cx="7010400" cy="9296400"/>
+  <p:defaultTextStyle>
+    <a:defPPr>
+      <a:defRPr lang="en-US"/>
+    </a:defPPr>
+    <a:lvl1pPr marL="0" algn="l" defTabSz="457200" rtl="0" eaLnBrk="1" latinLnBrk="0" hangingPunct="1">
+      <a:defRPr sz="1800" kern="1200">
+        <a:solidFill>
+          <a:schemeClr val="tx1"/>
+        </a:solidFill>
+        <a:latin typeface="+mn-lt"/>
+        <a:ea typeface="+mn-ea"/>
+        <a:cs typeface="+mn-cs"/>
+      </a:defRPr>
+    </a:lvl1pPr>
+    <a:lvl2pPr marL="457200" algn="l" defTabSz="457200" rtl="0" eaLnBrk="1" latinLnBrk="0" hangingPunct="1">
+      <a:defRPr sz="1800" kern="1200">
+        <a:solidFill>
+          <a:schemeClr val="tx1"/>
+        </a:solidFill>
+        <a:latin typeface="+mn-lt"/>
+        <a:ea typeface="+mn-ea"/>
+        <a:cs typeface="+mn-cs"/>
+      </a:defRPr>
+    </a:lvl2pPr>
+    <a:lvl3pPr marL="914400" algn="l" defTabSz="457200" rtl="0" eaLnBrk="1" latinLnBrk="0" hangingPunct="1">
+      <a:defRPr sz="1800" kern="1200">
+        <a:solidFill>
+          <a:schemeClr val="tx1"/>
+        </a:solidFill>
+        <a:latin typeface="+mn-lt"/>
+        <a:ea typeface="+mn-ea"/>
+        <a:cs typeface="+mn-cs"/>
+      </a:defRPr>
+    </a:lvl3pPr>
+    <a:lvl4pPr marL="1371600" algn="l" defTabSz="457200" rtl="0" eaLnBrk="1" latinLnBrk="0" hangingPunct="1">
+      <a:defRPr sz="1800" kern="1200">
+        <a:solidFill>
+          <a:schemeClr val="tx1"/>
+        </a:solidFill>
+        <a:latin typeface="+mn-lt"/>
+        <a:ea typeface="+mn-ea"/>
+        <a:cs typeface="+mn-cs"/>
+      </a:defRPr>
+    </a:lvl4pPr>
+    <a:lvl5pPr marL="1828800" algn="l" defTabSz="457200" rtl="0" eaLnBrk="1" latinLnBrk="0" hangingPunct="1">
+      <a:defRPr sz="1800" kern="1200">
+        <a:solidFill>
+          <a:schemeClr val="tx1"/>
+        </a:solidFill>
+        <a:latin typeface="+mn-lt"/>
+        <a:ea typeface="+mn-ea"/>
+        <a:cs typeface="+mn-cs"/>
+      </a:defRPr>
+    </a:lvl5pPr>
+    <a:lvl6pPr marL="2286000" algn="l" defTabSz="457200" rtl="0" eaLnBrk="1" latinLnBrk="0" hangingPunct="1">
+      <a:defRPr sz="1800" kern="1200">
+        <a:solidFill>
+          <a:schemeClr val="tx1"/>
+        </a:solidFill>
+        <a:latin typeface="+mn-lt"/>
+        <a:ea typeface="+mn-ea"/>
+        <a:cs typeface="+mn-cs"/>
+      </a:defRPr>
+    </a:lvl6pPr>
+    <a:lvl7pPr marL="2743200" algn="l" defTabSz="457200" rtl="0" eaLnBrk="1" latinLnBrk="0" hangingPunct="1">
+      <a:defRPr sz="1800" kern="1200">
+        <a:solidFill>
+          <a:schemeClr val="tx1"/>
+        </a:solidFill>
+        <a:latin typeface="+mn-lt"/>
+        <a:ea typeface="+mn-ea"/>
+        <a:cs typeface="+mn-cs"/>
+      </a:defRPr>
+    </a:lvl7pPr>
+    <a:lvl8pPr marL="3200400" algn="l" defTabSz="457200" rtl="0" eaLnBrk="1" latinLnBrk="0" hangingPunct="1">
+      <a:defRPr sz="1800" kern="1200">
+        <a:solidFill>
+          <a:schemeClr val="tx1"/>
+        </a:solidFill>
+        <a:latin typeface="+mn-lt"/>
+        <a:ea typeface="+mn-ea"/>
+        <a:cs typeface="+mn-cs"/>
+      </a:defRPr>
+    </a:lvl8pPr>
+    <a:lvl9pPr marL="3657600" algn="l" defTabSz="457200" rtl="0" eaLnBrk="1" latinLnBrk="0" hangingPunct="1">
+      <a:defRPr sz="1800" kern="1200">
+        <a:solidFill>
+          <a:schemeClr val="tx1"/>
+        </a:solidFill>
+        <a:latin typeface="+mn-lt"/>
+        <a:ea typeface="+mn-ea"/>
+        <a:cs typeface="+mn-cs"/>
+      </a:defRPr>
+    </a:lvl9pPr>
+  </p:defaultTextStyle>
 </p:presentation>
 </file>
 
 <file path=ppt/notesMasters/notesMaster1.xml><?xml version="1.0" encoding="utf-8"?>
-<p:notesMaster xmlns:a="http://schemas.openxmlformats.org/drawingml/2006/main" xmlns:p="http://schemas.openxmlformats.org/presentationml/2006/main" xmlns:r="http://schemas.openxmlformats.org/officeDocument/2006/relationships">
+<p:notesMaster xmlns:a="http://schemas.openxmlformats.org/drawingml/2006/main" xmlns:r="http://schemas.openxmlformats.org/officeDocument/2006/relationships" xmlns:p="http://schemas.openxmlformats.org/presentationml/2006/main">
+  <p:cSld>
+    <p:bg>
+      <p:bgRef idx="1001">
+        <a:schemeClr val="bg1"/>
+      </p:bgRef>
+    </p:bg>
+    <p:spTree>
+      <p:nvGrpSpPr>
+        <p:cNvPr id="1" name=""/>
+        <p:cNvGrpSpPr/>
+        <p:nvPr/>
+      </p:nvGrpSpPr>
+      <p:grpSpPr>
+        <a:xfrm>
+          <a:off x="0" y="0"/>
+          <a:ext cx="0" cy="0"/>
+          <a:chOff x="0" y="0"/>
+          <a:chExt cx="0" cy="0"/>
+        </a:xfrm>
+      </p:grpSpPr>
+      <p:sp>
+        <p:nvSpPr>
+          <p:cNvPr id="78" name="PlaceHolder 1"/>
+          <p:cNvSpPr>
+            <a:spLocks noGrp="1"/>
+          </p:cNvSpPr>
+          <p:nvPr>
+            <p:ph type="body"/>
+          </p:nvPr>
+        </p:nvSpPr>
+        <p:spPr>
+          <a:xfrm>
+            <a:off x="777240" y="4777560"/>
+            <a:ext cx="6217560" cy="4525920"/>
+          </a:xfrm>
+          <a:prstGeom prst="rect">
+            <a:avLst/>
+          </a:prstGeom>
+        </p:spPr>
+        <p:txBody>
+          <a:bodyPr lIns="0" tIns="0" rIns="0" bIns="0"/>
+          <a:lstStyle/>
+          <a:p>
+            <a:r>
+              <a:rPr lang="en-US" sz="2000">
+                <a:latin typeface="Arial"/>
+              </a:rPr>
+              <a:t>Click to edit the notes format</a:t>
+            </a:r>
+            <a:endParaRPr/>
+          </a:p>
+        </p:txBody>
+      </p:sp>
+      <p:sp>
+        <p:nvSpPr>
+          <p:cNvPr id="79" name="PlaceHolder 2"/>
+          <p:cNvSpPr>
+            <a:spLocks noGrp="1"/>
+          </p:cNvSpPr>
+          <p:nvPr>
+            <p:ph type="hdr"/>
+          </p:nvPr>
+        </p:nvSpPr>
+        <p:spPr>
+          <a:xfrm>
+            <a:off x="0" y="0"/>
+            <a:ext cx="3372840" cy="502560"/>
+          </a:xfrm>
+          <a:prstGeom prst="rect">
+            <a:avLst/>
+          </a:prstGeom>
+        </p:spPr>
+        <p:txBody>
+          <a:bodyPr lIns="0" tIns="0" rIns="0" bIns="0"/>
+          <a:lstStyle/>
+          <a:p>
+            <a:r>
+              <a:rPr lang="en-US" sz="1400">
+                <a:latin typeface="Times New Roman"/>
+              </a:rPr>
+              <a:t>&lt;header&gt;</a:t>
+            </a:r>
+            <a:endParaRPr/>
+          </a:p>
+        </p:txBody>
+      </p:sp>
+      <p:sp>
+        <p:nvSpPr>
+          <p:cNvPr id="80" name="PlaceHolder 3"/>
+          <p:cNvSpPr>
+            <a:spLocks noGrp="1"/>
+          </p:cNvSpPr>
+          <p:nvPr>
+            <p:ph type="dt"/>
+          </p:nvPr>
+        </p:nvSpPr>
+        <p:spPr>
+          <a:xfrm>
+            <a:off x="4399200" y="0"/>
+            <a:ext cx="3372840" cy="502560"/>
+          </a:xfrm>
+          <a:prstGeom prst="rect">
+            <a:avLst/>
+          </a:prstGeom>
+        </p:spPr>
+        <p:txBody>
+          <a:bodyPr lIns="0" tIns="0" rIns="0" bIns="0"/>
+          <a:lstStyle/>
+          <a:p>
+            <a:pPr algn="r"/>
+            <a:r>
+              <a:rPr lang="en-US" sz="1400">
+                <a:latin typeface="Times New Roman"/>
+              </a:rPr>
+              <a:t>&lt;date/time&gt;</a:t>
+            </a:r>
+            <a:endParaRPr/>
+          </a:p>
+        </p:txBody>
+      </p:sp>
+      <p:sp>
+        <p:nvSpPr>
+          <p:cNvPr id="81" name="PlaceHolder 4"/>
+          <p:cNvSpPr>
+            <a:spLocks noGrp="1"/>
+          </p:cNvSpPr>
+          <p:nvPr>
+            <p:ph type="ftr"/>
+          </p:nvPr>
+        </p:nvSpPr>
+        <p:spPr>
+          <a:xfrm>
+            <a:off x="0" y="9555480"/>
+            <a:ext cx="3372840" cy="502560"/>
+          </a:xfrm>
+          <a:prstGeom prst="rect">
+            <a:avLst/>
+          </a:prstGeom>
+        </p:spPr>
+        <p:txBody>
+          <a:bodyPr lIns="0" tIns="0" rIns="0" bIns="0" anchor="b"/>
+          <a:lstStyle/>
+          <a:p>
+            <a:r>
+              <a:rPr lang="en-US" sz="1400">
+                <a:latin typeface="Times New Roman"/>
+              </a:rPr>
+              <a:t>&lt;footer&gt;</a:t>
+            </a:r>
+            <a:endParaRPr/>
+          </a:p>
+        </p:txBody>
+      </p:sp>
+      <p:sp>
+        <p:nvSpPr>
+          <p:cNvPr id="82" name="PlaceHolder 5"/>
+          <p:cNvSpPr>
+            <a:spLocks noGrp="1"/>
+          </p:cNvSpPr>
+          <p:nvPr>
+            <p:ph type="sldNum"/>
+          </p:nvPr>
+        </p:nvSpPr>
+        <p:spPr>
+          <a:xfrm>
+            <a:off x="4399200" y="9555480"/>
+            <a:ext cx="3372840" cy="502560"/>
+          </a:xfrm>
+          <a:prstGeom prst="rect">
+            <a:avLst/>
+          </a:prstGeom>
+        </p:spPr>
+        <p:txBody>
+          <a:bodyPr lIns="0" tIns="0" rIns="0" bIns="0" anchor="b"/>
+          <a:lstStyle/>
+          <a:p>
+            <a:pPr algn="r"/>
+            <a:fld id="{FC33A660-54DB-446D-AAD6-8D825F15D4A5}" type="slidenum">
+              <a:rPr lang="en-US" sz="1400">
+                <a:latin typeface="Times New Roman"/>
+              </a:rPr>
+              <a:t>‹#›</a:t>
+            </a:fld>
+            <a:endParaRPr/>
+          </a:p>
+        </p:txBody>
+      </p:sp>
+    </p:spTree>
+    <p:extLst>
+      <p:ext uri="{BB962C8B-B14F-4D97-AF65-F5344CB8AC3E}">
+        <p14:creationId xmlns:p14="http://schemas.microsoft.com/office/powerpoint/2010/main" val="122632437"/>
+      </p:ext>
+    </p:extLst>
+  </p:cSld>
+  <p:clrMap bg1="lt1" tx1="dk1" bg2="lt2" tx2="dk2" accent1="accent1" accent2="accent2" accent3="accent3" accent4="accent4" accent5="accent5" accent6="accent6" hlink="hlink" folHlink="folHlink"/>
+  <p:notesStyle>
+    <a:lvl1pPr marL="0" algn="l" defTabSz="457200" rtl="0" eaLnBrk="1" latinLnBrk="0" hangingPunct="1">
+      <a:defRPr sz="1200" kern="1200">
+        <a:solidFill>
+          <a:schemeClr val="tx1"/>
+        </a:solidFill>
+        <a:latin typeface="+mn-lt"/>
+        <a:ea typeface="+mn-ea"/>
+        <a:cs typeface="+mn-cs"/>
+      </a:defRPr>
+    </a:lvl1pPr>
+    <a:lvl2pPr marL="457200" algn="l" defTabSz="457200" rtl="0" eaLnBrk="1" latinLnBrk="0" hangingPunct="1">
+      <a:defRPr sz="1200" kern="1200">
+        <a:solidFill>
+          <a:schemeClr val="tx1"/>
+        </a:solidFill>
+        <a:latin typeface="+mn-lt"/>
+        <a:ea typeface="+mn-ea"/>
+        <a:cs typeface="+mn-cs"/>
+      </a:defRPr>
+    </a:lvl2pPr>
+    <a:lvl3pPr marL="914400" algn="l" defTabSz="457200" rtl="0" eaLnBrk="1" latinLnBrk="0" hangingPunct="1">
+      <a:defRPr sz="1200" kern="1200">
+        <a:solidFill>
+          <a:schemeClr val="tx1"/>
+        </a:solidFill>
+        <a:latin typeface="+mn-lt"/>
+        <a:ea typeface="+mn-ea"/>
+        <a:cs typeface="+mn-cs"/>
+      </a:defRPr>
+    </a:lvl3pPr>
+    <a:lvl4pPr marL="1371600" algn="l" defTabSz="457200" rtl="0" eaLnBrk="1" latinLnBrk="0" hangingPunct="1">
+      <a:defRPr sz="1200" kern="1200">
+        <a:solidFill>
+          <a:schemeClr val="tx1"/>
+        </a:solidFill>
+        <a:latin typeface="+mn-lt"/>
+        <a:ea typeface="+mn-ea"/>
+        <a:cs typeface="+mn-cs"/>
+      </a:defRPr>
+    </a:lvl4pPr>
+    <a:lvl5pPr marL="1828800" algn="l" defTabSz="457200" rtl="0" eaLnBrk="1" latinLnBrk="0" hangingPunct="1">
+      <a:defRPr sz="1200" kern="1200">
+        <a:solidFill>
+          <a:schemeClr val="tx1"/>
+        </a:solidFill>
+        <a:latin typeface="+mn-lt"/>
+        <a:ea typeface="+mn-ea"/>
+        <a:cs typeface="+mn-cs"/>
+      </a:defRPr>
+    </a:lvl5pPr>
+    <a:lvl6pPr marL="2286000" algn="l" defTabSz="457200" rtl="0" eaLnBrk="1" latinLnBrk="0" hangingPunct="1">
+      <a:defRPr sz="1200" kern="1200">
+        <a:solidFill>
+          <a:schemeClr val="tx1"/>
+        </a:solidFill>
+        <a:latin typeface="+mn-lt"/>
+        <a:ea typeface="+mn-ea"/>
+        <a:cs typeface="+mn-cs"/>
+      </a:defRPr>
+    </a:lvl6pPr>
+    <a:lvl7pPr marL="2743200" algn="l" defTabSz="457200" rtl="0" eaLnBrk="1" latinLnBrk="0" hangingPunct="1">
+      <a:defRPr sz="1200" kern="1200">
+        <a:solidFill>
+          <a:schemeClr val="tx1"/>
+        </a:solidFill>
+        <a:latin typeface="+mn-lt"/>
+        <a:ea typeface="+mn-ea"/>
+        <a:cs typeface="+mn-cs"/>
+      </a:defRPr>
+    </a:lvl7pPr>
+    <a:lvl8pPr marL="3200400" algn="l" defTabSz="457200" rtl="0" eaLnBrk="1" latinLnBrk="0" hangingPunct="1">
+      <a:defRPr sz="1200" kern="1200">
+        <a:solidFill>
+          <a:schemeClr val="tx1"/>
+        </a:solidFill>
+        <a:latin typeface="+mn-lt"/>
+        <a:ea typeface="+mn-ea"/>
+        <a:cs typeface="+mn-cs"/>
+      </a:defRPr>
+    </a:lvl8pPr>
+    <a:lvl9pPr marL="3657600" algn="l" defTabSz="457200" rtl="0" eaLnBrk="1" latinLnBrk="0" hangingPunct="1">
+      <a:defRPr sz="1200" kern="1200">
+        <a:solidFill>
+          <a:schemeClr val="tx1"/>
+        </a:solidFill>
+        <a:latin typeface="+mn-lt"/>
+        <a:ea typeface="+mn-ea"/>
+        <a:cs typeface="+mn-cs"/>
+      </a:defRPr>
+    </a:lvl9pPr>
+  </p:notesStyle>
+</p:notesMaster>
+</file>
+
+<file path=ppt/notesSlides/notesSlide1.xml><?xml version="1.0" encoding="utf-8"?>
+<p:notes xmlns:a="http://schemas.openxmlformats.org/drawingml/2006/main" xmlns:r="http://schemas.openxmlformats.org/officeDocument/2006/relationships" xmlns:p="http://schemas.openxmlformats.org/presentationml/2006/main">
   <p:cSld>
     <p:spTree>
       <p:nvGrpSpPr>
@@ -46,7 +433,45 @@
       </p:grpSpPr>
       <p:sp>
         <p:nvSpPr>
-          <p:cNvPr id="78" name="PlaceHolder 1"/>
+          <p:cNvPr id="115" name="TextShape 1"/>
+          <p:cNvSpPr txBox="1"/>
+          <p:nvPr/>
+        </p:nvSpPr>
+        <p:spPr>
+          <a:xfrm>
+            <a:off x="3970800" y="8830080"/>
+            <a:ext cx="3037320" cy="464400"/>
+          </a:xfrm>
+          <a:prstGeom prst="rect">
+            <a:avLst/>
+          </a:prstGeom>
+        </p:spPr>
+        <p:txBody>
+          <a:bodyPr lIns="93240" tIns="46440" rIns="93240" bIns="46440" anchor="b"/>
+          <a:lstStyle/>
+          <a:p>
+            <a:pPr>
+              <a:lnSpc>
+                <a:spcPct val="100000"/>
+              </a:lnSpc>
+            </a:pPr>
+            <a:fld id="{4A5DC119-4D0B-45A5-93CF-73EA95C8D190}" type="slidenum">
+              <a:rPr lang="en-US" sz="1200">
+                <a:solidFill>
+                  <a:srgbClr val="000000"/>
+                </a:solidFill>
+                <a:latin typeface="Arial"/>
+                <a:ea typeface="PMingLiU"/>
+              </a:rPr>
+              <a:t>1</a:t>
+            </a:fld>
+            <a:endParaRPr/>
+          </a:p>
+        </p:txBody>
+      </p:sp>
+      <p:sp>
+        <p:nvSpPr>
+          <p:cNvPr id="116" name="PlaceHolder 2"/>
           <p:cNvSpPr>
             <a:spLocks noGrp="1"/>
           </p:cNvSpPr>
@@ -56,164 +481,31 @@
         </p:nvSpPr>
         <p:spPr>
           <a:xfrm>
-            <a:off x="777240" y="4777560"/>
-            <a:ext cx="6217560" cy="4525920"/>
-          </a:xfrm>
-          <a:prstGeom prst="rect">
-            <a:avLst/>
-          </a:prstGeom>
-        </p:spPr>
-        <p:txBody>
-          <a:bodyPr lIns="0" rIns="0" tIns="0" bIns="0"/>
-          <a:p>
-            <a:r>
-              <a:rPr lang="en-US" sz="2000">
-                <a:latin typeface="Arial"/>
-              </a:rPr>
-              <a:t>Click to edit the notes format</a:t>
-            </a:r>
-            <a:endParaRPr/>
-          </a:p>
-        </p:txBody>
-      </p:sp>
-      <p:sp>
-        <p:nvSpPr>
-          <p:cNvPr id="79" name="PlaceHolder 2"/>
-          <p:cNvSpPr>
-            <a:spLocks noGrp="1"/>
-          </p:cNvSpPr>
-          <p:nvPr>
-            <p:ph type="hdr"/>
-          </p:nvPr>
-        </p:nvSpPr>
-        <p:spPr>
-          <a:xfrm>
-            <a:off x="0" y="0"/>
-            <a:ext cx="3372840" cy="502560"/>
-          </a:xfrm>
-          <a:prstGeom prst="rect">
-            <a:avLst/>
-          </a:prstGeom>
-        </p:spPr>
-        <p:txBody>
-          <a:bodyPr lIns="0" rIns="0" tIns="0" bIns="0"/>
-          <a:p>
-            <a:r>
-              <a:rPr lang="en-US" sz="1400">
-                <a:latin typeface="Times New Roman"/>
-              </a:rPr>
-              <a:t>&lt;header&gt;</a:t>
-            </a:r>
-            <a:endParaRPr/>
-          </a:p>
-        </p:txBody>
-      </p:sp>
-      <p:sp>
-        <p:nvSpPr>
-          <p:cNvPr id="80" name="PlaceHolder 3"/>
-          <p:cNvSpPr>
-            <a:spLocks noGrp="1"/>
-          </p:cNvSpPr>
-          <p:nvPr>
-            <p:ph type="dt"/>
-          </p:nvPr>
-        </p:nvSpPr>
-        <p:spPr>
-          <a:xfrm>
-            <a:off x="4399200" y="0"/>
-            <a:ext cx="3372840" cy="502560"/>
-          </a:xfrm>
-          <a:prstGeom prst="rect">
-            <a:avLst/>
-          </a:prstGeom>
-        </p:spPr>
-        <p:txBody>
-          <a:bodyPr lIns="0" rIns="0" tIns="0" bIns="0"/>
-          <a:p>
-            <a:pPr algn="r"/>
-            <a:r>
-              <a:rPr lang="en-US" sz="1400">
-                <a:latin typeface="Times New Roman"/>
-              </a:rPr>
-              <a:t>&lt;date/time&gt;</a:t>
-            </a:r>
-            <a:endParaRPr/>
-          </a:p>
-        </p:txBody>
-      </p:sp>
-      <p:sp>
-        <p:nvSpPr>
-          <p:cNvPr id="81" name="PlaceHolder 4"/>
-          <p:cNvSpPr>
-            <a:spLocks noGrp="1"/>
-          </p:cNvSpPr>
-          <p:nvPr>
-            <p:ph type="ftr"/>
-          </p:nvPr>
-        </p:nvSpPr>
-        <p:spPr>
-          <a:xfrm>
-            <a:off x="0" y="9555480"/>
-            <a:ext cx="3372840" cy="502560"/>
-          </a:xfrm>
-          <a:prstGeom prst="rect">
-            <a:avLst/>
-          </a:prstGeom>
-        </p:spPr>
-        <p:txBody>
-          <a:bodyPr lIns="0" rIns="0" tIns="0" bIns="0" anchor="b"/>
-          <a:p>
-            <a:r>
-              <a:rPr lang="en-US" sz="1400">
-                <a:latin typeface="Times New Roman"/>
-              </a:rPr>
-              <a:t>&lt;footer&gt;</a:t>
-            </a:r>
-            <a:endParaRPr/>
-          </a:p>
-        </p:txBody>
-      </p:sp>
-      <p:sp>
-        <p:nvSpPr>
-          <p:cNvPr id="82" name="PlaceHolder 5"/>
-          <p:cNvSpPr>
-            <a:spLocks noGrp="1"/>
-          </p:cNvSpPr>
-          <p:nvPr>
-            <p:ph type="sldNum"/>
-          </p:nvPr>
-        </p:nvSpPr>
-        <p:spPr>
-          <a:xfrm>
-            <a:off x="4399200" y="9555480"/>
-            <a:ext cx="3372840" cy="502560"/>
-          </a:xfrm>
-          <a:prstGeom prst="rect">
-            <a:avLst/>
-          </a:prstGeom>
-        </p:spPr>
-        <p:txBody>
-          <a:bodyPr lIns="0" rIns="0" tIns="0" bIns="0" anchor="b"/>
-          <a:p>
-            <a:pPr algn="r"/>
-            <a:fld id="{FC33A660-54DB-446D-AAD6-8D825F15D4A5}" type="slidenum">
-              <a:rPr lang="en-US" sz="1400">
-                <a:latin typeface="Times New Roman"/>
-              </a:rPr>
-              <a:t>&lt;number&gt;</a:t>
-            </a:fld>
+            <a:off x="700920" y="4415760"/>
+            <a:ext cx="5608080" cy="4183200"/>
+          </a:xfrm>
+          <a:prstGeom prst="rect">
+            <a:avLst/>
+          </a:prstGeom>
+        </p:spPr>
+        <p:txBody>
+          <a:bodyPr lIns="93240" tIns="46440" rIns="93240" bIns="46440"/>
+          <a:lstStyle/>
+          <a:p>
             <a:endParaRPr/>
           </a:p>
         </p:txBody>
       </p:sp>
     </p:spTree>
   </p:cSld>
-  <p:clrMap bg1="lt1" bg2="lt2" tx1="dk1" tx2="dk2" accent1="accent1" accent2="accent2" accent3="accent3" accent4="accent4" accent5="accent5" accent6="accent6" hlink="hlink" folHlink="folHlink"/>
-</p:notesMaster>
+  <p:clrMapOvr>
+    <a:masterClrMapping/>
+  </p:clrMapOvr>
+</p:notes>
 </file>
 
-<file path=ppt/notesSlides/notesSlide1.xml><?xml version="1.0" encoding="utf-8"?>
-<p:notes xmlns:a="http://schemas.openxmlformats.org/drawingml/2006/main" xmlns:p="http://schemas.openxmlformats.org/presentationml/2006/main" xmlns:r="http://schemas.openxmlformats.org/officeDocument/2006/relationships">
+<file path=ppt/notesSlides/notesSlide10.xml><?xml version="1.0" encoding="utf-8"?>
+<p:notes xmlns:a="http://schemas.openxmlformats.org/drawingml/2006/main" xmlns:r="http://schemas.openxmlformats.org/officeDocument/2006/relationships" xmlns:p="http://schemas.openxmlformats.org/presentationml/2006/main">
   <p:cSld>
     <p:spTree>
       <p:nvGrpSpPr>
@@ -231,7 +523,7 @@
       </p:grpSpPr>
       <p:sp>
         <p:nvSpPr>
-          <p:cNvPr id="115" name="TextShape 1"/>
+          <p:cNvPr id="133" name="TextShape 1"/>
           <p:cNvSpPr txBox="1"/>
           <p:nvPr/>
         </p:nvSpPr>
@@ -245,14 +537,15 @@
           </a:prstGeom>
         </p:spPr>
         <p:txBody>
-          <a:bodyPr lIns="93240" rIns="93240" tIns="46440" bIns="46440" anchor="b"/>
+          <a:bodyPr lIns="93240" tIns="46440" rIns="93240" bIns="46440" anchor="b"/>
+          <a:lstStyle/>
           <a:p>
             <a:pPr>
               <a:lnSpc>
                 <a:spcPct val="100000"/>
               </a:lnSpc>
             </a:pPr>
-            <a:fld id="{4A5DC119-4D0B-45A5-93CF-73EA95C8D190}" type="slidenum">
+            <a:fld id="{CDEE635F-68EE-4516-B87D-C468D13B8354}" type="slidenum">
               <a:rPr lang="en-US" sz="1200">
                 <a:solidFill>
                   <a:srgbClr val="000000"/>
@@ -260,7 +553,7 @@
                 <a:latin typeface="Arial"/>
                 <a:ea typeface="PMingLiU"/>
               </a:rPr>
-              <a:t>&lt;number&gt;</a:t>
+              <a:t>10</a:t>
             </a:fld>
             <a:endParaRPr/>
           </a:p>
@@ -268,7 +561,7 @@
       </p:sp>
       <p:sp>
         <p:nvSpPr>
-          <p:cNvPr id="116" name="PlaceHolder 2"/>
+          <p:cNvPr id="134" name="PlaceHolder 2"/>
           <p:cNvSpPr>
             <a:spLocks noGrp="1"/>
           </p:cNvSpPr>
@@ -286,19 +579,42 @@
           </a:prstGeom>
         </p:spPr>
         <p:txBody>
-          <a:bodyPr lIns="93240" rIns="93240" tIns="46440" bIns="46440"/>
-          <a:p>
-            <a:endParaRPr/>
+          <a:bodyPr lIns="93240" tIns="46440" rIns="93240" bIns="46440"/>
+          <a:lstStyle/>
+          <a:p>
+            <a:pPr>
+              <a:lnSpc>
+                <a:spcPct val="100000"/>
+              </a:lnSpc>
+            </a:pPr>
+            <a:r>
+              <a:rPr lang="en-US" sz="2000" dirty="0" smtClean="0">
+                <a:latin typeface="+mn-lt"/>
+                <a:ea typeface="PMingLiU"/>
+              </a:rPr>
+              <a:t>Given</a:t>
+            </a:r>
+            <a:r>
+              <a:rPr lang="en-US" sz="2000" baseline="0" dirty="0" smtClean="0">
+                <a:latin typeface="+mn-lt"/>
+                <a:ea typeface="PMingLiU"/>
+              </a:rPr>
+              <a:t> the experimental results we have obtained, this is how we intend to move forward</a:t>
+            </a:r>
+            <a:endParaRPr lang="en-US" sz="2000" dirty="0"/>
           </a:p>
         </p:txBody>
       </p:sp>
     </p:spTree>
   </p:cSld>
+  <p:clrMapOvr>
+    <a:masterClrMapping/>
+  </p:clrMapOvr>
 </p:notes>
 </file>
 
-<file path=ppt/notesSlides/notesSlide10.xml><?xml version="1.0" encoding="utf-8"?>
-<p:notes xmlns:a="http://schemas.openxmlformats.org/drawingml/2006/main" xmlns:p="http://schemas.openxmlformats.org/presentationml/2006/main" xmlns:r="http://schemas.openxmlformats.org/officeDocument/2006/relationships">
+<file path=ppt/notesSlides/notesSlide2.xml><?xml version="1.0" encoding="utf-8"?>
+<p:notes xmlns:a="http://schemas.openxmlformats.org/drawingml/2006/main" xmlns:r="http://schemas.openxmlformats.org/officeDocument/2006/relationships" xmlns:p="http://schemas.openxmlformats.org/presentationml/2006/main">
   <p:cSld>
     <p:spTree>
       <p:nvGrpSpPr>
@@ -316,7 +632,7 @@
       </p:grpSpPr>
       <p:sp>
         <p:nvSpPr>
-          <p:cNvPr id="133" name="TextShape 1"/>
+          <p:cNvPr id="117" name="TextShape 1"/>
           <p:cNvSpPr txBox="1"/>
           <p:nvPr/>
         </p:nvSpPr>
@@ -330,14 +646,15 @@
           </a:prstGeom>
         </p:spPr>
         <p:txBody>
-          <a:bodyPr lIns="93240" rIns="93240" tIns="46440" bIns="46440" anchor="b"/>
+          <a:bodyPr lIns="93240" tIns="46440" rIns="93240" bIns="46440" anchor="b"/>
+          <a:lstStyle/>
           <a:p>
             <a:pPr>
               <a:lnSpc>
                 <a:spcPct val="100000"/>
               </a:lnSpc>
             </a:pPr>
-            <a:fld id="{CDEE635F-68EE-4516-B87D-C468D13B8354}" type="slidenum">
+            <a:fld id="{05775EEA-0CE8-4151-B1A3-BEDCC46F60EB}" type="slidenum">
               <a:rPr lang="en-US" sz="1200">
                 <a:solidFill>
                   <a:srgbClr val="000000"/>
@@ -345,7 +662,7 @@
                 <a:latin typeface="Arial"/>
                 <a:ea typeface="PMingLiU"/>
               </a:rPr>
-              <a:t>&lt;number&gt;</a:t>
+              <a:t>2</a:t>
             </a:fld>
             <a:endParaRPr/>
           </a:p>
@@ -353,7 +670,7 @@
       </p:sp>
       <p:sp>
         <p:nvSpPr>
-          <p:cNvPr id="134" name="PlaceHolder 2"/>
+          <p:cNvPr id="118" name="PlaceHolder 2"/>
           <p:cNvSpPr>
             <a:spLocks noGrp="1"/>
           </p:cNvSpPr>
@@ -371,7 +688,8 @@
           </a:prstGeom>
         </p:spPr>
         <p:txBody>
-          <a:bodyPr lIns="93240" rIns="93240" tIns="46440" bIns="46440"/>
+          <a:bodyPr lIns="93240" tIns="46440" rIns="93240" bIns="46440"/>
+          <a:lstStyle/>
           <a:p>
             <a:pPr>
               <a:lnSpc>
@@ -383,7 +701,7 @@
                 <a:latin typeface="Arial"/>
                 <a:ea typeface="PMingLiU"/>
               </a:rPr>
-              <a:t>In the rest of this presentation, I’m going to talk about following contents:</a:t>
+              <a:t>The motivation of this project</a:t>
             </a:r>
             <a:endParaRPr/>
           </a:p>
@@ -391,11 +709,14 @@
       </p:sp>
     </p:spTree>
   </p:cSld>
+  <p:clrMapOvr>
+    <a:masterClrMapping/>
+  </p:clrMapOvr>
 </p:notes>
 </file>
 
-<file path=ppt/notesSlides/notesSlide2.xml><?xml version="1.0" encoding="utf-8"?>
-<p:notes xmlns:a="http://schemas.openxmlformats.org/drawingml/2006/main" xmlns:p="http://schemas.openxmlformats.org/presentationml/2006/main" xmlns:r="http://schemas.openxmlformats.org/officeDocument/2006/relationships">
+<file path=ppt/notesSlides/notesSlide3.xml><?xml version="1.0" encoding="utf-8"?>
+<p:notes xmlns:a="http://schemas.openxmlformats.org/drawingml/2006/main" xmlns:r="http://schemas.openxmlformats.org/officeDocument/2006/relationships" xmlns:p="http://schemas.openxmlformats.org/presentationml/2006/main">
   <p:cSld>
     <p:spTree>
       <p:nvGrpSpPr>
@@ -413,7 +734,34 @@
       </p:grpSpPr>
       <p:sp>
         <p:nvSpPr>
-          <p:cNvPr id="117" name="TextShape 1"/>
+          <p:cNvPr id="119" name="PlaceHolder 1"/>
+          <p:cNvSpPr>
+            <a:spLocks noGrp="1"/>
+          </p:cNvSpPr>
+          <p:nvPr>
+            <p:ph type="body"/>
+          </p:nvPr>
+        </p:nvSpPr>
+        <p:spPr>
+          <a:xfrm>
+            <a:off x="700920" y="4415760"/>
+            <a:ext cx="5608080" cy="4183200"/>
+          </a:xfrm>
+          <a:prstGeom prst="rect">
+            <a:avLst/>
+          </a:prstGeom>
+        </p:spPr>
+        <p:txBody>
+          <a:bodyPr lIns="93240" tIns="46440" rIns="93240" bIns="46440"/>
+          <a:lstStyle/>
+          <a:p>
+            <a:endParaRPr/>
+          </a:p>
+        </p:txBody>
+      </p:sp>
+      <p:sp>
+        <p:nvSpPr>
+          <p:cNvPr id="120" name="TextShape 2"/>
           <p:cNvSpPr txBox="1"/>
           <p:nvPr/>
         </p:nvSpPr>
@@ -427,14 +775,15 @@
           </a:prstGeom>
         </p:spPr>
         <p:txBody>
-          <a:bodyPr lIns="93240" rIns="93240" tIns="46440" bIns="46440" anchor="b"/>
-          <a:p>
-            <a:pPr>
+          <a:bodyPr lIns="93240" tIns="46440" rIns="93240" bIns="46440" anchor="b"/>
+          <a:lstStyle/>
+          <a:p>
+            <a:pPr algn="r">
               <a:lnSpc>
                 <a:spcPct val="100000"/>
               </a:lnSpc>
             </a:pPr>
-            <a:fld id="{05775EEA-0CE8-4151-B1A3-BEDCC46F60EB}" type="slidenum">
+            <a:fld id="{3180AABD-A466-496E-9229-FA2058EBDF4E}" type="slidenum">
               <a:rPr lang="en-US" sz="1200">
                 <a:solidFill>
                   <a:srgbClr val="000000"/>
@@ -442,57 +791,22 @@
                 <a:latin typeface="Arial"/>
                 <a:ea typeface="PMingLiU"/>
               </a:rPr>
-              <a:t>&lt;number&gt;</a:t>
+              <a:t>3</a:t>
             </a:fld>
-            <a:endParaRPr/>
-          </a:p>
-        </p:txBody>
-      </p:sp>
-      <p:sp>
-        <p:nvSpPr>
-          <p:cNvPr id="118" name="PlaceHolder 2"/>
-          <p:cNvSpPr>
-            <a:spLocks noGrp="1"/>
-          </p:cNvSpPr>
-          <p:nvPr>
-            <p:ph type="body"/>
-          </p:nvPr>
-        </p:nvSpPr>
-        <p:spPr>
-          <a:xfrm>
-            <a:off x="700920" y="4415760"/>
-            <a:ext cx="5608080" cy="4183200"/>
-          </a:xfrm>
-          <a:prstGeom prst="rect">
-            <a:avLst/>
-          </a:prstGeom>
-        </p:spPr>
-        <p:txBody>
-          <a:bodyPr lIns="93240" rIns="93240" tIns="46440" bIns="46440"/>
-          <a:p>
-            <a:pPr>
-              <a:lnSpc>
-                <a:spcPct val="100000"/>
-              </a:lnSpc>
-            </a:pPr>
-            <a:r>
-              <a:rPr lang="en-US" sz="2000">
-                <a:latin typeface="Arial"/>
-                <a:ea typeface="PMingLiU"/>
-              </a:rPr>
-              <a:t>The motivation of this project</a:t>
-            </a:r>
             <a:endParaRPr/>
           </a:p>
         </p:txBody>
       </p:sp>
     </p:spTree>
   </p:cSld>
+  <p:clrMapOvr>
+    <a:masterClrMapping/>
+  </p:clrMapOvr>
 </p:notes>
 </file>
 
-<file path=ppt/notesSlides/notesSlide3.xml><?xml version="1.0" encoding="utf-8"?>
-<p:notes xmlns:a="http://schemas.openxmlformats.org/drawingml/2006/main" xmlns:p="http://schemas.openxmlformats.org/presentationml/2006/main" xmlns:r="http://schemas.openxmlformats.org/officeDocument/2006/relationships">
+<file path=ppt/notesSlides/notesSlide4.xml><?xml version="1.0" encoding="utf-8"?>
+<p:notes xmlns:a="http://schemas.openxmlformats.org/drawingml/2006/main" xmlns:r="http://schemas.openxmlformats.org/officeDocument/2006/relationships" xmlns:p="http://schemas.openxmlformats.org/presentationml/2006/main">
   <p:cSld>
     <p:spTree>
       <p:nvGrpSpPr>
@@ -510,7 +824,7 @@
       </p:grpSpPr>
       <p:sp>
         <p:nvSpPr>
-          <p:cNvPr id="119" name="PlaceHolder 1"/>
+          <p:cNvPr id="121" name="PlaceHolder 1"/>
           <p:cNvSpPr>
             <a:spLocks noGrp="1"/>
           </p:cNvSpPr>
@@ -528,15 +842,16 @@
           </a:prstGeom>
         </p:spPr>
         <p:txBody>
-          <a:bodyPr lIns="93240" rIns="93240" tIns="46440" bIns="46440"/>
-          <a:p>
-            <a:endParaRPr/>
-          </a:p>
-        </p:txBody>
-      </p:sp>
-      <p:sp>
-        <p:nvSpPr>
-          <p:cNvPr id="120" name="TextShape 2"/>
+          <a:bodyPr lIns="93240" tIns="46440" rIns="93240" bIns="46440"/>
+          <a:lstStyle/>
+          <a:p>
+            <a:endParaRPr/>
+          </a:p>
+        </p:txBody>
+      </p:sp>
+      <p:sp>
+        <p:nvSpPr>
+          <p:cNvPr id="122" name="TextShape 2"/>
           <p:cNvSpPr txBox="1"/>
           <p:nvPr/>
         </p:nvSpPr>
@@ -550,14 +865,15 @@
           </a:prstGeom>
         </p:spPr>
         <p:txBody>
-          <a:bodyPr lIns="93240" rIns="93240" tIns="46440" bIns="46440" anchor="b"/>
+          <a:bodyPr lIns="93240" tIns="46440" rIns="93240" bIns="46440" anchor="b"/>
+          <a:lstStyle/>
           <a:p>
             <a:pPr algn="r">
               <a:lnSpc>
                 <a:spcPct val="100000"/>
               </a:lnSpc>
             </a:pPr>
-            <a:fld id="{3180AABD-A466-496E-9229-FA2058EBDF4E}" type="slidenum">
+            <a:fld id="{37877CC4-8009-4247-8EA0-C97A60D54EF1}" type="slidenum">
               <a:rPr lang="en-US" sz="1200">
                 <a:solidFill>
                   <a:srgbClr val="000000"/>
@@ -565,7 +881,7 @@
                 <a:latin typeface="Arial"/>
                 <a:ea typeface="PMingLiU"/>
               </a:rPr>
-              <a:t>&lt;number&gt;</a:t>
+              <a:t>4</a:t>
             </a:fld>
             <a:endParaRPr/>
           </a:p>
@@ -573,11 +889,14 @@
       </p:sp>
     </p:spTree>
   </p:cSld>
+  <p:clrMapOvr>
+    <a:masterClrMapping/>
+  </p:clrMapOvr>
 </p:notes>
 </file>
 
-<file path=ppt/notesSlides/notesSlide4.xml><?xml version="1.0" encoding="utf-8"?>
-<p:notes xmlns:a="http://schemas.openxmlformats.org/drawingml/2006/main" xmlns:p="http://schemas.openxmlformats.org/presentationml/2006/main" xmlns:r="http://schemas.openxmlformats.org/officeDocument/2006/relationships">
+<file path=ppt/notesSlides/notesSlide5.xml><?xml version="1.0" encoding="utf-8"?>
+<p:notes xmlns:a="http://schemas.openxmlformats.org/drawingml/2006/main" xmlns:r="http://schemas.openxmlformats.org/officeDocument/2006/relationships" xmlns:p="http://schemas.openxmlformats.org/presentationml/2006/main">
   <p:cSld>
     <p:spTree>
       <p:nvGrpSpPr>
@@ -595,33 +914,7 @@
       </p:grpSpPr>
       <p:sp>
         <p:nvSpPr>
-          <p:cNvPr id="121" name="PlaceHolder 1"/>
-          <p:cNvSpPr>
-            <a:spLocks noGrp="1"/>
-          </p:cNvSpPr>
-          <p:nvPr>
-            <p:ph type="body"/>
-          </p:nvPr>
-        </p:nvSpPr>
-        <p:spPr>
-          <a:xfrm>
-            <a:off x="700920" y="4415760"/>
-            <a:ext cx="5608080" cy="4183200"/>
-          </a:xfrm>
-          <a:prstGeom prst="rect">
-            <a:avLst/>
-          </a:prstGeom>
-        </p:spPr>
-        <p:txBody>
-          <a:bodyPr lIns="93240" rIns="93240" tIns="46440" bIns="46440"/>
-          <a:p>
-            <a:endParaRPr/>
-          </a:p>
-        </p:txBody>
-      </p:sp>
-      <p:sp>
-        <p:nvSpPr>
-          <p:cNvPr id="122" name="TextShape 2"/>
+          <p:cNvPr id="123" name="TextShape 1"/>
           <p:cNvSpPr txBox="1"/>
           <p:nvPr/>
         </p:nvSpPr>
@@ -635,14 +928,15 @@
           </a:prstGeom>
         </p:spPr>
         <p:txBody>
-          <a:bodyPr lIns="93240" rIns="93240" tIns="46440" bIns="46440" anchor="b"/>
-          <a:p>
-            <a:pPr algn="r">
+          <a:bodyPr lIns="93240" tIns="46440" rIns="93240" bIns="46440" anchor="b"/>
+          <a:lstStyle/>
+          <a:p>
+            <a:pPr>
               <a:lnSpc>
                 <a:spcPct val="100000"/>
               </a:lnSpc>
             </a:pPr>
-            <a:fld id="{37877CC4-8009-4247-8EA0-C97A60D54EF1}" type="slidenum">
+            <a:fld id="{6352C1E2-4C8A-4A90-940F-7A70DF07AF23}" type="slidenum">
               <a:rPr lang="en-US" sz="1200">
                 <a:solidFill>
                   <a:srgbClr val="000000"/>
@@ -650,19 +944,61 @@
                 <a:latin typeface="Arial"/>
                 <a:ea typeface="PMingLiU"/>
               </a:rPr>
-              <a:t>&lt;number&gt;</a:t>
+              <a:t>5</a:t>
             </a:fld>
+            <a:endParaRPr/>
+          </a:p>
+        </p:txBody>
+      </p:sp>
+      <p:sp>
+        <p:nvSpPr>
+          <p:cNvPr id="124" name="PlaceHolder 2"/>
+          <p:cNvSpPr>
+            <a:spLocks noGrp="1"/>
+          </p:cNvSpPr>
+          <p:nvPr>
+            <p:ph type="body"/>
+          </p:nvPr>
+        </p:nvSpPr>
+        <p:spPr>
+          <a:xfrm>
+            <a:off x="700920" y="4415760"/>
+            <a:ext cx="5608080" cy="4183200"/>
+          </a:xfrm>
+          <a:prstGeom prst="rect">
+            <a:avLst/>
+          </a:prstGeom>
+        </p:spPr>
+        <p:txBody>
+          <a:bodyPr lIns="93240" tIns="46440" rIns="93240" bIns="46440"/>
+          <a:lstStyle/>
+          <a:p>
+            <a:pPr>
+              <a:lnSpc>
+                <a:spcPct val="100000"/>
+              </a:lnSpc>
+            </a:pPr>
+            <a:r>
+              <a:rPr lang="en-US" sz="2000">
+                <a:latin typeface="Arial"/>
+                <a:ea typeface="PMingLiU"/>
+              </a:rPr>
+              <a:t>Here, we make the claim of this project.</a:t>
+            </a:r>
             <a:endParaRPr/>
           </a:p>
         </p:txBody>
       </p:sp>
     </p:spTree>
   </p:cSld>
+  <p:clrMapOvr>
+    <a:masterClrMapping/>
+  </p:clrMapOvr>
 </p:notes>
 </file>
 
-<file path=ppt/notesSlides/notesSlide5.xml><?xml version="1.0" encoding="utf-8"?>
-<p:notes xmlns:a="http://schemas.openxmlformats.org/drawingml/2006/main" xmlns:p="http://schemas.openxmlformats.org/presentationml/2006/main" xmlns:r="http://schemas.openxmlformats.org/officeDocument/2006/relationships">
+<file path=ppt/notesSlides/notesSlide6.xml><?xml version="1.0" encoding="utf-8"?>
+<p:notes xmlns:a="http://schemas.openxmlformats.org/drawingml/2006/main" xmlns:r="http://schemas.openxmlformats.org/officeDocument/2006/relationships" xmlns:p="http://schemas.openxmlformats.org/presentationml/2006/main">
   <p:cSld>
     <p:spTree>
       <p:nvGrpSpPr>
@@ -680,28 +1016,67 @@
       </p:grpSpPr>
       <p:sp>
         <p:nvSpPr>
-          <p:cNvPr id="123" name="TextShape 1"/>
-          <p:cNvSpPr txBox="1"/>
-          <p:nvPr/>
-        </p:nvSpPr>
-        <p:spPr>
-          <a:xfrm>
-            <a:off x="3970800" y="8830080"/>
-            <a:ext cx="3037320" cy="464400"/>
-          </a:xfrm>
-          <a:prstGeom prst="rect">
-            <a:avLst/>
-          </a:prstGeom>
-        </p:spPr>
-        <p:txBody>
-          <a:bodyPr lIns="93240" rIns="93240" tIns="46440" bIns="46440" anchor="b"/>
+          <p:cNvPr id="125" name="PlaceHolder 1"/>
+          <p:cNvSpPr>
+            <a:spLocks noGrp="1"/>
+          </p:cNvSpPr>
+          <p:nvPr>
+            <p:ph type="body"/>
+          </p:nvPr>
+        </p:nvSpPr>
+        <p:spPr>
+          <a:xfrm>
+            <a:off x="700920" y="4415760"/>
+            <a:ext cx="5608080" cy="4183200"/>
+          </a:xfrm>
+          <a:prstGeom prst="rect">
+            <a:avLst/>
+          </a:prstGeom>
+        </p:spPr>
+        <p:txBody>
+          <a:bodyPr lIns="93240" tIns="46440" rIns="93240" bIns="46440"/>
+          <a:lstStyle/>
           <a:p>
             <a:pPr>
               <a:lnSpc>
                 <a:spcPct val="100000"/>
               </a:lnSpc>
             </a:pPr>
-            <a:fld id="{6352C1E2-4C8A-4A90-940F-7A70DF07AF23}" type="slidenum">
+            <a:r>
+              <a:rPr lang="en-US" sz="2000">
+                <a:latin typeface="Arial"/>
+              </a:rPr>
+              <a:t>Here is our proposed solution. </a:t>
+            </a:r>
+            <a:endParaRPr/>
+          </a:p>
+        </p:txBody>
+      </p:sp>
+      <p:sp>
+        <p:nvSpPr>
+          <p:cNvPr id="126" name="TextShape 2"/>
+          <p:cNvSpPr txBox="1"/>
+          <p:nvPr/>
+        </p:nvSpPr>
+        <p:spPr>
+          <a:xfrm>
+            <a:off x="3970800" y="8830080"/>
+            <a:ext cx="3037320" cy="464400"/>
+          </a:xfrm>
+          <a:prstGeom prst="rect">
+            <a:avLst/>
+          </a:prstGeom>
+        </p:spPr>
+        <p:txBody>
+          <a:bodyPr lIns="93240" tIns="46440" rIns="93240" bIns="46440" anchor="b"/>
+          <a:lstStyle/>
+          <a:p>
+            <a:pPr algn="r">
+              <a:lnSpc>
+                <a:spcPct val="100000"/>
+              </a:lnSpc>
+            </a:pPr>
+            <a:fld id="{0D32D1C9-3AED-475D-91D7-3B87C5F7BA6A}" type="slidenum">
               <a:rPr lang="en-US" sz="1200">
                 <a:solidFill>
                   <a:srgbClr val="000000"/>
@@ -709,57 +1084,22 @@
                 <a:latin typeface="Arial"/>
                 <a:ea typeface="PMingLiU"/>
               </a:rPr>
-              <a:t>&lt;number&gt;</a:t>
+              <a:t>6</a:t>
             </a:fld>
-            <a:endParaRPr/>
-          </a:p>
-        </p:txBody>
-      </p:sp>
-      <p:sp>
-        <p:nvSpPr>
-          <p:cNvPr id="124" name="PlaceHolder 2"/>
-          <p:cNvSpPr>
-            <a:spLocks noGrp="1"/>
-          </p:cNvSpPr>
-          <p:nvPr>
-            <p:ph type="body"/>
-          </p:nvPr>
-        </p:nvSpPr>
-        <p:spPr>
-          <a:xfrm>
-            <a:off x="700920" y="4415760"/>
-            <a:ext cx="5608080" cy="4183200"/>
-          </a:xfrm>
-          <a:prstGeom prst="rect">
-            <a:avLst/>
-          </a:prstGeom>
-        </p:spPr>
-        <p:txBody>
-          <a:bodyPr lIns="93240" rIns="93240" tIns="46440" bIns="46440"/>
-          <a:p>
-            <a:pPr>
-              <a:lnSpc>
-                <a:spcPct val="100000"/>
-              </a:lnSpc>
-            </a:pPr>
-            <a:r>
-              <a:rPr lang="en-US" sz="2000">
-                <a:latin typeface="Arial"/>
-                <a:ea typeface="PMingLiU"/>
-              </a:rPr>
-              <a:t>Here, we make the claim of this project.</a:t>
-            </a:r>
             <a:endParaRPr/>
           </a:p>
         </p:txBody>
       </p:sp>
     </p:spTree>
   </p:cSld>
+  <p:clrMapOvr>
+    <a:masterClrMapping/>
+  </p:clrMapOvr>
 </p:notes>
 </file>
 
-<file path=ppt/notesSlides/notesSlide6.xml><?xml version="1.0" encoding="utf-8"?>
-<p:notes xmlns:a="http://schemas.openxmlformats.org/drawingml/2006/main" xmlns:p="http://schemas.openxmlformats.org/presentationml/2006/main" xmlns:r="http://schemas.openxmlformats.org/officeDocument/2006/relationships">
+<file path=ppt/notesSlides/notesSlide7.xml><?xml version="1.0" encoding="utf-8"?>
+<p:notes xmlns:a="http://schemas.openxmlformats.org/drawingml/2006/main" xmlns:r="http://schemas.openxmlformats.org/officeDocument/2006/relationships" xmlns:p="http://schemas.openxmlformats.org/presentationml/2006/main">
   <p:cSld>
     <p:spTree>
       <p:nvGrpSpPr>
@@ -777,65 +1117,29 @@
       </p:grpSpPr>
       <p:sp>
         <p:nvSpPr>
-          <p:cNvPr id="125" name="PlaceHolder 1"/>
-          <p:cNvSpPr>
-            <a:spLocks noGrp="1"/>
-          </p:cNvSpPr>
-          <p:nvPr>
-            <p:ph type="body"/>
-          </p:nvPr>
-        </p:nvSpPr>
-        <p:spPr>
-          <a:xfrm>
-            <a:off x="700920" y="4415760"/>
-            <a:ext cx="5608080" cy="4183200"/>
-          </a:xfrm>
-          <a:prstGeom prst="rect">
-            <a:avLst/>
-          </a:prstGeom>
-        </p:spPr>
-        <p:txBody>
-          <a:bodyPr lIns="93240" rIns="93240" tIns="46440" bIns="46440"/>
+          <p:cNvPr id="127" name="TextShape 1"/>
+          <p:cNvSpPr txBox="1"/>
+          <p:nvPr/>
+        </p:nvSpPr>
+        <p:spPr>
+          <a:xfrm>
+            <a:off x="3970800" y="8830080"/>
+            <a:ext cx="3037320" cy="464400"/>
+          </a:xfrm>
+          <a:prstGeom prst="rect">
+            <a:avLst/>
+          </a:prstGeom>
+        </p:spPr>
+        <p:txBody>
+          <a:bodyPr lIns="93240" tIns="46440" rIns="93240" bIns="46440" anchor="b"/>
+          <a:lstStyle/>
           <a:p>
             <a:pPr>
               <a:lnSpc>
                 <a:spcPct val="100000"/>
               </a:lnSpc>
             </a:pPr>
-            <a:r>
-              <a:rPr lang="en-US" sz="2000">
-                <a:latin typeface="Arial"/>
-              </a:rPr>
-              <a:t>Here is our proposed solution. </a:t>
-            </a:r>
-            <a:endParaRPr/>
-          </a:p>
-        </p:txBody>
-      </p:sp>
-      <p:sp>
-        <p:nvSpPr>
-          <p:cNvPr id="126" name="TextShape 2"/>
-          <p:cNvSpPr txBox="1"/>
-          <p:nvPr/>
-        </p:nvSpPr>
-        <p:spPr>
-          <a:xfrm>
-            <a:off x="3970800" y="8830080"/>
-            <a:ext cx="3037320" cy="464400"/>
-          </a:xfrm>
-          <a:prstGeom prst="rect">
-            <a:avLst/>
-          </a:prstGeom>
-        </p:spPr>
-        <p:txBody>
-          <a:bodyPr lIns="93240" rIns="93240" tIns="46440" bIns="46440" anchor="b"/>
-          <a:p>
-            <a:pPr algn="r">
-              <a:lnSpc>
-                <a:spcPct val="100000"/>
-              </a:lnSpc>
-            </a:pPr>
-            <a:fld id="{0D32D1C9-3AED-475D-91D7-3B87C5F7BA6A}" type="slidenum">
+            <a:fld id="{9C4B1067-BBBA-4ECB-933B-7A7C1DD82011}" type="slidenum">
               <a:rPr lang="en-US" sz="1200">
                 <a:solidFill>
                   <a:srgbClr val="000000"/>
@@ -843,19 +1147,61 @@
                 <a:latin typeface="Arial"/>
                 <a:ea typeface="PMingLiU"/>
               </a:rPr>
-              <a:t>&lt;number&gt;</a:t>
+              <a:t>7</a:t>
             </a:fld>
+            <a:endParaRPr/>
+          </a:p>
+        </p:txBody>
+      </p:sp>
+      <p:sp>
+        <p:nvSpPr>
+          <p:cNvPr id="128" name="PlaceHolder 2"/>
+          <p:cNvSpPr>
+            <a:spLocks noGrp="1"/>
+          </p:cNvSpPr>
+          <p:nvPr>
+            <p:ph type="body"/>
+          </p:nvPr>
+        </p:nvSpPr>
+        <p:spPr>
+          <a:xfrm>
+            <a:off x="700920" y="4415760"/>
+            <a:ext cx="5608080" cy="4183200"/>
+          </a:xfrm>
+          <a:prstGeom prst="rect">
+            <a:avLst/>
+          </a:prstGeom>
+        </p:spPr>
+        <p:txBody>
+          <a:bodyPr lIns="93240" tIns="46440" rIns="93240" bIns="46440"/>
+          <a:lstStyle/>
+          <a:p>
+            <a:pPr>
+              <a:lnSpc>
+                <a:spcPct val="100000"/>
+              </a:lnSpc>
+            </a:pPr>
+            <a:r>
+              <a:rPr lang="en-US" sz="2000">
+                <a:latin typeface="Arial"/>
+                <a:ea typeface="PMingLiU"/>
+              </a:rPr>
+              <a:t>In the rest of this presentation, I’m going to talk about following contents:</a:t>
+            </a:r>
             <a:endParaRPr/>
           </a:p>
         </p:txBody>
       </p:sp>
     </p:spTree>
   </p:cSld>
+  <p:clrMapOvr>
+    <a:masterClrMapping/>
+  </p:clrMapOvr>
 </p:notes>
 </file>
 
-<file path=ppt/notesSlides/notesSlide7.xml><?xml version="1.0" encoding="utf-8"?>
-<p:notes xmlns:a="http://schemas.openxmlformats.org/drawingml/2006/main" xmlns:p="http://schemas.openxmlformats.org/presentationml/2006/main" xmlns:r="http://schemas.openxmlformats.org/officeDocument/2006/relationships">
+<file path=ppt/notesSlides/notesSlide8.xml><?xml version="1.0" encoding="utf-8"?>
+<p:notes xmlns:a="http://schemas.openxmlformats.org/drawingml/2006/main" xmlns:r="http://schemas.openxmlformats.org/officeDocument/2006/relationships" xmlns:p="http://schemas.openxmlformats.org/presentationml/2006/main">
   <p:cSld>
     <p:spTree>
       <p:nvGrpSpPr>
@@ -873,7 +1219,7 @@
       </p:grpSpPr>
       <p:sp>
         <p:nvSpPr>
-          <p:cNvPr id="127" name="TextShape 1"/>
+          <p:cNvPr id="129" name="TextShape 1"/>
           <p:cNvSpPr txBox="1"/>
           <p:nvPr/>
         </p:nvSpPr>
@@ -887,14 +1233,15 @@
           </a:prstGeom>
         </p:spPr>
         <p:txBody>
-          <a:bodyPr lIns="93240" rIns="93240" tIns="46440" bIns="46440" anchor="b"/>
+          <a:bodyPr lIns="93240" tIns="46440" rIns="93240" bIns="46440" anchor="b"/>
+          <a:lstStyle/>
           <a:p>
             <a:pPr>
               <a:lnSpc>
                 <a:spcPct val="100000"/>
               </a:lnSpc>
             </a:pPr>
-            <a:fld id="{9C4B1067-BBBA-4ECB-933B-7A7C1DD82011}" type="slidenum">
+            <a:fld id="{7A41BC0B-863F-42C2-A7D7-AC7F93CED962}" type="slidenum">
               <a:rPr lang="en-US" sz="1200">
                 <a:solidFill>
                   <a:srgbClr val="000000"/>
@@ -902,7 +1249,7 @@
                 <a:latin typeface="Arial"/>
                 <a:ea typeface="PMingLiU"/>
               </a:rPr>
-              <a:t>&lt;number&gt;</a:t>
+              <a:t>8</a:t>
             </a:fld>
             <a:endParaRPr/>
           </a:p>
@@ -910,7 +1257,7 @@
       </p:sp>
       <p:sp>
         <p:nvSpPr>
-          <p:cNvPr id="128" name="PlaceHolder 2"/>
+          <p:cNvPr id="130" name="PlaceHolder 2"/>
           <p:cNvSpPr>
             <a:spLocks noGrp="1"/>
           </p:cNvSpPr>
@@ -928,7 +1275,8 @@
           </a:prstGeom>
         </p:spPr>
         <p:txBody>
-          <a:bodyPr lIns="93240" rIns="93240" tIns="46440" bIns="46440"/>
+          <a:bodyPr lIns="93240" tIns="46440" rIns="93240" bIns="46440"/>
+          <a:lstStyle/>
           <a:p>
             <a:pPr>
               <a:lnSpc>
@@ -936,23 +1284,26 @@
               </a:lnSpc>
             </a:pPr>
             <a:r>
-              <a:rPr lang="en-US" sz="2000">
+              <a:rPr lang="en-US" sz="2000" dirty="0">
                 <a:latin typeface="Arial"/>
                 <a:ea typeface="PMingLiU"/>
               </a:rPr>
               <a:t>In the rest of this presentation, I’m going to talk about following contents:</a:t>
             </a:r>
-            <a:endParaRPr/>
+            <a:endParaRPr dirty="0"/>
           </a:p>
         </p:txBody>
       </p:sp>
     </p:spTree>
   </p:cSld>
+  <p:clrMapOvr>
+    <a:masterClrMapping/>
+  </p:clrMapOvr>
 </p:notes>
 </file>
 
-<file path=ppt/notesSlides/notesSlide8.xml><?xml version="1.0" encoding="utf-8"?>
-<p:notes xmlns:a="http://schemas.openxmlformats.org/drawingml/2006/main" xmlns:p="http://schemas.openxmlformats.org/presentationml/2006/main" xmlns:r="http://schemas.openxmlformats.org/officeDocument/2006/relationships">
+<file path=ppt/notesSlides/notesSlide9.xml><?xml version="1.0" encoding="utf-8"?>
+<p:notes xmlns:a="http://schemas.openxmlformats.org/drawingml/2006/main" xmlns:r="http://schemas.openxmlformats.org/officeDocument/2006/relationships" xmlns:p="http://schemas.openxmlformats.org/presentationml/2006/main">
   <p:cSld>
     <p:spTree>
       <p:nvGrpSpPr>
@@ -970,103 +1321,6 @@
       </p:grpSpPr>
       <p:sp>
         <p:nvSpPr>
-          <p:cNvPr id="129" name="TextShape 1"/>
-          <p:cNvSpPr txBox="1"/>
-          <p:nvPr/>
-        </p:nvSpPr>
-        <p:spPr>
-          <a:xfrm>
-            <a:off x="3970800" y="8830080"/>
-            <a:ext cx="3037320" cy="464400"/>
-          </a:xfrm>
-          <a:prstGeom prst="rect">
-            <a:avLst/>
-          </a:prstGeom>
-        </p:spPr>
-        <p:txBody>
-          <a:bodyPr lIns="93240" rIns="93240" tIns="46440" bIns="46440" anchor="b"/>
-          <a:p>
-            <a:pPr>
-              <a:lnSpc>
-                <a:spcPct val="100000"/>
-              </a:lnSpc>
-            </a:pPr>
-            <a:fld id="{7A41BC0B-863F-42C2-A7D7-AC7F93CED962}" type="slidenum">
-              <a:rPr lang="en-US" sz="1200">
-                <a:solidFill>
-                  <a:srgbClr val="000000"/>
-                </a:solidFill>
-                <a:latin typeface="Arial"/>
-                <a:ea typeface="PMingLiU"/>
-              </a:rPr>
-              <a:t>&lt;number&gt;</a:t>
-            </a:fld>
-            <a:endParaRPr/>
-          </a:p>
-        </p:txBody>
-      </p:sp>
-      <p:sp>
-        <p:nvSpPr>
-          <p:cNvPr id="130" name="PlaceHolder 2"/>
-          <p:cNvSpPr>
-            <a:spLocks noGrp="1"/>
-          </p:cNvSpPr>
-          <p:nvPr>
-            <p:ph type="body"/>
-          </p:nvPr>
-        </p:nvSpPr>
-        <p:spPr>
-          <a:xfrm>
-            <a:off x="700920" y="4415760"/>
-            <a:ext cx="5608080" cy="4183200"/>
-          </a:xfrm>
-          <a:prstGeom prst="rect">
-            <a:avLst/>
-          </a:prstGeom>
-        </p:spPr>
-        <p:txBody>
-          <a:bodyPr lIns="93240" rIns="93240" tIns="46440" bIns="46440"/>
-          <a:p>
-            <a:pPr>
-              <a:lnSpc>
-                <a:spcPct val="100000"/>
-              </a:lnSpc>
-            </a:pPr>
-            <a:r>
-              <a:rPr lang="en-US" sz="2000">
-                <a:latin typeface="Arial"/>
-                <a:ea typeface="PMingLiU"/>
-              </a:rPr>
-              <a:t>In the rest of this presentation, I’m going to talk about following contents:</a:t>
-            </a:r>
-            <a:endParaRPr/>
-          </a:p>
-        </p:txBody>
-      </p:sp>
-    </p:spTree>
-  </p:cSld>
-</p:notes>
-</file>
-
-<file path=ppt/notesSlides/notesSlide9.xml><?xml version="1.0" encoding="utf-8"?>
-<p:notes xmlns:a="http://schemas.openxmlformats.org/drawingml/2006/main" xmlns:p="http://schemas.openxmlformats.org/presentationml/2006/main" xmlns:r="http://schemas.openxmlformats.org/officeDocument/2006/relationships">
-  <p:cSld>
-    <p:spTree>
-      <p:nvGrpSpPr>
-        <p:cNvPr id="1" name=""/>
-        <p:cNvGrpSpPr/>
-        <p:nvPr/>
-      </p:nvGrpSpPr>
-      <p:grpSpPr>
-        <a:xfrm>
-          <a:off x="0" y="0"/>
-          <a:ext cx="0" cy="0"/>
-          <a:chOff x="0" y="0"/>
-          <a:chExt cx="0" cy="0"/>
-        </a:xfrm>
-      </p:grpSpPr>
-      <p:sp>
-        <p:nvSpPr>
           <p:cNvPr id="131" name="TextShape 1"/>
           <p:cNvSpPr txBox="1"/>
           <p:nvPr/>
@@ -1081,7 +1335,8 @@
           </a:prstGeom>
         </p:spPr>
         <p:txBody>
-          <a:bodyPr lIns="93240" rIns="93240" tIns="46440" bIns="46440" anchor="b"/>
+          <a:bodyPr lIns="93240" tIns="46440" rIns="93240" bIns="46440" anchor="b"/>
+          <a:lstStyle/>
           <a:p>
             <a:pPr>
               <a:lnSpc>
@@ -1096,7 +1351,7 @@
                 <a:latin typeface="Arial"/>
                 <a:ea typeface="PMingLiU"/>
               </a:rPr>
-              <a:t>&lt;number&gt;</a:t>
+              <a:t>9</a:t>
             </a:fld>
             <a:endParaRPr/>
           </a:p>
@@ -1122,7 +1377,8 @@
           </a:prstGeom>
         </p:spPr>
         <p:txBody>
-          <a:bodyPr lIns="93240" rIns="93240" tIns="46440" bIns="46440"/>
+          <a:bodyPr lIns="93240" tIns="46440" rIns="93240" bIns="46440"/>
+          <a:lstStyle/>
           <a:p>
             <a:pPr>
               <a:lnSpc>
@@ -1130,23 +1386,78 @@
               </a:lnSpc>
             </a:pPr>
             <a:r>
-              <a:rPr lang="en-US" sz="2000">
-                <a:latin typeface="Arial"/>
-                <a:ea typeface="PMingLiU"/>
-              </a:rPr>
-              <a:t>In the rest of this presentation, I’m going to talk about following contents:</a:t>
-            </a:r>
-            <a:endParaRPr/>
+              <a:rPr lang="en-US" dirty="0" smtClean="0"/>
+              <a:t>Naïve</a:t>
+            </a:r>
+            <a:r>
+              <a:rPr lang="en-US" baseline="0" dirty="0" smtClean="0"/>
+              <a:t> Bayes: 53.19% </a:t>
+            </a:r>
+          </a:p>
+          <a:p>
+            <a:pPr>
+              <a:lnSpc>
+                <a:spcPct val="100000"/>
+              </a:lnSpc>
+            </a:pPr>
+            <a:r>
+              <a:rPr lang="en-US" baseline="0" dirty="0" smtClean="0"/>
+              <a:t>Random Forest: 50.307%</a:t>
+            </a:r>
+          </a:p>
+          <a:p>
+            <a:pPr>
+              <a:lnSpc>
+                <a:spcPct val="100000"/>
+              </a:lnSpc>
+            </a:pPr>
+            <a:r>
+              <a:rPr lang="en-US" baseline="0" dirty="0" smtClean="0"/>
+              <a:t>Decision Tree: 53.057%</a:t>
+            </a:r>
+          </a:p>
+          <a:p>
+            <a:pPr>
+              <a:lnSpc>
+                <a:spcPct val="100000"/>
+              </a:lnSpc>
+            </a:pPr>
+            <a:r>
+              <a:rPr lang="en-US" baseline="0" dirty="0" smtClean="0"/>
+              <a:t>K-nearest neighbor (K =5): 50.726%</a:t>
+            </a:r>
+          </a:p>
+          <a:p>
+            <a:pPr>
+              <a:lnSpc>
+                <a:spcPct val="100000"/>
+              </a:lnSpc>
+            </a:pPr>
+            <a:r>
+              <a:rPr lang="en-US" baseline="0" dirty="0" smtClean="0"/>
+              <a:t>SVM: 50%</a:t>
+            </a:r>
+          </a:p>
+          <a:p>
+            <a:pPr>
+              <a:lnSpc>
+                <a:spcPct val="100000"/>
+              </a:lnSpc>
+            </a:pPr>
+            <a:endParaRPr dirty="0"/>
           </a:p>
         </p:txBody>
       </p:sp>
     </p:spTree>
   </p:cSld>
+  <p:clrMapOvr>
+    <a:masterClrMapping/>
+  </p:clrMapOvr>
 </p:notes>
 </file>
 
 <file path=ppt/slideLayouts/slideLayout1.xml><?xml version="1.0" encoding="utf-8"?>
-<p:sldLayout xmlns:a="http://schemas.openxmlformats.org/drawingml/2006/main" xmlns:p="http://schemas.openxmlformats.org/presentationml/2006/main" xmlns:r="http://schemas.openxmlformats.org/officeDocument/2006/relationships" type="blank" preserve="1">
+<p:sldLayout xmlns:a="http://schemas.openxmlformats.org/drawingml/2006/main" xmlns:r="http://schemas.openxmlformats.org/officeDocument/2006/relationships" xmlns:p="http://schemas.openxmlformats.org/presentationml/2006/main" type="blank" preserve="1">
   <p:cSld name="Blank Slide">
     <p:spTree>
       <p:nvGrpSpPr>
@@ -1164,11 +1475,14 @@
       </p:grpSpPr>
     </p:spTree>
   </p:cSld>
+  <p:clrMapOvr>
+    <a:masterClrMapping/>
+  </p:clrMapOvr>
 </p:sldLayout>
 </file>
 
 <file path=ppt/slideLayouts/slideLayout10.xml><?xml version="1.0" encoding="utf-8"?>
-<p:sldLayout xmlns:a="http://schemas.openxmlformats.org/drawingml/2006/main" xmlns:p="http://schemas.openxmlformats.org/presentationml/2006/main" xmlns:r="http://schemas.openxmlformats.org/officeDocument/2006/relationships" type="objOverTx" preserve="1">
+<p:sldLayout xmlns:a="http://schemas.openxmlformats.org/drawingml/2006/main" xmlns:r="http://schemas.openxmlformats.org/officeDocument/2006/relationships" xmlns:p="http://schemas.openxmlformats.org/presentationml/2006/main" type="objOverTx" preserve="1">
   <p:cSld name="Title, Content over Content">
     <p:spTree>
       <p:nvGrpSpPr>
@@ -1204,7 +1518,8 @@
           </a:prstGeom>
         </p:spPr>
         <p:txBody>
-          <a:bodyPr lIns="0" rIns="0" tIns="0" bIns="0" anchor="ctr"/>
+          <a:bodyPr lIns="0" tIns="0" rIns="0" bIns="0" anchor="ctr"/>
+          <a:lstStyle/>
           <a:p>
             <a:endParaRPr/>
           </a:p>
@@ -1230,7 +1545,8 @@
           </a:prstGeom>
         </p:spPr>
         <p:txBody>
-          <a:bodyPr lIns="0" rIns="0" tIns="0" bIns="0"/>
+          <a:bodyPr lIns="0" tIns="0" rIns="0" bIns="0"/>
+          <a:lstStyle/>
           <a:p>
             <a:endParaRPr/>
           </a:p>
@@ -1256,7 +1572,8 @@
           </a:prstGeom>
         </p:spPr>
         <p:txBody>
-          <a:bodyPr lIns="0" rIns="0" tIns="0" bIns="0"/>
+          <a:bodyPr lIns="0" tIns="0" rIns="0" bIns="0"/>
+          <a:lstStyle/>
           <a:p>
             <a:endParaRPr/>
           </a:p>
@@ -1264,11 +1581,14 @@
       </p:sp>
     </p:spTree>
   </p:cSld>
+  <p:clrMapOvr>
+    <a:masterClrMapping/>
+  </p:clrMapOvr>
 </p:sldLayout>
 </file>
 
 <file path=ppt/slideLayouts/slideLayout11.xml><?xml version="1.0" encoding="utf-8"?>
-<p:sldLayout xmlns:a="http://schemas.openxmlformats.org/drawingml/2006/main" xmlns:p="http://schemas.openxmlformats.org/presentationml/2006/main" xmlns:r="http://schemas.openxmlformats.org/officeDocument/2006/relationships" type="fourObj" preserve="1">
+<p:sldLayout xmlns:a="http://schemas.openxmlformats.org/drawingml/2006/main" xmlns:r="http://schemas.openxmlformats.org/officeDocument/2006/relationships" xmlns:p="http://schemas.openxmlformats.org/presentationml/2006/main" type="fourObj" preserve="1">
   <p:cSld name="Title, 4 Content">
     <p:spTree>
       <p:nvGrpSpPr>
@@ -1304,7 +1624,8 @@
           </a:prstGeom>
         </p:spPr>
         <p:txBody>
-          <a:bodyPr lIns="0" rIns="0" tIns="0" bIns="0" anchor="ctr"/>
+          <a:bodyPr lIns="0" tIns="0" rIns="0" bIns="0" anchor="ctr"/>
+          <a:lstStyle/>
           <a:p>
             <a:endParaRPr/>
           </a:p>
@@ -1330,7 +1651,8 @@
           </a:prstGeom>
         </p:spPr>
         <p:txBody>
-          <a:bodyPr lIns="0" rIns="0" tIns="0" bIns="0"/>
+          <a:bodyPr lIns="0" tIns="0" rIns="0" bIns="0"/>
+          <a:lstStyle/>
           <a:p>
             <a:endParaRPr/>
           </a:p>
@@ -1356,7 +1678,8 @@
           </a:prstGeom>
         </p:spPr>
         <p:txBody>
-          <a:bodyPr lIns="0" rIns="0" tIns="0" bIns="0"/>
+          <a:bodyPr lIns="0" tIns="0" rIns="0" bIns="0"/>
+          <a:lstStyle/>
           <a:p>
             <a:endParaRPr/>
           </a:p>
@@ -1382,7 +1705,8 @@
           </a:prstGeom>
         </p:spPr>
         <p:txBody>
-          <a:bodyPr lIns="0" rIns="0" tIns="0" bIns="0"/>
+          <a:bodyPr lIns="0" tIns="0" rIns="0" bIns="0"/>
+          <a:lstStyle/>
           <a:p>
             <a:endParaRPr/>
           </a:p>
@@ -1408,7 +1732,8 @@
           </a:prstGeom>
         </p:spPr>
         <p:txBody>
-          <a:bodyPr lIns="0" rIns="0" tIns="0" bIns="0"/>
+          <a:bodyPr lIns="0" tIns="0" rIns="0" bIns="0"/>
+          <a:lstStyle/>
           <a:p>
             <a:endParaRPr/>
           </a:p>
@@ -1416,11 +1741,14 @@
       </p:sp>
     </p:spTree>
   </p:cSld>
+  <p:clrMapOvr>
+    <a:masterClrMapping/>
+  </p:clrMapOvr>
 </p:sldLayout>
 </file>
 
 <file path=ppt/slideLayouts/slideLayout12.xml><?xml version="1.0" encoding="utf-8"?>
-<p:sldLayout xmlns:a="http://schemas.openxmlformats.org/drawingml/2006/main" xmlns:p="http://schemas.openxmlformats.org/presentationml/2006/main" xmlns:r="http://schemas.openxmlformats.org/officeDocument/2006/relationships" type="blank" preserve="1">
+<p:sldLayout xmlns:a="http://schemas.openxmlformats.org/drawingml/2006/main" xmlns:r="http://schemas.openxmlformats.org/officeDocument/2006/relationships" xmlns:p="http://schemas.openxmlformats.org/presentationml/2006/main" type="blank" preserve="1">
   <p:cSld name="Title, 6 Content">
     <p:spTree>
       <p:nvGrpSpPr>
@@ -1456,7 +1784,8 @@
           </a:prstGeom>
         </p:spPr>
         <p:txBody>
-          <a:bodyPr lIns="0" rIns="0" tIns="0" bIns="0" anchor="ctr"/>
+          <a:bodyPr lIns="0" tIns="0" rIns="0" bIns="0" anchor="ctr"/>
+          <a:lstStyle/>
           <a:p>
             <a:endParaRPr/>
           </a:p>
@@ -1482,7 +1811,8 @@
           </a:prstGeom>
         </p:spPr>
         <p:txBody>
-          <a:bodyPr lIns="0" rIns="0" tIns="0" bIns="0"/>
+          <a:bodyPr lIns="0" tIns="0" rIns="0" bIns="0"/>
+          <a:lstStyle/>
           <a:p>
             <a:endParaRPr/>
           </a:p>
@@ -1508,7 +1838,8 @@
           </a:prstGeom>
         </p:spPr>
         <p:txBody>
-          <a:bodyPr lIns="0" rIns="0" tIns="0" bIns="0"/>
+          <a:bodyPr lIns="0" tIns="0" rIns="0" bIns="0"/>
+          <a:lstStyle/>
           <a:p>
             <a:endParaRPr/>
           </a:p>
@@ -1516,7 +1847,7 @@
       </p:sp>
       <p:pic>
         <p:nvPicPr>
-          <p:cNvPr id="37" name="" descr=""/>
+          <p:cNvPr id="37" name="Picture 36"/>
           <p:cNvPicPr/>
           <p:nvPr/>
         </p:nvPicPr>
@@ -1541,12 +1872,12 @@
       </p:pic>
       <p:pic>
         <p:nvPicPr>
-          <p:cNvPr id="38" name="" descr=""/>
+          <p:cNvPr id="38" name="Picture 37"/>
           <p:cNvPicPr/>
           <p:nvPr/>
         </p:nvPicPr>
         <p:blipFill>
-          <a:blip r:embed="rId3"/>
+          <a:blip r:embed="rId2"/>
           <a:stretch>
             <a:fillRect/>
           </a:stretch>
@@ -1566,11 +1897,14 @@
       </p:pic>
     </p:spTree>
   </p:cSld>
+  <p:clrMapOvr>
+    <a:masterClrMapping/>
+  </p:clrMapOvr>
 </p:sldLayout>
 </file>
 
 <file path=ppt/slideLayouts/slideLayout13.xml><?xml version="1.0" encoding="utf-8"?>
-<p:sldLayout xmlns:a="http://schemas.openxmlformats.org/drawingml/2006/main" xmlns:p="http://schemas.openxmlformats.org/presentationml/2006/main" xmlns:r="http://schemas.openxmlformats.org/officeDocument/2006/relationships" type="blank" preserve="1">
+<p:sldLayout xmlns:a="http://schemas.openxmlformats.org/drawingml/2006/main" xmlns:r="http://schemas.openxmlformats.org/officeDocument/2006/relationships" xmlns:p="http://schemas.openxmlformats.org/presentationml/2006/main" type="blank" preserve="1">
   <p:cSld name="Blank Slide">
     <p:spTree>
       <p:nvGrpSpPr>
@@ -1588,11 +1922,14 @@
       </p:grpSpPr>
     </p:spTree>
   </p:cSld>
+  <p:clrMapOvr>
+    <a:masterClrMapping/>
+  </p:clrMapOvr>
 </p:sldLayout>
 </file>
 
 <file path=ppt/slideLayouts/slideLayout14.xml><?xml version="1.0" encoding="utf-8"?>
-<p:sldLayout xmlns:a="http://schemas.openxmlformats.org/drawingml/2006/main" xmlns:p="http://schemas.openxmlformats.org/presentationml/2006/main" xmlns:r="http://schemas.openxmlformats.org/officeDocument/2006/relationships" type="tx" preserve="1">
+<p:sldLayout xmlns:a="http://schemas.openxmlformats.org/drawingml/2006/main" xmlns:r="http://schemas.openxmlformats.org/officeDocument/2006/relationships" xmlns:p="http://schemas.openxmlformats.org/presentationml/2006/main" type="tx" preserve="1">
   <p:cSld name="Title Slide">
     <p:spTree>
       <p:nvGrpSpPr>
@@ -1628,7 +1965,8 @@
           </a:prstGeom>
         </p:spPr>
         <p:txBody>
-          <a:bodyPr lIns="0" rIns="0" tIns="0" bIns="0" anchor="ctr"/>
+          <a:bodyPr lIns="0" tIns="0" rIns="0" bIns="0" anchor="ctr"/>
+          <a:lstStyle/>
           <a:p>
             <a:endParaRPr/>
           </a:p>
@@ -1654,7 +1992,8 @@
           </a:prstGeom>
         </p:spPr>
         <p:txBody>
-          <a:bodyPr lIns="0" rIns="0" tIns="0" bIns="0" anchor="ctr"/>
+          <a:bodyPr lIns="0" tIns="0" rIns="0" bIns="0" anchor="ctr"/>
+          <a:lstStyle/>
           <a:p>
             <a:pPr algn="ctr"/>
             <a:endParaRPr/>
@@ -1663,11 +2002,14 @@
       </p:sp>
     </p:spTree>
   </p:cSld>
+  <p:clrMapOvr>
+    <a:masterClrMapping/>
+  </p:clrMapOvr>
 </p:sldLayout>
 </file>
 
 <file path=ppt/slideLayouts/slideLayout15.xml><?xml version="1.0" encoding="utf-8"?>
-<p:sldLayout xmlns:a="http://schemas.openxmlformats.org/drawingml/2006/main" xmlns:p="http://schemas.openxmlformats.org/presentationml/2006/main" xmlns:r="http://schemas.openxmlformats.org/officeDocument/2006/relationships" type="obj" preserve="1">
+<p:sldLayout xmlns:a="http://schemas.openxmlformats.org/drawingml/2006/main" xmlns:r="http://schemas.openxmlformats.org/officeDocument/2006/relationships" xmlns:p="http://schemas.openxmlformats.org/presentationml/2006/main" type="obj" preserve="1">
   <p:cSld name="Title, Content">
     <p:spTree>
       <p:nvGrpSpPr>
@@ -1703,7 +2045,8 @@
           </a:prstGeom>
         </p:spPr>
         <p:txBody>
-          <a:bodyPr lIns="0" rIns="0" tIns="0" bIns="0" anchor="ctr"/>
+          <a:bodyPr lIns="0" tIns="0" rIns="0" bIns="0" anchor="ctr"/>
+          <a:lstStyle/>
           <a:p>
             <a:endParaRPr/>
           </a:p>
@@ -1729,7 +2072,8 @@
           </a:prstGeom>
         </p:spPr>
         <p:txBody>
-          <a:bodyPr lIns="0" rIns="0" tIns="0" bIns="0"/>
+          <a:bodyPr lIns="0" tIns="0" rIns="0" bIns="0"/>
+          <a:lstStyle/>
           <a:p>
             <a:endParaRPr/>
           </a:p>
@@ -1737,11 +2081,14 @@
       </p:sp>
     </p:spTree>
   </p:cSld>
+  <p:clrMapOvr>
+    <a:masterClrMapping/>
+  </p:clrMapOvr>
 </p:sldLayout>
 </file>
 
 <file path=ppt/slideLayouts/slideLayout16.xml><?xml version="1.0" encoding="utf-8"?>
-<p:sldLayout xmlns:a="http://schemas.openxmlformats.org/drawingml/2006/main" xmlns:p="http://schemas.openxmlformats.org/presentationml/2006/main" xmlns:r="http://schemas.openxmlformats.org/officeDocument/2006/relationships" type="twoObj" preserve="1">
+<p:sldLayout xmlns:a="http://schemas.openxmlformats.org/drawingml/2006/main" xmlns:r="http://schemas.openxmlformats.org/officeDocument/2006/relationships" xmlns:p="http://schemas.openxmlformats.org/presentationml/2006/main" type="twoObj" preserve="1">
   <p:cSld name="Title, 2 Content">
     <p:spTree>
       <p:nvGrpSpPr>
@@ -1777,7 +2124,8 @@
           </a:prstGeom>
         </p:spPr>
         <p:txBody>
-          <a:bodyPr lIns="0" rIns="0" tIns="0" bIns="0" anchor="ctr"/>
+          <a:bodyPr lIns="0" tIns="0" rIns="0" bIns="0" anchor="ctr"/>
+          <a:lstStyle/>
           <a:p>
             <a:endParaRPr/>
           </a:p>
@@ -1803,7 +2151,8 @@
           </a:prstGeom>
         </p:spPr>
         <p:txBody>
-          <a:bodyPr lIns="0" rIns="0" tIns="0" bIns="0"/>
+          <a:bodyPr lIns="0" tIns="0" rIns="0" bIns="0"/>
+          <a:lstStyle/>
           <a:p>
             <a:endParaRPr/>
           </a:p>
@@ -1829,7 +2178,8 @@
           </a:prstGeom>
         </p:spPr>
         <p:txBody>
-          <a:bodyPr lIns="0" rIns="0" tIns="0" bIns="0"/>
+          <a:bodyPr lIns="0" tIns="0" rIns="0" bIns="0"/>
+          <a:lstStyle/>
           <a:p>
             <a:endParaRPr/>
           </a:p>
@@ -1837,11 +2187,14 @@
       </p:sp>
     </p:spTree>
   </p:cSld>
+  <p:clrMapOvr>
+    <a:masterClrMapping/>
+  </p:clrMapOvr>
 </p:sldLayout>
 </file>
 
 <file path=ppt/slideLayouts/slideLayout17.xml><?xml version="1.0" encoding="utf-8"?>
-<p:sldLayout xmlns:a="http://schemas.openxmlformats.org/drawingml/2006/main" xmlns:p="http://schemas.openxmlformats.org/presentationml/2006/main" xmlns:r="http://schemas.openxmlformats.org/officeDocument/2006/relationships" type="titleOnly" preserve="1">
+<p:sldLayout xmlns:a="http://schemas.openxmlformats.org/drawingml/2006/main" xmlns:r="http://schemas.openxmlformats.org/officeDocument/2006/relationships" xmlns:p="http://schemas.openxmlformats.org/presentationml/2006/main" type="titleOnly" preserve="1">
   <p:cSld name="Title Only">
     <p:spTree>
       <p:nvGrpSpPr>
@@ -1877,7 +2230,8 @@
           </a:prstGeom>
         </p:spPr>
         <p:txBody>
-          <a:bodyPr lIns="0" rIns="0" tIns="0" bIns="0" anchor="ctr"/>
+          <a:bodyPr lIns="0" tIns="0" rIns="0" bIns="0" anchor="ctr"/>
+          <a:lstStyle/>
           <a:p>
             <a:endParaRPr/>
           </a:p>
@@ -1885,11 +2239,14 @@
       </p:sp>
     </p:spTree>
   </p:cSld>
+  <p:clrMapOvr>
+    <a:masterClrMapping/>
+  </p:clrMapOvr>
 </p:sldLayout>
 </file>
 
 <file path=ppt/slideLayouts/slideLayout18.xml><?xml version="1.0" encoding="utf-8"?>
-<p:sldLayout xmlns:a="http://schemas.openxmlformats.org/drawingml/2006/main" xmlns:p="http://schemas.openxmlformats.org/presentationml/2006/main" xmlns:r="http://schemas.openxmlformats.org/officeDocument/2006/relationships" type="objOnly" preserve="1">
+<p:sldLayout xmlns:a="http://schemas.openxmlformats.org/drawingml/2006/main" xmlns:r="http://schemas.openxmlformats.org/officeDocument/2006/relationships" xmlns:p="http://schemas.openxmlformats.org/presentationml/2006/main" type="objOnly" preserve="1">
   <p:cSld name="Centered Text">
     <p:spTree>
       <p:nvGrpSpPr>
@@ -1925,7 +2282,8 @@
           </a:prstGeom>
         </p:spPr>
         <p:txBody>
-          <a:bodyPr lIns="0" rIns="0" tIns="0" bIns="0" anchor="ctr"/>
+          <a:bodyPr lIns="0" tIns="0" rIns="0" bIns="0" anchor="ctr"/>
+          <a:lstStyle/>
           <a:p>
             <a:pPr algn="ctr"/>
             <a:endParaRPr/>
@@ -1934,11 +2292,14 @@
       </p:sp>
     </p:spTree>
   </p:cSld>
+  <p:clrMapOvr>
+    <a:masterClrMapping/>
+  </p:clrMapOvr>
 </p:sldLayout>
 </file>
 
 <file path=ppt/slideLayouts/slideLayout19.xml><?xml version="1.0" encoding="utf-8"?>
-<p:sldLayout xmlns:a="http://schemas.openxmlformats.org/drawingml/2006/main" xmlns:p="http://schemas.openxmlformats.org/presentationml/2006/main" xmlns:r="http://schemas.openxmlformats.org/officeDocument/2006/relationships" type="twoObjAndObj" preserve="1">
+<p:sldLayout xmlns:a="http://schemas.openxmlformats.org/drawingml/2006/main" xmlns:r="http://schemas.openxmlformats.org/officeDocument/2006/relationships" xmlns:p="http://schemas.openxmlformats.org/presentationml/2006/main" type="twoObjAndObj" preserve="1">
   <p:cSld name="Title, 2 Content and Content">
     <p:spTree>
       <p:nvGrpSpPr>
@@ -1974,7 +2335,8 @@
           </a:prstGeom>
         </p:spPr>
         <p:txBody>
-          <a:bodyPr lIns="0" rIns="0" tIns="0" bIns="0" anchor="ctr"/>
+          <a:bodyPr lIns="0" tIns="0" rIns="0" bIns="0" anchor="ctr"/>
+          <a:lstStyle/>
           <a:p>
             <a:endParaRPr/>
           </a:p>
@@ -2000,7 +2362,8 @@
           </a:prstGeom>
         </p:spPr>
         <p:txBody>
-          <a:bodyPr lIns="0" rIns="0" tIns="0" bIns="0"/>
+          <a:bodyPr lIns="0" tIns="0" rIns="0" bIns="0"/>
+          <a:lstStyle/>
           <a:p>
             <a:endParaRPr/>
           </a:p>
@@ -2026,7 +2389,8 @@
           </a:prstGeom>
         </p:spPr>
         <p:txBody>
-          <a:bodyPr lIns="0" rIns="0" tIns="0" bIns="0"/>
+          <a:bodyPr lIns="0" tIns="0" rIns="0" bIns="0"/>
+          <a:lstStyle/>
           <a:p>
             <a:endParaRPr/>
           </a:p>
@@ -2052,7 +2416,8 @@
           </a:prstGeom>
         </p:spPr>
         <p:txBody>
-          <a:bodyPr lIns="0" rIns="0" tIns="0" bIns="0"/>
+          <a:bodyPr lIns="0" tIns="0" rIns="0" bIns="0"/>
+          <a:lstStyle/>
           <a:p>
             <a:endParaRPr/>
           </a:p>
@@ -2060,11 +2425,14 @@
       </p:sp>
     </p:spTree>
   </p:cSld>
+  <p:clrMapOvr>
+    <a:masterClrMapping/>
+  </p:clrMapOvr>
 </p:sldLayout>
 </file>
 
 <file path=ppt/slideLayouts/slideLayout2.xml><?xml version="1.0" encoding="utf-8"?>
-<p:sldLayout xmlns:a="http://schemas.openxmlformats.org/drawingml/2006/main" xmlns:p="http://schemas.openxmlformats.org/presentationml/2006/main" xmlns:r="http://schemas.openxmlformats.org/officeDocument/2006/relationships" type="tx" preserve="1">
+<p:sldLayout xmlns:a="http://schemas.openxmlformats.org/drawingml/2006/main" xmlns:r="http://schemas.openxmlformats.org/officeDocument/2006/relationships" xmlns:p="http://schemas.openxmlformats.org/presentationml/2006/main" type="tx" preserve="1">
   <p:cSld name="Title Slide">
     <p:spTree>
       <p:nvGrpSpPr>
@@ -2100,7 +2468,8 @@
           </a:prstGeom>
         </p:spPr>
         <p:txBody>
-          <a:bodyPr lIns="0" rIns="0" tIns="0" bIns="0" anchor="ctr"/>
+          <a:bodyPr lIns="0" tIns="0" rIns="0" bIns="0" anchor="ctr"/>
+          <a:lstStyle/>
           <a:p>
             <a:endParaRPr/>
           </a:p>
@@ -2126,7 +2495,8 @@
           </a:prstGeom>
         </p:spPr>
         <p:txBody>
-          <a:bodyPr lIns="0" rIns="0" tIns="0" bIns="0" anchor="ctr"/>
+          <a:bodyPr lIns="0" tIns="0" rIns="0" bIns="0" anchor="ctr"/>
+          <a:lstStyle/>
           <a:p>
             <a:pPr algn="ctr"/>
             <a:endParaRPr/>
@@ -2135,11 +2505,14 @@
       </p:sp>
     </p:spTree>
   </p:cSld>
+  <p:clrMapOvr>
+    <a:masterClrMapping/>
+  </p:clrMapOvr>
 </p:sldLayout>
 </file>
 
 <file path=ppt/slideLayouts/slideLayout20.xml><?xml version="1.0" encoding="utf-8"?>
-<p:sldLayout xmlns:a="http://schemas.openxmlformats.org/drawingml/2006/main" xmlns:p="http://schemas.openxmlformats.org/presentationml/2006/main" xmlns:r="http://schemas.openxmlformats.org/officeDocument/2006/relationships" type="objAndTwoObj" preserve="1">
+<p:sldLayout xmlns:a="http://schemas.openxmlformats.org/drawingml/2006/main" xmlns:r="http://schemas.openxmlformats.org/officeDocument/2006/relationships" xmlns:p="http://schemas.openxmlformats.org/presentationml/2006/main" type="objAndTwoObj" preserve="1">
   <p:cSld name="Title Content and 2 Content">
     <p:spTree>
       <p:nvGrpSpPr>
@@ -2175,7 +2548,8 @@
           </a:prstGeom>
         </p:spPr>
         <p:txBody>
-          <a:bodyPr lIns="0" rIns="0" tIns="0" bIns="0" anchor="ctr"/>
+          <a:bodyPr lIns="0" tIns="0" rIns="0" bIns="0" anchor="ctr"/>
+          <a:lstStyle/>
           <a:p>
             <a:endParaRPr/>
           </a:p>
@@ -2201,7 +2575,8 @@
           </a:prstGeom>
         </p:spPr>
         <p:txBody>
-          <a:bodyPr lIns="0" rIns="0" tIns="0" bIns="0"/>
+          <a:bodyPr lIns="0" tIns="0" rIns="0" bIns="0"/>
+          <a:lstStyle/>
           <a:p>
             <a:endParaRPr/>
           </a:p>
@@ -2227,7 +2602,8 @@
           </a:prstGeom>
         </p:spPr>
         <p:txBody>
-          <a:bodyPr lIns="0" rIns="0" tIns="0" bIns="0"/>
+          <a:bodyPr lIns="0" tIns="0" rIns="0" bIns="0"/>
+          <a:lstStyle/>
           <a:p>
             <a:endParaRPr/>
           </a:p>
@@ -2253,7 +2629,8 @@
           </a:prstGeom>
         </p:spPr>
         <p:txBody>
-          <a:bodyPr lIns="0" rIns="0" tIns="0" bIns="0"/>
+          <a:bodyPr lIns="0" tIns="0" rIns="0" bIns="0"/>
+          <a:lstStyle/>
           <a:p>
             <a:endParaRPr/>
           </a:p>
@@ -2261,11 +2638,14 @@
       </p:sp>
     </p:spTree>
   </p:cSld>
+  <p:clrMapOvr>
+    <a:masterClrMapping/>
+  </p:clrMapOvr>
 </p:sldLayout>
 </file>
 
 <file path=ppt/slideLayouts/slideLayout21.xml><?xml version="1.0" encoding="utf-8"?>
-<p:sldLayout xmlns:a="http://schemas.openxmlformats.org/drawingml/2006/main" xmlns:p="http://schemas.openxmlformats.org/presentationml/2006/main" xmlns:r="http://schemas.openxmlformats.org/officeDocument/2006/relationships" type="twoObjOverTx" preserve="1">
+<p:sldLayout xmlns:a="http://schemas.openxmlformats.org/drawingml/2006/main" xmlns:r="http://schemas.openxmlformats.org/officeDocument/2006/relationships" xmlns:p="http://schemas.openxmlformats.org/presentationml/2006/main" type="twoObjOverTx" preserve="1">
   <p:cSld name="Title, 2 Content over Content">
     <p:spTree>
       <p:nvGrpSpPr>
@@ -2301,7 +2681,8 @@
           </a:prstGeom>
         </p:spPr>
         <p:txBody>
-          <a:bodyPr lIns="0" rIns="0" tIns="0" bIns="0" anchor="ctr"/>
+          <a:bodyPr lIns="0" tIns="0" rIns="0" bIns="0" anchor="ctr"/>
+          <a:lstStyle/>
           <a:p>
             <a:endParaRPr/>
           </a:p>
@@ -2327,7 +2708,8 @@
           </a:prstGeom>
         </p:spPr>
         <p:txBody>
-          <a:bodyPr lIns="0" rIns="0" tIns="0" bIns="0"/>
+          <a:bodyPr lIns="0" tIns="0" rIns="0" bIns="0"/>
+          <a:lstStyle/>
           <a:p>
             <a:endParaRPr/>
           </a:p>
@@ -2353,7 +2735,8 @@
           </a:prstGeom>
         </p:spPr>
         <p:txBody>
-          <a:bodyPr lIns="0" rIns="0" tIns="0" bIns="0"/>
+          <a:bodyPr lIns="0" tIns="0" rIns="0" bIns="0"/>
+          <a:lstStyle/>
           <a:p>
             <a:endParaRPr/>
           </a:p>
@@ -2379,7 +2762,8 @@
           </a:prstGeom>
         </p:spPr>
         <p:txBody>
-          <a:bodyPr lIns="0" rIns="0" tIns="0" bIns="0"/>
+          <a:bodyPr lIns="0" tIns="0" rIns="0" bIns="0"/>
+          <a:lstStyle/>
           <a:p>
             <a:endParaRPr/>
           </a:p>
@@ -2387,11 +2771,14 @@
       </p:sp>
     </p:spTree>
   </p:cSld>
+  <p:clrMapOvr>
+    <a:masterClrMapping/>
+  </p:clrMapOvr>
 </p:sldLayout>
 </file>
 
 <file path=ppt/slideLayouts/slideLayout22.xml><?xml version="1.0" encoding="utf-8"?>
-<p:sldLayout xmlns:a="http://schemas.openxmlformats.org/drawingml/2006/main" xmlns:p="http://schemas.openxmlformats.org/presentationml/2006/main" xmlns:r="http://schemas.openxmlformats.org/officeDocument/2006/relationships" type="objOverTx" preserve="1">
+<p:sldLayout xmlns:a="http://schemas.openxmlformats.org/drawingml/2006/main" xmlns:r="http://schemas.openxmlformats.org/officeDocument/2006/relationships" xmlns:p="http://schemas.openxmlformats.org/presentationml/2006/main" type="objOverTx" preserve="1">
   <p:cSld name="Title, Content over Content">
     <p:spTree>
       <p:nvGrpSpPr>
@@ -2427,7 +2814,8 @@
           </a:prstGeom>
         </p:spPr>
         <p:txBody>
-          <a:bodyPr lIns="0" rIns="0" tIns="0" bIns="0" anchor="ctr"/>
+          <a:bodyPr lIns="0" tIns="0" rIns="0" bIns="0" anchor="ctr"/>
+          <a:lstStyle/>
           <a:p>
             <a:endParaRPr/>
           </a:p>
@@ -2453,7 +2841,8 @@
           </a:prstGeom>
         </p:spPr>
         <p:txBody>
-          <a:bodyPr lIns="0" rIns="0" tIns="0" bIns="0"/>
+          <a:bodyPr lIns="0" tIns="0" rIns="0" bIns="0"/>
+          <a:lstStyle/>
           <a:p>
             <a:endParaRPr/>
           </a:p>
@@ -2479,7 +2868,8 @@
           </a:prstGeom>
         </p:spPr>
         <p:txBody>
-          <a:bodyPr lIns="0" rIns="0" tIns="0" bIns="0"/>
+          <a:bodyPr lIns="0" tIns="0" rIns="0" bIns="0"/>
+          <a:lstStyle/>
           <a:p>
             <a:endParaRPr/>
           </a:p>
@@ -2487,11 +2877,14 @@
       </p:sp>
     </p:spTree>
   </p:cSld>
+  <p:clrMapOvr>
+    <a:masterClrMapping/>
+  </p:clrMapOvr>
 </p:sldLayout>
 </file>
 
 <file path=ppt/slideLayouts/slideLayout23.xml><?xml version="1.0" encoding="utf-8"?>
-<p:sldLayout xmlns:a="http://schemas.openxmlformats.org/drawingml/2006/main" xmlns:p="http://schemas.openxmlformats.org/presentationml/2006/main" xmlns:r="http://schemas.openxmlformats.org/officeDocument/2006/relationships" type="fourObj" preserve="1">
+<p:sldLayout xmlns:a="http://schemas.openxmlformats.org/drawingml/2006/main" xmlns:r="http://schemas.openxmlformats.org/officeDocument/2006/relationships" xmlns:p="http://schemas.openxmlformats.org/presentationml/2006/main" type="fourObj" preserve="1">
   <p:cSld name="Title, 4 Content">
     <p:spTree>
       <p:nvGrpSpPr>
@@ -2527,7 +2920,8 @@
           </a:prstGeom>
         </p:spPr>
         <p:txBody>
-          <a:bodyPr lIns="0" rIns="0" tIns="0" bIns="0" anchor="ctr"/>
+          <a:bodyPr lIns="0" tIns="0" rIns="0" bIns="0" anchor="ctr"/>
+          <a:lstStyle/>
           <a:p>
             <a:endParaRPr/>
           </a:p>
@@ -2553,7 +2947,8 @@
           </a:prstGeom>
         </p:spPr>
         <p:txBody>
-          <a:bodyPr lIns="0" rIns="0" tIns="0" bIns="0"/>
+          <a:bodyPr lIns="0" tIns="0" rIns="0" bIns="0"/>
+          <a:lstStyle/>
           <a:p>
             <a:endParaRPr/>
           </a:p>
@@ -2579,7 +2974,8 @@
           </a:prstGeom>
         </p:spPr>
         <p:txBody>
-          <a:bodyPr lIns="0" rIns="0" tIns="0" bIns="0"/>
+          <a:bodyPr lIns="0" tIns="0" rIns="0" bIns="0"/>
+          <a:lstStyle/>
           <a:p>
             <a:endParaRPr/>
           </a:p>
@@ -2605,7 +3001,8 @@
           </a:prstGeom>
         </p:spPr>
         <p:txBody>
-          <a:bodyPr lIns="0" rIns="0" tIns="0" bIns="0"/>
+          <a:bodyPr lIns="0" tIns="0" rIns="0" bIns="0"/>
+          <a:lstStyle/>
           <a:p>
             <a:endParaRPr/>
           </a:p>
@@ -2631,7 +3028,8 @@
           </a:prstGeom>
         </p:spPr>
         <p:txBody>
-          <a:bodyPr lIns="0" rIns="0" tIns="0" bIns="0"/>
+          <a:bodyPr lIns="0" tIns="0" rIns="0" bIns="0"/>
+          <a:lstStyle/>
           <a:p>
             <a:endParaRPr/>
           </a:p>
@@ -2639,11 +3037,14 @@
       </p:sp>
     </p:spTree>
   </p:cSld>
+  <p:clrMapOvr>
+    <a:masterClrMapping/>
+  </p:clrMapOvr>
 </p:sldLayout>
 </file>
 
 <file path=ppt/slideLayouts/slideLayout24.xml><?xml version="1.0" encoding="utf-8"?>
-<p:sldLayout xmlns:a="http://schemas.openxmlformats.org/drawingml/2006/main" xmlns:p="http://schemas.openxmlformats.org/presentationml/2006/main" xmlns:r="http://schemas.openxmlformats.org/officeDocument/2006/relationships" type="blank" preserve="1">
+<p:sldLayout xmlns:a="http://schemas.openxmlformats.org/drawingml/2006/main" xmlns:r="http://schemas.openxmlformats.org/officeDocument/2006/relationships" xmlns:p="http://schemas.openxmlformats.org/presentationml/2006/main" type="blank" preserve="1">
   <p:cSld name="Title, 6 Content">
     <p:spTree>
       <p:nvGrpSpPr>
@@ -2679,7 +3080,8 @@
           </a:prstGeom>
         </p:spPr>
         <p:txBody>
-          <a:bodyPr lIns="0" rIns="0" tIns="0" bIns="0" anchor="ctr"/>
+          <a:bodyPr lIns="0" tIns="0" rIns="0" bIns="0" anchor="ctr"/>
+          <a:lstStyle/>
           <a:p>
             <a:endParaRPr/>
           </a:p>
@@ -2705,7 +3107,8 @@
           </a:prstGeom>
         </p:spPr>
         <p:txBody>
-          <a:bodyPr lIns="0" rIns="0" tIns="0" bIns="0"/>
+          <a:bodyPr lIns="0" tIns="0" rIns="0" bIns="0"/>
+          <a:lstStyle/>
           <a:p>
             <a:endParaRPr/>
           </a:p>
@@ -2731,7 +3134,8 @@
           </a:prstGeom>
         </p:spPr>
         <p:txBody>
-          <a:bodyPr lIns="0" rIns="0" tIns="0" bIns="0"/>
+          <a:bodyPr lIns="0" tIns="0" rIns="0" bIns="0"/>
+          <a:lstStyle/>
           <a:p>
             <a:endParaRPr/>
           </a:p>
@@ -2739,7 +3143,7 @@
       </p:sp>
       <p:pic>
         <p:nvPicPr>
-          <p:cNvPr id="76" name="" descr=""/>
+          <p:cNvPr id="76" name="Picture 75"/>
           <p:cNvPicPr/>
           <p:nvPr/>
         </p:nvPicPr>
@@ -2764,12 +3168,12 @@
       </p:pic>
       <p:pic>
         <p:nvPicPr>
-          <p:cNvPr id="77" name="" descr=""/>
+          <p:cNvPr id="77" name="Picture 76"/>
           <p:cNvPicPr/>
           <p:nvPr/>
         </p:nvPicPr>
         <p:blipFill>
-          <a:blip r:embed="rId3"/>
+          <a:blip r:embed="rId2"/>
           <a:stretch>
             <a:fillRect/>
           </a:stretch>
@@ -2789,11 +3193,14 @@
       </p:pic>
     </p:spTree>
   </p:cSld>
+  <p:clrMapOvr>
+    <a:masterClrMapping/>
+  </p:clrMapOvr>
 </p:sldLayout>
 </file>
 
 <file path=ppt/slideLayouts/slideLayout3.xml><?xml version="1.0" encoding="utf-8"?>
-<p:sldLayout xmlns:a="http://schemas.openxmlformats.org/drawingml/2006/main" xmlns:p="http://schemas.openxmlformats.org/presentationml/2006/main" xmlns:r="http://schemas.openxmlformats.org/officeDocument/2006/relationships" type="obj" preserve="1">
+<p:sldLayout xmlns:a="http://schemas.openxmlformats.org/drawingml/2006/main" xmlns:r="http://schemas.openxmlformats.org/officeDocument/2006/relationships" xmlns:p="http://schemas.openxmlformats.org/presentationml/2006/main" type="obj" preserve="1">
   <p:cSld name="Title, Content">
     <p:spTree>
       <p:nvGrpSpPr>
@@ -2829,7 +3236,8 @@
           </a:prstGeom>
         </p:spPr>
         <p:txBody>
-          <a:bodyPr lIns="0" rIns="0" tIns="0" bIns="0" anchor="ctr"/>
+          <a:bodyPr lIns="0" tIns="0" rIns="0" bIns="0" anchor="ctr"/>
+          <a:lstStyle/>
           <a:p>
             <a:endParaRPr/>
           </a:p>
@@ -2855,7 +3263,8 @@
           </a:prstGeom>
         </p:spPr>
         <p:txBody>
-          <a:bodyPr lIns="0" rIns="0" tIns="0" bIns="0"/>
+          <a:bodyPr lIns="0" tIns="0" rIns="0" bIns="0"/>
+          <a:lstStyle/>
           <a:p>
             <a:endParaRPr/>
           </a:p>
@@ -2863,11 +3272,14 @@
       </p:sp>
     </p:spTree>
   </p:cSld>
+  <p:clrMapOvr>
+    <a:masterClrMapping/>
+  </p:clrMapOvr>
 </p:sldLayout>
 </file>
 
 <file path=ppt/slideLayouts/slideLayout4.xml><?xml version="1.0" encoding="utf-8"?>
-<p:sldLayout xmlns:a="http://schemas.openxmlformats.org/drawingml/2006/main" xmlns:p="http://schemas.openxmlformats.org/presentationml/2006/main" xmlns:r="http://schemas.openxmlformats.org/officeDocument/2006/relationships" type="twoObj" preserve="1">
+<p:sldLayout xmlns:a="http://schemas.openxmlformats.org/drawingml/2006/main" xmlns:r="http://schemas.openxmlformats.org/officeDocument/2006/relationships" xmlns:p="http://schemas.openxmlformats.org/presentationml/2006/main" type="twoObj" preserve="1">
   <p:cSld name="Title, 2 Content">
     <p:spTree>
       <p:nvGrpSpPr>
@@ -2903,7 +3315,8 @@
           </a:prstGeom>
         </p:spPr>
         <p:txBody>
-          <a:bodyPr lIns="0" rIns="0" tIns="0" bIns="0" anchor="ctr"/>
+          <a:bodyPr lIns="0" tIns="0" rIns="0" bIns="0" anchor="ctr"/>
+          <a:lstStyle/>
           <a:p>
             <a:endParaRPr/>
           </a:p>
@@ -2929,7 +3342,8 @@
           </a:prstGeom>
         </p:spPr>
         <p:txBody>
-          <a:bodyPr lIns="0" rIns="0" tIns="0" bIns="0"/>
+          <a:bodyPr lIns="0" tIns="0" rIns="0" bIns="0"/>
+          <a:lstStyle/>
           <a:p>
             <a:endParaRPr/>
           </a:p>
@@ -2955,7 +3369,8 @@
           </a:prstGeom>
         </p:spPr>
         <p:txBody>
-          <a:bodyPr lIns="0" rIns="0" tIns="0" bIns="0"/>
+          <a:bodyPr lIns="0" tIns="0" rIns="0" bIns="0"/>
+          <a:lstStyle/>
           <a:p>
             <a:endParaRPr/>
           </a:p>
@@ -2963,11 +3378,14 @@
       </p:sp>
     </p:spTree>
   </p:cSld>
+  <p:clrMapOvr>
+    <a:masterClrMapping/>
+  </p:clrMapOvr>
 </p:sldLayout>
 </file>
 
 <file path=ppt/slideLayouts/slideLayout5.xml><?xml version="1.0" encoding="utf-8"?>
-<p:sldLayout xmlns:a="http://schemas.openxmlformats.org/drawingml/2006/main" xmlns:p="http://schemas.openxmlformats.org/presentationml/2006/main" xmlns:r="http://schemas.openxmlformats.org/officeDocument/2006/relationships" type="titleOnly" preserve="1">
+<p:sldLayout xmlns:a="http://schemas.openxmlformats.org/drawingml/2006/main" xmlns:r="http://schemas.openxmlformats.org/officeDocument/2006/relationships" xmlns:p="http://schemas.openxmlformats.org/presentationml/2006/main" type="titleOnly" preserve="1">
   <p:cSld name="Title Only">
     <p:spTree>
       <p:nvGrpSpPr>
@@ -3003,7 +3421,8 @@
           </a:prstGeom>
         </p:spPr>
         <p:txBody>
-          <a:bodyPr lIns="0" rIns="0" tIns="0" bIns="0" anchor="ctr"/>
+          <a:bodyPr lIns="0" tIns="0" rIns="0" bIns="0" anchor="ctr"/>
+          <a:lstStyle/>
           <a:p>
             <a:endParaRPr/>
           </a:p>
@@ -3011,11 +3430,14 @@
       </p:sp>
     </p:spTree>
   </p:cSld>
+  <p:clrMapOvr>
+    <a:masterClrMapping/>
+  </p:clrMapOvr>
 </p:sldLayout>
 </file>
 
 <file path=ppt/slideLayouts/slideLayout6.xml><?xml version="1.0" encoding="utf-8"?>
-<p:sldLayout xmlns:a="http://schemas.openxmlformats.org/drawingml/2006/main" xmlns:p="http://schemas.openxmlformats.org/presentationml/2006/main" xmlns:r="http://schemas.openxmlformats.org/officeDocument/2006/relationships" type="objOnly" preserve="1">
+<p:sldLayout xmlns:a="http://schemas.openxmlformats.org/drawingml/2006/main" xmlns:r="http://schemas.openxmlformats.org/officeDocument/2006/relationships" xmlns:p="http://schemas.openxmlformats.org/presentationml/2006/main" type="objOnly" preserve="1">
   <p:cSld name="Centered Text">
     <p:spTree>
       <p:nvGrpSpPr>
@@ -3051,7 +3473,8 @@
           </a:prstGeom>
         </p:spPr>
         <p:txBody>
-          <a:bodyPr lIns="0" rIns="0" tIns="0" bIns="0" anchor="ctr"/>
+          <a:bodyPr lIns="0" tIns="0" rIns="0" bIns="0" anchor="ctr"/>
+          <a:lstStyle/>
           <a:p>
             <a:pPr algn="ctr"/>
             <a:endParaRPr/>
@@ -3060,11 +3483,14 @@
       </p:sp>
     </p:spTree>
   </p:cSld>
+  <p:clrMapOvr>
+    <a:masterClrMapping/>
+  </p:clrMapOvr>
 </p:sldLayout>
 </file>
 
 <file path=ppt/slideLayouts/slideLayout7.xml><?xml version="1.0" encoding="utf-8"?>
-<p:sldLayout xmlns:a="http://schemas.openxmlformats.org/drawingml/2006/main" xmlns:p="http://schemas.openxmlformats.org/presentationml/2006/main" xmlns:r="http://schemas.openxmlformats.org/officeDocument/2006/relationships" type="twoObjAndObj" preserve="1">
+<p:sldLayout xmlns:a="http://schemas.openxmlformats.org/drawingml/2006/main" xmlns:r="http://schemas.openxmlformats.org/officeDocument/2006/relationships" xmlns:p="http://schemas.openxmlformats.org/presentationml/2006/main" type="twoObjAndObj" preserve="1">
   <p:cSld name="Title, 2 Content and Content">
     <p:spTree>
       <p:nvGrpSpPr>
@@ -3100,7 +3526,8 @@
           </a:prstGeom>
         </p:spPr>
         <p:txBody>
-          <a:bodyPr lIns="0" rIns="0" tIns="0" bIns="0" anchor="ctr"/>
+          <a:bodyPr lIns="0" tIns="0" rIns="0" bIns="0" anchor="ctr"/>
+          <a:lstStyle/>
           <a:p>
             <a:endParaRPr/>
           </a:p>
@@ -3126,7 +3553,8 @@
           </a:prstGeom>
         </p:spPr>
         <p:txBody>
-          <a:bodyPr lIns="0" rIns="0" tIns="0" bIns="0"/>
+          <a:bodyPr lIns="0" tIns="0" rIns="0" bIns="0"/>
+          <a:lstStyle/>
           <a:p>
             <a:endParaRPr/>
           </a:p>
@@ -3152,7 +3580,8 @@
           </a:prstGeom>
         </p:spPr>
         <p:txBody>
-          <a:bodyPr lIns="0" rIns="0" tIns="0" bIns="0"/>
+          <a:bodyPr lIns="0" tIns="0" rIns="0" bIns="0"/>
+          <a:lstStyle/>
           <a:p>
             <a:endParaRPr/>
           </a:p>
@@ -3178,7 +3607,8 @@
           </a:prstGeom>
         </p:spPr>
         <p:txBody>
-          <a:bodyPr lIns="0" rIns="0" tIns="0" bIns="0"/>
+          <a:bodyPr lIns="0" tIns="0" rIns="0" bIns="0"/>
+          <a:lstStyle/>
           <a:p>
             <a:endParaRPr/>
           </a:p>
@@ -3186,11 +3616,14 @@
       </p:sp>
     </p:spTree>
   </p:cSld>
+  <p:clrMapOvr>
+    <a:masterClrMapping/>
+  </p:clrMapOvr>
 </p:sldLayout>
 </file>
 
 <file path=ppt/slideLayouts/slideLayout8.xml><?xml version="1.0" encoding="utf-8"?>
-<p:sldLayout xmlns:a="http://schemas.openxmlformats.org/drawingml/2006/main" xmlns:p="http://schemas.openxmlformats.org/presentationml/2006/main" xmlns:r="http://schemas.openxmlformats.org/officeDocument/2006/relationships" type="objAndTwoObj" preserve="1">
+<p:sldLayout xmlns:a="http://schemas.openxmlformats.org/drawingml/2006/main" xmlns:r="http://schemas.openxmlformats.org/officeDocument/2006/relationships" xmlns:p="http://schemas.openxmlformats.org/presentationml/2006/main" type="objAndTwoObj" preserve="1">
   <p:cSld name="Title Content and 2 Content">
     <p:spTree>
       <p:nvGrpSpPr>
@@ -3226,7 +3659,8 @@
           </a:prstGeom>
         </p:spPr>
         <p:txBody>
-          <a:bodyPr lIns="0" rIns="0" tIns="0" bIns="0" anchor="ctr"/>
+          <a:bodyPr lIns="0" tIns="0" rIns="0" bIns="0" anchor="ctr"/>
+          <a:lstStyle/>
           <a:p>
             <a:endParaRPr/>
           </a:p>
@@ -3252,7 +3686,8 @@
           </a:prstGeom>
         </p:spPr>
         <p:txBody>
-          <a:bodyPr lIns="0" rIns="0" tIns="0" bIns="0"/>
+          <a:bodyPr lIns="0" tIns="0" rIns="0" bIns="0"/>
+          <a:lstStyle/>
           <a:p>
             <a:endParaRPr/>
           </a:p>
@@ -3278,7 +3713,8 @@
           </a:prstGeom>
         </p:spPr>
         <p:txBody>
-          <a:bodyPr lIns="0" rIns="0" tIns="0" bIns="0"/>
+          <a:bodyPr lIns="0" tIns="0" rIns="0" bIns="0"/>
+          <a:lstStyle/>
           <a:p>
             <a:endParaRPr/>
           </a:p>
@@ -3304,7 +3740,8 @@
           </a:prstGeom>
         </p:spPr>
         <p:txBody>
-          <a:bodyPr lIns="0" rIns="0" tIns="0" bIns="0"/>
+          <a:bodyPr lIns="0" tIns="0" rIns="0" bIns="0"/>
+          <a:lstStyle/>
           <a:p>
             <a:endParaRPr/>
           </a:p>
@@ -3312,11 +3749,14 @@
       </p:sp>
     </p:spTree>
   </p:cSld>
+  <p:clrMapOvr>
+    <a:masterClrMapping/>
+  </p:clrMapOvr>
 </p:sldLayout>
 </file>
 
 <file path=ppt/slideLayouts/slideLayout9.xml><?xml version="1.0" encoding="utf-8"?>
-<p:sldLayout xmlns:a="http://schemas.openxmlformats.org/drawingml/2006/main" xmlns:p="http://schemas.openxmlformats.org/presentationml/2006/main" xmlns:r="http://schemas.openxmlformats.org/officeDocument/2006/relationships" type="twoObjOverTx" preserve="1">
+<p:sldLayout xmlns:a="http://schemas.openxmlformats.org/drawingml/2006/main" xmlns:r="http://schemas.openxmlformats.org/officeDocument/2006/relationships" xmlns:p="http://schemas.openxmlformats.org/presentationml/2006/main" type="twoObjOverTx" preserve="1">
   <p:cSld name="Title, 2 Content over Content">
     <p:spTree>
       <p:nvGrpSpPr>
@@ -3352,7 +3792,8 @@
           </a:prstGeom>
         </p:spPr>
         <p:txBody>
-          <a:bodyPr lIns="0" rIns="0" tIns="0" bIns="0" anchor="ctr"/>
+          <a:bodyPr lIns="0" tIns="0" rIns="0" bIns="0" anchor="ctr"/>
+          <a:lstStyle/>
           <a:p>
             <a:endParaRPr/>
           </a:p>
@@ -3378,7 +3819,8 @@
           </a:prstGeom>
         </p:spPr>
         <p:txBody>
-          <a:bodyPr lIns="0" rIns="0" tIns="0" bIns="0"/>
+          <a:bodyPr lIns="0" tIns="0" rIns="0" bIns="0"/>
+          <a:lstStyle/>
           <a:p>
             <a:endParaRPr/>
           </a:p>
@@ -3404,7 +3846,8 @@
           </a:prstGeom>
         </p:spPr>
         <p:txBody>
-          <a:bodyPr lIns="0" rIns="0" tIns="0" bIns="0"/>
+          <a:bodyPr lIns="0" tIns="0" rIns="0" bIns="0"/>
+          <a:lstStyle/>
           <a:p>
             <a:endParaRPr/>
           </a:p>
@@ -3430,7 +3873,8 @@
           </a:prstGeom>
         </p:spPr>
         <p:txBody>
-          <a:bodyPr lIns="0" rIns="0" tIns="0" bIns="0"/>
+          <a:bodyPr lIns="0" tIns="0" rIns="0" bIns="0"/>
+          <a:lstStyle/>
           <a:p>
             <a:endParaRPr/>
           </a:p>
@@ -3438,20 +3882,24 @@
       </p:sp>
     </p:spTree>
   </p:cSld>
+  <p:clrMapOvr>
+    <a:masterClrMapping/>
+  </p:clrMapOvr>
 </p:sldLayout>
 </file>
 
 <file path=ppt/slideMasters/slideMaster1.xml><?xml version="1.0" encoding="utf-8"?>
-<p:sldMaster xmlns:a="http://schemas.openxmlformats.org/drawingml/2006/main" xmlns:p="http://schemas.openxmlformats.org/presentationml/2006/main" xmlns:r="http://schemas.openxmlformats.org/officeDocument/2006/relationships">
+<p:sldMaster xmlns:a="http://schemas.openxmlformats.org/drawingml/2006/main" xmlns:r="http://schemas.openxmlformats.org/officeDocument/2006/relationships" xmlns:p="http://schemas.openxmlformats.org/presentationml/2006/main">
   <p:cSld>
     <p:bg>
       <p:bgPr>
         <a:blipFill>
-          <a:blip r:embed="rId2"/>
+          <a:blip r:embed="rId14"/>
           <a:stretch>
             <a:fillRect/>
           </a:stretch>
         </a:blipFill>
+        <a:effectLst/>
       </p:bgPr>
     </p:bg>
     <p:spTree>
@@ -3470,7 +3918,7 @@
       </p:grpSpPr>
       <p:sp>
         <p:nvSpPr>
-          <p:cNvPr id="0" name="PlaceHolder 1"/>
+          <p:cNvPr id="5" name="PlaceHolder 1"/>
           <p:cNvSpPr>
             <a:spLocks noGrp="1"/>
           </p:cNvSpPr>
@@ -3489,6 +3937,7 @@
         </p:spPr>
         <p:txBody>
           <a:bodyPr anchor="ctr"/>
+          <a:lstStyle/>
           <a:p>
             <a:pPr algn="ctr">
               <a:lnSpc>
@@ -3511,7 +3960,7 @@
       </p:sp>
       <p:sp>
         <p:nvSpPr>
-          <p:cNvPr id="1" name="PlaceHolder 2"/>
+          <p:cNvPr id="6" name="PlaceHolder 2"/>
           <p:cNvSpPr>
             <a:spLocks noGrp="1"/>
           </p:cNvSpPr>
@@ -3530,6 +3979,7 @@
         </p:spPr>
         <p:txBody>
           <a:bodyPr/>
+          <a:lstStyle/>
           <a:p>
             <a:endParaRPr/>
           </a:p>
@@ -3556,6 +4006,7 @@
         </p:spPr>
         <p:txBody>
           <a:bodyPr/>
+          <a:lstStyle/>
           <a:p>
             <a:endParaRPr/>
           </a:p>
@@ -3582,6 +4033,7 @@
         </p:spPr>
         <p:txBody>
           <a:bodyPr/>
+          <a:lstStyle/>
           <a:p>
             <a:pPr>
               <a:lnSpc>
@@ -3596,7 +4048,7 @@
                 <a:latin typeface="Arial"/>
                 <a:ea typeface="PMingLiU"/>
               </a:rPr>
-              <a:t>&lt;number&gt;</a:t>
+              <a:t>‹#›</a:t>
             </a:fld>
             <a:endParaRPr/>
           </a:p>
@@ -3622,7 +4074,8 @@
           </a:prstGeom>
         </p:spPr>
         <p:txBody>
-          <a:bodyPr lIns="0" rIns="0" tIns="0" bIns="0"/>
+          <a:bodyPr lIns="0" tIns="0" rIns="0" bIns="0"/>
+          <a:lstStyle/>
           <a:p>
             <a:pPr>
               <a:buSzPct val="45000"/>
@@ -3725,35 +4178,41 @@
       </p:sp>
     </p:spTree>
   </p:cSld>
-  <p:clrMap bg1="lt1" bg2="lt2" tx1="dk1" tx2="dk2" accent1="accent1" accent2="accent2" accent3="accent3" accent4="accent4" accent5="accent5" accent6="accent6" hlink="hlink" folHlink="folHlink"/>
+  <p:clrMap bg1="lt1" tx1="dk1" bg2="lt2" tx2="dk2" accent1="accent1" accent2="accent2" accent3="accent3" accent4="accent4" accent5="accent5" accent6="accent6" hlink="hlink" folHlink="folHlink"/>
   <p:sldLayoutIdLst>
-    <p:sldLayoutId id="2147483649" r:id="rId3"/>
-    <p:sldLayoutId id="2147483650" r:id="rId4"/>
-    <p:sldLayoutId id="2147483651" r:id="rId5"/>
-    <p:sldLayoutId id="2147483652" r:id="rId6"/>
-    <p:sldLayoutId id="2147483653" r:id="rId7"/>
-    <p:sldLayoutId id="2147483654" r:id="rId8"/>
-    <p:sldLayoutId id="2147483655" r:id="rId9"/>
-    <p:sldLayoutId id="2147483656" r:id="rId10"/>
-    <p:sldLayoutId id="2147483657" r:id="rId11"/>
-    <p:sldLayoutId id="2147483658" r:id="rId12"/>
-    <p:sldLayoutId id="2147483659" r:id="rId13"/>
-    <p:sldLayoutId id="2147483660" r:id="rId14"/>
+    <p:sldLayoutId id="2147483649" r:id="rId1"/>
+    <p:sldLayoutId id="2147483650" r:id="rId2"/>
+    <p:sldLayoutId id="2147483651" r:id="rId3"/>
+    <p:sldLayoutId id="2147483652" r:id="rId4"/>
+    <p:sldLayoutId id="2147483653" r:id="rId5"/>
+    <p:sldLayoutId id="2147483654" r:id="rId6"/>
+    <p:sldLayoutId id="2147483655" r:id="rId7"/>
+    <p:sldLayoutId id="2147483656" r:id="rId8"/>
+    <p:sldLayoutId id="2147483657" r:id="rId9"/>
+    <p:sldLayoutId id="2147483658" r:id="rId10"/>
+    <p:sldLayoutId id="2147483659" r:id="rId11"/>
+    <p:sldLayoutId id="2147483660" r:id="rId12"/>
   </p:sldLayoutIdLst>
+  <p:txStyles>
+    <p:titleStyle/>
+    <p:bodyStyle/>
+    <p:otherStyle/>
+  </p:txStyles>
 </p:sldMaster>
 </file>
 
 <file path=ppt/slideMasters/slideMaster2.xml><?xml version="1.0" encoding="utf-8"?>
-<p:sldMaster xmlns:a="http://schemas.openxmlformats.org/drawingml/2006/main" xmlns:p="http://schemas.openxmlformats.org/presentationml/2006/main" xmlns:r="http://schemas.openxmlformats.org/officeDocument/2006/relationships">
+<p:sldMaster xmlns:a="http://schemas.openxmlformats.org/drawingml/2006/main" xmlns:r="http://schemas.openxmlformats.org/officeDocument/2006/relationships" xmlns:p="http://schemas.openxmlformats.org/presentationml/2006/main">
   <p:cSld>
     <p:bg>
       <p:bgPr>
         <a:blipFill>
-          <a:blip r:embed="rId2"/>
+          <a:blip r:embed="rId14"/>
           <a:stretch>
             <a:fillRect/>
           </a:stretch>
         </a:blipFill>
+        <a:effectLst/>
       </p:bgPr>
     </p:bg>
     <p:spTree>
@@ -3791,6 +4250,7 @@
         </p:spPr>
         <p:txBody>
           <a:bodyPr/>
+          <a:lstStyle/>
           <a:p>
             <a:pPr>
               <a:buSzPct val="45000"/>
@@ -4022,6 +4482,7 @@
         </p:spPr>
         <p:txBody>
           <a:bodyPr/>
+          <a:lstStyle/>
           <a:p>
             <a:endParaRPr/>
           </a:p>
@@ -4048,6 +4509,7 @@
         </p:spPr>
         <p:txBody>
           <a:bodyPr/>
+          <a:lstStyle/>
           <a:p>
             <a:endParaRPr/>
           </a:p>
@@ -4074,6 +4536,7 @@
         </p:spPr>
         <p:txBody>
           <a:bodyPr/>
+          <a:lstStyle/>
           <a:p>
             <a:pPr>
               <a:lnSpc>
@@ -4088,7 +4551,7 @@
                 <a:latin typeface="Arial"/>
                 <a:ea typeface="PMingLiU"/>
               </a:rPr>
-              <a:t>&lt;number&gt;</a:t>
+              <a:t>‹#›</a:t>
             </a:fld>
             <a:endParaRPr/>
           </a:p>
@@ -4114,7 +4577,8 @@
           </a:prstGeom>
         </p:spPr>
         <p:txBody>
-          <a:bodyPr lIns="0" rIns="0" tIns="0" bIns="0" anchor="ctr"/>
+          <a:bodyPr lIns="0" tIns="0" rIns="0" bIns="0" anchor="ctr"/>
+          <a:lstStyle/>
           <a:p>
             <a:r>
               <a:rPr lang="en-US" sz="4400">
@@ -4128,35 +4592,41 @@
       </p:sp>
     </p:spTree>
   </p:cSld>
-  <p:clrMap bg1="lt1" bg2="lt2" tx1="dk1" tx2="dk2" accent1="accent1" accent2="accent2" accent3="accent3" accent4="accent4" accent5="accent5" accent6="accent6" hlink="hlink" folHlink="folHlink"/>
+  <p:clrMap bg1="lt1" tx1="dk1" bg2="lt2" tx2="dk2" accent1="accent1" accent2="accent2" accent3="accent3" accent4="accent4" accent5="accent5" accent6="accent6" hlink="hlink" folHlink="folHlink"/>
   <p:sldLayoutIdLst>
-    <p:sldLayoutId id="2147483662" r:id="rId3"/>
-    <p:sldLayoutId id="2147483663" r:id="rId4"/>
-    <p:sldLayoutId id="2147483664" r:id="rId5"/>
-    <p:sldLayoutId id="2147483665" r:id="rId6"/>
-    <p:sldLayoutId id="2147483666" r:id="rId7"/>
-    <p:sldLayoutId id="2147483667" r:id="rId8"/>
-    <p:sldLayoutId id="2147483668" r:id="rId9"/>
-    <p:sldLayoutId id="2147483669" r:id="rId10"/>
-    <p:sldLayoutId id="2147483670" r:id="rId11"/>
-    <p:sldLayoutId id="2147483671" r:id="rId12"/>
-    <p:sldLayoutId id="2147483672" r:id="rId13"/>
-    <p:sldLayoutId id="2147483673" r:id="rId14"/>
+    <p:sldLayoutId id="2147483662" r:id="rId1"/>
+    <p:sldLayoutId id="2147483663" r:id="rId2"/>
+    <p:sldLayoutId id="2147483664" r:id="rId3"/>
+    <p:sldLayoutId id="2147483665" r:id="rId4"/>
+    <p:sldLayoutId id="2147483666" r:id="rId5"/>
+    <p:sldLayoutId id="2147483667" r:id="rId6"/>
+    <p:sldLayoutId id="2147483668" r:id="rId7"/>
+    <p:sldLayoutId id="2147483669" r:id="rId8"/>
+    <p:sldLayoutId id="2147483670" r:id="rId9"/>
+    <p:sldLayoutId id="2147483671" r:id="rId10"/>
+    <p:sldLayoutId id="2147483672" r:id="rId11"/>
+    <p:sldLayoutId id="2147483673" r:id="rId12"/>
   </p:sldLayoutIdLst>
+  <p:txStyles>
+    <p:titleStyle/>
+    <p:bodyStyle/>
+    <p:otherStyle/>
+  </p:txStyles>
 </p:sldMaster>
 </file>
 
 <file path=ppt/slides/slide1.xml><?xml version="1.0" encoding="utf-8"?>
-<p:sld xmlns:a="http://schemas.openxmlformats.org/drawingml/2006/main" xmlns:p="http://schemas.openxmlformats.org/presentationml/2006/main" xmlns:r="http://schemas.openxmlformats.org/officeDocument/2006/relationships">
+<p:sld xmlns:a="http://schemas.openxmlformats.org/drawingml/2006/main" xmlns:r="http://schemas.openxmlformats.org/officeDocument/2006/relationships" xmlns:p="http://schemas.openxmlformats.org/presentationml/2006/main">
   <p:cSld>
     <p:bg>
       <p:bgPr>
         <a:blipFill>
-          <a:blip r:embed="rId1"/>
+          <a:blip r:embed="rId3"/>
           <a:stretch>
             <a:fillRect/>
           </a:stretch>
         </a:blipFill>
+        <a:effectLst/>
       </p:bgPr>
     </p:bg>
     <p:spTree>
@@ -4193,7 +4663,8 @@
           </a:ln>
         </p:spPr>
         <p:txBody>
-          <a:bodyPr lIns="90000" rIns="90000" tIns="45000" bIns="45000"/>
+          <a:bodyPr lIns="90000" tIns="45000" rIns="90000" bIns="45000"/>
+          <a:lstStyle/>
           <a:p>
             <a:pPr algn="ctr">
               <a:lnSpc>
@@ -4201,16 +4672,16 @@
               </a:lnSpc>
             </a:pPr>
             <a:r>
-              <a:rPr lang="en-US" sz="3600">
+              <a:rPr lang="en-US" sz="3600" dirty="0" smtClean="0">
                 <a:solidFill>
-                  <a:srgbClr val="4d4d4d"/>
+                  <a:srgbClr val="4D4D4D"/>
                 </a:solidFill>
                 <a:latin typeface="Georgia"/>
                 <a:ea typeface="新細明體"/>
               </a:rPr>
-              <a:t>Title</a:t>
-            </a:r>
-            <a:endParaRPr/>
+              <a:t>Predicting West Nile Virus</a:t>
+            </a:r>
+            <a:endParaRPr dirty="0"/>
           </a:p>
         </p:txBody>
       </p:sp>
@@ -4234,7 +4705,8 @@
           </a:ln>
         </p:spPr>
         <p:txBody>
-          <a:bodyPr lIns="90000" rIns="90000" tIns="45000" bIns="45000"/>
+          <a:bodyPr lIns="90000" tIns="45000" rIns="90000" bIns="45000"/>
+          <a:lstStyle/>
           <a:p>
             <a:pPr algn="ctr">
               <a:lnSpc>
@@ -4242,26 +4714,33 @@
               </a:lnSpc>
             </a:pPr>
             <a:r>
-              <a:rPr lang="en-US" sz="2200">
+              <a:rPr lang="en-US" sz="2200" dirty="0" smtClean="0">
                 <a:solidFill>
-                  <a:srgbClr val="4d4d4d"/>
+                  <a:srgbClr val="4D4D4D"/>
                 </a:solidFill>
                 <a:latin typeface="Georgia"/>
                 <a:ea typeface="新細明體"/>
               </a:rPr>
-              <a:t>Your Name</a:t>
-            </a:r>
-            <a:r>
-              <a:rPr lang="en-US" sz="2200">
+              <a:t>Andrew Norton</a:t>
+            </a:r>
+          </a:p>
+          <a:p>
+            <a:pPr algn="ctr">
+              <a:lnSpc>
+                <a:spcPct val="100000"/>
+              </a:lnSpc>
+            </a:pPr>
+            <a:r>
+              <a:rPr lang="en-US" sz="2200" dirty="0" smtClean="0">
                 <a:solidFill>
-                  <a:srgbClr val="4d4d4d"/>
+                  <a:srgbClr val="4D4D4D"/>
                 </a:solidFill>
                 <a:latin typeface="Georgia"/>
                 <a:ea typeface="新細明體"/>
               </a:rPr>
-              <a:t>	</a:t>
-            </a:r>
-            <a:endParaRPr/>
+              <a:t>Frank Hiemstra</a:t>
+            </a:r>
+            <a:endParaRPr dirty="0"/>
           </a:p>
         </p:txBody>
       </p:sp>
@@ -4273,7 +4752,7 @@
         </p:nvSpPr>
         <p:spPr>
           <a:xfrm>
-            <a:off x="76320" y="4419720"/>
+            <a:off x="76320" y="4835905"/>
             <a:ext cx="8838720" cy="425520"/>
           </a:xfrm>
           <a:prstGeom prst="rect">
@@ -4285,7 +4764,8 @@
           </a:ln>
         </p:spPr>
         <p:txBody>
-          <a:bodyPr lIns="90000" rIns="90000" tIns="45000" bIns="45000"/>
+          <a:bodyPr lIns="90000" tIns="45000" rIns="90000" bIns="45000"/>
+          <a:lstStyle/>
           <a:p>
             <a:pPr algn="ctr">
               <a:lnSpc>
@@ -4293,16 +4773,36 @@
               </a:lnSpc>
             </a:pPr>
             <a:r>
-              <a:rPr lang="en-US" sz="2200">
+              <a:rPr lang="en-US" sz="2200" dirty="0" smtClean="0">
                 <a:solidFill>
-                  <a:srgbClr val="4d4d4d"/>
+                  <a:srgbClr val="4D4D4D"/>
                 </a:solidFill>
                 <a:latin typeface="Georgia"/>
                 <a:ea typeface="新細明體"/>
               </a:rPr>
-              <a:t>Date</a:t>
-            </a:r>
-            <a:endParaRPr/>
+              <a:t>December 3</a:t>
+            </a:r>
+            <a:r>
+              <a:rPr lang="en-US" sz="2200" baseline="30000" dirty="0" smtClean="0">
+                <a:solidFill>
+                  <a:srgbClr val="4D4D4D"/>
+                </a:solidFill>
+                <a:latin typeface="Georgia"/>
+                <a:ea typeface="新細明體"/>
+              </a:rPr>
+              <a:t>rd</a:t>
+            </a:r>
+            <a:r>
+              <a:rPr lang="en-US" sz="2200" dirty="0" smtClean="0">
+                <a:solidFill>
+                  <a:srgbClr val="4D4D4D"/>
+                </a:solidFill>
+                <a:latin typeface="Georgia"/>
+                <a:ea typeface="新細明體"/>
+              </a:rPr>
+              <a:t>, 2015</a:t>
+            </a:r>
+            <a:endParaRPr dirty="0"/>
           </a:p>
         </p:txBody>
       </p:sp>
@@ -4323,6 +4823,7 @@
         </p:spPr>
         <p:txBody>
           <a:bodyPr/>
+          <a:lstStyle/>
           <a:p>
             <a:pPr>
               <a:lnSpc>
@@ -4337,7 +4838,7 @@
                 <a:latin typeface="Arial"/>
                 <a:ea typeface="PMingLiU"/>
               </a:rPr>
-              <a:t>&lt;number&gt;</a:t>
+              <a:t>1</a:t>
             </a:fld>
             <a:endParaRPr/>
           </a:p>
@@ -4345,11 +4846,14 @@
       </p:sp>
     </p:spTree>
   </p:cSld>
+  <p:clrMapOvr>
+    <a:masterClrMapping/>
+  </p:clrMapOvr>
 </p:sld>
 </file>
 
 <file path=ppt/slides/slide10.xml><?xml version="1.0" encoding="utf-8"?>
-<p:sld xmlns:a="http://schemas.openxmlformats.org/drawingml/2006/main" xmlns:p="http://schemas.openxmlformats.org/presentationml/2006/main" xmlns:r="http://schemas.openxmlformats.org/officeDocument/2006/relationships">
+<p:sld xmlns:a="http://schemas.openxmlformats.org/drawingml/2006/main" xmlns:r="http://schemas.openxmlformats.org/officeDocument/2006/relationships" xmlns:p="http://schemas.openxmlformats.org/presentationml/2006/main">
   <p:cSld>
     <p:spTree>
       <p:nvGrpSpPr>
@@ -4385,7 +4889,8 @@
           </a:ln>
         </p:spPr>
         <p:txBody>
-          <a:bodyPr lIns="90000" rIns="90000" tIns="45000" bIns="45000" anchor="ctr"/>
+          <a:bodyPr lIns="90000" tIns="45000" rIns="90000" bIns="45000" anchor="ctr"/>
+          <a:lstStyle/>
           <a:p>
             <a:pPr>
               <a:lnSpc>
@@ -4395,7 +4900,7 @@
             <a:r>
               <a:rPr lang="en-US" sz="3600">
                 <a:solidFill>
-                  <a:srgbClr val="4d4d4d"/>
+                  <a:srgbClr val="4D4D4D"/>
                 </a:solidFill>
                 <a:latin typeface="Georgia"/>
                 <a:ea typeface="PMingLiU"/>
@@ -4423,6 +4928,7 @@
         </p:spPr>
         <p:txBody>
           <a:bodyPr/>
+          <a:lstStyle/>
           <a:p>
             <a:endParaRPr/>
           </a:p>
@@ -4445,6 +4951,7 @@
         </p:spPr>
         <p:txBody>
           <a:bodyPr/>
+          <a:lstStyle/>
           <a:p>
             <a:pPr>
               <a:lnSpc>
@@ -4459,19 +4966,52 @@
                 <a:latin typeface="Arial"/>
                 <a:ea typeface="PMingLiU"/>
               </a:rPr>
-              <a:t>&lt;number&gt;</a:t>
+              <a:t>10</a:t>
             </a:fld>
             <a:endParaRPr/>
           </a:p>
         </p:txBody>
       </p:sp>
+      <p:pic>
+        <p:nvPicPr>
+          <p:cNvPr id="7" name="Picture 6" descr="Class_vs_num_mos.png"/>
+          <p:cNvPicPr>
+            <a:picLocks noChangeAspect="1"/>
+          </p:cNvPicPr>
+          <p:nvPr/>
+        </p:nvPicPr>
+        <p:blipFill>
+          <a:blip r:embed="rId3">
+            <a:extLst>
+              <a:ext uri="{28A0092B-C50C-407E-A947-70E740481C1C}">
+                <a14:useLocalDpi xmlns:a14="http://schemas.microsoft.com/office/drawing/2010/main" val="0"/>
+              </a:ext>
+            </a:extLst>
+          </a:blip>
+          <a:stretch>
+            <a:fillRect/>
+          </a:stretch>
+        </p:blipFill>
+        <p:spPr>
+          <a:xfrm>
+            <a:off x="1508125" y="1506593"/>
+            <a:ext cx="6318249" cy="4738687"/>
+          </a:xfrm>
+          <a:prstGeom prst="rect">
+            <a:avLst/>
+          </a:prstGeom>
+        </p:spPr>
+      </p:pic>
     </p:spTree>
   </p:cSld>
+  <p:clrMapOvr>
+    <a:masterClrMapping/>
+  </p:clrMapOvr>
 </p:sld>
 </file>
 
 <file path=ppt/slides/slide11.xml><?xml version="1.0" encoding="utf-8"?>
-<p:sld xmlns:a="http://schemas.openxmlformats.org/drawingml/2006/main" xmlns:p="http://schemas.openxmlformats.org/presentationml/2006/main" xmlns:r="http://schemas.openxmlformats.org/officeDocument/2006/relationships">
+<p:sld xmlns:a="http://schemas.openxmlformats.org/drawingml/2006/main" xmlns:r="http://schemas.openxmlformats.org/officeDocument/2006/relationships" xmlns:p="http://schemas.openxmlformats.org/presentationml/2006/main">
   <p:cSld>
     <p:spTree>
       <p:nvGrpSpPr>
@@ -4507,7 +5047,8 @@
           </a:ln>
         </p:spPr>
         <p:txBody>
-          <a:bodyPr lIns="90000" rIns="90000" tIns="45000" bIns="45000" anchor="ctr"/>
+          <a:bodyPr lIns="90000" tIns="45000" rIns="90000" bIns="45000" anchor="ctr"/>
+          <a:lstStyle/>
           <a:p>
             <a:pPr>
               <a:lnSpc>
@@ -4517,7 +5058,7 @@
             <a:r>
               <a:rPr lang="en-US" sz="3600">
                 <a:solidFill>
-                  <a:srgbClr val="4d4d4d"/>
+                  <a:srgbClr val="4D4D4D"/>
                 </a:solidFill>
                 <a:latin typeface="Georgia"/>
                 <a:ea typeface="新細明體"/>
@@ -4547,6 +5088,13 @@
             <a:noFill/>
           </a:ln>
         </p:spPr>
+        <p:txBody>
+          <a:bodyPr/>
+          <a:lstStyle/>
+          <a:p>
+            <a:endParaRPr lang="en-US" dirty="0"/>
+          </a:p>
+        </p:txBody>
       </p:sp>
       <p:sp>
         <p:nvSpPr>
@@ -4565,6 +5113,7 @@
         </p:spPr>
         <p:txBody>
           <a:bodyPr/>
+          <a:lstStyle/>
           <a:p>
             <a:pPr>
               <a:lnSpc>
@@ -4579,19 +5128,96 @@
                 <a:latin typeface="Arial"/>
                 <a:ea typeface="PMingLiU"/>
               </a:rPr>
-              <a:t>&lt;number&gt;</a:t>
+              <a:t>11</a:t>
             </a:fld>
             <a:endParaRPr/>
+          </a:p>
+        </p:txBody>
+      </p:sp>
+      <p:sp>
+        <p:nvSpPr>
+          <p:cNvPr id="4" name="TextBox 3"/>
+          <p:cNvSpPr txBox="1"/>
+          <p:nvPr/>
+        </p:nvSpPr>
+        <p:spPr>
+          <a:xfrm>
+            <a:off x="372960" y="2016125"/>
+            <a:ext cx="8313480" cy="3323987"/>
+          </a:xfrm>
+          <a:prstGeom prst="rect">
+            <a:avLst/>
+          </a:prstGeom>
+          <a:noFill/>
+        </p:spPr>
+        <p:txBody>
+          <a:bodyPr wrap="square" rtlCol="0">
+            <a:spAutoFit/>
+          </a:bodyPr>
+          <a:lstStyle/>
+          <a:p>
+            <a:pPr marL="285750" indent="-285750">
+              <a:buFont typeface="Arial"/>
+              <a:buChar char="•"/>
+            </a:pPr>
+            <a:r>
+              <a:rPr lang="en-US" sz="2400" dirty="0" smtClean="0"/>
+              <a:t>Predict number of mosquitos per trap, as it is a good indicator of WNV present</a:t>
+            </a:r>
+          </a:p>
+          <a:p>
+            <a:endParaRPr lang="en-US" sz="2400" dirty="0" smtClean="0"/>
+          </a:p>
+          <a:p>
+            <a:pPr marL="285750" indent="-285750">
+              <a:buFont typeface="Arial"/>
+              <a:buChar char="•"/>
+            </a:pPr>
+            <a:r>
+              <a:rPr lang="en-US" sz="2400" dirty="0" smtClean="0"/>
+              <a:t>Use a </a:t>
+            </a:r>
+            <a:r>
+              <a:rPr lang="en-US" sz="2400" dirty="0" err="1" smtClean="0"/>
+              <a:t>Hellinger</a:t>
+            </a:r>
+            <a:r>
+              <a:rPr lang="en-US" sz="2400" dirty="0" smtClean="0"/>
+              <a:t> distance based decision tree to do classification</a:t>
+            </a:r>
+          </a:p>
+          <a:p>
+            <a:pPr marL="285750" indent="-285750">
+              <a:buFont typeface="Arial"/>
+              <a:buChar char="•"/>
+            </a:pPr>
+            <a:endParaRPr lang="en-US" sz="2400" dirty="0" smtClean="0"/>
+          </a:p>
+          <a:p>
+            <a:pPr marL="342900" indent="-342900">
+              <a:buFont typeface="Arial"/>
+              <a:buChar char="•"/>
+            </a:pPr>
+            <a:r>
+              <a:rPr lang="en-US" sz="2400" dirty="0" smtClean="0"/>
+              <a:t>Find prior probability of a certain species of mosquito containing WNV</a:t>
+            </a:r>
+          </a:p>
+          <a:p>
+            <a:endParaRPr lang="en-US" dirty="0" smtClean="0"/>
           </a:p>
         </p:txBody>
       </p:sp>
     </p:spTree>
   </p:cSld>
+  <p:clrMapOvr>
+    <a:masterClrMapping/>
+  </p:clrMapOvr>
 </p:sld>
 </file>
 
 <file path=ppt/slides/slide12.xml><?xml version="1.0" encoding="utf-8"?>
-<p:sld xmlns:a="http://schemas.openxmlformats.org/drawingml/2006/main" xmlns:p="http://schemas.openxmlformats.org/presentationml/2006/main" xmlns:r="http://schemas.openxmlformats.org/officeDocument/2006/relationships">
+<p:sld xmlns:a="http://schemas.openxmlformats.org/drawingml/2006/main" xmlns:r="http://schemas.openxmlformats.org/officeDocument/2006/relationships" xmlns:p="http://schemas.openxmlformats.org/presentationml/2006/main">
   <p:cSld>
     <p:spTree>
       <p:nvGrpSpPr>
@@ -4627,7 +5253,8 @@
           </a:ln>
         </p:spPr>
         <p:txBody>
-          <a:bodyPr lIns="90000" rIns="90000" tIns="45000" bIns="45000" anchor="ctr"/>
+          <a:bodyPr lIns="90000" tIns="45000" rIns="90000" bIns="45000" anchor="ctr"/>
+          <a:lstStyle/>
           <a:p>
             <a:pPr>
               <a:lnSpc>
@@ -4637,7 +5264,7 @@
             <a:r>
               <a:rPr lang="en-US" sz="3600">
                 <a:solidFill>
-                  <a:srgbClr val="4d4d4d"/>
+                  <a:srgbClr val="4D4D4D"/>
                 </a:solidFill>
                 <a:latin typeface="Georgia"/>
                 <a:ea typeface="新細明體"/>
@@ -4685,6 +5312,7 @@
         </p:spPr>
         <p:txBody>
           <a:bodyPr/>
+          <a:lstStyle/>
           <a:p>
             <a:pPr>
               <a:lnSpc>
@@ -4699,19 +5327,199 @@
                 <a:latin typeface="Arial"/>
                 <a:ea typeface="PMingLiU"/>
               </a:rPr>
-              <a:t>&lt;number&gt;</a:t>
+              <a:t>12</a:t>
             </a:fld>
             <a:endParaRPr/>
+          </a:p>
+        </p:txBody>
+      </p:sp>
+      <p:sp>
+        <p:nvSpPr>
+          <p:cNvPr id="2" name="TextBox 1"/>
+          <p:cNvSpPr txBox="1"/>
+          <p:nvPr/>
+        </p:nvSpPr>
+        <p:spPr>
+          <a:xfrm>
+            <a:off x="920750" y="1784230"/>
+            <a:ext cx="7318375" cy="3970318"/>
+          </a:xfrm>
+          <a:prstGeom prst="rect">
+            <a:avLst/>
+          </a:prstGeom>
+          <a:noFill/>
+        </p:spPr>
+        <p:txBody>
+          <a:bodyPr wrap="square" rtlCol="0">
+            <a:spAutoFit/>
+          </a:bodyPr>
+          <a:lstStyle/>
+          <a:p>
+            <a:pPr marL="285750" indent="-285750">
+              <a:buFont typeface="Arial"/>
+              <a:buChar char="•"/>
+            </a:pPr>
+            <a:r>
+              <a:rPr lang="en-US" dirty="0" smtClean="0"/>
+              <a:t>Hahn</a:t>
+            </a:r>
+            <a:r>
+              <a:rPr lang="en-US" dirty="0"/>
+              <a:t>, M., Monaghan, A., Hayden, M., </a:t>
+            </a:r>
+            <a:r>
+              <a:rPr lang="en-US" dirty="0" err="1"/>
+              <a:t>Eisen</a:t>
+            </a:r>
+            <a:r>
+              <a:rPr lang="en-US" dirty="0"/>
+              <a:t>, R., </a:t>
+            </a:r>
+            <a:r>
+              <a:rPr lang="en-US" dirty="0" err="1"/>
+              <a:t>Delorey</a:t>
+            </a:r>
+            <a:r>
+              <a:rPr lang="en-US" dirty="0"/>
+              <a:t>, M., Lindsey, N., . . . Fischer, M. (2015). Meteorological Conditions Associated with Increased Incidence of West Nile Virus Disease in the United States, 2004-2012. </a:t>
+            </a:r>
+            <a:r>
+              <a:rPr lang="en-US" i="1" dirty="0"/>
+              <a:t>American Journal of Tropical Medicine and Hygiene</a:t>
+            </a:r>
+            <a:r>
+              <a:rPr lang="en-US" dirty="0"/>
+              <a:t>, 1013-1022. </a:t>
+            </a:r>
+            <a:endParaRPr lang="en-US" dirty="0" smtClean="0"/>
+          </a:p>
+          <a:p>
+            <a:pPr marL="285750" indent="-285750">
+              <a:buFont typeface="Arial"/>
+              <a:buChar char="•"/>
+            </a:pPr>
+            <a:endParaRPr lang="en-US" dirty="0"/>
+          </a:p>
+          <a:p>
+            <a:pPr marL="285750" indent="-285750">
+              <a:buFont typeface="Arial"/>
+              <a:buChar char="•"/>
+            </a:pPr>
+            <a:r>
+              <a:rPr lang="en-US" dirty="0" smtClean="0"/>
+              <a:t>Ruiz</a:t>
+            </a:r>
+            <a:r>
+              <a:rPr lang="en-US" dirty="0"/>
+              <a:t>, M., Chaves, L., </a:t>
+            </a:r>
+            <a:r>
+              <a:rPr lang="en-US" dirty="0" err="1"/>
+              <a:t>Hamer</a:t>
+            </a:r>
+            <a:r>
+              <a:rPr lang="en-US" dirty="0"/>
+              <a:t>, G., Sun, T., Brown, W., Walker, E., . . . </a:t>
+            </a:r>
+            <a:r>
+              <a:rPr lang="en-US" dirty="0" err="1"/>
+              <a:t>Kitron</a:t>
+            </a:r>
+            <a:r>
+              <a:rPr lang="en-US" dirty="0"/>
+              <a:t>, U. (</a:t>
+            </a:r>
+            <a:r>
+              <a:rPr lang="en-US" dirty="0" err="1"/>
+              <a:t>n.d.</a:t>
+            </a:r>
+            <a:r>
+              <a:rPr lang="en-US" dirty="0"/>
+              <a:t>). Local impact of temperature and precipitation on West Nile virus infection in </a:t>
+            </a:r>
+            <a:r>
+              <a:rPr lang="en-US" dirty="0" err="1"/>
+              <a:t>Culex</a:t>
+            </a:r>
+            <a:r>
+              <a:rPr lang="en-US" dirty="0"/>
+              <a:t> species mosquitoes in northeast Illinois, USA. </a:t>
+            </a:r>
+            <a:r>
+              <a:rPr lang="en-US" i="1" dirty="0"/>
+              <a:t>Parasites Vectors Parasites &amp; Vectors</a:t>
+            </a:r>
+            <a:r>
+              <a:rPr lang="en-US" dirty="0"/>
+              <a:t>, 19-19. </a:t>
+            </a:r>
+            <a:endParaRPr lang="en-US" dirty="0" smtClean="0"/>
+          </a:p>
+          <a:p>
+            <a:pPr marL="285750" indent="-285750">
+              <a:buFont typeface="Arial"/>
+              <a:buChar char="•"/>
+            </a:pPr>
+            <a:endParaRPr lang="en-US" dirty="0" smtClean="0"/>
+          </a:p>
+          <a:p>
+            <a:pPr marL="285750" indent="-285750">
+              <a:buFont typeface="Arial"/>
+              <a:buChar char="•"/>
+            </a:pPr>
+            <a:r>
+              <a:rPr lang="en-US" dirty="0" smtClean="0"/>
+              <a:t>West </a:t>
+            </a:r>
+            <a:r>
+              <a:rPr lang="en-US" dirty="0"/>
+              <a:t>Nile Virus Prediction. (</a:t>
+            </a:r>
+            <a:r>
+              <a:rPr lang="en-US" dirty="0" err="1"/>
+              <a:t>n.d.</a:t>
+            </a:r>
+            <a:r>
+              <a:rPr lang="en-US" dirty="0"/>
+              <a:t>). Retrieved October 12, 2015, from https://</a:t>
+            </a:r>
+            <a:r>
+              <a:rPr lang="en-US" dirty="0" err="1"/>
+              <a:t>www.kaggle.com</a:t>
+            </a:r>
+            <a:r>
+              <a:rPr lang="en-US" dirty="0"/>
+              <a:t>/c/predict-west-</a:t>
+            </a:r>
+            <a:r>
+              <a:rPr lang="en-US" dirty="0" err="1"/>
+              <a:t>nile</a:t>
+            </a:r>
+            <a:r>
+              <a:rPr lang="en-US" dirty="0"/>
+              <a:t>-virus </a:t>
+            </a:r>
+            <a:endParaRPr lang="en-US" dirty="0"/>
+          </a:p>
+          <a:p>
+            <a:pPr marL="285750" indent="-285750">
+              <a:buFont typeface="Arial"/>
+              <a:buChar char="•"/>
+            </a:pPr>
+            <a:endParaRPr lang="en-US" dirty="0"/>
           </a:p>
         </p:txBody>
       </p:sp>
     </p:spTree>
   </p:cSld>
+  <p:clrMapOvr>
+    <a:masterClrMapping/>
+  </p:clrMapOvr>
 </p:sld>
 </file>
 
 <file path=ppt/slides/slide2.xml><?xml version="1.0" encoding="utf-8"?>
-<p:sld xmlns:a="http://schemas.openxmlformats.org/drawingml/2006/main" xmlns:p="http://schemas.openxmlformats.org/presentationml/2006/main" xmlns:r="http://schemas.openxmlformats.org/officeDocument/2006/relationships">
+<p:sld xmlns:a="http://schemas.openxmlformats.org/drawingml/2006/main" xmlns:r="http://schemas.openxmlformats.org/officeDocument/2006/relationships" xmlns:p="http://schemas.openxmlformats.org/presentationml/2006/main">
   <p:cSld>
     <p:spTree>
       <p:nvGrpSpPr>
@@ -4747,7 +5555,8 @@
           </a:ln>
         </p:spPr>
         <p:txBody>
-          <a:bodyPr lIns="90000" rIns="90000" tIns="45000" bIns="45000" anchor="ctr"/>
+          <a:bodyPr lIns="90000" tIns="45000" rIns="90000" bIns="45000" anchor="ctr"/>
+          <a:lstStyle/>
           <a:p>
             <a:pPr>
               <a:lnSpc>
@@ -4757,7 +5566,7 @@
             <a:r>
               <a:rPr lang="en-US" sz="3600">
                 <a:solidFill>
-                  <a:srgbClr val="4d4d4d"/>
+                  <a:srgbClr val="4D4D4D"/>
                 </a:solidFill>
                 <a:latin typeface="Georgia"/>
                 <a:ea typeface="PMingLiU"/>
@@ -4785,6 +5594,7 @@
         </p:spPr>
         <p:txBody>
           <a:bodyPr/>
+          <a:lstStyle/>
           <a:p>
             <a:pPr>
               <a:lnSpc>
@@ -4799,19 +5609,118 @@
                 <a:latin typeface="Arial"/>
                 <a:ea typeface="PMingLiU"/>
               </a:rPr>
-              <a:t>&lt;number&gt;</a:t>
+              <a:t>2</a:t>
             </a:fld>
             <a:endParaRPr/>
+          </a:p>
+        </p:txBody>
+      </p:sp>
+      <p:sp>
+        <p:nvSpPr>
+          <p:cNvPr id="2" name="TextBox 1"/>
+          <p:cNvSpPr txBox="1"/>
+          <p:nvPr/>
+        </p:nvSpPr>
+        <p:spPr>
+          <a:xfrm>
+            <a:off x="762000" y="2047875"/>
+            <a:ext cx="7651750" cy="1815882"/>
+          </a:xfrm>
+          <a:prstGeom prst="rect">
+            <a:avLst/>
+          </a:prstGeom>
+          <a:noFill/>
+        </p:spPr>
+        <p:txBody>
+          <a:bodyPr wrap="square" rtlCol="0">
+            <a:spAutoFit/>
+          </a:bodyPr>
+          <a:lstStyle/>
+          <a:p>
+            <a:r>
+              <a:rPr lang="en-US" sz="2800" dirty="0" smtClean="0"/>
+              <a:t>Aid the City of Chicago in the fight to stop the spread of West Nile virus</a:t>
+            </a:r>
+          </a:p>
+          <a:p>
+            <a:endParaRPr lang="en-US" sz="2800" dirty="0"/>
+          </a:p>
+          <a:p>
+            <a:endParaRPr lang="en-US" sz="2800" dirty="0" smtClean="0"/>
+          </a:p>
+        </p:txBody>
+      </p:sp>
+      <p:pic>
+        <p:nvPicPr>
+          <p:cNvPr id="3" name="Picture 2"/>
+          <p:cNvPicPr>
+            <a:picLocks noChangeAspect="1"/>
+          </p:cNvPicPr>
+          <p:nvPr/>
+        </p:nvPicPr>
+        <p:blipFill>
+          <a:blip r:embed="rId3"/>
+          <a:stretch>
+            <a:fillRect/>
+          </a:stretch>
+        </p:blipFill>
+        <p:spPr>
+          <a:xfrm>
+            <a:off x="5233506" y="2889251"/>
+            <a:ext cx="3330902" cy="3175000"/>
+          </a:xfrm>
+          <a:prstGeom prst="rect">
+            <a:avLst/>
+          </a:prstGeom>
+        </p:spPr>
+      </p:pic>
+      <p:sp>
+        <p:nvSpPr>
+          <p:cNvPr id="4" name="Rectangle 3"/>
+          <p:cNvSpPr/>
+          <p:nvPr/>
+        </p:nvSpPr>
+        <p:spPr>
+          <a:xfrm>
+            <a:off x="6286787" y="6002695"/>
+            <a:ext cx="1424864" cy="246221"/>
+          </a:xfrm>
+          <a:prstGeom prst="rect">
+            <a:avLst/>
+          </a:prstGeom>
+        </p:spPr>
+        <p:txBody>
+          <a:bodyPr wrap="none">
+            <a:spAutoFit/>
+          </a:bodyPr>
+          <a:lstStyle/>
+          <a:p>
+            <a:r>
+              <a:rPr lang="en-US" sz="1000" dirty="0" err="1">
+                <a:solidFill>
+                  <a:srgbClr val="000090"/>
+                </a:solidFill>
+              </a:rPr>
+              <a:t>binghammemorial.org</a:t>
+            </a:r>
+            <a:endParaRPr lang="en-US" sz="1000" dirty="0">
+              <a:solidFill>
+                <a:srgbClr val="000090"/>
+              </a:solidFill>
+            </a:endParaRPr>
           </a:p>
         </p:txBody>
       </p:sp>
     </p:spTree>
   </p:cSld>
+  <p:clrMapOvr>
+    <a:masterClrMapping/>
+  </p:clrMapOvr>
 </p:sld>
 </file>
 
 <file path=ppt/slides/slide3.xml><?xml version="1.0" encoding="utf-8"?>
-<p:sld xmlns:a="http://schemas.openxmlformats.org/drawingml/2006/main" xmlns:p="http://schemas.openxmlformats.org/presentationml/2006/main" xmlns:r="http://schemas.openxmlformats.org/officeDocument/2006/relationships">
+<p:sld xmlns:a="http://schemas.openxmlformats.org/drawingml/2006/main" xmlns:r="http://schemas.openxmlformats.org/officeDocument/2006/relationships" xmlns:p="http://schemas.openxmlformats.org/presentationml/2006/main">
   <p:cSld>
     <p:spTree>
       <p:nvGrpSpPr>
@@ -4847,7 +5756,8 @@
           </a:ln>
         </p:spPr>
         <p:txBody>
-          <a:bodyPr lIns="90000" rIns="90000" tIns="45000" bIns="45000" anchor="ctr"/>
+          <a:bodyPr lIns="90000" tIns="45000" rIns="90000" bIns="45000" anchor="ctr"/>
+          <a:lstStyle/>
           <a:p>
             <a:pPr>
               <a:lnSpc>
@@ -4857,7 +5767,7 @@
             <a:r>
               <a:rPr lang="en-US" sz="3600">
                 <a:solidFill>
-                  <a:srgbClr val="4d4d4d"/>
+                  <a:srgbClr val="4D4D4D"/>
                 </a:solidFill>
                 <a:latin typeface="Georgia"/>
                 <a:ea typeface="PMingLiU"/>
@@ -4868,13 +5778,200 @@
           </a:p>
         </p:txBody>
       </p:sp>
+      <p:pic>
+        <p:nvPicPr>
+          <p:cNvPr id="2" name="Picture 1"/>
+          <p:cNvPicPr>
+            <a:picLocks noChangeAspect="1"/>
+          </p:cNvPicPr>
+          <p:nvPr/>
+        </p:nvPicPr>
+        <p:blipFill rotWithShape="1">
+          <a:blip r:embed="rId3"/>
+          <a:srcRect r="41146"/>
+          <a:stretch/>
+        </p:blipFill>
+        <p:spPr>
+          <a:xfrm>
+            <a:off x="1484211" y="2406170"/>
+            <a:ext cx="2362438" cy="2657955"/>
+          </a:xfrm>
+          <a:prstGeom prst="rect">
+            <a:avLst/>
+          </a:prstGeom>
+        </p:spPr>
+      </p:pic>
+      <p:pic>
+        <p:nvPicPr>
+          <p:cNvPr id="3" name="Picture 2"/>
+          <p:cNvPicPr>
+            <a:picLocks noChangeAspect="1"/>
+          </p:cNvPicPr>
+          <p:nvPr/>
+        </p:nvPicPr>
+        <p:blipFill rotWithShape="1">
+          <a:blip r:embed="rId4"/>
+          <a:srcRect l="20462" r="12502" b="12731"/>
+          <a:stretch/>
+        </p:blipFill>
+        <p:spPr>
+          <a:xfrm>
+            <a:off x="5097101" y="2390295"/>
+            <a:ext cx="2693206" cy="2657955"/>
+          </a:xfrm>
+          <a:prstGeom prst="rect">
+            <a:avLst/>
+          </a:prstGeom>
+        </p:spPr>
+      </p:pic>
+      <p:sp>
+        <p:nvSpPr>
+          <p:cNvPr id="4" name="TextBox 3"/>
+          <p:cNvSpPr txBox="1"/>
+          <p:nvPr/>
+        </p:nvSpPr>
+        <p:spPr>
+          <a:xfrm>
+            <a:off x="3968750" y="1500515"/>
+            <a:ext cx="1096023" cy="523220"/>
+          </a:xfrm>
+          <a:prstGeom prst="rect">
+            <a:avLst/>
+          </a:prstGeom>
+          <a:noFill/>
+        </p:spPr>
+        <p:txBody>
+          <a:bodyPr wrap="none" rtlCol="0">
+            <a:spAutoFit/>
+          </a:bodyPr>
+          <a:lstStyle/>
+          <a:p>
+            <a:r>
+              <a:rPr lang="en-US" sz="2800" b="1" dirty="0" smtClean="0"/>
+              <a:t>Team</a:t>
+            </a:r>
+            <a:endParaRPr lang="en-US" sz="2800" b="1" dirty="0"/>
+          </a:p>
+        </p:txBody>
+      </p:sp>
+      <p:cxnSp>
+        <p:nvCxnSpPr>
+          <p:cNvPr id="7" name="Straight Arrow Connector 6"/>
+          <p:cNvCxnSpPr>
+            <a:stCxn id="4" idx="2"/>
+          </p:cNvCxnSpPr>
+          <p:nvPr/>
+        </p:nvCxnSpPr>
+        <p:spPr>
+          <a:xfrm>
+            <a:off x="4516762" y="2023735"/>
+            <a:ext cx="1515738" cy="287185"/>
+          </a:xfrm>
+          <a:prstGeom prst="straightConnector1">
+            <a:avLst/>
+          </a:prstGeom>
+          <a:ln>
+            <a:tailEnd type="arrow"/>
+          </a:ln>
+        </p:spPr>
+        <p:style>
+          <a:lnRef idx="2">
+            <a:schemeClr val="accent1"/>
+          </a:lnRef>
+          <a:fillRef idx="0">
+            <a:schemeClr val="accent1"/>
+          </a:fillRef>
+          <a:effectRef idx="1">
+            <a:schemeClr val="accent1"/>
+          </a:effectRef>
+          <a:fontRef idx="minor">
+            <a:schemeClr val="tx1"/>
+          </a:fontRef>
+        </p:style>
+      </p:cxnSp>
+      <p:cxnSp>
+        <p:nvCxnSpPr>
+          <p:cNvPr id="13" name="Straight Arrow Connector 12"/>
+          <p:cNvCxnSpPr>
+            <a:stCxn id="4" idx="2"/>
+          </p:cNvCxnSpPr>
+          <p:nvPr/>
+        </p:nvCxnSpPr>
+        <p:spPr>
+          <a:xfrm flipH="1">
+            <a:off x="2952750" y="2023735"/>
+            <a:ext cx="1564012" cy="287185"/>
+          </a:xfrm>
+          <a:prstGeom prst="straightConnector1">
+            <a:avLst/>
+          </a:prstGeom>
+          <a:ln>
+            <a:tailEnd type="arrow"/>
+          </a:ln>
+        </p:spPr>
+        <p:style>
+          <a:lnRef idx="2">
+            <a:schemeClr val="accent1"/>
+          </a:lnRef>
+          <a:fillRef idx="0">
+            <a:schemeClr val="accent1"/>
+          </a:fillRef>
+          <a:effectRef idx="1">
+            <a:schemeClr val="accent1"/>
+          </a:effectRef>
+          <a:fontRef idx="minor">
+            <a:schemeClr val="tx1"/>
+          </a:fontRef>
+        </p:style>
+      </p:cxnSp>
+      <p:sp>
+        <p:nvSpPr>
+          <p:cNvPr id="16" name="TextBox 15"/>
+          <p:cNvSpPr txBox="1"/>
+          <p:nvPr/>
+        </p:nvSpPr>
+        <p:spPr>
+          <a:xfrm>
+            <a:off x="555625" y="5635625"/>
+            <a:ext cx="8350250" cy="400110"/>
+          </a:xfrm>
+          <a:prstGeom prst="rect">
+            <a:avLst/>
+          </a:prstGeom>
+          <a:noFill/>
+        </p:spPr>
+        <p:txBody>
+          <a:bodyPr wrap="square" rtlCol="0">
+            <a:spAutoFit/>
+          </a:bodyPr>
+          <a:lstStyle/>
+          <a:p>
+            <a:pPr algn="ctr"/>
+            <a:r>
+              <a:rPr lang="en-US" sz="2000" b="1" dirty="0" smtClean="0"/>
+              <a:t>Statistics + Engineering + Math + Computer Science = Success</a:t>
+            </a:r>
+            <a:endParaRPr lang="en-US" sz="2000" b="1" dirty="0"/>
+          </a:p>
+        </p:txBody>
+      </p:sp>
     </p:spTree>
   </p:cSld>
+  <p:clrMapOvr>
+    <a:masterClrMapping/>
+  </p:clrMapOvr>
+  <p:timing>
+    <p:tnLst>
+      <p:par>
+        <p:cTn xmlns:p14="http://schemas.microsoft.com/office/powerpoint/2010/main" id="1" dur="indefinite" restart="never" nodeType="tmRoot"/>
+      </p:par>
+    </p:tnLst>
+  </p:timing>
 </p:sld>
 </file>
 
 <file path=ppt/slides/slide4.xml><?xml version="1.0" encoding="utf-8"?>
-<p:sld xmlns:a="http://schemas.openxmlformats.org/drawingml/2006/main" xmlns:p="http://schemas.openxmlformats.org/presentationml/2006/main" xmlns:r="http://schemas.openxmlformats.org/officeDocument/2006/relationships">
+<p:sld xmlns:a="http://schemas.openxmlformats.org/drawingml/2006/main" xmlns:r="http://schemas.openxmlformats.org/officeDocument/2006/relationships" xmlns:p="http://schemas.openxmlformats.org/presentationml/2006/main">
   <p:cSld>
     <p:spTree>
       <p:nvGrpSpPr>
@@ -4910,7 +6007,8 @@
           </a:ln>
         </p:spPr>
         <p:txBody>
-          <a:bodyPr lIns="90000" rIns="90000" tIns="45000" bIns="45000" anchor="ctr"/>
+          <a:bodyPr lIns="90000" tIns="45000" rIns="90000" bIns="45000" anchor="ctr"/>
+          <a:lstStyle/>
           <a:p>
             <a:pPr>
               <a:lnSpc>
@@ -4920,7 +6018,7 @@
             <a:r>
               <a:rPr lang="en-US" sz="3600">
                 <a:solidFill>
-                  <a:srgbClr val="4d4d4d"/>
+                  <a:srgbClr val="4D4D4D"/>
                 </a:solidFill>
                 <a:latin typeface="Georgia"/>
                 <a:ea typeface="新細明體"/>
@@ -4948,6 +6046,7 @@
         </p:spPr>
         <p:txBody>
           <a:bodyPr/>
+          <a:lstStyle/>
           <a:p>
             <a:pPr>
               <a:lnSpc>
@@ -4962,19 +6061,99 @@
                 <a:latin typeface="Arial"/>
                 <a:ea typeface="PMingLiU"/>
               </a:rPr>
-              <a:t>&lt;number&gt;</a:t>
+              <a:t>4</a:t>
             </a:fld>
             <a:endParaRPr/>
+          </a:p>
+        </p:txBody>
+      </p:sp>
+      <p:sp>
+        <p:nvSpPr>
+          <p:cNvPr id="3" name="TextBox 2"/>
+          <p:cNvSpPr txBox="1"/>
+          <p:nvPr/>
+        </p:nvSpPr>
+        <p:spPr>
+          <a:xfrm>
+            <a:off x="619125" y="1762125"/>
+            <a:ext cx="8067315" cy="3539431"/>
+          </a:xfrm>
+          <a:prstGeom prst="rect">
+            <a:avLst/>
+          </a:prstGeom>
+          <a:noFill/>
+        </p:spPr>
+        <p:txBody>
+          <a:bodyPr wrap="square" rtlCol="0">
+            <a:spAutoFit/>
+          </a:bodyPr>
+          <a:lstStyle/>
+          <a:p>
+            <a:pPr marL="457200" indent="-457200">
+              <a:buFont typeface="Arial"/>
+              <a:buChar char="•"/>
+            </a:pPr>
+            <a:r>
+              <a:rPr lang="en-US" sz="2800" dirty="0" smtClean="0"/>
+              <a:t>Research by the National Center of Atmospheric Research in Boulder, CO</a:t>
+            </a:r>
+          </a:p>
+          <a:p>
+            <a:pPr marL="457200" indent="-457200">
+              <a:buFont typeface="Arial"/>
+              <a:buChar char="•"/>
+            </a:pPr>
+            <a:endParaRPr lang="en-US" sz="2800" dirty="0" smtClean="0"/>
+          </a:p>
+          <a:p>
+            <a:pPr marL="457200" indent="-457200">
+              <a:buFont typeface="Arial"/>
+              <a:buChar char="•"/>
+            </a:pPr>
+            <a:r>
+              <a:rPr lang="en-US" sz="2800" dirty="0" smtClean="0"/>
+              <a:t>Research by the Geographic </a:t>
+            </a:r>
+            <a:r>
+              <a:rPr lang="en-US" sz="2800" dirty="0"/>
+              <a:t>Information Systems and Spatial Analysis </a:t>
+            </a:r>
+            <a:r>
+              <a:rPr lang="en-US" sz="2800" dirty="0" smtClean="0"/>
+              <a:t>Laboratory </a:t>
+            </a:r>
+            <a:r>
+              <a:rPr lang="en-US" sz="2800" dirty="0"/>
+              <a:t>at University of Illinois at Urbana-Champaign </a:t>
+            </a:r>
+            <a:endParaRPr lang="en-US" sz="2800" dirty="0"/>
+          </a:p>
+          <a:p>
+            <a:endParaRPr lang="en-US" sz="2800" dirty="0" smtClean="0"/>
+          </a:p>
+          <a:p>
+            <a:pPr marL="457200" indent="-457200">
+              <a:buFont typeface="Arial"/>
+              <a:buChar char="•"/>
+            </a:pPr>
+            <a:r>
+              <a:rPr lang="en-US" sz="2800" dirty="0" smtClean="0"/>
+              <a:t>Credit Card Fraud Detection</a:t>
+            </a:r>
+            <a:endParaRPr lang="en-US" sz="2800" dirty="0"/>
           </a:p>
         </p:txBody>
       </p:sp>
     </p:spTree>
   </p:cSld>
+  <p:clrMapOvr>
+    <a:masterClrMapping/>
+  </p:clrMapOvr>
 </p:sld>
 </file>
 
 <file path=ppt/slides/slide5.xml><?xml version="1.0" encoding="utf-8"?>
-<p:sld xmlns:a="http://schemas.openxmlformats.org/drawingml/2006/main" xmlns:p="http://schemas.openxmlformats.org/presentationml/2006/main" xmlns:r="http://schemas.openxmlformats.org/officeDocument/2006/relationships">
+<p:sld xmlns:a="http://schemas.openxmlformats.org/drawingml/2006/main" xmlns:r="http://schemas.openxmlformats.org/officeDocument/2006/relationships" xmlns:p="http://schemas.openxmlformats.org/presentationml/2006/main">
   <p:cSld>
     <p:spTree>
       <p:nvGrpSpPr>
@@ -5010,7 +6189,8 @@
           </a:ln>
         </p:spPr>
         <p:txBody>
-          <a:bodyPr lIns="90000" rIns="90000" tIns="45000" bIns="45000" anchor="ctr"/>
+          <a:bodyPr lIns="90000" tIns="45000" rIns="90000" bIns="45000" anchor="ctr"/>
+          <a:lstStyle/>
           <a:p>
             <a:pPr>
               <a:lnSpc>
@@ -5020,7 +6200,7 @@
             <a:r>
               <a:rPr lang="en-US" sz="3600">
                 <a:solidFill>
-                  <a:srgbClr val="4d4d4d"/>
+                  <a:srgbClr val="4D4D4D"/>
                 </a:solidFill>
                 <a:latin typeface="Georgia"/>
                 <a:ea typeface="PMingLiU"/>
@@ -5048,6 +6228,7 @@
         </p:spPr>
         <p:txBody>
           <a:bodyPr/>
+          <a:lstStyle/>
           <a:p>
             <a:pPr>
               <a:lnSpc>
@@ -5062,19 +6243,123 @@
                 <a:latin typeface="Arial"/>
                 <a:ea typeface="PMingLiU"/>
               </a:rPr>
-              <a:t>&lt;number&gt;</a:t>
+              <a:t>5</a:t>
             </a:fld>
             <a:endParaRPr/>
+          </a:p>
+        </p:txBody>
+      </p:sp>
+      <p:sp>
+        <p:nvSpPr>
+          <p:cNvPr id="2" name="TextBox 1"/>
+          <p:cNvSpPr txBox="1"/>
+          <p:nvPr/>
+        </p:nvSpPr>
+        <p:spPr>
+          <a:xfrm>
+            <a:off x="587375" y="1778000"/>
+            <a:ext cx="7842250" cy="1508105"/>
+          </a:xfrm>
+          <a:prstGeom prst="rect">
+            <a:avLst/>
+          </a:prstGeom>
+          <a:noFill/>
+        </p:spPr>
+        <p:txBody>
+          <a:bodyPr wrap="square" rtlCol="0">
+            <a:spAutoFit/>
+          </a:bodyPr>
+          <a:lstStyle/>
+          <a:p>
+            <a:endParaRPr lang="en-US" dirty="0"/>
+          </a:p>
+          <a:p>
+            <a:r>
+              <a:rPr lang="en-US" sz="2800" dirty="0" smtClean="0"/>
+              <a:t>Predict when and where in Chicago mosquitos will be infected with West Nile virus</a:t>
+            </a:r>
+            <a:endParaRPr lang="en-US" sz="2800" dirty="0"/>
+          </a:p>
+          <a:p>
+            <a:r>
+              <a:rPr lang="en-US" dirty="0" smtClean="0"/>
+              <a:t> </a:t>
+            </a:r>
+            <a:endParaRPr lang="en-US" dirty="0"/>
+          </a:p>
+        </p:txBody>
+      </p:sp>
+      <p:pic>
+        <p:nvPicPr>
+          <p:cNvPr id="3" name="Picture 2"/>
+          <p:cNvPicPr>
+            <a:picLocks noChangeAspect="1"/>
+          </p:cNvPicPr>
+          <p:nvPr/>
+        </p:nvPicPr>
+        <p:blipFill>
+          <a:blip r:embed="rId3"/>
+          <a:stretch>
+            <a:fillRect/>
+          </a:stretch>
+        </p:blipFill>
+        <p:spPr>
+          <a:xfrm>
+            <a:off x="4175125" y="3022600"/>
+            <a:ext cx="3810000" cy="2971800"/>
+          </a:xfrm>
+          <a:prstGeom prst="rect">
+            <a:avLst/>
+          </a:prstGeom>
+        </p:spPr>
+      </p:pic>
+      <p:sp>
+        <p:nvSpPr>
+          <p:cNvPr id="4" name="Rectangle 3"/>
+          <p:cNvSpPr/>
+          <p:nvPr/>
+        </p:nvSpPr>
+        <p:spPr>
+          <a:xfrm>
+            <a:off x="6092276" y="5999059"/>
+            <a:ext cx="1133644" cy="246221"/>
+          </a:xfrm>
+          <a:prstGeom prst="rect">
+            <a:avLst/>
+          </a:prstGeom>
+        </p:spPr>
+        <p:txBody>
+          <a:bodyPr wrap="none">
+            <a:spAutoFit/>
+          </a:bodyPr>
+          <a:lstStyle/>
+          <a:p>
+            <a:r>
+              <a:rPr lang="en-US" sz="1000" dirty="0" err="1">
+                <a:solidFill>
+                  <a:srgbClr val="000090"/>
+                </a:solidFill>
+              </a:rPr>
+              <a:t>Imagebasket.net</a:t>
+            </a:r>
+            <a:endParaRPr lang="en-US" sz="1000" dirty="0">
+              <a:solidFill>
+                <a:srgbClr val="000090"/>
+              </a:solidFill>
+            </a:endParaRPr>
           </a:p>
         </p:txBody>
       </p:sp>
     </p:spTree>
   </p:cSld>
+  <p:clrMapOvr>
+    <a:masterClrMapping/>
+  </p:clrMapOvr>
 </p:sld>
 </file>
 
 <file path=ppt/slides/slide6.xml><?xml version="1.0" encoding="utf-8"?>
-<p:sld xmlns:a="http://schemas.openxmlformats.org/drawingml/2006/main" xmlns:p="http://schemas.openxmlformats.org/presentationml/2006/main" xmlns:r="http://schemas.openxmlformats.org/officeDocument/2006/relationships">
+<p:sld xmlns:a="http://schemas.openxmlformats.org/drawingml/2006/main" xmlns:r="http://schemas.openxmlformats.org/officeDocument/2006/relationships" xmlns:p="http://schemas.openxmlformats.org/presentationml/2006/main">
   <p:cSld>
     <p:spTree>
       <p:nvGrpSpPr>
@@ -5110,7 +6395,8 @@
           </a:ln>
         </p:spPr>
         <p:txBody>
-          <a:bodyPr lIns="90000" rIns="90000" tIns="45000" bIns="45000" anchor="ctr"/>
+          <a:bodyPr lIns="90000" tIns="45000" rIns="90000" bIns="45000" anchor="ctr"/>
+          <a:lstStyle/>
           <a:p>
             <a:pPr>
               <a:lnSpc>
@@ -5120,7 +6406,7 @@
             <a:r>
               <a:rPr lang="en-US" sz="3600">
                 <a:solidFill>
-                  <a:srgbClr val="4d4d4d"/>
+                  <a:srgbClr val="4D4D4D"/>
                 </a:solidFill>
                 <a:latin typeface="Georgia"/>
                 <a:ea typeface="PMingLiU"/>
@@ -5171,13 +6457,86 @@
           </a:ln>
         </p:spPr>
       </p:sp>
+      <p:sp>
+        <p:nvSpPr>
+          <p:cNvPr id="4" name="TextBox 3"/>
+          <p:cNvSpPr txBox="1"/>
+          <p:nvPr/>
+        </p:nvSpPr>
+        <p:spPr>
+          <a:xfrm>
+            <a:off x="612360" y="1889125"/>
+            <a:ext cx="7944265" cy="3108544"/>
+          </a:xfrm>
+          <a:prstGeom prst="rect">
+            <a:avLst/>
+          </a:prstGeom>
+          <a:noFill/>
+        </p:spPr>
+        <p:txBody>
+          <a:bodyPr wrap="square" rtlCol="0">
+            <a:spAutoFit/>
+          </a:bodyPr>
+          <a:lstStyle/>
+          <a:p>
+            <a:pPr marL="457200" indent="-457200">
+              <a:buFont typeface="Arial"/>
+              <a:buChar char="•"/>
+            </a:pPr>
+            <a:r>
+              <a:rPr lang="en-US" sz="2800" dirty="0" smtClean="0"/>
+              <a:t>View as solely a classification problem</a:t>
+            </a:r>
+          </a:p>
+          <a:p>
+            <a:pPr marL="457200" indent="-457200">
+              <a:buFont typeface="Arial"/>
+              <a:buChar char="•"/>
+            </a:pPr>
+            <a:r>
+              <a:rPr lang="en-US" sz="2800" dirty="0" smtClean="0"/>
+              <a:t>Consider weather and mosquito collection data</a:t>
+            </a:r>
+          </a:p>
+          <a:p>
+            <a:pPr marL="457200" indent="-457200">
+              <a:buFont typeface="Arial"/>
+              <a:buChar char="•"/>
+            </a:pPr>
+            <a:r>
+              <a:rPr lang="en-US" sz="2800" dirty="0" smtClean="0"/>
+              <a:t>Need to account for imbalanced training data</a:t>
+            </a:r>
+          </a:p>
+          <a:p>
+            <a:pPr marL="457200" indent="-457200">
+              <a:buFont typeface="Arial"/>
+              <a:buChar char="•"/>
+            </a:pPr>
+            <a:r>
+              <a:rPr lang="en-US" sz="2800" dirty="0" smtClean="0"/>
+              <a:t>Used a Naïve Bayes Classifier to do classification</a:t>
+            </a:r>
+          </a:p>
+          <a:p>
+            <a:pPr marL="457200" indent="-457200">
+              <a:buFont typeface="Arial"/>
+              <a:buChar char="•"/>
+            </a:pPr>
+            <a:endParaRPr lang="en-US" sz="2800" dirty="0" smtClean="0"/>
+          </a:p>
+        </p:txBody>
+      </p:sp>
     </p:spTree>
   </p:cSld>
+  <p:clrMapOvr>
+    <a:masterClrMapping/>
+  </p:clrMapOvr>
 </p:sld>
 </file>
 
 <file path=ppt/slides/slide7.xml><?xml version="1.0" encoding="utf-8"?>
-<p:sld xmlns:a="http://schemas.openxmlformats.org/drawingml/2006/main" xmlns:p="http://schemas.openxmlformats.org/presentationml/2006/main" xmlns:r="http://schemas.openxmlformats.org/officeDocument/2006/relationships">
+<p:sld xmlns:a="http://schemas.openxmlformats.org/drawingml/2006/main" xmlns:r="http://schemas.openxmlformats.org/officeDocument/2006/relationships" xmlns:p="http://schemas.openxmlformats.org/presentationml/2006/main">
   <p:cSld>
     <p:spTree>
       <p:nvGrpSpPr>
@@ -5213,7 +6572,8 @@
           </a:ln>
         </p:spPr>
         <p:txBody>
-          <a:bodyPr lIns="90000" rIns="90000" tIns="45000" bIns="45000" anchor="ctr"/>
+          <a:bodyPr lIns="90000" tIns="45000" rIns="90000" bIns="45000" anchor="ctr"/>
+          <a:lstStyle/>
           <a:p>
             <a:pPr>
               <a:lnSpc>
@@ -5223,7 +6583,7 @@
             <a:r>
               <a:rPr lang="en-US" sz="3600">
                 <a:solidFill>
-                  <a:srgbClr val="4d4d4d"/>
+                  <a:srgbClr val="4D4D4D"/>
                 </a:solidFill>
                 <a:latin typeface="Georgia"/>
                 <a:ea typeface="PMingLiU"/>
@@ -5251,6 +6611,7 @@
         </p:spPr>
         <p:txBody>
           <a:bodyPr/>
+          <a:lstStyle/>
           <a:p>
             <a:endParaRPr/>
           </a:p>
@@ -5273,6 +6634,7 @@
         </p:spPr>
         <p:txBody>
           <a:bodyPr/>
+          <a:lstStyle/>
           <a:p>
             <a:pPr>
               <a:lnSpc>
@@ -5287,19 +6649,614 @@
                 <a:latin typeface="Arial"/>
                 <a:ea typeface="PMingLiU"/>
               </a:rPr>
-              <a:t>&lt;number&gt;</a:t>
+              <a:t>7</a:t>
             </a:fld>
             <a:endParaRPr/>
+          </a:p>
+        </p:txBody>
+      </p:sp>
+      <p:sp>
+        <p:nvSpPr>
+          <p:cNvPr id="4" name="Rectangle 3"/>
+          <p:cNvSpPr/>
+          <p:nvPr/>
+        </p:nvSpPr>
+        <p:spPr>
+          <a:xfrm>
+            <a:off x="1232020" y="1752589"/>
+            <a:ext cx="1381125" cy="936625"/>
+          </a:xfrm>
+          <a:prstGeom prst="rect">
+            <a:avLst/>
+          </a:prstGeom>
+        </p:spPr>
+        <p:style>
+          <a:lnRef idx="1">
+            <a:schemeClr val="accent1"/>
+          </a:lnRef>
+          <a:fillRef idx="3">
+            <a:schemeClr val="accent1"/>
+          </a:fillRef>
+          <a:effectRef idx="2">
+            <a:schemeClr val="accent1"/>
+          </a:effectRef>
+          <a:fontRef idx="minor">
+            <a:schemeClr val="lt1"/>
+          </a:fontRef>
+        </p:style>
+        <p:txBody>
+          <a:bodyPr rtlCol="0" anchor="ctr"/>
+          <a:lstStyle/>
+          <a:p>
+            <a:pPr algn="ctr"/>
+            <a:r>
+              <a:rPr lang="en-US" dirty="0" smtClean="0"/>
+              <a:t>Weather Data (</a:t>
+            </a:r>
+            <a:r>
+              <a:rPr lang="en-US" dirty="0" err="1" smtClean="0"/>
+              <a:t>csv</a:t>
+            </a:r>
+            <a:r>
+              <a:rPr lang="en-US" dirty="0" smtClean="0"/>
+              <a:t>)</a:t>
+            </a:r>
+            <a:endParaRPr lang="en-US" dirty="0"/>
+          </a:p>
+        </p:txBody>
+      </p:sp>
+      <p:sp>
+        <p:nvSpPr>
+          <p:cNvPr id="9" name="Rectangle 8"/>
+          <p:cNvSpPr/>
+          <p:nvPr/>
+        </p:nvSpPr>
+        <p:spPr>
+          <a:xfrm>
+            <a:off x="1232020" y="3151176"/>
+            <a:ext cx="1381125" cy="936625"/>
+          </a:xfrm>
+          <a:prstGeom prst="rect">
+            <a:avLst/>
+          </a:prstGeom>
+        </p:spPr>
+        <p:style>
+          <a:lnRef idx="1">
+            <a:schemeClr val="accent1"/>
+          </a:lnRef>
+          <a:fillRef idx="3">
+            <a:schemeClr val="accent1"/>
+          </a:fillRef>
+          <a:effectRef idx="2">
+            <a:schemeClr val="accent1"/>
+          </a:effectRef>
+          <a:fontRef idx="minor">
+            <a:schemeClr val="lt1"/>
+          </a:fontRef>
+        </p:style>
+        <p:txBody>
+          <a:bodyPr rtlCol="0" anchor="ctr"/>
+          <a:lstStyle/>
+          <a:p>
+            <a:pPr algn="ctr"/>
+            <a:r>
+              <a:rPr lang="en-US" dirty="0" smtClean="0"/>
+              <a:t>Mosquito Data (</a:t>
+            </a:r>
+            <a:r>
+              <a:rPr lang="en-US" dirty="0" err="1" smtClean="0"/>
+              <a:t>csv</a:t>
+            </a:r>
+            <a:r>
+              <a:rPr lang="en-US" dirty="0" smtClean="0"/>
+              <a:t>)</a:t>
+            </a:r>
+            <a:endParaRPr lang="en-US" dirty="0"/>
+          </a:p>
+        </p:txBody>
+      </p:sp>
+      <p:sp>
+        <p:nvSpPr>
+          <p:cNvPr id="6" name="Right Arrow 5"/>
+          <p:cNvSpPr/>
+          <p:nvPr/>
+        </p:nvSpPr>
+        <p:spPr>
+          <a:xfrm>
+            <a:off x="2724271" y="2149464"/>
+            <a:ext cx="418980" cy="174625"/>
+          </a:xfrm>
+          <a:prstGeom prst="rightArrow">
+            <a:avLst/>
+          </a:prstGeom>
+          <a:solidFill>
+            <a:srgbClr val="008000"/>
+          </a:solidFill>
+        </p:spPr>
+        <p:style>
+          <a:lnRef idx="1">
+            <a:schemeClr val="accent1"/>
+          </a:lnRef>
+          <a:fillRef idx="3">
+            <a:schemeClr val="accent1"/>
+          </a:fillRef>
+          <a:effectRef idx="2">
+            <a:schemeClr val="accent1"/>
+          </a:effectRef>
+          <a:fontRef idx="minor">
+            <a:schemeClr val="lt1"/>
+          </a:fontRef>
+        </p:style>
+        <p:txBody>
+          <a:bodyPr rtlCol="0" anchor="ctr"/>
+          <a:lstStyle/>
+          <a:p>
+            <a:pPr algn="ctr"/>
+            <a:endParaRPr lang="en-US"/>
+          </a:p>
+        </p:txBody>
+      </p:sp>
+      <p:sp>
+        <p:nvSpPr>
+          <p:cNvPr id="11" name="Rectangle 10"/>
+          <p:cNvSpPr/>
+          <p:nvPr/>
+        </p:nvSpPr>
+        <p:spPr>
+          <a:xfrm>
+            <a:off x="3327522" y="1903399"/>
+            <a:ext cx="1165103" cy="714376"/>
+          </a:xfrm>
+          <a:prstGeom prst="rect">
+            <a:avLst/>
+          </a:prstGeom>
+        </p:spPr>
+        <p:style>
+          <a:lnRef idx="1">
+            <a:schemeClr val="accent1"/>
+          </a:lnRef>
+          <a:fillRef idx="3">
+            <a:schemeClr val="accent1"/>
+          </a:fillRef>
+          <a:effectRef idx="2">
+            <a:schemeClr val="accent1"/>
+          </a:effectRef>
+          <a:fontRef idx="minor">
+            <a:schemeClr val="lt1"/>
+          </a:fontRef>
+        </p:style>
+        <p:txBody>
+          <a:bodyPr rtlCol="0" anchor="ctr"/>
+          <a:lstStyle/>
+          <a:p>
+            <a:pPr algn="ctr"/>
+            <a:r>
+              <a:rPr lang="en-US" dirty="0" smtClean="0"/>
+              <a:t>Relevant Features</a:t>
+            </a:r>
+            <a:endParaRPr lang="en-US" dirty="0"/>
+          </a:p>
+        </p:txBody>
+      </p:sp>
+      <p:sp>
+        <p:nvSpPr>
+          <p:cNvPr id="12" name="Right Arrow 11"/>
+          <p:cNvSpPr/>
+          <p:nvPr/>
+        </p:nvSpPr>
+        <p:spPr>
+          <a:xfrm>
+            <a:off x="2724271" y="3397241"/>
+            <a:ext cx="418980" cy="174625"/>
+          </a:xfrm>
+          <a:prstGeom prst="rightArrow">
+            <a:avLst/>
+          </a:prstGeom>
+          <a:solidFill>
+            <a:srgbClr val="008000"/>
+          </a:solidFill>
+        </p:spPr>
+        <p:style>
+          <a:lnRef idx="1">
+            <a:schemeClr val="accent1"/>
+          </a:lnRef>
+          <a:fillRef idx="3">
+            <a:schemeClr val="accent1"/>
+          </a:fillRef>
+          <a:effectRef idx="2">
+            <a:schemeClr val="accent1"/>
+          </a:effectRef>
+          <a:fontRef idx="minor">
+            <a:schemeClr val="lt1"/>
+          </a:fontRef>
+        </p:style>
+        <p:txBody>
+          <a:bodyPr rtlCol="0" anchor="ctr"/>
+          <a:lstStyle/>
+          <a:p>
+            <a:pPr algn="ctr"/>
+            <a:endParaRPr lang="en-US"/>
+          </a:p>
+        </p:txBody>
+      </p:sp>
+      <p:sp>
+        <p:nvSpPr>
+          <p:cNvPr id="13" name="Rectangle 12"/>
+          <p:cNvSpPr/>
+          <p:nvPr/>
+        </p:nvSpPr>
+        <p:spPr>
+          <a:xfrm>
+            <a:off x="3327522" y="3151176"/>
+            <a:ext cx="1165103" cy="714376"/>
+          </a:xfrm>
+          <a:prstGeom prst="rect">
+            <a:avLst/>
+          </a:prstGeom>
+        </p:spPr>
+        <p:style>
+          <a:lnRef idx="1">
+            <a:schemeClr val="accent1"/>
+          </a:lnRef>
+          <a:fillRef idx="3">
+            <a:schemeClr val="accent1"/>
+          </a:fillRef>
+          <a:effectRef idx="2">
+            <a:schemeClr val="accent1"/>
+          </a:effectRef>
+          <a:fontRef idx="minor">
+            <a:schemeClr val="lt1"/>
+          </a:fontRef>
+        </p:style>
+        <p:txBody>
+          <a:bodyPr rtlCol="0" anchor="ctr"/>
+          <a:lstStyle/>
+          <a:p>
+            <a:pPr algn="ctr"/>
+            <a:r>
+              <a:rPr lang="en-US" dirty="0" smtClean="0"/>
+              <a:t>Relevant Features</a:t>
+            </a:r>
+            <a:endParaRPr lang="en-US" dirty="0"/>
+          </a:p>
+        </p:txBody>
+      </p:sp>
+      <p:cxnSp>
+        <p:nvCxnSpPr>
+          <p:cNvPr id="8" name="Straight Arrow Connector 7"/>
+          <p:cNvCxnSpPr/>
+          <p:nvPr/>
+        </p:nvCxnSpPr>
+        <p:spPr>
+          <a:xfrm>
+            <a:off x="4603750" y="2324089"/>
+            <a:ext cx="762000" cy="293686"/>
+          </a:xfrm>
+          <a:prstGeom prst="straightConnector1">
+            <a:avLst/>
+          </a:prstGeom>
+          <a:ln>
+            <a:tailEnd type="arrow"/>
+          </a:ln>
+        </p:spPr>
+        <p:style>
+          <a:lnRef idx="2">
+            <a:schemeClr val="accent1"/>
+          </a:lnRef>
+          <a:fillRef idx="0">
+            <a:schemeClr val="accent1"/>
+          </a:fillRef>
+          <a:effectRef idx="1">
+            <a:schemeClr val="accent1"/>
+          </a:effectRef>
+          <a:fontRef idx="minor">
+            <a:schemeClr val="tx1"/>
+          </a:fontRef>
+        </p:style>
+      </p:cxnSp>
+      <p:cxnSp>
+        <p:nvCxnSpPr>
+          <p:cNvPr id="16" name="Straight Arrow Connector 15"/>
+          <p:cNvCxnSpPr/>
+          <p:nvPr/>
+        </p:nvCxnSpPr>
+        <p:spPr>
+          <a:xfrm flipV="1">
+            <a:off x="4603750" y="3151176"/>
+            <a:ext cx="762000" cy="420690"/>
+          </a:xfrm>
+          <a:prstGeom prst="straightConnector1">
+            <a:avLst/>
+          </a:prstGeom>
+          <a:ln>
+            <a:tailEnd type="arrow"/>
+          </a:ln>
+        </p:spPr>
+        <p:style>
+          <a:lnRef idx="2">
+            <a:schemeClr val="accent1"/>
+          </a:lnRef>
+          <a:fillRef idx="0">
+            <a:schemeClr val="accent1"/>
+          </a:fillRef>
+          <a:effectRef idx="1">
+            <a:schemeClr val="accent1"/>
+          </a:effectRef>
+          <a:fontRef idx="minor">
+            <a:schemeClr val="tx1"/>
+          </a:fontRef>
+        </p:style>
+      </p:cxnSp>
+      <p:sp>
+        <p:nvSpPr>
+          <p:cNvPr id="20" name="Rectangle 19"/>
+          <p:cNvSpPr/>
+          <p:nvPr/>
+        </p:nvSpPr>
+        <p:spPr>
+          <a:xfrm>
+            <a:off x="5524500" y="2324089"/>
+            <a:ext cx="1615955" cy="1111250"/>
+          </a:xfrm>
+          <a:prstGeom prst="rect">
+            <a:avLst/>
+          </a:prstGeom>
+        </p:spPr>
+        <p:style>
+          <a:lnRef idx="1">
+            <a:schemeClr val="accent1"/>
+          </a:lnRef>
+          <a:fillRef idx="3">
+            <a:schemeClr val="accent1"/>
+          </a:fillRef>
+          <a:effectRef idx="2">
+            <a:schemeClr val="accent1"/>
+          </a:effectRef>
+          <a:fontRef idx="minor">
+            <a:schemeClr val="lt1"/>
+          </a:fontRef>
+        </p:style>
+        <p:txBody>
+          <a:bodyPr rtlCol="0" anchor="ctr"/>
+          <a:lstStyle/>
+          <a:p>
+            <a:pPr algn="ctr"/>
+            <a:r>
+              <a:rPr lang="en-US" dirty="0" smtClean="0"/>
+              <a:t>Combined Data</a:t>
+            </a:r>
+            <a:endParaRPr lang="en-US" dirty="0"/>
+          </a:p>
+        </p:txBody>
+      </p:sp>
+      <p:sp>
+        <p:nvSpPr>
+          <p:cNvPr id="17" name="Down Arrow 16"/>
+          <p:cNvSpPr/>
+          <p:nvPr/>
+        </p:nvSpPr>
+        <p:spPr>
+          <a:xfrm>
+            <a:off x="6235580" y="3541701"/>
+            <a:ext cx="317500" cy="1092199"/>
+          </a:xfrm>
+          <a:prstGeom prst="downArrow">
+            <a:avLst/>
+          </a:prstGeom>
+          <a:solidFill>
+            <a:srgbClr val="008000"/>
+          </a:solidFill>
+        </p:spPr>
+        <p:style>
+          <a:lnRef idx="1">
+            <a:schemeClr val="accent1"/>
+          </a:lnRef>
+          <a:fillRef idx="3">
+            <a:schemeClr val="accent1"/>
+          </a:fillRef>
+          <a:effectRef idx="2">
+            <a:schemeClr val="accent1"/>
+          </a:effectRef>
+          <a:fontRef idx="minor">
+            <a:schemeClr val="lt1"/>
+          </a:fontRef>
+        </p:style>
+        <p:txBody>
+          <a:bodyPr rtlCol="0" anchor="ctr"/>
+          <a:lstStyle/>
+          <a:p>
+            <a:pPr algn="ctr"/>
+            <a:endParaRPr lang="en-US"/>
+          </a:p>
+        </p:txBody>
+      </p:sp>
+      <p:sp>
+        <p:nvSpPr>
+          <p:cNvPr id="18" name="TextBox 17"/>
+          <p:cNvSpPr txBox="1"/>
+          <p:nvPr/>
+        </p:nvSpPr>
+        <p:spPr>
+          <a:xfrm>
+            <a:off x="6605449" y="3571866"/>
+            <a:ext cx="1070012" cy="923330"/>
+          </a:xfrm>
+          <a:prstGeom prst="rect">
+            <a:avLst/>
+          </a:prstGeom>
+          <a:noFill/>
+        </p:spPr>
+        <p:txBody>
+          <a:bodyPr wrap="none" rtlCol="0">
+            <a:spAutoFit/>
+          </a:bodyPr>
+          <a:lstStyle/>
+          <a:p>
+            <a:pPr algn="ctr"/>
+            <a:r>
+              <a:rPr lang="en-US" dirty="0" smtClean="0"/>
+              <a:t>Imputing</a:t>
+            </a:r>
+          </a:p>
+          <a:p>
+            <a:pPr algn="ctr"/>
+            <a:r>
+              <a:rPr lang="en-US" dirty="0" smtClean="0"/>
+              <a:t>Scaling</a:t>
+            </a:r>
+          </a:p>
+          <a:p>
+            <a:pPr algn="ctr"/>
+            <a:r>
+              <a:rPr lang="en-US" dirty="0" err="1" smtClean="0"/>
+              <a:t>OneHot</a:t>
+            </a:r>
+            <a:endParaRPr lang="en-US" dirty="0"/>
+          </a:p>
+        </p:txBody>
+      </p:sp>
+      <p:sp>
+        <p:nvSpPr>
+          <p:cNvPr id="19" name="Rectangle 18"/>
+          <p:cNvSpPr/>
+          <p:nvPr/>
+        </p:nvSpPr>
+        <p:spPr>
+          <a:xfrm>
+            <a:off x="5524500" y="4822814"/>
+            <a:ext cx="1615955" cy="968376"/>
+          </a:xfrm>
+          <a:prstGeom prst="rect">
+            <a:avLst/>
+          </a:prstGeom>
+        </p:spPr>
+        <p:style>
+          <a:lnRef idx="1">
+            <a:schemeClr val="accent1"/>
+          </a:lnRef>
+          <a:fillRef idx="3">
+            <a:schemeClr val="accent1"/>
+          </a:fillRef>
+          <a:effectRef idx="2">
+            <a:schemeClr val="accent1"/>
+          </a:effectRef>
+          <a:fontRef idx="minor">
+            <a:schemeClr val="lt1"/>
+          </a:fontRef>
+        </p:style>
+        <p:txBody>
+          <a:bodyPr rtlCol="0" anchor="ctr"/>
+          <a:lstStyle/>
+          <a:p>
+            <a:pPr algn="ctr"/>
+            <a:r>
+              <a:rPr lang="en-US" dirty="0" smtClean="0"/>
+              <a:t>Training Set</a:t>
+            </a:r>
+            <a:endParaRPr lang="en-US" dirty="0"/>
+          </a:p>
+        </p:txBody>
+      </p:sp>
+      <p:sp>
+        <p:nvSpPr>
+          <p:cNvPr id="21" name="Left Arrow 20"/>
+          <p:cNvSpPr/>
+          <p:nvPr/>
+        </p:nvSpPr>
+        <p:spPr>
+          <a:xfrm>
+            <a:off x="4143375" y="5138730"/>
+            <a:ext cx="1222375" cy="317500"/>
+          </a:xfrm>
+          <a:prstGeom prst="leftArrow">
+            <a:avLst/>
+          </a:prstGeom>
+          <a:solidFill>
+            <a:srgbClr val="008000"/>
+          </a:solidFill>
+        </p:spPr>
+        <p:style>
+          <a:lnRef idx="1">
+            <a:schemeClr val="accent1"/>
+          </a:lnRef>
+          <a:fillRef idx="3">
+            <a:schemeClr val="accent1"/>
+          </a:fillRef>
+          <a:effectRef idx="2">
+            <a:schemeClr val="accent1"/>
+          </a:effectRef>
+          <a:fontRef idx="minor">
+            <a:schemeClr val="lt1"/>
+          </a:fontRef>
+        </p:style>
+        <p:txBody>
+          <a:bodyPr rtlCol="0" anchor="ctr"/>
+          <a:lstStyle/>
+          <a:p>
+            <a:pPr algn="ctr"/>
+            <a:endParaRPr lang="en-US">
+              <a:solidFill>
+                <a:srgbClr val="008000"/>
+              </a:solidFill>
+            </a:endParaRPr>
+          </a:p>
+        </p:txBody>
+      </p:sp>
+      <p:sp>
+        <p:nvSpPr>
+          <p:cNvPr id="22" name="Oval 21"/>
+          <p:cNvSpPr/>
+          <p:nvPr/>
+        </p:nvSpPr>
+        <p:spPr>
+          <a:xfrm>
+            <a:off x="2008187" y="4526946"/>
+            <a:ext cx="1920877" cy="1552580"/>
+          </a:xfrm>
+          <a:prstGeom prst="ellipse">
+            <a:avLst/>
+          </a:prstGeom>
+          <a:solidFill>
+            <a:srgbClr val="FF0000"/>
+          </a:solidFill>
+        </p:spPr>
+        <p:style>
+          <a:lnRef idx="1">
+            <a:schemeClr val="accent1"/>
+          </a:lnRef>
+          <a:fillRef idx="3">
+            <a:schemeClr val="accent1"/>
+          </a:fillRef>
+          <a:effectRef idx="2">
+            <a:schemeClr val="accent1"/>
+          </a:effectRef>
+          <a:fontRef idx="minor">
+            <a:schemeClr val="lt1"/>
+          </a:fontRef>
+        </p:style>
+        <p:txBody>
+          <a:bodyPr rtlCol="0" anchor="ctr"/>
+          <a:lstStyle/>
+          <a:p>
+            <a:pPr algn="ctr"/>
+            <a:r>
+              <a:rPr lang="en-US" dirty="0" smtClean="0"/>
+              <a:t>Learning Models</a:t>
+            </a:r>
+            <a:endParaRPr lang="en-US" dirty="0"/>
           </a:p>
         </p:txBody>
       </p:sp>
     </p:spTree>
   </p:cSld>
+  <p:clrMapOvr>
+    <a:masterClrMapping/>
+  </p:clrMapOvr>
 </p:sld>
 </file>
 
 <file path=ppt/slides/slide8.xml><?xml version="1.0" encoding="utf-8"?>
-<p:sld xmlns:a="http://schemas.openxmlformats.org/drawingml/2006/main" xmlns:p="http://schemas.openxmlformats.org/presentationml/2006/main" xmlns:r="http://schemas.openxmlformats.org/officeDocument/2006/relationships">
+<p:sld xmlns:a="http://schemas.openxmlformats.org/drawingml/2006/main" xmlns:r="http://schemas.openxmlformats.org/officeDocument/2006/relationships" xmlns:p="http://schemas.openxmlformats.org/presentationml/2006/main">
   <p:cSld>
     <p:spTree>
       <p:nvGrpSpPr>
@@ -5335,7 +7292,8 @@
           </a:ln>
         </p:spPr>
         <p:txBody>
-          <a:bodyPr lIns="90000" rIns="90000" tIns="45000" bIns="45000" anchor="ctr"/>
+          <a:bodyPr lIns="90000" tIns="45000" rIns="90000" bIns="45000" anchor="ctr"/>
+          <a:lstStyle/>
           <a:p>
             <a:pPr>
               <a:lnSpc>
@@ -5345,7 +7303,7 @@
             <a:r>
               <a:rPr lang="en-US" sz="3600">
                 <a:solidFill>
-                  <a:srgbClr val="4d4d4d"/>
+                  <a:srgbClr val="4D4D4D"/>
                 </a:solidFill>
                 <a:latin typeface="Georgia"/>
                 <a:ea typeface="PMingLiU"/>
@@ -5373,6 +7331,7 @@
         </p:spPr>
         <p:txBody>
           <a:bodyPr/>
+          <a:lstStyle/>
           <a:p>
             <a:endParaRPr/>
           </a:p>
@@ -5395,6 +7354,7 @@
         </p:spPr>
         <p:txBody>
           <a:bodyPr/>
+          <a:lstStyle/>
           <a:p>
             <a:pPr>
               <a:lnSpc>
@@ -5409,19 +7369,129 @@
                 <a:latin typeface="Arial"/>
                 <a:ea typeface="PMingLiU"/>
               </a:rPr>
-              <a:t>&lt;number&gt;</a:t>
+              <a:t>8</a:t>
             </a:fld>
             <a:endParaRPr/>
+          </a:p>
+        </p:txBody>
+      </p:sp>
+      <p:sp>
+        <p:nvSpPr>
+          <p:cNvPr id="2" name="TextBox 1"/>
+          <p:cNvSpPr txBox="1"/>
+          <p:nvPr/>
+        </p:nvSpPr>
+        <p:spPr>
+          <a:xfrm>
+            <a:off x="682625" y="1762125"/>
+            <a:ext cx="7747000" cy="3970318"/>
+          </a:xfrm>
+          <a:prstGeom prst="rect">
+            <a:avLst/>
+          </a:prstGeom>
+          <a:noFill/>
+        </p:spPr>
+        <p:txBody>
+          <a:bodyPr wrap="square" rtlCol="0">
+            <a:spAutoFit/>
+          </a:bodyPr>
+          <a:lstStyle/>
+          <a:p>
+            <a:pPr marL="457200" indent="-457200">
+              <a:buFont typeface="Arial"/>
+              <a:buChar char="•"/>
+            </a:pPr>
+            <a:r>
+              <a:rPr lang="en-US" sz="2800" dirty="0" smtClean="0"/>
+              <a:t>Imbalanced training data</a:t>
+            </a:r>
+          </a:p>
+          <a:p>
+            <a:pPr marL="914400" lvl="1" indent="-457200">
+              <a:buFont typeface="Courier New"/>
+              <a:buChar char="o"/>
+            </a:pPr>
+            <a:r>
+              <a:rPr lang="en-US" sz="2800" dirty="0" smtClean="0"/>
+              <a:t>10,506 samples</a:t>
+            </a:r>
+          </a:p>
+          <a:p>
+            <a:pPr marL="914400" lvl="1" indent="-457200">
+              <a:buFont typeface="Courier New"/>
+              <a:buChar char="o"/>
+            </a:pPr>
+            <a:r>
+              <a:rPr lang="en-US" sz="2800" dirty="0" smtClean="0"/>
+              <a:t>~5% WNV present</a:t>
+            </a:r>
+          </a:p>
+          <a:p>
+            <a:pPr marL="914400" lvl="1" indent="-457200">
+              <a:buFont typeface="Courier New"/>
+              <a:buChar char="o"/>
+            </a:pPr>
+            <a:r>
+              <a:rPr lang="en-US" sz="2800" dirty="0" smtClean="0"/>
+              <a:t>~95% not present</a:t>
+            </a:r>
+          </a:p>
+          <a:p>
+            <a:pPr marL="285750" indent="-285750">
+              <a:buFont typeface="Arial"/>
+              <a:buChar char="•"/>
+            </a:pPr>
+            <a:endParaRPr lang="en-US" sz="2800" dirty="0" smtClean="0"/>
+          </a:p>
+          <a:p>
+            <a:pPr marL="285750" indent="-285750">
+              <a:buFont typeface="Arial"/>
+              <a:buChar char="•"/>
+            </a:pPr>
+            <a:r>
+              <a:rPr lang="en-US" sz="2800" dirty="0" smtClean="0"/>
+              <a:t>Features from 2 given sources:</a:t>
+            </a:r>
+          </a:p>
+          <a:p>
+            <a:pPr marL="914400" lvl="1" indent="-457200">
+              <a:buFont typeface="Courier New"/>
+              <a:buChar char="o"/>
+            </a:pPr>
+            <a:r>
+              <a:rPr lang="en-US" sz="2800" dirty="0" smtClean="0"/>
+              <a:t>Weather data</a:t>
+            </a:r>
+          </a:p>
+          <a:p>
+            <a:pPr marL="914400" lvl="1" indent="-457200">
+              <a:buFont typeface="Courier New"/>
+              <a:buChar char="o"/>
+            </a:pPr>
+            <a:r>
+              <a:rPr lang="en-US" sz="2800" dirty="0" smtClean="0"/>
+              <a:t>Mosquito data</a:t>
+            </a:r>
+          </a:p>
+          <a:p>
+            <a:pPr marL="457200" indent="-457200">
+              <a:buFont typeface="Arial"/>
+              <a:buChar char="•"/>
+            </a:pPr>
+            <a:endParaRPr lang="en-US" sz="2800" dirty="0"/>
           </a:p>
         </p:txBody>
       </p:sp>
     </p:spTree>
   </p:cSld>
+  <p:clrMapOvr>
+    <a:masterClrMapping/>
+  </p:clrMapOvr>
 </p:sld>
 </file>
 
 <file path=ppt/slides/slide9.xml><?xml version="1.0" encoding="utf-8"?>
-<p:sld xmlns:a="http://schemas.openxmlformats.org/drawingml/2006/main" xmlns:p="http://schemas.openxmlformats.org/presentationml/2006/main" xmlns:r="http://schemas.openxmlformats.org/officeDocument/2006/relationships">
+<p:sld xmlns:a="http://schemas.openxmlformats.org/drawingml/2006/main" xmlns:r="http://schemas.openxmlformats.org/officeDocument/2006/relationships" xmlns:p="http://schemas.openxmlformats.org/presentationml/2006/main">
   <p:cSld>
     <p:spTree>
       <p:nvGrpSpPr>
@@ -5457,7 +7527,8 @@
           </a:ln>
         </p:spPr>
         <p:txBody>
-          <a:bodyPr lIns="90000" rIns="90000" tIns="45000" bIns="45000" anchor="ctr"/>
+          <a:bodyPr lIns="90000" tIns="45000" rIns="90000" bIns="45000" anchor="ctr"/>
+          <a:lstStyle/>
           <a:p>
             <a:pPr>
               <a:lnSpc>
@@ -5467,7 +7538,7 @@
             <a:r>
               <a:rPr lang="en-US" sz="3600">
                 <a:solidFill>
-                  <a:srgbClr val="4d4d4d"/>
+                  <a:srgbClr val="4D4D4D"/>
                 </a:solidFill>
                 <a:latin typeface="Georgia"/>
                 <a:ea typeface="PMingLiU"/>
@@ -5495,6 +7566,7 @@
         </p:spPr>
         <p:txBody>
           <a:bodyPr/>
+          <a:lstStyle/>
           <a:p>
             <a:endParaRPr/>
           </a:p>
@@ -5517,6 +7589,7 @@
         </p:spPr>
         <p:txBody>
           <a:bodyPr/>
+          <a:lstStyle/>
           <a:p>
             <a:pPr>
               <a:lnSpc>
@@ -5531,14 +7604,263 @@
                 <a:latin typeface="Arial"/>
                 <a:ea typeface="PMingLiU"/>
               </a:rPr>
-              <a:t>&lt;number&gt;</a:t>
+              <a:t>9</a:t>
             </a:fld>
             <a:endParaRPr/>
           </a:p>
         </p:txBody>
       </p:sp>
+      <p:graphicFrame>
+        <p:nvGraphicFramePr>
+          <p:cNvPr id="2" name="Table 1"/>
+          <p:cNvGraphicFramePr>
+            <a:graphicFrameLocks noGrp="1"/>
+          </p:cNvGraphicFramePr>
+          <p:nvPr>
+            <p:extLst>
+              <p:ext uri="{D42A27DB-BD31-4B8C-83A1-F6EECF244321}">
+                <p14:modId xmlns:p14="http://schemas.microsoft.com/office/powerpoint/2010/main" val="3542605884"/>
+              </p:ext>
+            </p:extLst>
+          </p:nvPr>
+        </p:nvGraphicFramePr>
+        <p:xfrm>
+          <a:off x="1524000" y="1635121"/>
+          <a:ext cx="6096000" cy="4610158"/>
+        </p:xfrm>
+        <a:graphic>
+          <a:graphicData uri="http://schemas.openxmlformats.org/drawingml/2006/table">
+            <a:tbl>
+              <a:tblPr firstRow="1" bandRow="1">
+                <a:tableStyleId>{5C22544A-7EE6-4342-B048-85BDC9FD1C3A}</a:tableStyleId>
+              </a:tblPr>
+              <a:tblGrid>
+                <a:gridCol w="3048000"/>
+                <a:gridCol w="3048000"/>
+              </a:tblGrid>
+              <a:tr h="658594">
+                <a:tc>
+                  <a:txBody>
+                    <a:bodyPr/>
+                    <a:lstStyle/>
+                    <a:p>
+                      <a:r>
+                        <a:rPr lang="en-US" dirty="0" smtClean="0"/>
+                        <a:t>Classification Technique</a:t>
+                      </a:r>
+                      <a:endParaRPr lang="en-US" dirty="0"/>
+                    </a:p>
+                  </a:txBody>
+                  <a:tcPr/>
+                </a:tc>
+                <a:tc>
+                  <a:txBody>
+                    <a:bodyPr/>
+                    <a:lstStyle/>
+                    <a:p>
+                      <a:r>
+                        <a:rPr lang="en-US" dirty="0" smtClean="0"/>
+                        <a:t>Prediction Accuracy (%)</a:t>
+                      </a:r>
+                      <a:endParaRPr lang="en-US" dirty="0"/>
+                    </a:p>
+                  </a:txBody>
+                  <a:tcPr/>
+                </a:tc>
+              </a:tr>
+              <a:tr h="658594">
+                <a:tc>
+                  <a:txBody>
+                    <a:bodyPr/>
+                    <a:lstStyle/>
+                    <a:p>
+                      <a:r>
+                        <a:rPr lang="en-US" dirty="0" smtClean="0"/>
+                        <a:t>Naïve Bayes</a:t>
+                      </a:r>
+                      <a:endParaRPr lang="en-US" dirty="0"/>
+                    </a:p>
+                  </a:txBody>
+                  <a:tcPr/>
+                </a:tc>
+                <a:tc>
+                  <a:txBody>
+                    <a:bodyPr/>
+                    <a:lstStyle/>
+                    <a:p>
+                      <a:r>
+                        <a:rPr lang="en-US" dirty="0" smtClean="0"/>
+                        <a:t>53.19</a:t>
+                      </a:r>
+                      <a:endParaRPr lang="en-US" dirty="0"/>
+                    </a:p>
+                  </a:txBody>
+                  <a:tcPr/>
+                </a:tc>
+              </a:tr>
+              <a:tr h="658594">
+                <a:tc>
+                  <a:txBody>
+                    <a:bodyPr/>
+                    <a:lstStyle/>
+                    <a:p>
+                      <a:r>
+                        <a:rPr lang="en-US" dirty="0" smtClean="0"/>
+                        <a:t>Ensemble</a:t>
+                      </a:r>
+                      <a:r>
+                        <a:rPr lang="en-US" baseline="0" dirty="0" smtClean="0"/>
+                        <a:t> Approach</a:t>
+                      </a:r>
+                      <a:endParaRPr lang="en-US" dirty="0"/>
+                    </a:p>
+                  </a:txBody>
+                  <a:tcPr/>
+                </a:tc>
+                <a:tc>
+                  <a:txBody>
+                    <a:bodyPr/>
+                    <a:lstStyle/>
+                    <a:p>
+                      <a:r>
+                        <a:rPr lang="en-US" dirty="0" smtClean="0"/>
+                        <a:t>53.144</a:t>
+                      </a:r>
+                      <a:endParaRPr lang="en-US" dirty="0"/>
+                    </a:p>
+                  </a:txBody>
+                  <a:tcPr/>
+                </a:tc>
+              </a:tr>
+              <a:tr h="658594">
+                <a:tc>
+                  <a:txBody>
+                    <a:bodyPr/>
+                    <a:lstStyle/>
+                    <a:p>
+                      <a:r>
+                        <a:rPr lang="en-US" dirty="0" smtClean="0"/>
+                        <a:t>Decision Tree</a:t>
+                      </a:r>
+                      <a:endParaRPr lang="en-US" dirty="0"/>
+                    </a:p>
+                  </a:txBody>
+                  <a:tcPr/>
+                </a:tc>
+                <a:tc>
+                  <a:txBody>
+                    <a:bodyPr/>
+                    <a:lstStyle/>
+                    <a:p>
+                      <a:r>
+                        <a:rPr lang="en-US" dirty="0" smtClean="0"/>
+                        <a:t>53.057</a:t>
+                      </a:r>
+                      <a:endParaRPr lang="en-US" dirty="0"/>
+                    </a:p>
+                  </a:txBody>
+                  <a:tcPr/>
+                </a:tc>
+              </a:tr>
+              <a:tr h="658594">
+                <a:tc>
+                  <a:txBody>
+                    <a:bodyPr/>
+                    <a:lstStyle/>
+                    <a:p>
+                      <a:r>
+                        <a:rPr lang="en-US" dirty="0" smtClean="0"/>
+                        <a:t>K-Nearest Neighbor (K=5)</a:t>
+                      </a:r>
+                      <a:endParaRPr lang="en-US" dirty="0"/>
+                    </a:p>
+                  </a:txBody>
+                  <a:tcPr/>
+                </a:tc>
+                <a:tc>
+                  <a:txBody>
+                    <a:bodyPr/>
+                    <a:lstStyle/>
+                    <a:p>
+                      <a:r>
+                        <a:rPr lang="en-US" dirty="0" smtClean="0"/>
+                        <a:t>50.726</a:t>
+                      </a:r>
+                      <a:endParaRPr lang="en-US" dirty="0"/>
+                    </a:p>
+                  </a:txBody>
+                  <a:tcPr/>
+                </a:tc>
+              </a:tr>
+              <a:tr h="658594">
+                <a:tc>
+                  <a:txBody>
+                    <a:bodyPr/>
+                    <a:lstStyle/>
+                    <a:p>
+                      <a:r>
+                        <a:rPr lang="en-US" dirty="0" smtClean="0"/>
+                        <a:t>Random Forest</a:t>
+                      </a:r>
+                      <a:endParaRPr lang="en-US" dirty="0"/>
+                    </a:p>
+                  </a:txBody>
+                  <a:tcPr/>
+                </a:tc>
+                <a:tc>
+                  <a:txBody>
+                    <a:bodyPr/>
+                    <a:lstStyle/>
+                    <a:p>
+                      <a:r>
+                        <a:rPr lang="en-US" dirty="0" smtClean="0"/>
+                        <a:t>50.307</a:t>
+                      </a:r>
+                      <a:endParaRPr lang="en-US" dirty="0"/>
+                    </a:p>
+                  </a:txBody>
+                  <a:tcPr/>
+                </a:tc>
+              </a:tr>
+              <a:tr h="658594">
+                <a:tc>
+                  <a:txBody>
+                    <a:bodyPr/>
+                    <a:lstStyle/>
+                    <a:p>
+                      <a:r>
+                        <a:rPr lang="en-US" dirty="0" smtClean="0"/>
+                        <a:t>SVM</a:t>
+                      </a:r>
+                      <a:endParaRPr lang="en-US" dirty="0"/>
+                    </a:p>
+                  </a:txBody>
+                  <a:tcPr/>
+                </a:tc>
+                <a:tc>
+                  <a:txBody>
+                    <a:bodyPr/>
+                    <a:lstStyle/>
+                    <a:p>
+                      <a:r>
+                        <a:rPr lang="en-US" dirty="0" smtClean="0"/>
+                        <a:t>50</a:t>
+                      </a:r>
+                      <a:endParaRPr lang="en-US" dirty="0"/>
+                    </a:p>
+                  </a:txBody>
+                  <a:tcPr/>
+                </a:tc>
+              </a:tr>
+            </a:tbl>
+          </a:graphicData>
+        </a:graphic>
+      </p:graphicFrame>
     </p:spTree>
   </p:cSld>
+  <p:clrMapOvr>
+    <a:masterClrMapping/>
+  </p:clrMapOvr>
 </p:sld>
 </file>
 
@@ -5762,6 +8084,8 @@
       </a:bgFillStyleLst>
     </a:fmtScheme>
   </a:themeElements>
+  <a:objectDefaults/>
+  <a:extraClrSchemeLst/>
 </a:theme>
 </file>
 
@@ -5985,6 +8309,8 @@
       </a:bgFillStyleLst>
     </a:fmtScheme>
   </a:themeElements>
+  <a:objectDefaults/>
+  <a:extraClrSchemeLst/>
 </a:theme>
 </file>
 
@@ -6208,5 +8534,7 @@
       </a:bgFillStyleLst>
     </a:fmtScheme>
   </a:themeElements>
+  <a:objectDefaults/>
+  <a:extraClrSchemeLst/>
 </a:theme>
 </file>
--- a/presentation/cs6316-PresentationTemplate.pptx
+++ b/presentation/cs6316-PresentationTemplate.pptx
@@ -6,21 +6,22 @@
     <p:sldMasterId id="2147483661" r:id="rId2"/>
   </p:sldMasterIdLst>
   <p:notesMasterIdLst>
-    <p:notesMasterId r:id="rId15"/>
+    <p:notesMasterId r:id="rId16"/>
   </p:notesMasterIdLst>
   <p:sldIdLst>
     <p:sldId id="256" r:id="rId3"/>
     <p:sldId id="257" r:id="rId4"/>
     <p:sldId id="258" r:id="rId5"/>
-    <p:sldId id="259" r:id="rId6"/>
-    <p:sldId id="260" r:id="rId7"/>
-    <p:sldId id="261" r:id="rId8"/>
-    <p:sldId id="262" r:id="rId9"/>
-    <p:sldId id="263" r:id="rId10"/>
-    <p:sldId id="264" r:id="rId11"/>
-    <p:sldId id="265" r:id="rId12"/>
-    <p:sldId id="266" r:id="rId13"/>
-    <p:sldId id="267" r:id="rId14"/>
+    <p:sldId id="268" r:id="rId6"/>
+    <p:sldId id="259" r:id="rId7"/>
+    <p:sldId id="260" r:id="rId8"/>
+    <p:sldId id="261" r:id="rId9"/>
+    <p:sldId id="262" r:id="rId10"/>
+    <p:sldId id="263" r:id="rId11"/>
+    <p:sldId id="264" r:id="rId12"/>
+    <p:sldId id="265" r:id="rId13"/>
+    <p:sldId id="266" r:id="rId14"/>
+    <p:sldId id="267" r:id="rId15"/>
   </p:sldIdLst>
   <p:sldSz cx="9144000" cy="6858000" type="screen4x3"/>
   <p:notesSz cx="7010400" cy="9296400"/>
@@ -523,6 +524,160 @@
       </p:grpSpPr>
       <p:sp>
         <p:nvSpPr>
+          <p:cNvPr id="131" name="TextShape 1"/>
+          <p:cNvSpPr txBox="1"/>
+          <p:nvPr/>
+        </p:nvSpPr>
+        <p:spPr>
+          <a:xfrm>
+            <a:off x="3970800" y="8830080"/>
+            <a:ext cx="3037320" cy="464400"/>
+          </a:xfrm>
+          <a:prstGeom prst="rect">
+            <a:avLst/>
+          </a:prstGeom>
+        </p:spPr>
+        <p:txBody>
+          <a:bodyPr lIns="93240" tIns="46440" rIns="93240" bIns="46440" anchor="b"/>
+          <a:lstStyle/>
+          <a:p>
+            <a:pPr>
+              <a:lnSpc>
+                <a:spcPct val="100000"/>
+              </a:lnSpc>
+            </a:pPr>
+            <a:fld id="{86CF4891-EB99-4CC5-B57A-D50A4D9DAC19}" type="slidenum">
+              <a:rPr lang="en-US" sz="1200">
+                <a:solidFill>
+                  <a:srgbClr val="000000"/>
+                </a:solidFill>
+                <a:latin typeface="Arial"/>
+                <a:ea typeface="PMingLiU"/>
+              </a:rPr>
+              <a:t>10</a:t>
+            </a:fld>
+            <a:endParaRPr/>
+          </a:p>
+        </p:txBody>
+      </p:sp>
+      <p:sp>
+        <p:nvSpPr>
+          <p:cNvPr id="132" name="PlaceHolder 2"/>
+          <p:cNvSpPr>
+            <a:spLocks noGrp="1"/>
+          </p:cNvSpPr>
+          <p:nvPr>
+            <p:ph type="body"/>
+          </p:nvPr>
+        </p:nvSpPr>
+        <p:spPr>
+          <a:xfrm>
+            <a:off x="700920" y="4415760"/>
+            <a:ext cx="5608080" cy="4183200"/>
+          </a:xfrm>
+          <a:prstGeom prst="rect">
+            <a:avLst/>
+          </a:prstGeom>
+        </p:spPr>
+        <p:txBody>
+          <a:bodyPr lIns="93240" tIns="46440" rIns="93240" bIns="46440"/>
+          <a:lstStyle/>
+          <a:p>
+            <a:pPr>
+              <a:lnSpc>
+                <a:spcPct val="100000"/>
+              </a:lnSpc>
+            </a:pPr>
+            <a:r>
+              <a:rPr lang="en-US" dirty="0" smtClean="0"/>
+              <a:t>Naïve</a:t>
+            </a:r>
+            <a:r>
+              <a:rPr lang="en-US" baseline="0" dirty="0" smtClean="0"/>
+              <a:t> Bayes: 53.19% </a:t>
+            </a:r>
+          </a:p>
+          <a:p>
+            <a:pPr>
+              <a:lnSpc>
+                <a:spcPct val="100000"/>
+              </a:lnSpc>
+            </a:pPr>
+            <a:r>
+              <a:rPr lang="en-US" baseline="0" dirty="0" smtClean="0"/>
+              <a:t>Random Forest: 50.307%</a:t>
+            </a:r>
+          </a:p>
+          <a:p>
+            <a:pPr>
+              <a:lnSpc>
+                <a:spcPct val="100000"/>
+              </a:lnSpc>
+            </a:pPr>
+            <a:r>
+              <a:rPr lang="en-US" baseline="0" dirty="0" smtClean="0"/>
+              <a:t>Decision Tree: 53.057%</a:t>
+            </a:r>
+          </a:p>
+          <a:p>
+            <a:pPr>
+              <a:lnSpc>
+                <a:spcPct val="100000"/>
+              </a:lnSpc>
+            </a:pPr>
+            <a:r>
+              <a:rPr lang="en-US" baseline="0" dirty="0" smtClean="0"/>
+              <a:t>K-nearest neighbor (K =5): 50.726%</a:t>
+            </a:r>
+          </a:p>
+          <a:p>
+            <a:pPr>
+              <a:lnSpc>
+                <a:spcPct val="100000"/>
+              </a:lnSpc>
+            </a:pPr>
+            <a:r>
+              <a:rPr lang="en-US" baseline="0" dirty="0" smtClean="0"/>
+              <a:t>SVM: 50%</a:t>
+            </a:r>
+          </a:p>
+          <a:p>
+            <a:pPr>
+              <a:lnSpc>
+                <a:spcPct val="100000"/>
+              </a:lnSpc>
+            </a:pPr>
+            <a:endParaRPr dirty="0"/>
+          </a:p>
+        </p:txBody>
+      </p:sp>
+    </p:spTree>
+  </p:cSld>
+  <p:clrMapOvr>
+    <a:masterClrMapping/>
+  </p:clrMapOvr>
+</p:notes>
+</file>
+
+<file path=ppt/notesSlides/notesSlide11.xml><?xml version="1.0" encoding="utf-8"?>
+<p:notes xmlns:a="http://schemas.openxmlformats.org/drawingml/2006/main" xmlns:r="http://schemas.openxmlformats.org/officeDocument/2006/relationships" xmlns:p="http://schemas.openxmlformats.org/presentationml/2006/main">
+  <p:cSld>
+    <p:spTree>
+      <p:nvGrpSpPr>
+        <p:cNvPr id="1" name=""/>
+        <p:cNvGrpSpPr/>
+        <p:nvPr/>
+      </p:nvGrpSpPr>
+      <p:grpSpPr>
+        <a:xfrm>
+          <a:off x="0" y="0"/>
+          <a:ext cx="0" cy="0"/>
+          <a:chOff x="0" y="0"/>
+          <a:chExt cx="0" cy="0"/>
+        </a:xfrm>
+      </p:grpSpPr>
+      <p:sp>
+        <p:nvSpPr>
           <p:cNvPr id="133" name="TextShape 1"/>
           <p:cNvSpPr txBox="1"/>
           <p:nvPr/>
@@ -553,7 +708,7 @@
                 <a:latin typeface="Arial"/>
                 <a:ea typeface="PMingLiU"/>
               </a:rPr>
-              <a:t>10</a:t>
+              <a:t>11</a:t>
             </a:fld>
             <a:endParaRPr/>
           </a:p>
@@ -824,7 +979,7 @@
       </p:grpSpPr>
       <p:sp>
         <p:nvSpPr>
-          <p:cNvPr id="121" name="PlaceHolder 1"/>
+          <p:cNvPr id="119" name="PlaceHolder 1"/>
           <p:cNvSpPr>
             <a:spLocks noGrp="1"/>
           </p:cNvSpPr>
@@ -851,7 +1006,7 @@
       </p:sp>
       <p:sp>
         <p:nvSpPr>
-          <p:cNvPr id="122" name="TextShape 2"/>
+          <p:cNvPr id="120" name="TextShape 2"/>
           <p:cNvSpPr txBox="1"/>
           <p:nvPr/>
         </p:nvSpPr>
@@ -873,7 +1028,7 @@
                 <a:spcPct val="100000"/>
               </a:lnSpc>
             </a:pPr>
-            <a:fld id="{37877CC4-8009-4247-8EA0-C97A60D54EF1}" type="slidenum">
+            <a:fld id="{3180AABD-A466-496E-9229-FA2058EBDF4E}" type="slidenum">
               <a:rPr lang="en-US" sz="1200">
                 <a:solidFill>
                   <a:srgbClr val="000000"/>
@@ -914,7 +1069,34 @@
       </p:grpSpPr>
       <p:sp>
         <p:nvSpPr>
-          <p:cNvPr id="123" name="TextShape 1"/>
+          <p:cNvPr id="121" name="PlaceHolder 1"/>
+          <p:cNvSpPr>
+            <a:spLocks noGrp="1"/>
+          </p:cNvSpPr>
+          <p:nvPr>
+            <p:ph type="body"/>
+          </p:nvPr>
+        </p:nvSpPr>
+        <p:spPr>
+          <a:xfrm>
+            <a:off x="700920" y="4415760"/>
+            <a:ext cx="5608080" cy="4183200"/>
+          </a:xfrm>
+          <a:prstGeom prst="rect">
+            <a:avLst/>
+          </a:prstGeom>
+        </p:spPr>
+        <p:txBody>
+          <a:bodyPr lIns="93240" tIns="46440" rIns="93240" bIns="46440"/>
+          <a:lstStyle/>
+          <a:p>
+            <a:endParaRPr/>
+          </a:p>
+        </p:txBody>
+      </p:sp>
+      <p:sp>
+        <p:nvSpPr>
+          <p:cNvPr id="122" name="TextShape 2"/>
           <p:cNvSpPr txBox="1"/>
           <p:nvPr/>
         </p:nvSpPr>
@@ -931,12 +1113,12 @@
           <a:bodyPr lIns="93240" tIns="46440" rIns="93240" bIns="46440" anchor="b"/>
           <a:lstStyle/>
           <a:p>
-            <a:pPr>
+            <a:pPr algn="r">
               <a:lnSpc>
                 <a:spcPct val="100000"/>
               </a:lnSpc>
             </a:pPr>
-            <a:fld id="{6352C1E2-4C8A-4A90-940F-7A70DF07AF23}" type="slidenum">
+            <a:fld id="{37877CC4-8009-4247-8EA0-C97A60D54EF1}" type="slidenum">
               <a:rPr lang="en-US" sz="1200">
                 <a:solidFill>
                   <a:srgbClr val="000000"/>
@@ -946,45 +1128,6 @@
               </a:rPr>
               <a:t>5</a:t>
             </a:fld>
-            <a:endParaRPr/>
-          </a:p>
-        </p:txBody>
-      </p:sp>
-      <p:sp>
-        <p:nvSpPr>
-          <p:cNvPr id="124" name="PlaceHolder 2"/>
-          <p:cNvSpPr>
-            <a:spLocks noGrp="1"/>
-          </p:cNvSpPr>
-          <p:nvPr>
-            <p:ph type="body"/>
-          </p:nvPr>
-        </p:nvSpPr>
-        <p:spPr>
-          <a:xfrm>
-            <a:off x="700920" y="4415760"/>
-            <a:ext cx="5608080" cy="4183200"/>
-          </a:xfrm>
-          <a:prstGeom prst="rect">
-            <a:avLst/>
-          </a:prstGeom>
-        </p:spPr>
-        <p:txBody>
-          <a:bodyPr lIns="93240" tIns="46440" rIns="93240" bIns="46440"/>
-          <a:lstStyle/>
-          <a:p>
-            <a:pPr>
-              <a:lnSpc>
-                <a:spcPct val="100000"/>
-              </a:lnSpc>
-            </a:pPr>
-            <a:r>
-              <a:rPr lang="en-US" sz="2000">
-                <a:latin typeface="Arial"/>
-                <a:ea typeface="PMingLiU"/>
-              </a:rPr>
-              <a:t>Here, we make the claim of this project.</a:t>
-            </a:r>
             <a:endParaRPr/>
           </a:p>
         </p:txBody>
@@ -1016,25 +1159,21 @@
       </p:grpSpPr>
       <p:sp>
         <p:nvSpPr>
-          <p:cNvPr id="125" name="PlaceHolder 1"/>
-          <p:cNvSpPr>
-            <a:spLocks noGrp="1"/>
-          </p:cNvSpPr>
-          <p:nvPr>
-            <p:ph type="body"/>
-          </p:nvPr>
-        </p:nvSpPr>
-        <p:spPr>
-          <a:xfrm>
-            <a:off x="700920" y="4415760"/>
-            <a:ext cx="5608080" cy="4183200"/>
-          </a:xfrm>
-          <a:prstGeom prst="rect">
-            <a:avLst/>
-          </a:prstGeom>
-        </p:spPr>
-        <p:txBody>
-          <a:bodyPr lIns="93240" tIns="46440" rIns="93240" bIns="46440"/>
+          <p:cNvPr id="123" name="TextShape 1"/>
+          <p:cNvSpPr txBox="1"/>
+          <p:nvPr/>
+        </p:nvSpPr>
+        <p:spPr>
+          <a:xfrm>
+            <a:off x="3970800" y="8830080"/>
+            <a:ext cx="3037320" cy="464400"/>
+          </a:xfrm>
+          <a:prstGeom prst="rect">
+            <a:avLst/>
+          </a:prstGeom>
+        </p:spPr>
+        <p:txBody>
+          <a:bodyPr lIns="93240" tIns="46440" rIns="93240" bIns="46440" anchor="b"/>
           <a:lstStyle/>
           <a:p>
             <a:pPr>
@@ -1042,41 +1181,7 @@
                 <a:spcPct val="100000"/>
               </a:lnSpc>
             </a:pPr>
-            <a:r>
-              <a:rPr lang="en-US" sz="2000">
-                <a:latin typeface="Arial"/>
-              </a:rPr>
-              <a:t>Here is our proposed solution. </a:t>
-            </a:r>
-            <a:endParaRPr/>
-          </a:p>
-        </p:txBody>
-      </p:sp>
-      <p:sp>
-        <p:nvSpPr>
-          <p:cNvPr id="126" name="TextShape 2"/>
-          <p:cNvSpPr txBox="1"/>
-          <p:nvPr/>
-        </p:nvSpPr>
-        <p:spPr>
-          <a:xfrm>
-            <a:off x="3970800" y="8830080"/>
-            <a:ext cx="3037320" cy="464400"/>
-          </a:xfrm>
-          <a:prstGeom prst="rect">
-            <a:avLst/>
-          </a:prstGeom>
-        </p:spPr>
-        <p:txBody>
-          <a:bodyPr lIns="93240" tIns="46440" rIns="93240" bIns="46440" anchor="b"/>
-          <a:lstStyle/>
-          <a:p>
-            <a:pPr algn="r">
-              <a:lnSpc>
-                <a:spcPct val="100000"/>
-              </a:lnSpc>
-            </a:pPr>
-            <a:fld id="{0D32D1C9-3AED-475D-91D7-3B87C5F7BA6A}" type="slidenum">
+            <a:fld id="{6352C1E2-4C8A-4A90-940F-7A70DF07AF23}" type="slidenum">
               <a:rPr lang="en-US" sz="1200">
                 <a:solidFill>
                   <a:srgbClr val="000000"/>
@@ -1086,6 +1191,45 @@
               </a:rPr>
               <a:t>6</a:t>
             </a:fld>
+            <a:endParaRPr/>
+          </a:p>
+        </p:txBody>
+      </p:sp>
+      <p:sp>
+        <p:nvSpPr>
+          <p:cNvPr id="124" name="PlaceHolder 2"/>
+          <p:cNvSpPr>
+            <a:spLocks noGrp="1"/>
+          </p:cNvSpPr>
+          <p:nvPr>
+            <p:ph type="body"/>
+          </p:nvPr>
+        </p:nvSpPr>
+        <p:spPr>
+          <a:xfrm>
+            <a:off x="700920" y="4415760"/>
+            <a:ext cx="5608080" cy="4183200"/>
+          </a:xfrm>
+          <a:prstGeom prst="rect">
+            <a:avLst/>
+          </a:prstGeom>
+        </p:spPr>
+        <p:txBody>
+          <a:bodyPr lIns="93240" tIns="46440" rIns="93240" bIns="46440"/>
+          <a:lstStyle/>
+          <a:p>
+            <a:pPr>
+              <a:lnSpc>
+                <a:spcPct val="100000"/>
+              </a:lnSpc>
+            </a:pPr>
+            <a:r>
+              <a:rPr lang="en-US" sz="2000">
+                <a:latin typeface="Arial"/>
+                <a:ea typeface="PMingLiU"/>
+              </a:rPr>
+              <a:t>Here, we make the claim of this project.</a:t>
+            </a:r>
             <a:endParaRPr/>
           </a:p>
         </p:txBody>
@@ -1117,21 +1261,25 @@
       </p:grpSpPr>
       <p:sp>
         <p:nvSpPr>
-          <p:cNvPr id="127" name="TextShape 1"/>
-          <p:cNvSpPr txBox="1"/>
-          <p:nvPr/>
-        </p:nvSpPr>
-        <p:spPr>
-          <a:xfrm>
-            <a:off x="3970800" y="8830080"/>
-            <a:ext cx="3037320" cy="464400"/>
-          </a:xfrm>
-          <a:prstGeom prst="rect">
-            <a:avLst/>
-          </a:prstGeom>
-        </p:spPr>
-        <p:txBody>
-          <a:bodyPr lIns="93240" tIns="46440" rIns="93240" bIns="46440" anchor="b"/>
+          <p:cNvPr id="125" name="PlaceHolder 1"/>
+          <p:cNvSpPr>
+            <a:spLocks noGrp="1"/>
+          </p:cNvSpPr>
+          <p:nvPr>
+            <p:ph type="body"/>
+          </p:nvPr>
+        </p:nvSpPr>
+        <p:spPr>
+          <a:xfrm>
+            <a:off x="700920" y="4415760"/>
+            <a:ext cx="5608080" cy="4183200"/>
+          </a:xfrm>
+          <a:prstGeom prst="rect">
+            <a:avLst/>
+          </a:prstGeom>
+        </p:spPr>
+        <p:txBody>
+          <a:bodyPr lIns="93240" tIns="46440" rIns="93240" bIns="46440"/>
           <a:lstStyle/>
           <a:p>
             <a:pPr>
@@ -1139,7 +1287,41 @@
                 <a:spcPct val="100000"/>
               </a:lnSpc>
             </a:pPr>
-            <a:fld id="{9C4B1067-BBBA-4ECB-933B-7A7C1DD82011}" type="slidenum">
+            <a:r>
+              <a:rPr lang="en-US" sz="2000">
+                <a:latin typeface="Arial"/>
+              </a:rPr>
+              <a:t>Here is our proposed solution. </a:t>
+            </a:r>
+            <a:endParaRPr/>
+          </a:p>
+        </p:txBody>
+      </p:sp>
+      <p:sp>
+        <p:nvSpPr>
+          <p:cNvPr id="126" name="TextShape 2"/>
+          <p:cNvSpPr txBox="1"/>
+          <p:nvPr/>
+        </p:nvSpPr>
+        <p:spPr>
+          <a:xfrm>
+            <a:off x="3970800" y="8830080"/>
+            <a:ext cx="3037320" cy="464400"/>
+          </a:xfrm>
+          <a:prstGeom prst="rect">
+            <a:avLst/>
+          </a:prstGeom>
+        </p:spPr>
+        <p:txBody>
+          <a:bodyPr lIns="93240" tIns="46440" rIns="93240" bIns="46440" anchor="b"/>
+          <a:lstStyle/>
+          <a:p>
+            <a:pPr algn="r">
+              <a:lnSpc>
+                <a:spcPct val="100000"/>
+              </a:lnSpc>
+            </a:pPr>
+            <a:fld id="{0D32D1C9-3AED-475D-91D7-3B87C5F7BA6A}" type="slidenum">
               <a:rPr lang="en-US" sz="1200">
                 <a:solidFill>
                   <a:srgbClr val="000000"/>
@@ -1149,45 +1331,6 @@
               </a:rPr>
               <a:t>7</a:t>
             </a:fld>
-            <a:endParaRPr/>
-          </a:p>
-        </p:txBody>
-      </p:sp>
-      <p:sp>
-        <p:nvSpPr>
-          <p:cNvPr id="128" name="PlaceHolder 2"/>
-          <p:cNvSpPr>
-            <a:spLocks noGrp="1"/>
-          </p:cNvSpPr>
-          <p:nvPr>
-            <p:ph type="body"/>
-          </p:nvPr>
-        </p:nvSpPr>
-        <p:spPr>
-          <a:xfrm>
-            <a:off x="700920" y="4415760"/>
-            <a:ext cx="5608080" cy="4183200"/>
-          </a:xfrm>
-          <a:prstGeom prst="rect">
-            <a:avLst/>
-          </a:prstGeom>
-        </p:spPr>
-        <p:txBody>
-          <a:bodyPr lIns="93240" tIns="46440" rIns="93240" bIns="46440"/>
-          <a:lstStyle/>
-          <a:p>
-            <a:pPr>
-              <a:lnSpc>
-                <a:spcPct val="100000"/>
-              </a:lnSpc>
-            </a:pPr>
-            <a:r>
-              <a:rPr lang="en-US" sz="2000">
-                <a:latin typeface="Arial"/>
-                <a:ea typeface="PMingLiU"/>
-              </a:rPr>
-              <a:t>In the rest of this presentation, I’m going to talk about following contents:</a:t>
-            </a:r>
             <a:endParaRPr/>
           </a:p>
         </p:txBody>
@@ -1219,7 +1362,7 @@
       </p:grpSpPr>
       <p:sp>
         <p:nvSpPr>
-          <p:cNvPr id="129" name="TextShape 1"/>
+          <p:cNvPr id="127" name="TextShape 1"/>
           <p:cNvSpPr txBox="1"/>
           <p:nvPr/>
         </p:nvSpPr>
@@ -1241,7 +1384,7 @@
                 <a:spcPct val="100000"/>
               </a:lnSpc>
             </a:pPr>
-            <a:fld id="{7A41BC0B-863F-42C2-A7D7-AC7F93CED962}" type="slidenum">
+            <a:fld id="{9C4B1067-BBBA-4ECB-933B-7A7C1DD82011}" type="slidenum">
               <a:rPr lang="en-US" sz="1200">
                 <a:solidFill>
                   <a:srgbClr val="000000"/>
@@ -1257,7 +1400,7 @@
       </p:sp>
       <p:sp>
         <p:nvSpPr>
-          <p:cNvPr id="130" name="PlaceHolder 2"/>
+          <p:cNvPr id="128" name="PlaceHolder 2"/>
           <p:cNvSpPr>
             <a:spLocks noGrp="1"/>
           </p:cNvSpPr>
@@ -1284,13 +1427,13 @@
               </a:lnSpc>
             </a:pPr>
             <a:r>
-              <a:rPr lang="en-US" sz="2000" dirty="0">
+              <a:rPr lang="en-US" sz="2000">
                 <a:latin typeface="Arial"/>
                 <a:ea typeface="PMingLiU"/>
               </a:rPr>
               <a:t>In the rest of this presentation, I’m going to talk about following contents:</a:t>
             </a:r>
-            <a:endParaRPr dirty="0"/>
+            <a:endParaRPr/>
           </a:p>
         </p:txBody>
       </p:sp>
@@ -1321,7 +1464,7 @@
       </p:grpSpPr>
       <p:sp>
         <p:nvSpPr>
-          <p:cNvPr id="131" name="TextShape 1"/>
+          <p:cNvPr id="129" name="TextShape 1"/>
           <p:cNvSpPr txBox="1"/>
           <p:nvPr/>
         </p:nvSpPr>
@@ -1343,7 +1486,7 @@
                 <a:spcPct val="100000"/>
               </a:lnSpc>
             </a:pPr>
-            <a:fld id="{86CF4891-EB99-4CC5-B57A-D50A4D9DAC19}" type="slidenum">
+            <a:fld id="{7A41BC0B-863F-42C2-A7D7-AC7F93CED962}" type="slidenum">
               <a:rPr lang="en-US" sz="1200">
                 <a:solidFill>
                   <a:srgbClr val="000000"/>
@@ -1359,7 +1502,7 @@
       </p:sp>
       <p:sp>
         <p:nvSpPr>
-          <p:cNvPr id="132" name="PlaceHolder 2"/>
+          <p:cNvPr id="130" name="PlaceHolder 2"/>
           <p:cNvSpPr>
             <a:spLocks noGrp="1"/>
           </p:cNvSpPr>
@@ -1386,64 +1529,12 @@
               </a:lnSpc>
             </a:pPr>
             <a:r>
-              <a:rPr lang="en-US" dirty="0" smtClean="0"/>
-              <a:t>Naïve</a:t>
-            </a:r>
-            <a:r>
-              <a:rPr lang="en-US" baseline="0" dirty="0" smtClean="0"/>
-              <a:t> Bayes: 53.19% </a:t>
-            </a:r>
-          </a:p>
-          <a:p>
-            <a:pPr>
-              <a:lnSpc>
-                <a:spcPct val="100000"/>
-              </a:lnSpc>
-            </a:pPr>
-            <a:r>
-              <a:rPr lang="en-US" baseline="0" dirty="0" smtClean="0"/>
-              <a:t>Random Forest: 50.307%</a:t>
-            </a:r>
-          </a:p>
-          <a:p>
-            <a:pPr>
-              <a:lnSpc>
-                <a:spcPct val="100000"/>
-              </a:lnSpc>
-            </a:pPr>
-            <a:r>
-              <a:rPr lang="en-US" baseline="0" dirty="0" smtClean="0"/>
-              <a:t>Decision Tree: 53.057%</a:t>
-            </a:r>
-          </a:p>
-          <a:p>
-            <a:pPr>
-              <a:lnSpc>
-                <a:spcPct val="100000"/>
-              </a:lnSpc>
-            </a:pPr>
-            <a:r>
-              <a:rPr lang="en-US" baseline="0" dirty="0" smtClean="0"/>
-              <a:t>K-nearest neighbor (K =5): 50.726%</a:t>
-            </a:r>
-          </a:p>
-          <a:p>
-            <a:pPr>
-              <a:lnSpc>
-                <a:spcPct val="100000"/>
-              </a:lnSpc>
-            </a:pPr>
-            <a:r>
-              <a:rPr lang="en-US" baseline="0" dirty="0" smtClean="0"/>
-              <a:t>SVM: 50%</a:t>
-            </a:r>
-          </a:p>
-          <a:p>
-            <a:pPr>
-              <a:lnSpc>
-                <a:spcPct val="100000"/>
-              </a:lnSpc>
-            </a:pPr>
+              <a:rPr lang="en-US" sz="2000" dirty="0">
+                <a:latin typeface="Arial"/>
+                <a:ea typeface="PMingLiU"/>
+              </a:rPr>
+              <a:t>In the rest of this presentation, I’m going to talk about following contents:</a:t>
+            </a:r>
             <a:endParaRPr dirty="0"/>
           </a:p>
         </p:txBody>
@@ -4871,7 +4962,7 @@
       </p:grpSpPr>
       <p:sp>
         <p:nvSpPr>
-          <p:cNvPr id="106" name="CustomShape 1"/>
+          <p:cNvPr id="103" name="CustomShape 1"/>
           <p:cNvSpPr/>
           <p:nvPr/>
         </p:nvSpPr>
@@ -4905,15 +4996,15 @@
                 <a:latin typeface="Georgia"/>
                 <a:ea typeface="PMingLiU"/>
               </a:rPr>
-              <a:t>Experimental Analysis</a:t>
-            </a:r>
-            <a:endParaRPr/>
-          </a:p>
-        </p:txBody>
-      </p:sp>
-      <p:sp>
-        <p:nvSpPr>
-          <p:cNvPr id="107" name="TextShape 2"/>
+              <a:t>Experimental Results</a:t>
+            </a:r>
+            <a:endParaRPr/>
+          </a:p>
+        </p:txBody>
+      </p:sp>
+      <p:sp>
+        <p:nvSpPr>
+          <p:cNvPr id="104" name="TextShape 2"/>
           <p:cNvSpPr txBox="1"/>
           <p:nvPr/>
         </p:nvSpPr>
@@ -4936,7 +5027,7 @@
       </p:sp>
       <p:sp>
         <p:nvSpPr>
-          <p:cNvPr id="108" name="TextShape 3"/>
+          <p:cNvPr id="105" name="TextShape 3"/>
           <p:cNvSpPr txBox="1"/>
           <p:nvPr/>
         </p:nvSpPr>
@@ -4958,7 +5049,7 @@
                 <a:spcPct val="100000"/>
               </a:lnSpc>
             </a:pPr>
-            <a:fld id="{AC9106D0-2718-497D-832B-11578C3EEFC2}" type="slidenum">
+            <a:fld id="{E800505D-9946-4BB5-9E4C-947CE4D9E534}" type="slidenum">
               <a:rPr lang="en-US" sz="1400">
                 <a:solidFill>
                   <a:srgbClr val="000000"/>
@@ -4967,2644 +5058,6 @@
                 <a:ea typeface="PMingLiU"/>
               </a:rPr>
               <a:t>10</a:t>
-            </a:fld>
-            <a:endParaRPr/>
-          </a:p>
-        </p:txBody>
-      </p:sp>
-      <p:pic>
-        <p:nvPicPr>
-          <p:cNvPr id="7" name="Picture 6" descr="Class_vs_num_mos.png"/>
-          <p:cNvPicPr>
-            <a:picLocks noChangeAspect="1"/>
-          </p:cNvPicPr>
-          <p:nvPr/>
-        </p:nvPicPr>
-        <p:blipFill>
-          <a:blip r:embed="rId3">
-            <a:extLst>
-              <a:ext uri="{28A0092B-C50C-407E-A947-70E740481C1C}">
-                <a14:useLocalDpi xmlns:a14="http://schemas.microsoft.com/office/drawing/2010/main" val="0"/>
-              </a:ext>
-            </a:extLst>
-          </a:blip>
-          <a:stretch>
-            <a:fillRect/>
-          </a:stretch>
-        </p:blipFill>
-        <p:spPr>
-          <a:xfrm>
-            <a:off x="1508125" y="1506593"/>
-            <a:ext cx="6318249" cy="4738687"/>
-          </a:xfrm>
-          <a:prstGeom prst="rect">
-            <a:avLst/>
-          </a:prstGeom>
-        </p:spPr>
-      </p:pic>
-    </p:spTree>
-  </p:cSld>
-  <p:clrMapOvr>
-    <a:masterClrMapping/>
-  </p:clrMapOvr>
-</p:sld>
-</file>
-
-<file path=ppt/slides/slide11.xml><?xml version="1.0" encoding="utf-8"?>
-<p:sld xmlns:a="http://schemas.openxmlformats.org/drawingml/2006/main" xmlns:r="http://schemas.openxmlformats.org/officeDocument/2006/relationships" xmlns:p="http://schemas.openxmlformats.org/presentationml/2006/main">
-  <p:cSld>
-    <p:spTree>
-      <p:nvGrpSpPr>
-        <p:cNvPr id="1" name=""/>
-        <p:cNvGrpSpPr/>
-        <p:nvPr/>
-      </p:nvGrpSpPr>
-      <p:grpSpPr>
-        <a:xfrm>
-          <a:off x="0" y="0"/>
-          <a:ext cx="0" cy="0"/>
-          <a:chOff x="0" y="0"/>
-          <a:chExt cx="0" cy="0"/>
-        </a:xfrm>
-      </p:grpSpPr>
-      <p:sp>
-        <p:nvSpPr>
-          <p:cNvPr id="109" name="CustomShape 1"/>
-          <p:cNvSpPr/>
-          <p:nvPr/>
-        </p:nvSpPr>
-        <p:spPr>
-          <a:xfrm>
-            <a:off x="372960" y="152280"/>
-            <a:ext cx="6852960" cy="1142640"/>
-          </a:xfrm>
-          <a:prstGeom prst="rect">
-            <a:avLst/>
-          </a:prstGeom>
-          <a:noFill/>
-          <a:ln>
-            <a:noFill/>
-          </a:ln>
-        </p:spPr>
-        <p:txBody>
-          <a:bodyPr lIns="90000" tIns="45000" rIns="90000" bIns="45000" anchor="ctr"/>
-          <a:lstStyle/>
-          <a:p>
-            <a:pPr>
-              <a:lnSpc>
-                <a:spcPct val="100000"/>
-              </a:lnSpc>
-            </a:pPr>
-            <a:r>
-              <a:rPr lang="en-US" sz="3600">
-                <a:solidFill>
-                  <a:srgbClr val="4D4D4D"/>
-                </a:solidFill>
-                <a:latin typeface="Georgia"/>
-                <a:ea typeface="新細明體"/>
-              </a:rPr>
-              <a:t>Conclusion and Future Work</a:t>
-            </a:r>
-            <a:endParaRPr/>
-          </a:p>
-        </p:txBody>
-      </p:sp>
-      <p:sp>
-        <p:nvSpPr>
-          <p:cNvPr id="110" name="CustomShape 2"/>
-          <p:cNvSpPr/>
-          <p:nvPr/>
-        </p:nvSpPr>
-        <p:spPr>
-          <a:xfrm>
-            <a:off x="9360" y="1752480"/>
-            <a:ext cx="9067320" cy="3809520"/>
-          </a:xfrm>
-          <a:prstGeom prst="rect">
-            <a:avLst/>
-          </a:prstGeom>
-          <a:noFill/>
-          <a:ln>
-            <a:noFill/>
-          </a:ln>
-        </p:spPr>
-        <p:txBody>
-          <a:bodyPr/>
-          <a:lstStyle/>
-          <a:p>
-            <a:endParaRPr lang="en-US" dirty="0"/>
-          </a:p>
-        </p:txBody>
-      </p:sp>
-      <p:sp>
-        <p:nvSpPr>
-          <p:cNvPr id="111" name="TextShape 3"/>
-          <p:cNvSpPr txBox="1"/>
-          <p:nvPr/>
-        </p:nvSpPr>
-        <p:spPr>
-          <a:xfrm>
-            <a:off x="6553080" y="6245280"/>
-            <a:ext cx="2133360" cy="475920"/>
-          </a:xfrm>
-          <a:prstGeom prst="rect">
-            <a:avLst/>
-          </a:prstGeom>
-        </p:spPr>
-        <p:txBody>
-          <a:bodyPr/>
-          <a:lstStyle/>
-          <a:p>
-            <a:pPr>
-              <a:lnSpc>
-                <a:spcPct val="100000"/>
-              </a:lnSpc>
-            </a:pPr>
-            <a:fld id="{43D1DB95-641F-4FB7-986C-9EC92CD27E4E}" type="slidenum">
-              <a:rPr lang="en-US" sz="1400">
-                <a:solidFill>
-                  <a:srgbClr val="000000"/>
-                </a:solidFill>
-                <a:latin typeface="Arial"/>
-                <a:ea typeface="PMingLiU"/>
-              </a:rPr>
-              <a:t>11</a:t>
-            </a:fld>
-            <a:endParaRPr/>
-          </a:p>
-        </p:txBody>
-      </p:sp>
-      <p:sp>
-        <p:nvSpPr>
-          <p:cNvPr id="4" name="TextBox 3"/>
-          <p:cNvSpPr txBox="1"/>
-          <p:nvPr/>
-        </p:nvSpPr>
-        <p:spPr>
-          <a:xfrm>
-            <a:off x="372960" y="2016125"/>
-            <a:ext cx="8313480" cy="3323987"/>
-          </a:xfrm>
-          <a:prstGeom prst="rect">
-            <a:avLst/>
-          </a:prstGeom>
-          <a:noFill/>
-        </p:spPr>
-        <p:txBody>
-          <a:bodyPr wrap="square" rtlCol="0">
-            <a:spAutoFit/>
-          </a:bodyPr>
-          <a:lstStyle/>
-          <a:p>
-            <a:pPr marL="285750" indent="-285750">
-              <a:buFont typeface="Arial"/>
-              <a:buChar char="•"/>
-            </a:pPr>
-            <a:r>
-              <a:rPr lang="en-US" sz="2400" dirty="0" smtClean="0"/>
-              <a:t>Predict number of mosquitos per trap, as it is a good indicator of WNV present</a:t>
-            </a:r>
-          </a:p>
-          <a:p>
-            <a:endParaRPr lang="en-US" sz="2400" dirty="0" smtClean="0"/>
-          </a:p>
-          <a:p>
-            <a:pPr marL="285750" indent="-285750">
-              <a:buFont typeface="Arial"/>
-              <a:buChar char="•"/>
-            </a:pPr>
-            <a:r>
-              <a:rPr lang="en-US" sz="2400" dirty="0" smtClean="0"/>
-              <a:t>Use a </a:t>
-            </a:r>
-            <a:r>
-              <a:rPr lang="en-US" sz="2400" dirty="0" err="1" smtClean="0"/>
-              <a:t>Hellinger</a:t>
-            </a:r>
-            <a:r>
-              <a:rPr lang="en-US" sz="2400" dirty="0" smtClean="0"/>
-              <a:t> distance based decision tree to do classification</a:t>
-            </a:r>
-          </a:p>
-          <a:p>
-            <a:pPr marL="285750" indent="-285750">
-              <a:buFont typeface="Arial"/>
-              <a:buChar char="•"/>
-            </a:pPr>
-            <a:endParaRPr lang="en-US" sz="2400" dirty="0" smtClean="0"/>
-          </a:p>
-          <a:p>
-            <a:pPr marL="342900" indent="-342900">
-              <a:buFont typeface="Arial"/>
-              <a:buChar char="•"/>
-            </a:pPr>
-            <a:r>
-              <a:rPr lang="en-US" sz="2400" dirty="0" smtClean="0"/>
-              <a:t>Find prior probability of a certain species of mosquito containing WNV</a:t>
-            </a:r>
-          </a:p>
-          <a:p>
-            <a:endParaRPr lang="en-US" dirty="0" smtClean="0"/>
-          </a:p>
-        </p:txBody>
-      </p:sp>
-    </p:spTree>
-  </p:cSld>
-  <p:clrMapOvr>
-    <a:masterClrMapping/>
-  </p:clrMapOvr>
-</p:sld>
-</file>
-
-<file path=ppt/slides/slide12.xml><?xml version="1.0" encoding="utf-8"?>
-<p:sld xmlns:a="http://schemas.openxmlformats.org/drawingml/2006/main" xmlns:r="http://schemas.openxmlformats.org/officeDocument/2006/relationships" xmlns:p="http://schemas.openxmlformats.org/presentationml/2006/main">
-  <p:cSld>
-    <p:spTree>
-      <p:nvGrpSpPr>
-        <p:cNvPr id="1" name=""/>
-        <p:cNvGrpSpPr/>
-        <p:nvPr/>
-      </p:nvGrpSpPr>
-      <p:grpSpPr>
-        <a:xfrm>
-          <a:off x="0" y="0"/>
-          <a:ext cx="0" cy="0"/>
-          <a:chOff x="0" y="0"/>
-          <a:chExt cx="0" cy="0"/>
-        </a:xfrm>
-      </p:grpSpPr>
-      <p:sp>
-        <p:nvSpPr>
-          <p:cNvPr id="112" name="CustomShape 1"/>
-          <p:cNvSpPr/>
-          <p:nvPr/>
-        </p:nvSpPr>
-        <p:spPr>
-          <a:xfrm>
-            <a:off x="372960" y="152280"/>
-            <a:ext cx="6852960" cy="1142640"/>
-          </a:xfrm>
-          <a:prstGeom prst="rect">
-            <a:avLst/>
-          </a:prstGeom>
-          <a:noFill/>
-          <a:ln>
-            <a:noFill/>
-          </a:ln>
-        </p:spPr>
-        <p:txBody>
-          <a:bodyPr lIns="90000" tIns="45000" rIns="90000" bIns="45000" anchor="ctr"/>
-          <a:lstStyle/>
-          <a:p>
-            <a:pPr>
-              <a:lnSpc>
-                <a:spcPct val="100000"/>
-              </a:lnSpc>
-            </a:pPr>
-            <a:r>
-              <a:rPr lang="en-US" sz="3600">
-                <a:solidFill>
-                  <a:srgbClr val="4D4D4D"/>
-                </a:solidFill>
-                <a:latin typeface="Georgia"/>
-                <a:ea typeface="新細明體"/>
-              </a:rPr>
-              <a:t>References</a:t>
-            </a:r>
-            <a:endParaRPr/>
-          </a:p>
-        </p:txBody>
-      </p:sp>
-      <p:sp>
-        <p:nvSpPr>
-          <p:cNvPr id="113" name="CustomShape 2"/>
-          <p:cNvSpPr/>
-          <p:nvPr/>
-        </p:nvSpPr>
-        <p:spPr>
-          <a:xfrm>
-            <a:off x="9360" y="1752480"/>
-            <a:ext cx="9067320" cy="3809520"/>
-          </a:xfrm>
-          <a:prstGeom prst="rect">
-            <a:avLst/>
-          </a:prstGeom>
-          <a:noFill/>
-          <a:ln>
-            <a:noFill/>
-          </a:ln>
-        </p:spPr>
-      </p:sp>
-      <p:sp>
-        <p:nvSpPr>
-          <p:cNvPr id="114" name="TextShape 3"/>
-          <p:cNvSpPr txBox="1"/>
-          <p:nvPr/>
-        </p:nvSpPr>
-        <p:spPr>
-          <a:xfrm>
-            <a:off x="6553080" y="6245280"/>
-            <a:ext cx="2133360" cy="475920"/>
-          </a:xfrm>
-          <a:prstGeom prst="rect">
-            <a:avLst/>
-          </a:prstGeom>
-        </p:spPr>
-        <p:txBody>
-          <a:bodyPr/>
-          <a:lstStyle/>
-          <a:p>
-            <a:pPr>
-              <a:lnSpc>
-                <a:spcPct val="100000"/>
-              </a:lnSpc>
-            </a:pPr>
-            <a:fld id="{067B7E74-0710-4D75-8C3A-AC56CC12B40C}" type="slidenum">
-              <a:rPr lang="en-US" sz="1400">
-                <a:solidFill>
-                  <a:srgbClr val="000000"/>
-                </a:solidFill>
-                <a:latin typeface="Arial"/>
-                <a:ea typeface="PMingLiU"/>
-              </a:rPr>
-              <a:t>12</a:t>
-            </a:fld>
-            <a:endParaRPr/>
-          </a:p>
-        </p:txBody>
-      </p:sp>
-      <p:sp>
-        <p:nvSpPr>
-          <p:cNvPr id="2" name="TextBox 1"/>
-          <p:cNvSpPr txBox="1"/>
-          <p:nvPr/>
-        </p:nvSpPr>
-        <p:spPr>
-          <a:xfrm>
-            <a:off x="920750" y="1784230"/>
-            <a:ext cx="7318375" cy="3970318"/>
-          </a:xfrm>
-          <a:prstGeom prst="rect">
-            <a:avLst/>
-          </a:prstGeom>
-          <a:noFill/>
-        </p:spPr>
-        <p:txBody>
-          <a:bodyPr wrap="square" rtlCol="0">
-            <a:spAutoFit/>
-          </a:bodyPr>
-          <a:lstStyle/>
-          <a:p>
-            <a:pPr marL="285750" indent="-285750">
-              <a:buFont typeface="Arial"/>
-              <a:buChar char="•"/>
-            </a:pPr>
-            <a:r>
-              <a:rPr lang="en-US" dirty="0" smtClean="0"/>
-              <a:t>Hahn</a:t>
-            </a:r>
-            <a:r>
-              <a:rPr lang="en-US" dirty="0"/>
-              <a:t>, M., Monaghan, A., Hayden, M., </a:t>
-            </a:r>
-            <a:r>
-              <a:rPr lang="en-US" dirty="0" err="1"/>
-              <a:t>Eisen</a:t>
-            </a:r>
-            <a:r>
-              <a:rPr lang="en-US" dirty="0"/>
-              <a:t>, R., </a:t>
-            </a:r>
-            <a:r>
-              <a:rPr lang="en-US" dirty="0" err="1"/>
-              <a:t>Delorey</a:t>
-            </a:r>
-            <a:r>
-              <a:rPr lang="en-US" dirty="0"/>
-              <a:t>, M., Lindsey, N., . . . Fischer, M. (2015). Meteorological Conditions Associated with Increased Incidence of West Nile Virus Disease in the United States, 2004-2012. </a:t>
-            </a:r>
-            <a:r>
-              <a:rPr lang="en-US" i="1" dirty="0"/>
-              <a:t>American Journal of Tropical Medicine and Hygiene</a:t>
-            </a:r>
-            <a:r>
-              <a:rPr lang="en-US" dirty="0"/>
-              <a:t>, 1013-1022. </a:t>
-            </a:r>
-            <a:endParaRPr lang="en-US" dirty="0" smtClean="0"/>
-          </a:p>
-          <a:p>
-            <a:pPr marL="285750" indent="-285750">
-              <a:buFont typeface="Arial"/>
-              <a:buChar char="•"/>
-            </a:pPr>
-            <a:endParaRPr lang="en-US" dirty="0"/>
-          </a:p>
-          <a:p>
-            <a:pPr marL="285750" indent="-285750">
-              <a:buFont typeface="Arial"/>
-              <a:buChar char="•"/>
-            </a:pPr>
-            <a:r>
-              <a:rPr lang="en-US" dirty="0" smtClean="0"/>
-              <a:t>Ruiz</a:t>
-            </a:r>
-            <a:r>
-              <a:rPr lang="en-US" dirty="0"/>
-              <a:t>, M., Chaves, L., </a:t>
-            </a:r>
-            <a:r>
-              <a:rPr lang="en-US" dirty="0" err="1"/>
-              <a:t>Hamer</a:t>
-            </a:r>
-            <a:r>
-              <a:rPr lang="en-US" dirty="0"/>
-              <a:t>, G., Sun, T., Brown, W., Walker, E., . . . </a:t>
-            </a:r>
-            <a:r>
-              <a:rPr lang="en-US" dirty="0" err="1"/>
-              <a:t>Kitron</a:t>
-            </a:r>
-            <a:r>
-              <a:rPr lang="en-US" dirty="0"/>
-              <a:t>, U. (</a:t>
-            </a:r>
-            <a:r>
-              <a:rPr lang="en-US" dirty="0" err="1"/>
-              <a:t>n.d.</a:t>
-            </a:r>
-            <a:r>
-              <a:rPr lang="en-US" dirty="0"/>
-              <a:t>). Local impact of temperature and precipitation on West Nile virus infection in </a:t>
-            </a:r>
-            <a:r>
-              <a:rPr lang="en-US" dirty="0" err="1"/>
-              <a:t>Culex</a:t>
-            </a:r>
-            <a:r>
-              <a:rPr lang="en-US" dirty="0"/>
-              <a:t> species mosquitoes in northeast Illinois, USA. </a:t>
-            </a:r>
-            <a:r>
-              <a:rPr lang="en-US" i="1" dirty="0"/>
-              <a:t>Parasites Vectors Parasites &amp; Vectors</a:t>
-            </a:r>
-            <a:r>
-              <a:rPr lang="en-US" dirty="0"/>
-              <a:t>, 19-19. </a:t>
-            </a:r>
-            <a:endParaRPr lang="en-US" dirty="0" smtClean="0"/>
-          </a:p>
-          <a:p>
-            <a:pPr marL="285750" indent="-285750">
-              <a:buFont typeface="Arial"/>
-              <a:buChar char="•"/>
-            </a:pPr>
-            <a:endParaRPr lang="en-US" dirty="0" smtClean="0"/>
-          </a:p>
-          <a:p>
-            <a:pPr marL="285750" indent="-285750">
-              <a:buFont typeface="Arial"/>
-              <a:buChar char="•"/>
-            </a:pPr>
-            <a:r>
-              <a:rPr lang="en-US" dirty="0" smtClean="0"/>
-              <a:t>West </a:t>
-            </a:r>
-            <a:r>
-              <a:rPr lang="en-US" dirty="0"/>
-              <a:t>Nile Virus Prediction. (</a:t>
-            </a:r>
-            <a:r>
-              <a:rPr lang="en-US" dirty="0" err="1"/>
-              <a:t>n.d.</a:t>
-            </a:r>
-            <a:r>
-              <a:rPr lang="en-US" dirty="0"/>
-              <a:t>). Retrieved October 12, 2015, from https://</a:t>
-            </a:r>
-            <a:r>
-              <a:rPr lang="en-US" dirty="0" err="1"/>
-              <a:t>www.kaggle.com</a:t>
-            </a:r>
-            <a:r>
-              <a:rPr lang="en-US" dirty="0"/>
-              <a:t>/c/predict-west-</a:t>
-            </a:r>
-            <a:r>
-              <a:rPr lang="en-US" dirty="0" err="1"/>
-              <a:t>nile</a:t>
-            </a:r>
-            <a:r>
-              <a:rPr lang="en-US" dirty="0"/>
-              <a:t>-virus </a:t>
-            </a:r>
-            <a:endParaRPr lang="en-US" dirty="0"/>
-          </a:p>
-          <a:p>
-            <a:pPr marL="285750" indent="-285750">
-              <a:buFont typeface="Arial"/>
-              <a:buChar char="•"/>
-            </a:pPr>
-            <a:endParaRPr lang="en-US" dirty="0"/>
-          </a:p>
-        </p:txBody>
-      </p:sp>
-    </p:spTree>
-  </p:cSld>
-  <p:clrMapOvr>
-    <a:masterClrMapping/>
-  </p:clrMapOvr>
-</p:sld>
-</file>
-
-<file path=ppt/slides/slide2.xml><?xml version="1.0" encoding="utf-8"?>
-<p:sld xmlns:a="http://schemas.openxmlformats.org/drawingml/2006/main" xmlns:r="http://schemas.openxmlformats.org/officeDocument/2006/relationships" xmlns:p="http://schemas.openxmlformats.org/presentationml/2006/main">
-  <p:cSld>
-    <p:spTree>
-      <p:nvGrpSpPr>
-        <p:cNvPr id="1" name=""/>
-        <p:cNvGrpSpPr/>
-        <p:nvPr/>
-      </p:nvGrpSpPr>
-      <p:grpSpPr>
-        <a:xfrm>
-          <a:off x="0" y="0"/>
-          <a:ext cx="0" cy="0"/>
-          <a:chOff x="0" y="0"/>
-          <a:chExt cx="0" cy="0"/>
-        </a:xfrm>
-      </p:grpSpPr>
-      <p:sp>
-        <p:nvSpPr>
-          <p:cNvPr id="87" name="CustomShape 1"/>
-          <p:cNvSpPr/>
-          <p:nvPr/>
-        </p:nvSpPr>
-        <p:spPr>
-          <a:xfrm>
-            <a:off x="372960" y="152280"/>
-            <a:ext cx="6852960" cy="1142640"/>
-          </a:xfrm>
-          <a:prstGeom prst="rect">
-            <a:avLst/>
-          </a:prstGeom>
-          <a:noFill/>
-          <a:ln>
-            <a:noFill/>
-          </a:ln>
-        </p:spPr>
-        <p:txBody>
-          <a:bodyPr lIns="90000" tIns="45000" rIns="90000" bIns="45000" anchor="ctr"/>
-          <a:lstStyle/>
-          <a:p>
-            <a:pPr>
-              <a:lnSpc>
-                <a:spcPct val="100000"/>
-              </a:lnSpc>
-            </a:pPr>
-            <a:r>
-              <a:rPr lang="en-US" sz="3600">
-                <a:solidFill>
-                  <a:srgbClr val="4D4D4D"/>
-                </a:solidFill>
-                <a:latin typeface="Georgia"/>
-                <a:ea typeface="PMingLiU"/>
-              </a:rPr>
-              <a:t>Motivation</a:t>
-            </a:r>
-            <a:endParaRPr/>
-          </a:p>
-        </p:txBody>
-      </p:sp>
-      <p:sp>
-        <p:nvSpPr>
-          <p:cNvPr id="88" name="TextShape 2"/>
-          <p:cNvSpPr txBox="1"/>
-          <p:nvPr/>
-        </p:nvSpPr>
-        <p:spPr>
-          <a:xfrm>
-            <a:off x="6553080" y="6245280"/>
-            <a:ext cx="2133360" cy="475920"/>
-          </a:xfrm>
-          <a:prstGeom prst="rect">
-            <a:avLst/>
-          </a:prstGeom>
-        </p:spPr>
-        <p:txBody>
-          <a:bodyPr/>
-          <a:lstStyle/>
-          <a:p>
-            <a:pPr>
-              <a:lnSpc>
-                <a:spcPct val="100000"/>
-              </a:lnSpc>
-            </a:pPr>
-            <a:fld id="{CB2D7697-84ED-4023-89C7-43A35970AFE5}" type="slidenum">
-              <a:rPr lang="en-US" sz="1400">
-                <a:solidFill>
-                  <a:srgbClr val="000000"/>
-                </a:solidFill>
-                <a:latin typeface="Arial"/>
-                <a:ea typeface="PMingLiU"/>
-              </a:rPr>
-              <a:t>2</a:t>
-            </a:fld>
-            <a:endParaRPr/>
-          </a:p>
-        </p:txBody>
-      </p:sp>
-      <p:sp>
-        <p:nvSpPr>
-          <p:cNvPr id="2" name="TextBox 1"/>
-          <p:cNvSpPr txBox="1"/>
-          <p:nvPr/>
-        </p:nvSpPr>
-        <p:spPr>
-          <a:xfrm>
-            <a:off x="762000" y="2047875"/>
-            <a:ext cx="7651750" cy="1815882"/>
-          </a:xfrm>
-          <a:prstGeom prst="rect">
-            <a:avLst/>
-          </a:prstGeom>
-          <a:noFill/>
-        </p:spPr>
-        <p:txBody>
-          <a:bodyPr wrap="square" rtlCol="0">
-            <a:spAutoFit/>
-          </a:bodyPr>
-          <a:lstStyle/>
-          <a:p>
-            <a:r>
-              <a:rPr lang="en-US" sz="2800" dirty="0" smtClean="0"/>
-              <a:t>Aid the City of Chicago in the fight to stop the spread of West Nile virus</a:t>
-            </a:r>
-          </a:p>
-          <a:p>
-            <a:endParaRPr lang="en-US" sz="2800" dirty="0"/>
-          </a:p>
-          <a:p>
-            <a:endParaRPr lang="en-US" sz="2800" dirty="0" smtClean="0"/>
-          </a:p>
-        </p:txBody>
-      </p:sp>
-      <p:pic>
-        <p:nvPicPr>
-          <p:cNvPr id="3" name="Picture 2"/>
-          <p:cNvPicPr>
-            <a:picLocks noChangeAspect="1"/>
-          </p:cNvPicPr>
-          <p:nvPr/>
-        </p:nvPicPr>
-        <p:blipFill>
-          <a:blip r:embed="rId3"/>
-          <a:stretch>
-            <a:fillRect/>
-          </a:stretch>
-        </p:blipFill>
-        <p:spPr>
-          <a:xfrm>
-            <a:off x="5233506" y="2889251"/>
-            <a:ext cx="3330902" cy="3175000"/>
-          </a:xfrm>
-          <a:prstGeom prst="rect">
-            <a:avLst/>
-          </a:prstGeom>
-        </p:spPr>
-      </p:pic>
-      <p:sp>
-        <p:nvSpPr>
-          <p:cNvPr id="4" name="Rectangle 3"/>
-          <p:cNvSpPr/>
-          <p:nvPr/>
-        </p:nvSpPr>
-        <p:spPr>
-          <a:xfrm>
-            <a:off x="6286787" y="6002695"/>
-            <a:ext cx="1424864" cy="246221"/>
-          </a:xfrm>
-          <a:prstGeom prst="rect">
-            <a:avLst/>
-          </a:prstGeom>
-        </p:spPr>
-        <p:txBody>
-          <a:bodyPr wrap="none">
-            <a:spAutoFit/>
-          </a:bodyPr>
-          <a:lstStyle/>
-          <a:p>
-            <a:r>
-              <a:rPr lang="en-US" sz="1000" dirty="0" err="1">
-                <a:solidFill>
-                  <a:srgbClr val="000090"/>
-                </a:solidFill>
-              </a:rPr>
-              <a:t>binghammemorial.org</a:t>
-            </a:r>
-            <a:endParaRPr lang="en-US" sz="1000" dirty="0">
-              <a:solidFill>
-                <a:srgbClr val="000090"/>
-              </a:solidFill>
-            </a:endParaRPr>
-          </a:p>
-        </p:txBody>
-      </p:sp>
-    </p:spTree>
-  </p:cSld>
-  <p:clrMapOvr>
-    <a:masterClrMapping/>
-  </p:clrMapOvr>
-</p:sld>
-</file>
-
-<file path=ppt/slides/slide3.xml><?xml version="1.0" encoding="utf-8"?>
-<p:sld xmlns:a="http://schemas.openxmlformats.org/drawingml/2006/main" xmlns:r="http://schemas.openxmlformats.org/officeDocument/2006/relationships" xmlns:p="http://schemas.openxmlformats.org/presentationml/2006/main">
-  <p:cSld>
-    <p:spTree>
-      <p:nvGrpSpPr>
-        <p:cNvPr id="1" name=""/>
-        <p:cNvGrpSpPr/>
-        <p:nvPr/>
-      </p:nvGrpSpPr>
-      <p:grpSpPr>
-        <a:xfrm>
-          <a:off x="0" y="0"/>
-          <a:ext cx="0" cy="0"/>
-          <a:chOff x="0" y="0"/>
-          <a:chExt cx="0" cy="0"/>
-        </a:xfrm>
-      </p:grpSpPr>
-      <p:sp>
-        <p:nvSpPr>
-          <p:cNvPr id="89" name="CustomShape 1"/>
-          <p:cNvSpPr/>
-          <p:nvPr/>
-        </p:nvSpPr>
-        <p:spPr>
-          <a:xfrm>
-            <a:off x="372960" y="152280"/>
-            <a:ext cx="6852960" cy="1142640"/>
-          </a:xfrm>
-          <a:prstGeom prst="rect">
-            <a:avLst/>
-          </a:prstGeom>
-          <a:noFill/>
-          <a:ln>
-            <a:noFill/>
-          </a:ln>
-        </p:spPr>
-        <p:txBody>
-          <a:bodyPr lIns="90000" tIns="45000" rIns="90000" bIns="45000" anchor="ctr"/>
-          <a:lstStyle/>
-          <a:p>
-            <a:pPr>
-              <a:lnSpc>
-                <a:spcPct val="100000"/>
-              </a:lnSpc>
-            </a:pPr>
-            <a:r>
-              <a:rPr lang="en-US" sz="3600">
-                <a:solidFill>
-                  <a:srgbClr val="4D4D4D"/>
-                </a:solidFill>
-                <a:latin typeface="Georgia"/>
-                <a:ea typeface="PMingLiU"/>
-              </a:rPr>
-              <a:t>Background</a:t>
-            </a:r>
-            <a:endParaRPr/>
-          </a:p>
-        </p:txBody>
-      </p:sp>
-      <p:pic>
-        <p:nvPicPr>
-          <p:cNvPr id="2" name="Picture 1"/>
-          <p:cNvPicPr>
-            <a:picLocks noChangeAspect="1"/>
-          </p:cNvPicPr>
-          <p:nvPr/>
-        </p:nvPicPr>
-        <p:blipFill rotWithShape="1">
-          <a:blip r:embed="rId3"/>
-          <a:srcRect r="41146"/>
-          <a:stretch/>
-        </p:blipFill>
-        <p:spPr>
-          <a:xfrm>
-            <a:off x="1484211" y="2406170"/>
-            <a:ext cx="2362438" cy="2657955"/>
-          </a:xfrm>
-          <a:prstGeom prst="rect">
-            <a:avLst/>
-          </a:prstGeom>
-        </p:spPr>
-      </p:pic>
-      <p:pic>
-        <p:nvPicPr>
-          <p:cNvPr id="3" name="Picture 2"/>
-          <p:cNvPicPr>
-            <a:picLocks noChangeAspect="1"/>
-          </p:cNvPicPr>
-          <p:nvPr/>
-        </p:nvPicPr>
-        <p:blipFill rotWithShape="1">
-          <a:blip r:embed="rId4"/>
-          <a:srcRect l="20462" r="12502" b="12731"/>
-          <a:stretch/>
-        </p:blipFill>
-        <p:spPr>
-          <a:xfrm>
-            <a:off x="5097101" y="2390295"/>
-            <a:ext cx="2693206" cy="2657955"/>
-          </a:xfrm>
-          <a:prstGeom prst="rect">
-            <a:avLst/>
-          </a:prstGeom>
-        </p:spPr>
-      </p:pic>
-      <p:sp>
-        <p:nvSpPr>
-          <p:cNvPr id="4" name="TextBox 3"/>
-          <p:cNvSpPr txBox="1"/>
-          <p:nvPr/>
-        </p:nvSpPr>
-        <p:spPr>
-          <a:xfrm>
-            <a:off x="3968750" y="1500515"/>
-            <a:ext cx="1096023" cy="523220"/>
-          </a:xfrm>
-          <a:prstGeom prst="rect">
-            <a:avLst/>
-          </a:prstGeom>
-          <a:noFill/>
-        </p:spPr>
-        <p:txBody>
-          <a:bodyPr wrap="none" rtlCol="0">
-            <a:spAutoFit/>
-          </a:bodyPr>
-          <a:lstStyle/>
-          <a:p>
-            <a:r>
-              <a:rPr lang="en-US" sz="2800" b="1" dirty="0" smtClean="0"/>
-              <a:t>Team</a:t>
-            </a:r>
-            <a:endParaRPr lang="en-US" sz="2800" b="1" dirty="0"/>
-          </a:p>
-        </p:txBody>
-      </p:sp>
-      <p:cxnSp>
-        <p:nvCxnSpPr>
-          <p:cNvPr id="7" name="Straight Arrow Connector 6"/>
-          <p:cNvCxnSpPr>
-            <a:stCxn id="4" idx="2"/>
-          </p:cNvCxnSpPr>
-          <p:nvPr/>
-        </p:nvCxnSpPr>
-        <p:spPr>
-          <a:xfrm>
-            <a:off x="4516762" y="2023735"/>
-            <a:ext cx="1515738" cy="287185"/>
-          </a:xfrm>
-          <a:prstGeom prst="straightConnector1">
-            <a:avLst/>
-          </a:prstGeom>
-          <a:ln>
-            <a:tailEnd type="arrow"/>
-          </a:ln>
-        </p:spPr>
-        <p:style>
-          <a:lnRef idx="2">
-            <a:schemeClr val="accent1"/>
-          </a:lnRef>
-          <a:fillRef idx="0">
-            <a:schemeClr val="accent1"/>
-          </a:fillRef>
-          <a:effectRef idx="1">
-            <a:schemeClr val="accent1"/>
-          </a:effectRef>
-          <a:fontRef idx="minor">
-            <a:schemeClr val="tx1"/>
-          </a:fontRef>
-        </p:style>
-      </p:cxnSp>
-      <p:cxnSp>
-        <p:nvCxnSpPr>
-          <p:cNvPr id="13" name="Straight Arrow Connector 12"/>
-          <p:cNvCxnSpPr>
-            <a:stCxn id="4" idx="2"/>
-          </p:cNvCxnSpPr>
-          <p:nvPr/>
-        </p:nvCxnSpPr>
-        <p:spPr>
-          <a:xfrm flipH="1">
-            <a:off x="2952750" y="2023735"/>
-            <a:ext cx="1564012" cy="287185"/>
-          </a:xfrm>
-          <a:prstGeom prst="straightConnector1">
-            <a:avLst/>
-          </a:prstGeom>
-          <a:ln>
-            <a:tailEnd type="arrow"/>
-          </a:ln>
-        </p:spPr>
-        <p:style>
-          <a:lnRef idx="2">
-            <a:schemeClr val="accent1"/>
-          </a:lnRef>
-          <a:fillRef idx="0">
-            <a:schemeClr val="accent1"/>
-          </a:fillRef>
-          <a:effectRef idx="1">
-            <a:schemeClr val="accent1"/>
-          </a:effectRef>
-          <a:fontRef idx="minor">
-            <a:schemeClr val="tx1"/>
-          </a:fontRef>
-        </p:style>
-      </p:cxnSp>
-      <p:sp>
-        <p:nvSpPr>
-          <p:cNvPr id="16" name="TextBox 15"/>
-          <p:cNvSpPr txBox="1"/>
-          <p:nvPr/>
-        </p:nvSpPr>
-        <p:spPr>
-          <a:xfrm>
-            <a:off x="555625" y="5635625"/>
-            <a:ext cx="8350250" cy="400110"/>
-          </a:xfrm>
-          <a:prstGeom prst="rect">
-            <a:avLst/>
-          </a:prstGeom>
-          <a:noFill/>
-        </p:spPr>
-        <p:txBody>
-          <a:bodyPr wrap="square" rtlCol="0">
-            <a:spAutoFit/>
-          </a:bodyPr>
-          <a:lstStyle/>
-          <a:p>
-            <a:pPr algn="ctr"/>
-            <a:r>
-              <a:rPr lang="en-US" sz="2000" b="1" dirty="0" smtClean="0"/>
-              <a:t>Statistics + Engineering + Math + Computer Science = Success</a:t>
-            </a:r>
-            <a:endParaRPr lang="en-US" sz="2000" b="1" dirty="0"/>
-          </a:p>
-        </p:txBody>
-      </p:sp>
-    </p:spTree>
-  </p:cSld>
-  <p:clrMapOvr>
-    <a:masterClrMapping/>
-  </p:clrMapOvr>
-  <p:timing>
-    <p:tnLst>
-      <p:par>
-        <p:cTn xmlns:p14="http://schemas.microsoft.com/office/powerpoint/2010/main" id="1" dur="indefinite" restart="never" nodeType="tmRoot"/>
-      </p:par>
-    </p:tnLst>
-  </p:timing>
-</p:sld>
-</file>
-
-<file path=ppt/slides/slide4.xml><?xml version="1.0" encoding="utf-8"?>
-<p:sld xmlns:a="http://schemas.openxmlformats.org/drawingml/2006/main" xmlns:r="http://schemas.openxmlformats.org/officeDocument/2006/relationships" xmlns:p="http://schemas.openxmlformats.org/presentationml/2006/main">
-  <p:cSld>
-    <p:spTree>
-      <p:nvGrpSpPr>
-        <p:cNvPr id="1" name=""/>
-        <p:cNvGrpSpPr/>
-        <p:nvPr/>
-      </p:nvGrpSpPr>
-      <p:grpSpPr>
-        <a:xfrm>
-          <a:off x="0" y="0"/>
-          <a:ext cx="0" cy="0"/>
-          <a:chOff x="0" y="0"/>
-          <a:chExt cx="0" cy="0"/>
-        </a:xfrm>
-      </p:grpSpPr>
-      <p:sp>
-        <p:nvSpPr>
-          <p:cNvPr id="90" name="CustomShape 1"/>
-          <p:cNvSpPr/>
-          <p:nvPr/>
-        </p:nvSpPr>
-        <p:spPr>
-          <a:xfrm>
-            <a:off x="372960" y="152280"/>
-            <a:ext cx="6852960" cy="1142640"/>
-          </a:xfrm>
-          <a:prstGeom prst="rect">
-            <a:avLst/>
-          </a:prstGeom>
-          <a:noFill/>
-          <a:ln>
-            <a:noFill/>
-          </a:ln>
-        </p:spPr>
-        <p:txBody>
-          <a:bodyPr lIns="90000" tIns="45000" rIns="90000" bIns="45000" anchor="ctr"/>
-          <a:lstStyle/>
-          <a:p>
-            <a:pPr>
-              <a:lnSpc>
-                <a:spcPct val="100000"/>
-              </a:lnSpc>
-            </a:pPr>
-            <a:r>
-              <a:rPr lang="en-US" sz="3600">
-                <a:solidFill>
-                  <a:srgbClr val="4D4D4D"/>
-                </a:solidFill>
-                <a:latin typeface="Georgia"/>
-                <a:ea typeface="新細明體"/>
-              </a:rPr>
-              <a:t>Related Work</a:t>
-            </a:r>
-            <a:endParaRPr/>
-          </a:p>
-        </p:txBody>
-      </p:sp>
-      <p:sp>
-        <p:nvSpPr>
-          <p:cNvPr id="91" name="TextShape 2"/>
-          <p:cNvSpPr txBox="1"/>
-          <p:nvPr/>
-        </p:nvSpPr>
-        <p:spPr>
-          <a:xfrm>
-            <a:off x="6553080" y="6245280"/>
-            <a:ext cx="2133360" cy="475920"/>
-          </a:xfrm>
-          <a:prstGeom prst="rect">
-            <a:avLst/>
-          </a:prstGeom>
-        </p:spPr>
-        <p:txBody>
-          <a:bodyPr/>
-          <a:lstStyle/>
-          <a:p>
-            <a:pPr>
-              <a:lnSpc>
-                <a:spcPct val="100000"/>
-              </a:lnSpc>
-            </a:pPr>
-            <a:fld id="{855D1AC3-7B00-48B3-94EF-2CAA8A687E63}" type="slidenum">
-              <a:rPr lang="en-US" sz="1400">
-                <a:solidFill>
-                  <a:srgbClr val="000000"/>
-                </a:solidFill>
-                <a:latin typeface="Arial"/>
-                <a:ea typeface="PMingLiU"/>
-              </a:rPr>
-              <a:t>4</a:t>
-            </a:fld>
-            <a:endParaRPr/>
-          </a:p>
-        </p:txBody>
-      </p:sp>
-      <p:sp>
-        <p:nvSpPr>
-          <p:cNvPr id="3" name="TextBox 2"/>
-          <p:cNvSpPr txBox="1"/>
-          <p:nvPr/>
-        </p:nvSpPr>
-        <p:spPr>
-          <a:xfrm>
-            <a:off x="619125" y="1762125"/>
-            <a:ext cx="8067315" cy="3539431"/>
-          </a:xfrm>
-          <a:prstGeom prst="rect">
-            <a:avLst/>
-          </a:prstGeom>
-          <a:noFill/>
-        </p:spPr>
-        <p:txBody>
-          <a:bodyPr wrap="square" rtlCol="0">
-            <a:spAutoFit/>
-          </a:bodyPr>
-          <a:lstStyle/>
-          <a:p>
-            <a:pPr marL="457200" indent="-457200">
-              <a:buFont typeface="Arial"/>
-              <a:buChar char="•"/>
-            </a:pPr>
-            <a:r>
-              <a:rPr lang="en-US" sz="2800" dirty="0" smtClean="0"/>
-              <a:t>Research by the National Center of Atmospheric Research in Boulder, CO</a:t>
-            </a:r>
-          </a:p>
-          <a:p>
-            <a:pPr marL="457200" indent="-457200">
-              <a:buFont typeface="Arial"/>
-              <a:buChar char="•"/>
-            </a:pPr>
-            <a:endParaRPr lang="en-US" sz="2800" dirty="0" smtClean="0"/>
-          </a:p>
-          <a:p>
-            <a:pPr marL="457200" indent="-457200">
-              <a:buFont typeface="Arial"/>
-              <a:buChar char="•"/>
-            </a:pPr>
-            <a:r>
-              <a:rPr lang="en-US" sz="2800" dirty="0" smtClean="0"/>
-              <a:t>Research by the Geographic </a:t>
-            </a:r>
-            <a:r>
-              <a:rPr lang="en-US" sz="2800" dirty="0"/>
-              <a:t>Information Systems and Spatial Analysis </a:t>
-            </a:r>
-            <a:r>
-              <a:rPr lang="en-US" sz="2800" dirty="0" smtClean="0"/>
-              <a:t>Laboratory </a:t>
-            </a:r>
-            <a:r>
-              <a:rPr lang="en-US" sz="2800" dirty="0"/>
-              <a:t>at University of Illinois at Urbana-Champaign </a:t>
-            </a:r>
-            <a:endParaRPr lang="en-US" sz="2800" dirty="0"/>
-          </a:p>
-          <a:p>
-            <a:endParaRPr lang="en-US" sz="2800" dirty="0" smtClean="0"/>
-          </a:p>
-          <a:p>
-            <a:pPr marL="457200" indent="-457200">
-              <a:buFont typeface="Arial"/>
-              <a:buChar char="•"/>
-            </a:pPr>
-            <a:r>
-              <a:rPr lang="en-US" sz="2800" dirty="0" smtClean="0"/>
-              <a:t>Credit Card Fraud Detection</a:t>
-            </a:r>
-            <a:endParaRPr lang="en-US" sz="2800" dirty="0"/>
-          </a:p>
-        </p:txBody>
-      </p:sp>
-    </p:spTree>
-  </p:cSld>
-  <p:clrMapOvr>
-    <a:masterClrMapping/>
-  </p:clrMapOvr>
-</p:sld>
-</file>
-
-<file path=ppt/slides/slide5.xml><?xml version="1.0" encoding="utf-8"?>
-<p:sld xmlns:a="http://schemas.openxmlformats.org/drawingml/2006/main" xmlns:r="http://schemas.openxmlformats.org/officeDocument/2006/relationships" xmlns:p="http://schemas.openxmlformats.org/presentationml/2006/main">
-  <p:cSld>
-    <p:spTree>
-      <p:nvGrpSpPr>
-        <p:cNvPr id="1" name=""/>
-        <p:cNvGrpSpPr/>
-        <p:nvPr/>
-      </p:nvGrpSpPr>
-      <p:grpSpPr>
-        <a:xfrm>
-          <a:off x="0" y="0"/>
-          <a:ext cx="0" cy="0"/>
-          <a:chOff x="0" y="0"/>
-          <a:chExt cx="0" cy="0"/>
-        </a:xfrm>
-      </p:grpSpPr>
-      <p:sp>
-        <p:nvSpPr>
-          <p:cNvPr id="92" name="CustomShape 1"/>
-          <p:cNvSpPr/>
-          <p:nvPr/>
-        </p:nvSpPr>
-        <p:spPr>
-          <a:xfrm>
-            <a:off x="372960" y="152280"/>
-            <a:ext cx="6852960" cy="1142640"/>
-          </a:xfrm>
-          <a:prstGeom prst="rect">
-            <a:avLst/>
-          </a:prstGeom>
-          <a:noFill/>
-          <a:ln>
-            <a:noFill/>
-          </a:ln>
-        </p:spPr>
-        <p:txBody>
-          <a:bodyPr lIns="90000" tIns="45000" rIns="90000" bIns="45000" anchor="ctr"/>
-          <a:lstStyle/>
-          <a:p>
-            <a:pPr>
-              <a:lnSpc>
-                <a:spcPct val="100000"/>
-              </a:lnSpc>
-            </a:pPr>
-            <a:r>
-              <a:rPr lang="en-US" sz="3600">
-                <a:solidFill>
-                  <a:srgbClr val="4D4D4D"/>
-                </a:solidFill>
-                <a:latin typeface="Georgia"/>
-                <a:ea typeface="PMingLiU"/>
-              </a:rPr>
-              <a:t>Claim / Target Task</a:t>
-            </a:r>
-            <a:endParaRPr/>
-          </a:p>
-        </p:txBody>
-      </p:sp>
-      <p:sp>
-        <p:nvSpPr>
-          <p:cNvPr id="93" name="TextShape 2"/>
-          <p:cNvSpPr txBox="1"/>
-          <p:nvPr/>
-        </p:nvSpPr>
-        <p:spPr>
-          <a:xfrm>
-            <a:off x="6553080" y="6245280"/>
-            <a:ext cx="2133360" cy="475920"/>
-          </a:xfrm>
-          <a:prstGeom prst="rect">
-            <a:avLst/>
-          </a:prstGeom>
-        </p:spPr>
-        <p:txBody>
-          <a:bodyPr/>
-          <a:lstStyle/>
-          <a:p>
-            <a:pPr>
-              <a:lnSpc>
-                <a:spcPct val="100000"/>
-              </a:lnSpc>
-            </a:pPr>
-            <a:fld id="{F7055223-EE39-4C36-AADF-42B1675134ED}" type="slidenum">
-              <a:rPr lang="en-US" sz="1400">
-                <a:solidFill>
-                  <a:srgbClr val="000000"/>
-                </a:solidFill>
-                <a:latin typeface="Arial"/>
-                <a:ea typeface="PMingLiU"/>
-              </a:rPr>
-              <a:t>5</a:t>
-            </a:fld>
-            <a:endParaRPr/>
-          </a:p>
-        </p:txBody>
-      </p:sp>
-      <p:sp>
-        <p:nvSpPr>
-          <p:cNvPr id="2" name="TextBox 1"/>
-          <p:cNvSpPr txBox="1"/>
-          <p:nvPr/>
-        </p:nvSpPr>
-        <p:spPr>
-          <a:xfrm>
-            <a:off x="587375" y="1778000"/>
-            <a:ext cx="7842250" cy="1508105"/>
-          </a:xfrm>
-          <a:prstGeom prst="rect">
-            <a:avLst/>
-          </a:prstGeom>
-          <a:noFill/>
-        </p:spPr>
-        <p:txBody>
-          <a:bodyPr wrap="square" rtlCol="0">
-            <a:spAutoFit/>
-          </a:bodyPr>
-          <a:lstStyle/>
-          <a:p>
-            <a:endParaRPr lang="en-US" dirty="0"/>
-          </a:p>
-          <a:p>
-            <a:r>
-              <a:rPr lang="en-US" sz="2800" dirty="0" smtClean="0"/>
-              <a:t>Predict when and where in Chicago mosquitos will be infected with West Nile virus</a:t>
-            </a:r>
-            <a:endParaRPr lang="en-US" sz="2800" dirty="0"/>
-          </a:p>
-          <a:p>
-            <a:r>
-              <a:rPr lang="en-US" dirty="0" smtClean="0"/>
-              <a:t> </a:t>
-            </a:r>
-            <a:endParaRPr lang="en-US" dirty="0"/>
-          </a:p>
-        </p:txBody>
-      </p:sp>
-      <p:pic>
-        <p:nvPicPr>
-          <p:cNvPr id="3" name="Picture 2"/>
-          <p:cNvPicPr>
-            <a:picLocks noChangeAspect="1"/>
-          </p:cNvPicPr>
-          <p:nvPr/>
-        </p:nvPicPr>
-        <p:blipFill>
-          <a:blip r:embed="rId3"/>
-          <a:stretch>
-            <a:fillRect/>
-          </a:stretch>
-        </p:blipFill>
-        <p:spPr>
-          <a:xfrm>
-            <a:off x="4175125" y="3022600"/>
-            <a:ext cx="3810000" cy="2971800"/>
-          </a:xfrm>
-          <a:prstGeom prst="rect">
-            <a:avLst/>
-          </a:prstGeom>
-        </p:spPr>
-      </p:pic>
-      <p:sp>
-        <p:nvSpPr>
-          <p:cNvPr id="4" name="Rectangle 3"/>
-          <p:cNvSpPr/>
-          <p:nvPr/>
-        </p:nvSpPr>
-        <p:spPr>
-          <a:xfrm>
-            <a:off x="6092276" y="5999059"/>
-            <a:ext cx="1133644" cy="246221"/>
-          </a:xfrm>
-          <a:prstGeom prst="rect">
-            <a:avLst/>
-          </a:prstGeom>
-        </p:spPr>
-        <p:txBody>
-          <a:bodyPr wrap="none">
-            <a:spAutoFit/>
-          </a:bodyPr>
-          <a:lstStyle/>
-          <a:p>
-            <a:r>
-              <a:rPr lang="en-US" sz="1000" dirty="0" err="1">
-                <a:solidFill>
-                  <a:srgbClr val="000090"/>
-                </a:solidFill>
-              </a:rPr>
-              <a:t>Imagebasket.net</a:t>
-            </a:r>
-            <a:endParaRPr lang="en-US" sz="1000" dirty="0">
-              <a:solidFill>
-                <a:srgbClr val="000090"/>
-              </a:solidFill>
-            </a:endParaRPr>
-          </a:p>
-        </p:txBody>
-      </p:sp>
-    </p:spTree>
-  </p:cSld>
-  <p:clrMapOvr>
-    <a:masterClrMapping/>
-  </p:clrMapOvr>
-</p:sld>
-</file>
-
-<file path=ppt/slides/slide6.xml><?xml version="1.0" encoding="utf-8"?>
-<p:sld xmlns:a="http://schemas.openxmlformats.org/drawingml/2006/main" xmlns:r="http://schemas.openxmlformats.org/officeDocument/2006/relationships" xmlns:p="http://schemas.openxmlformats.org/presentationml/2006/main">
-  <p:cSld>
-    <p:spTree>
-      <p:nvGrpSpPr>
-        <p:cNvPr id="1" name=""/>
-        <p:cNvGrpSpPr/>
-        <p:nvPr/>
-      </p:nvGrpSpPr>
-      <p:grpSpPr>
-        <a:xfrm>
-          <a:off x="0" y="0"/>
-          <a:ext cx="0" cy="0"/>
-          <a:chOff x="0" y="0"/>
-          <a:chExt cx="0" cy="0"/>
-        </a:xfrm>
-      </p:grpSpPr>
-      <p:sp>
-        <p:nvSpPr>
-          <p:cNvPr id="94" name="CustomShape 1"/>
-          <p:cNvSpPr/>
-          <p:nvPr/>
-        </p:nvSpPr>
-        <p:spPr>
-          <a:xfrm>
-            <a:off x="372960" y="152280"/>
-            <a:ext cx="6852960" cy="1142640"/>
-          </a:xfrm>
-          <a:prstGeom prst="rect">
-            <a:avLst/>
-          </a:prstGeom>
-          <a:noFill/>
-          <a:ln>
-            <a:noFill/>
-          </a:ln>
-        </p:spPr>
-        <p:txBody>
-          <a:bodyPr lIns="90000" tIns="45000" rIns="90000" bIns="45000" anchor="ctr"/>
-          <a:lstStyle/>
-          <a:p>
-            <a:pPr>
-              <a:lnSpc>
-                <a:spcPct val="100000"/>
-              </a:lnSpc>
-            </a:pPr>
-            <a:r>
-              <a:rPr lang="en-US" sz="3600">
-                <a:solidFill>
-                  <a:srgbClr val="4D4D4D"/>
-                </a:solidFill>
-                <a:latin typeface="Georgia"/>
-                <a:ea typeface="PMingLiU"/>
-              </a:rPr>
-              <a:t>Proposed Solution</a:t>
-            </a:r>
-            <a:endParaRPr/>
-          </a:p>
-        </p:txBody>
-      </p:sp>
-      <p:sp>
-        <p:nvSpPr>
-          <p:cNvPr id="95" name="CustomShape 2"/>
-          <p:cNvSpPr/>
-          <p:nvPr/>
-        </p:nvSpPr>
-        <p:spPr>
-          <a:xfrm>
-            <a:off x="155520" y="-144360"/>
-            <a:ext cx="304560" cy="304560"/>
-          </a:xfrm>
-          <a:prstGeom prst="rect">
-            <a:avLst/>
-          </a:prstGeom>
-          <a:noFill/>
-          <a:ln>
-            <a:noFill/>
-          </a:ln>
-        </p:spPr>
-      </p:sp>
-      <p:sp>
-        <p:nvSpPr>
-          <p:cNvPr id="96" name="CustomShape 3"/>
-          <p:cNvSpPr/>
-          <p:nvPr/>
-        </p:nvSpPr>
-        <p:spPr>
-          <a:xfrm>
-            <a:off x="307800" y="7920"/>
-            <a:ext cx="304560" cy="304560"/>
-          </a:xfrm>
-          <a:prstGeom prst="rect">
-            <a:avLst/>
-          </a:prstGeom>
-          <a:noFill/>
-          <a:ln>
-            <a:noFill/>
-          </a:ln>
-        </p:spPr>
-      </p:sp>
-      <p:sp>
-        <p:nvSpPr>
-          <p:cNvPr id="4" name="TextBox 3"/>
-          <p:cNvSpPr txBox="1"/>
-          <p:nvPr/>
-        </p:nvSpPr>
-        <p:spPr>
-          <a:xfrm>
-            <a:off x="612360" y="1889125"/>
-            <a:ext cx="7944265" cy="3108544"/>
-          </a:xfrm>
-          <a:prstGeom prst="rect">
-            <a:avLst/>
-          </a:prstGeom>
-          <a:noFill/>
-        </p:spPr>
-        <p:txBody>
-          <a:bodyPr wrap="square" rtlCol="0">
-            <a:spAutoFit/>
-          </a:bodyPr>
-          <a:lstStyle/>
-          <a:p>
-            <a:pPr marL="457200" indent="-457200">
-              <a:buFont typeface="Arial"/>
-              <a:buChar char="•"/>
-            </a:pPr>
-            <a:r>
-              <a:rPr lang="en-US" sz="2800" dirty="0" smtClean="0"/>
-              <a:t>View as solely a classification problem</a:t>
-            </a:r>
-          </a:p>
-          <a:p>
-            <a:pPr marL="457200" indent="-457200">
-              <a:buFont typeface="Arial"/>
-              <a:buChar char="•"/>
-            </a:pPr>
-            <a:r>
-              <a:rPr lang="en-US" sz="2800" dirty="0" smtClean="0"/>
-              <a:t>Consider weather and mosquito collection data</a:t>
-            </a:r>
-          </a:p>
-          <a:p>
-            <a:pPr marL="457200" indent="-457200">
-              <a:buFont typeface="Arial"/>
-              <a:buChar char="•"/>
-            </a:pPr>
-            <a:r>
-              <a:rPr lang="en-US" sz="2800" dirty="0" smtClean="0"/>
-              <a:t>Need to account for imbalanced training data</a:t>
-            </a:r>
-          </a:p>
-          <a:p>
-            <a:pPr marL="457200" indent="-457200">
-              <a:buFont typeface="Arial"/>
-              <a:buChar char="•"/>
-            </a:pPr>
-            <a:r>
-              <a:rPr lang="en-US" sz="2800" dirty="0" smtClean="0"/>
-              <a:t>Used a Naïve Bayes Classifier to do classification</a:t>
-            </a:r>
-          </a:p>
-          <a:p>
-            <a:pPr marL="457200" indent="-457200">
-              <a:buFont typeface="Arial"/>
-              <a:buChar char="•"/>
-            </a:pPr>
-            <a:endParaRPr lang="en-US" sz="2800" dirty="0" smtClean="0"/>
-          </a:p>
-        </p:txBody>
-      </p:sp>
-    </p:spTree>
-  </p:cSld>
-  <p:clrMapOvr>
-    <a:masterClrMapping/>
-  </p:clrMapOvr>
-</p:sld>
-</file>
-
-<file path=ppt/slides/slide7.xml><?xml version="1.0" encoding="utf-8"?>
-<p:sld xmlns:a="http://schemas.openxmlformats.org/drawingml/2006/main" xmlns:r="http://schemas.openxmlformats.org/officeDocument/2006/relationships" xmlns:p="http://schemas.openxmlformats.org/presentationml/2006/main">
-  <p:cSld>
-    <p:spTree>
-      <p:nvGrpSpPr>
-        <p:cNvPr id="1" name=""/>
-        <p:cNvGrpSpPr/>
-        <p:nvPr/>
-      </p:nvGrpSpPr>
-      <p:grpSpPr>
-        <a:xfrm>
-          <a:off x="0" y="0"/>
-          <a:ext cx="0" cy="0"/>
-          <a:chOff x="0" y="0"/>
-          <a:chExt cx="0" cy="0"/>
-        </a:xfrm>
-      </p:grpSpPr>
-      <p:sp>
-        <p:nvSpPr>
-          <p:cNvPr id="97" name="CustomShape 1"/>
-          <p:cNvSpPr/>
-          <p:nvPr/>
-        </p:nvSpPr>
-        <p:spPr>
-          <a:xfrm>
-            <a:off x="372960" y="152280"/>
-            <a:ext cx="6852960" cy="1142640"/>
-          </a:xfrm>
-          <a:prstGeom prst="rect">
-            <a:avLst/>
-          </a:prstGeom>
-          <a:noFill/>
-          <a:ln>
-            <a:noFill/>
-          </a:ln>
-        </p:spPr>
-        <p:txBody>
-          <a:bodyPr lIns="90000" tIns="45000" rIns="90000" bIns="45000" anchor="ctr"/>
-          <a:lstStyle/>
-          <a:p>
-            <a:pPr>
-              <a:lnSpc>
-                <a:spcPct val="150000"/>
-              </a:lnSpc>
-            </a:pPr>
-            <a:r>
-              <a:rPr lang="en-US" sz="3600">
-                <a:solidFill>
-                  <a:srgbClr val="4D4D4D"/>
-                </a:solidFill>
-                <a:latin typeface="Georgia"/>
-                <a:ea typeface="PMingLiU"/>
-              </a:rPr>
-              <a:t>Implementation</a:t>
-            </a:r>
-            <a:endParaRPr/>
-          </a:p>
-        </p:txBody>
-      </p:sp>
-      <p:sp>
-        <p:nvSpPr>
-          <p:cNvPr id="98" name="TextShape 2"/>
-          <p:cNvSpPr txBox="1"/>
-          <p:nvPr/>
-        </p:nvSpPr>
-        <p:spPr>
-          <a:xfrm>
-            <a:off x="533520" y="1447920"/>
-            <a:ext cx="8229240" cy="4419360"/>
-          </a:xfrm>
-          <a:prstGeom prst="rect">
-            <a:avLst/>
-          </a:prstGeom>
-        </p:spPr>
-        <p:txBody>
-          <a:bodyPr/>
-          <a:lstStyle/>
-          <a:p>
-            <a:endParaRPr/>
-          </a:p>
-        </p:txBody>
-      </p:sp>
-      <p:sp>
-        <p:nvSpPr>
-          <p:cNvPr id="99" name="TextShape 3"/>
-          <p:cNvSpPr txBox="1"/>
-          <p:nvPr/>
-        </p:nvSpPr>
-        <p:spPr>
-          <a:xfrm>
-            <a:off x="6553080" y="6245280"/>
-            <a:ext cx="2133360" cy="475920"/>
-          </a:xfrm>
-          <a:prstGeom prst="rect">
-            <a:avLst/>
-          </a:prstGeom>
-        </p:spPr>
-        <p:txBody>
-          <a:bodyPr/>
-          <a:lstStyle/>
-          <a:p>
-            <a:pPr>
-              <a:lnSpc>
-                <a:spcPct val="100000"/>
-              </a:lnSpc>
-            </a:pPr>
-            <a:fld id="{FDC8350B-486A-46EF-AB1D-D8C68004616A}" type="slidenum">
-              <a:rPr lang="en-US" sz="1400">
-                <a:solidFill>
-                  <a:srgbClr val="000000"/>
-                </a:solidFill>
-                <a:latin typeface="Arial"/>
-                <a:ea typeface="PMingLiU"/>
-              </a:rPr>
-              <a:t>7</a:t>
-            </a:fld>
-            <a:endParaRPr/>
-          </a:p>
-        </p:txBody>
-      </p:sp>
-      <p:sp>
-        <p:nvSpPr>
-          <p:cNvPr id="4" name="Rectangle 3"/>
-          <p:cNvSpPr/>
-          <p:nvPr/>
-        </p:nvSpPr>
-        <p:spPr>
-          <a:xfrm>
-            <a:off x="1232020" y="1752589"/>
-            <a:ext cx="1381125" cy="936625"/>
-          </a:xfrm>
-          <a:prstGeom prst="rect">
-            <a:avLst/>
-          </a:prstGeom>
-        </p:spPr>
-        <p:style>
-          <a:lnRef idx="1">
-            <a:schemeClr val="accent1"/>
-          </a:lnRef>
-          <a:fillRef idx="3">
-            <a:schemeClr val="accent1"/>
-          </a:fillRef>
-          <a:effectRef idx="2">
-            <a:schemeClr val="accent1"/>
-          </a:effectRef>
-          <a:fontRef idx="minor">
-            <a:schemeClr val="lt1"/>
-          </a:fontRef>
-        </p:style>
-        <p:txBody>
-          <a:bodyPr rtlCol="0" anchor="ctr"/>
-          <a:lstStyle/>
-          <a:p>
-            <a:pPr algn="ctr"/>
-            <a:r>
-              <a:rPr lang="en-US" dirty="0" smtClean="0"/>
-              <a:t>Weather Data (</a:t>
-            </a:r>
-            <a:r>
-              <a:rPr lang="en-US" dirty="0" err="1" smtClean="0"/>
-              <a:t>csv</a:t>
-            </a:r>
-            <a:r>
-              <a:rPr lang="en-US" dirty="0" smtClean="0"/>
-              <a:t>)</a:t>
-            </a:r>
-            <a:endParaRPr lang="en-US" dirty="0"/>
-          </a:p>
-        </p:txBody>
-      </p:sp>
-      <p:sp>
-        <p:nvSpPr>
-          <p:cNvPr id="9" name="Rectangle 8"/>
-          <p:cNvSpPr/>
-          <p:nvPr/>
-        </p:nvSpPr>
-        <p:spPr>
-          <a:xfrm>
-            <a:off x="1232020" y="3151176"/>
-            <a:ext cx="1381125" cy="936625"/>
-          </a:xfrm>
-          <a:prstGeom prst="rect">
-            <a:avLst/>
-          </a:prstGeom>
-        </p:spPr>
-        <p:style>
-          <a:lnRef idx="1">
-            <a:schemeClr val="accent1"/>
-          </a:lnRef>
-          <a:fillRef idx="3">
-            <a:schemeClr val="accent1"/>
-          </a:fillRef>
-          <a:effectRef idx="2">
-            <a:schemeClr val="accent1"/>
-          </a:effectRef>
-          <a:fontRef idx="minor">
-            <a:schemeClr val="lt1"/>
-          </a:fontRef>
-        </p:style>
-        <p:txBody>
-          <a:bodyPr rtlCol="0" anchor="ctr"/>
-          <a:lstStyle/>
-          <a:p>
-            <a:pPr algn="ctr"/>
-            <a:r>
-              <a:rPr lang="en-US" dirty="0" smtClean="0"/>
-              <a:t>Mosquito Data (</a:t>
-            </a:r>
-            <a:r>
-              <a:rPr lang="en-US" dirty="0" err="1" smtClean="0"/>
-              <a:t>csv</a:t>
-            </a:r>
-            <a:r>
-              <a:rPr lang="en-US" dirty="0" smtClean="0"/>
-              <a:t>)</a:t>
-            </a:r>
-            <a:endParaRPr lang="en-US" dirty="0"/>
-          </a:p>
-        </p:txBody>
-      </p:sp>
-      <p:sp>
-        <p:nvSpPr>
-          <p:cNvPr id="6" name="Right Arrow 5"/>
-          <p:cNvSpPr/>
-          <p:nvPr/>
-        </p:nvSpPr>
-        <p:spPr>
-          <a:xfrm>
-            <a:off x="2724271" y="2149464"/>
-            <a:ext cx="418980" cy="174625"/>
-          </a:xfrm>
-          <a:prstGeom prst="rightArrow">
-            <a:avLst/>
-          </a:prstGeom>
-          <a:solidFill>
-            <a:srgbClr val="008000"/>
-          </a:solidFill>
-        </p:spPr>
-        <p:style>
-          <a:lnRef idx="1">
-            <a:schemeClr val="accent1"/>
-          </a:lnRef>
-          <a:fillRef idx="3">
-            <a:schemeClr val="accent1"/>
-          </a:fillRef>
-          <a:effectRef idx="2">
-            <a:schemeClr val="accent1"/>
-          </a:effectRef>
-          <a:fontRef idx="minor">
-            <a:schemeClr val="lt1"/>
-          </a:fontRef>
-        </p:style>
-        <p:txBody>
-          <a:bodyPr rtlCol="0" anchor="ctr"/>
-          <a:lstStyle/>
-          <a:p>
-            <a:pPr algn="ctr"/>
-            <a:endParaRPr lang="en-US"/>
-          </a:p>
-        </p:txBody>
-      </p:sp>
-      <p:sp>
-        <p:nvSpPr>
-          <p:cNvPr id="11" name="Rectangle 10"/>
-          <p:cNvSpPr/>
-          <p:nvPr/>
-        </p:nvSpPr>
-        <p:spPr>
-          <a:xfrm>
-            <a:off x="3327522" y="1903399"/>
-            <a:ext cx="1165103" cy="714376"/>
-          </a:xfrm>
-          <a:prstGeom prst="rect">
-            <a:avLst/>
-          </a:prstGeom>
-        </p:spPr>
-        <p:style>
-          <a:lnRef idx="1">
-            <a:schemeClr val="accent1"/>
-          </a:lnRef>
-          <a:fillRef idx="3">
-            <a:schemeClr val="accent1"/>
-          </a:fillRef>
-          <a:effectRef idx="2">
-            <a:schemeClr val="accent1"/>
-          </a:effectRef>
-          <a:fontRef idx="minor">
-            <a:schemeClr val="lt1"/>
-          </a:fontRef>
-        </p:style>
-        <p:txBody>
-          <a:bodyPr rtlCol="0" anchor="ctr"/>
-          <a:lstStyle/>
-          <a:p>
-            <a:pPr algn="ctr"/>
-            <a:r>
-              <a:rPr lang="en-US" dirty="0" smtClean="0"/>
-              <a:t>Relevant Features</a:t>
-            </a:r>
-            <a:endParaRPr lang="en-US" dirty="0"/>
-          </a:p>
-        </p:txBody>
-      </p:sp>
-      <p:sp>
-        <p:nvSpPr>
-          <p:cNvPr id="12" name="Right Arrow 11"/>
-          <p:cNvSpPr/>
-          <p:nvPr/>
-        </p:nvSpPr>
-        <p:spPr>
-          <a:xfrm>
-            <a:off x="2724271" y="3397241"/>
-            <a:ext cx="418980" cy="174625"/>
-          </a:xfrm>
-          <a:prstGeom prst="rightArrow">
-            <a:avLst/>
-          </a:prstGeom>
-          <a:solidFill>
-            <a:srgbClr val="008000"/>
-          </a:solidFill>
-        </p:spPr>
-        <p:style>
-          <a:lnRef idx="1">
-            <a:schemeClr val="accent1"/>
-          </a:lnRef>
-          <a:fillRef idx="3">
-            <a:schemeClr val="accent1"/>
-          </a:fillRef>
-          <a:effectRef idx="2">
-            <a:schemeClr val="accent1"/>
-          </a:effectRef>
-          <a:fontRef idx="minor">
-            <a:schemeClr val="lt1"/>
-          </a:fontRef>
-        </p:style>
-        <p:txBody>
-          <a:bodyPr rtlCol="0" anchor="ctr"/>
-          <a:lstStyle/>
-          <a:p>
-            <a:pPr algn="ctr"/>
-            <a:endParaRPr lang="en-US"/>
-          </a:p>
-        </p:txBody>
-      </p:sp>
-      <p:sp>
-        <p:nvSpPr>
-          <p:cNvPr id="13" name="Rectangle 12"/>
-          <p:cNvSpPr/>
-          <p:nvPr/>
-        </p:nvSpPr>
-        <p:spPr>
-          <a:xfrm>
-            <a:off x="3327522" y="3151176"/>
-            <a:ext cx="1165103" cy="714376"/>
-          </a:xfrm>
-          <a:prstGeom prst="rect">
-            <a:avLst/>
-          </a:prstGeom>
-        </p:spPr>
-        <p:style>
-          <a:lnRef idx="1">
-            <a:schemeClr val="accent1"/>
-          </a:lnRef>
-          <a:fillRef idx="3">
-            <a:schemeClr val="accent1"/>
-          </a:fillRef>
-          <a:effectRef idx="2">
-            <a:schemeClr val="accent1"/>
-          </a:effectRef>
-          <a:fontRef idx="minor">
-            <a:schemeClr val="lt1"/>
-          </a:fontRef>
-        </p:style>
-        <p:txBody>
-          <a:bodyPr rtlCol="0" anchor="ctr"/>
-          <a:lstStyle/>
-          <a:p>
-            <a:pPr algn="ctr"/>
-            <a:r>
-              <a:rPr lang="en-US" dirty="0" smtClean="0"/>
-              <a:t>Relevant Features</a:t>
-            </a:r>
-            <a:endParaRPr lang="en-US" dirty="0"/>
-          </a:p>
-        </p:txBody>
-      </p:sp>
-      <p:cxnSp>
-        <p:nvCxnSpPr>
-          <p:cNvPr id="8" name="Straight Arrow Connector 7"/>
-          <p:cNvCxnSpPr/>
-          <p:nvPr/>
-        </p:nvCxnSpPr>
-        <p:spPr>
-          <a:xfrm>
-            <a:off x="4603750" y="2324089"/>
-            <a:ext cx="762000" cy="293686"/>
-          </a:xfrm>
-          <a:prstGeom prst="straightConnector1">
-            <a:avLst/>
-          </a:prstGeom>
-          <a:ln>
-            <a:tailEnd type="arrow"/>
-          </a:ln>
-        </p:spPr>
-        <p:style>
-          <a:lnRef idx="2">
-            <a:schemeClr val="accent1"/>
-          </a:lnRef>
-          <a:fillRef idx="0">
-            <a:schemeClr val="accent1"/>
-          </a:fillRef>
-          <a:effectRef idx="1">
-            <a:schemeClr val="accent1"/>
-          </a:effectRef>
-          <a:fontRef idx="minor">
-            <a:schemeClr val="tx1"/>
-          </a:fontRef>
-        </p:style>
-      </p:cxnSp>
-      <p:cxnSp>
-        <p:nvCxnSpPr>
-          <p:cNvPr id="16" name="Straight Arrow Connector 15"/>
-          <p:cNvCxnSpPr/>
-          <p:nvPr/>
-        </p:nvCxnSpPr>
-        <p:spPr>
-          <a:xfrm flipV="1">
-            <a:off x="4603750" y="3151176"/>
-            <a:ext cx="762000" cy="420690"/>
-          </a:xfrm>
-          <a:prstGeom prst="straightConnector1">
-            <a:avLst/>
-          </a:prstGeom>
-          <a:ln>
-            <a:tailEnd type="arrow"/>
-          </a:ln>
-        </p:spPr>
-        <p:style>
-          <a:lnRef idx="2">
-            <a:schemeClr val="accent1"/>
-          </a:lnRef>
-          <a:fillRef idx="0">
-            <a:schemeClr val="accent1"/>
-          </a:fillRef>
-          <a:effectRef idx="1">
-            <a:schemeClr val="accent1"/>
-          </a:effectRef>
-          <a:fontRef idx="minor">
-            <a:schemeClr val="tx1"/>
-          </a:fontRef>
-        </p:style>
-      </p:cxnSp>
-      <p:sp>
-        <p:nvSpPr>
-          <p:cNvPr id="20" name="Rectangle 19"/>
-          <p:cNvSpPr/>
-          <p:nvPr/>
-        </p:nvSpPr>
-        <p:spPr>
-          <a:xfrm>
-            <a:off x="5524500" y="2324089"/>
-            <a:ext cx="1615955" cy="1111250"/>
-          </a:xfrm>
-          <a:prstGeom prst="rect">
-            <a:avLst/>
-          </a:prstGeom>
-        </p:spPr>
-        <p:style>
-          <a:lnRef idx="1">
-            <a:schemeClr val="accent1"/>
-          </a:lnRef>
-          <a:fillRef idx="3">
-            <a:schemeClr val="accent1"/>
-          </a:fillRef>
-          <a:effectRef idx="2">
-            <a:schemeClr val="accent1"/>
-          </a:effectRef>
-          <a:fontRef idx="minor">
-            <a:schemeClr val="lt1"/>
-          </a:fontRef>
-        </p:style>
-        <p:txBody>
-          <a:bodyPr rtlCol="0" anchor="ctr"/>
-          <a:lstStyle/>
-          <a:p>
-            <a:pPr algn="ctr"/>
-            <a:r>
-              <a:rPr lang="en-US" dirty="0" smtClean="0"/>
-              <a:t>Combined Data</a:t>
-            </a:r>
-            <a:endParaRPr lang="en-US" dirty="0"/>
-          </a:p>
-        </p:txBody>
-      </p:sp>
-      <p:sp>
-        <p:nvSpPr>
-          <p:cNvPr id="17" name="Down Arrow 16"/>
-          <p:cNvSpPr/>
-          <p:nvPr/>
-        </p:nvSpPr>
-        <p:spPr>
-          <a:xfrm>
-            <a:off x="6235580" y="3541701"/>
-            <a:ext cx="317500" cy="1092199"/>
-          </a:xfrm>
-          <a:prstGeom prst="downArrow">
-            <a:avLst/>
-          </a:prstGeom>
-          <a:solidFill>
-            <a:srgbClr val="008000"/>
-          </a:solidFill>
-        </p:spPr>
-        <p:style>
-          <a:lnRef idx="1">
-            <a:schemeClr val="accent1"/>
-          </a:lnRef>
-          <a:fillRef idx="3">
-            <a:schemeClr val="accent1"/>
-          </a:fillRef>
-          <a:effectRef idx="2">
-            <a:schemeClr val="accent1"/>
-          </a:effectRef>
-          <a:fontRef idx="minor">
-            <a:schemeClr val="lt1"/>
-          </a:fontRef>
-        </p:style>
-        <p:txBody>
-          <a:bodyPr rtlCol="0" anchor="ctr"/>
-          <a:lstStyle/>
-          <a:p>
-            <a:pPr algn="ctr"/>
-            <a:endParaRPr lang="en-US"/>
-          </a:p>
-        </p:txBody>
-      </p:sp>
-      <p:sp>
-        <p:nvSpPr>
-          <p:cNvPr id="18" name="TextBox 17"/>
-          <p:cNvSpPr txBox="1"/>
-          <p:nvPr/>
-        </p:nvSpPr>
-        <p:spPr>
-          <a:xfrm>
-            <a:off x="6605449" y="3571866"/>
-            <a:ext cx="1070012" cy="923330"/>
-          </a:xfrm>
-          <a:prstGeom prst="rect">
-            <a:avLst/>
-          </a:prstGeom>
-          <a:noFill/>
-        </p:spPr>
-        <p:txBody>
-          <a:bodyPr wrap="none" rtlCol="0">
-            <a:spAutoFit/>
-          </a:bodyPr>
-          <a:lstStyle/>
-          <a:p>
-            <a:pPr algn="ctr"/>
-            <a:r>
-              <a:rPr lang="en-US" dirty="0" smtClean="0"/>
-              <a:t>Imputing</a:t>
-            </a:r>
-          </a:p>
-          <a:p>
-            <a:pPr algn="ctr"/>
-            <a:r>
-              <a:rPr lang="en-US" dirty="0" smtClean="0"/>
-              <a:t>Scaling</a:t>
-            </a:r>
-          </a:p>
-          <a:p>
-            <a:pPr algn="ctr"/>
-            <a:r>
-              <a:rPr lang="en-US" dirty="0" err="1" smtClean="0"/>
-              <a:t>OneHot</a:t>
-            </a:r>
-            <a:endParaRPr lang="en-US" dirty="0"/>
-          </a:p>
-        </p:txBody>
-      </p:sp>
-      <p:sp>
-        <p:nvSpPr>
-          <p:cNvPr id="19" name="Rectangle 18"/>
-          <p:cNvSpPr/>
-          <p:nvPr/>
-        </p:nvSpPr>
-        <p:spPr>
-          <a:xfrm>
-            <a:off x="5524500" y="4822814"/>
-            <a:ext cx="1615955" cy="968376"/>
-          </a:xfrm>
-          <a:prstGeom prst="rect">
-            <a:avLst/>
-          </a:prstGeom>
-        </p:spPr>
-        <p:style>
-          <a:lnRef idx="1">
-            <a:schemeClr val="accent1"/>
-          </a:lnRef>
-          <a:fillRef idx="3">
-            <a:schemeClr val="accent1"/>
-          </a:fillRef>
-          <a:effectRef idx="2">
-            <a:schemeClr val="accent1"/>
-          </a:effectRef>
-          <a:fontRef idx="minor">
-            <a:schemeClr val="lt1"/>
-          </a:fontRef>
-        </p:style>
-        <p:txBody>
-          <a:bodyPr rtlCol="0" anchor="ctr"/>
-          <a:lstStyle/>
-          <a:p>
-            <a:pPr algn="ctr"/>
-            <a:r>
-              <a:rPr lang="en-US" dirty="0" smtClean="0"/>
-              <a:t>Training Set</a:t>
-            </a:r>
-            <a:endParaRPr lang="en-US" dirty="0"/>
-          </a:p>
-        </p:txBody>
-      </p:sp>
-      <p:sp>
-        <p:nvSpPr>
-          <p:cNvPr id="21" name="Left Arrow 20"/>
-          <p:cNvSpPr/>
-          <p:nvPr/>
-        </p:nvSpPr>
-        <p:spPr>
-          <a:xfrm>
-            <a:off x="4143375" y="5138730"/>
-            <a:ext cx="1222375" cy="317500"/>
-          </a:xfrm>
-          <a:prstGeom prst="leftArrow">
-            <a:avLst/>
-          </a:prstGeom>
-          <a:solidFill>
-            <a:srgbClr val="008000"/>
-          </a:solidFill>
-        </p:spPr>
-        <p:style>
-          <a:lnRef idx="1">
-            <a:schemeClr val="accent1"/>
-          </a:lnRef>
-          <a:fillRef idx="3">
-            <a:schemeClr val="accent1"/>
-          </a:fillRef>
-          <a:effectRef idx="2">
-            <a:schemeClr val="accent1"/>
-          </a:effectRef>
-          <a:fontRef idx="minor">
-            <a:schemeClr val="lt1"/>
-          </a:fontRef>
-        </p:style>
-        <p:txBody>
-          <a:bodyPr rtlCol="0" anchor="ctr"/>
-          <a:lstStyle/>
-          <a:p>
-            <a:pPr algn="ctr"/>
-            <a:endParaRPr lang="en-US">
-              <a:solidFill>
-                <a:srgbClr val="008000"/>
-              </a:solidFill>
-            </a:endParaRPr>
-          </a:p>
-        </p:txBody>
-      </p:sp>
-      <p:sp>
-        <p:nvSpPr>
-          <p:cNvPr id="22" name="Oval 21"/>
-          <p:cNvSpPr/>
-          <p:nvPr/>
-        </p:nvSpPr>
-        <p:spPr>
-          <a:xfrm>
-            <a:off x="2008187" y="4526946"/>
-            <a:ext cx="1920877" cy="1552580"/>
-          </a:xfrm>
-          <a:prstGeom prst="ellipse">
-            <a:avLst/>
-          </a:prstGeom>
-          <a:solidFill>
-            <a:srgbClr val="FF0000"/>
-          </a:solidFill>
-        </p:spPr>
-        <p:style>
-          <a:lnRef idx="1">
-            <a:schemeClr val="accent1"/>
-          </a:lnRef>
-          <a:fillRef idx="3">
-            <a:schemeClr val="accent1"/>
-          </a:fillRef>
-          <a:effectRef idx="2">
-            <a:schemeClr val="accent1"/>
-          </a:effectRef>
-          <a:fontRef idx="minor">
-            <a:schemeClr val="lt1"/>
-          </a:fontRef>
-        </p:style>
-        <p:txBody>
-          <a:bodyPr rtlCol="0" anchor="ctr"/>
-          <a:lstStyle/>
-          <a:p>
-            <a:pPr algn="ctr"/>
-            <a:r>
-              <a:rPr lang="en-US" dirty="0" smtClean="0"/>
-              <a:t>Learning Models</a:t>
-            </a:r>
-            <a:endParaRPr lang="en-US" dirty="0"/>
-          </a:p>
-        </p:txBody>
-      </p:sp>
-    </p:spTree>
-  </p:cSld>
-  <p:clrMapOvr>
-    <a:masterClrMapping/>
-  </p:clrMapOvr>
-</p:sld>
-</file>
-
-<file path=ppt/slides/slide8.xml><?xml version="1.0" encoding="utf-8"?>
-<p:sld xmlns:a="http://schemas.openxmlformats.org/drawingml/2006/main" xmlns:r="http://schemas.openxmlformats.org/officeDocument/2006/relationships" xmlns:p="http://schemas.openxmlformats.org/presentationml/2006/main">
-  <p:cSld>
-    <p:spTree>
-      <p:nvGrpSpPr>
-        <p:cNvPr id="1" name=""/>
-        <p:cNvGrpSpPr/>
-        <p:nvPr/>
-      </p:nvGrpSpPr>
-      <p:grpSpPr>
-        <a:xfrm>
-          <a:off x="0" y="0"/>
-          <a:ext cx="0" cy="0"/>
-          <a:chOff x="0" y="0"/>
-          <a:chExt cx="0" cy="0"/>
-        </a:xfrm>
-      </p:grpSpPr>
-      <p:sp>
-        <p:nvSpPr>
-          <p:cNvPr id="100" name="CustomShape 1"/>
-          <p:cNvSpPr/>
-          <p:nvPr/>
-        </p:nvSpPr>
-        <p:spPr>
-          <a:xfrm>
-            <a:off x="372960" y="152280"/>
-            <a:ext cx="6852960" cy="1142640"/>
-          </a:xfrm>
-          <a:prstGeom prst="rect">
-            <a:avLst/>
-          </a:prstGeom>
-          <a:noFill/>
-          <a:ln>
-            <a:noFill/>
-          </a:ln>
-        </p:spPr>
-        <p:txBody>
-          <a:bodyPr lIns="90000" tIns="45000" rIns="90000" bIns="45000" anchor="ctr"/>
-          <a:lstStyle/>
-          <a:p>
-            <a:pPr>
-              <a:lnSpc>
-                <a:spcPct val="150000"/>
-              </a:lnSpc>
-            </a:pPr>
-            <a:r>
-              <a:rPr lang="en-US" sz="3600">
-                <a:solidFill>
-                  <a:srgbClr val="4D4D4D"/>
-                </a:solidFill>
-                <a:latin typeface="Georgia"/>
-                <a:ea typeface="PMingLiU"/>
-              </a:rPr>
-              <a:t>Data Summary</a:t>
-            </a:r>
-            <a:endParaRPr/>
-          </a:p>
-        </p:txBody>
-      </p:sp>
-      <p:sp>
-        <p:nvSpPr>
-          <p:cNvPr id="101" name="TextShape 2"/>
-          <p:cNvSpPr txBox="1"/>
-          <p:nvPr/>
-        </p:nvSpPr>
-        <p:spPr>
-          <a:xfrm>
-            <a:off x="533520" y="1447920"/>
-            <a:ext cx="8229240" cy="4419360"/>
-          </a:xfrm>
-          <a:prstGeom prst="rect">
-            <a:avLst/>
-          </a:prstGeom>
-        </p:spPr>
-        <p:txBody>
-          <a:bodyPr/>
-          <a:lstStyle/>
-          <a:p>
-            <a:endParaRPr/>
-          </a:p>
-        </p:txBody>
-      </p:sp>
-      <p:sp>
-        <p:nvSpPr>
-          <p:cNvPr id="102" name="TextShape 3"/>
-          <p:cNvSpPr txBox="1"/>
-          <p:nvPr/>
-        </p:nvSpPr>
-        <p:spPr>
-          <a:xfrm>
-            <a:off x="6553080" y="6245280"/>
-            <a:ext cx="2133360" cy="475920"/>
-          </a:xfrm>
-          <a:prstGeom prst="rect">
-            <a:avLst/>
-          </a:prstGeom>
-        </p:spPr>
-        <p:txBody>
-          <a:bodyPr/>
-          <a:lstStyle/>
-          <a:p>
-            <a:pPr>
-              <a:lnSpc>
-                <a:spcPct val="100000"/>
-              </a:lnSpc>
-            </a:pPr>
-            <a:fld id="{E39EB270-8C4C-45C0-864C-7E8EE4FA0020}" type="slidenum">
-              <a:rPr lang="en-US" sz="1400">
-                <a:solidFill>
-                  <a:srgbClr val="000000"/>
-                </a:solidFill>
-                <a:latin typeface="Arial"/>
-                <a:ea typeface="PMingLiU"/>
-              </a:rPr>
-              <a:t>8</a:t>
-            </a:fld>
-            <a:endParaRPr/>
-          </a:p>
-        </p:txBody>
-      </p:sp>
-      <p:sp>
-        <p:nvSpPr>
-          <p:cNvPr id="2" name="TextBox 1"/>
-          <p:cNvSpPr txBox="1"/>
-          <p:nvPr/>
-        </p:nvSpPr>
-        <p:spPr>
-          <a:xfrm>
-            <a:off x="682625" y="1762125"/>
-            <a:ext cx="7747000" cy="3970318"/>
-          </a:xfrm>
-          <a:prstGeom prst="rect">
-            <a:avLst/>
-          </a:prstGeom>
-          <a:noFill/>
-        </p:spPr>
-        <p:txBody>
-          <a:bodyPr wrap="square" rtlCol="0">
-            <a:spAutoFit/>
-          </a:bodyPr>
-          <a:lstStyle/>
-          <a:p>
-            <a:pPr marL="457200" indent="-457200">
-              <a:buFont typeface="Arial"/>
-              <a:buChar char="•"/>
-            </a:pPr>
-            <a:r>
-              <a:rPr lang="en-US" sz="2800" dirty="0" smtClean="0"/>
-              <a:t>Imbalanced training data</a:t>
-            </a:r>
-          </a:p>
-          <a:p>
-            <a:pPr marL="914400" lvl="1" indent="-457200">
-              <a:buFont typeface="Courier New"/>
-              <a:buChar char="o"/>
-            </a:pPr>
-            <a:r>
-              <a:rPr lang="en-US" sz="2800" dirty="0" smtClean="0"/>
-              <a:t>10,506 samples</a:t>
-            </a:r>
-          </a:p>
-          <a:p>
-            <a:pPr marL="914400" lvl="1" indent="-457200">
-              <a:buFont typeface="Courier New"/>
-              <a:buChar char="o"/>
-            </a:pPr>
-            <a:r>
-              <a:rPr lang="en-US" sz="2800" dirty="0" smtClean="0"/>
-              <a:t>~5% WNV present</a:t>
-            </a:r>
-          </a:p>
-          <a:p>
-            <a:pPr marL="914400" lvl="1" indent="-457200">
-              <a:buFont typeface="Courier New"/>
-              <a:buChar char="o"/>
-            </a:pPr>
-            <a:r>
-              <a:rPr lang="en-US" sz="2800" dirty="0" smtClean="0"/>
-              <a:t>~95% not present</a:t>
-            </a:r>
-          </a:p>
-          <a:p>
-            <a:pPr marL="285750" indent="-285750">
-              <a:buFont typeface="Arial"/>
-              <a:buChar char="•"/>
-            </a:pPr>
-            <a:endParaRPr lang="en-US" sz="2800" dirty="0" smtClean="0"/>
-          </a:p>
-          <a:p>
-            <a:pPr marL="285750" indent="-285750">
-              <a:buFont typeface="Arial"/>
-              <a:buChar char="•"/>
-            </a:pPr>
-            <a:r>
-              <a:rPr lang="en-US" sz="2800" dirty="0" smtClean="0"/>
-              <a:t>Features from 2 given sources:</a:t>
-            </a:r>
-          </a:p>
-          <a:p>
-            <a:pPr marL="914400" lvl="1" indent="-457200">
-              <a:buFont typeface="Courier New"/>
-              <a:buChar char="o"/>
-            </a:pPr>
-            <a:r>
-              <a:rPr lang="en-US" sz="2800" dirty="0" smtClean="0"/>
-              <a:t>Weather data</a:t>
-            </a:r>
-          </a:p>
-          <a:p>
-            <a:pPr marL="914400" lvl="1" indent="-457200">
-              <a:buFont typeface="Courier New"/>
-              <a:buChar char="o"/>
-            </a:pPr>
-            <a:r>
-              <a:rPr lang="en-US" sz="2800" dirty="0" smtClean="0"/>
-              <a:t>Mosquito data</a:t>
-            </a:r>
-          </a:p>
-          <a:p>
-            <a:pPr marL="457200" indent="-457200">
-              <a:buFont typeface="Arial"/>
-              <a:buChar char="•"/>
-            </a:pPr>
-            <a:endParaRPr lang="en-US" sz="2800" dirty="0"/>
-          </a:p>
-        </p:txBody>
-      </p:sp>
-    </p:spTree>
-  </p:cSld>
-  <p:clrMapOvr>
-    <a:masterClrMapping/>
-  </p:clrMapOvr>
-</p:sld>
-</file>
-
-<file path=ppt/slides/slide9.xml><?xml version="1.0" encoding="utf-8"?>
-<p:sld xmlns:a="http://schemas.openxmlformats.org/drawingml/2006/main" xmlns:r="http://schemas.openxmlformats.org/officeDocument/2006/relationships" xmlns:p="http://schemas.openxmlformats.org/presentationml/2006/main">
-  <p:cSld>
-    <p:spTree>
-      <p:nvGrpSpPr>
-        <p:cNvPr id="1" name=""/>
-        <p:cNvGrpSpPr/>
-        <p:nvPr/>
-      </p:nvGrpSpPr>
-      <p:grpSpPr>
-        <a:xfrm>
-          <a:off x="0" y="0"/>
-          <a:ext cx="0" cy="0"/>
-          <a:chOff x="0" y="0"/>
-          <a:chExt cx="0" cy="0"/>
-        </a:xfrm>
-      </p:grpSpPr>
-      <p:sp>
-        <p:nvSpPr>
-          <p:cNvPr id="103" name="CustomShape 1"/>
-          <p:cNvSpPr/>
-          <p:nvPr/>
-        </p:nvSpPr>
-        <p:spPr>
-          <a:xfrm>
-            <a:off x="372960" y="152280"/>
-            <a:ext cx="6852960" cy="1142640"/>
-          </a:xfrm>
-          <a:prstGeom prst="rect">
-            <a:avLst/>
-          </a:prstGeom>
-          <a:noFill/>
-          <a:ln>
-            <a:noFill/>
-          </a:ln>
-        </p:spPr>
-        <p:txBody>
-          <a:bodyPr lIns="90000" tIns="45000" rIns="90000" bIns="45000" anchor="ctr"/>
-          <a:lstStyle/>
-          <a:p>
-            <a:pPr>
-              <a:lnSpc>
-                <a:spcPct val="150000"/>
-              </a:lnSpc>
-            </a:pPr>
-            <a:r>
-              <a:rPr lang="en-US" sz="3600">
-                <a:solidFill>
-                  <a:srgbClr val="4D4D4D"/>
-                </a:solidFill>
-                <a:latin typeface="Georgia"/>
-                <a:ea typeface="PMingLiU"/>
-              </a:rPr>
-              <a:t>Experimental Results</a:t>
-            </a:r>
-            <a:endParaRPr/>
-          </a:p>
-        </p:txBody>
-      </p:sp>
-      <p:sp>
-        <p:nvSpPr>
-          <p:cNvPr id="104" name="TextShape 2"/>
-          <p:cNvSpPr txBox="1"/>
-          <p:nvPr/>
-        </p:nvSpPr>
-        <p:spPr>
-          <a:xfrm>
-            <a:off x="533520" y="1447920"/>
-            <a:ext cx="8229240" cy="4419360"/>
-          </a:xfrm>
-          <a:prstGeom prst="rect">
-            <a:avLst/>
-          </a:prstGeom>
-        </p:spPr>
-        <p:txBody>
-          <a:bodyPr/>
-          <a:lstStyle/>
-          <a:p>
-            <a:endParaRPr/>
-          </a:p>
-        </p:txBody>
-      </p:sp>
-      <p:sp>
-        <p:nvSpPr>
-          <p:cNvPr id="105" name="TextShape 3"/>
-          <p:cNvSpPr txBox="1"/>
-          <p:nvPr/>
-        </p:nvSpPr>
-        <p:spPr>
-          <a:xfrm>
-            <a:off x="6553080" y="6245280"/>
-            <a:ext cx="2133360" cy="475920"/>
-          </a:xfrm>
-          <a:prstGeom prst="rect">
-            <a:avLst/>
-          </a:prstGeom>
-        </p:spPr>
-        <p:txBody>
-          <a:bodyPr/>
-          <a:lstStyle/>
-          <a:p>
-            <a:pPr>
-              <a:lnSpc>
-                <a:spcPct val="100000"/>
-              </a:lnSpc>
-            </a:pPr>
-            <a:fld id="{E800505D-9946-4BB5-9E4C-947CE4D9E534}" type="slidenum">
-              <a:rPr lang="en-US" sz="1400">
-                <a:solidFill>
-                  <a:srgbClr val="000000"/>
-                </a:solidFill>
-                <a:latin typeface="Arial"/>
-                <a:ea typeface="PMingLiU"/>
-              </a:rPr>
-              <a:t>9</a:t>
             </a:fld>
             <a:endParaRPr/>
           </a:p>
@@ -7856,6 +5309,2829 @@
           </a:graphicData>
         </a:graphic>
       </p:graphicFrame>
+    </p:spTree>
+  </p:cSld>
+  <p:clrMapOvr>
+    <a:masterClrMapping/>
+  </p:clrMapOvr>
+</p:sld>
+</file>
+
+<file path=ppt/slides/slide11.xml><?xml version="1.0" encoding="utf-8"?>
+<p:sld xmlns:a="http://schemas.openxmlformats.org/drawingml/2006/main" xmlns:r="http://schemas.openxmlformats.org/officeDocument/2006/relationships" xmlns:p="http://schemas.openxmlformats.org/presentationml/2006/main">
+  <p:cSld>
+    <p:spTree>
+      <p:nvGrpSpPr>
+        <p:cNvPr id="1" name=""/>
+        <p:cNvGrpSpPr/>
+        <p:nvPr/>
+      </p:nvGrpSpPr>
+      <p:grpSpPr>
+        <a:xfrm>
+          <a:off x="0" y="0"/>
+          <a:ext cx="0" cy="0"/>
+          <a:chOff x="0" y="0"/>
+          <a:chExt cx="0" cy="0"/>
+        </a:xfrm>
+      </p:grpSpPr>
+      <p:sp>
+        <p:nvSpPr>
+          <p:cNvPr id="106" name="CustomShape 1"/>
+          <p:cNvSpPr/>
+          <p:nvPr/>
+        </p:nvSpPr>
+        <p:spPr>
+          <a:xfrm>
+            <a:off x="372960" y="152280"/>
+            <a:ext cx="6852960" cy="1142640"/>
+          </a:xfrm>
+          <a:prstGeom prst="rect">
+            <a:avLst/>
+          </a:prstGeom>
+          <a:noFill/>
+          <a:ln>
+            <a:noFill/>
+          </a:ln>
+        </p:spPr>
+        <p:txBody>
+          <a:bodyPr lIns="90000" tIns="45000" rIns="90000" bIns="45000" anchor="ctr"/>
+          <a:lstStyle/>
+          <a:p>
+            <a:pPr>
+              <a:lnSpc>
+                <a:spcPct val="150000"/>
+              </a:lnSpc>
+            </a:pPr>
+            <a:r>
+              <a:rPr lang="en-US" sz="3600">
+                <a:solidFill>
+                  <a:srgbClr val="4D4D4D"/>
+                </a:solidFill>
+                <a:latin typeface="Georgia"/>
+                <a:ea typeface="PMingLiU"/>
+              </a:rPr>
+              <a:t>Experimental Analysis</a:t>
+            </a:r>
+            <a:endParaRPr/>
+          </a:p>
+        </p:txBody>
+      </p:sp>
+      <p:sp>
+        <p:nvSpPr>
+          <p:cNvPr id="107" name="TextShape 2"/>
+          <p:cNvSpPr txBox="1"/>
+          <p:nvPr/>
+        </p:nvSpPr>
+        <p:spPr>
+          <a:xfrm>
+            <a:off x="533520" y="1447920"/>
+            <a:ext cx="8229240" cy="4419360"/>
+          </a:xfrm>
+          <a:prstGeom prst="rect">
+            <a:avLst/>
+          </a:prstGeom>
+        </p:spPr>
+        <p:txBody>
+          <a:bodyPr/>
+          <a:lstStyle/>
+          <a:p>
+            <a:endParaRPr/>
+          </a:p>
+        </p:txBody>
+      </p:sp>
+      <p:sp>
+        <p:nvSpPr>
+          <p:cNvPr id="108" name="TextShape 3"/>
+          <p:cNvSpPr txBox="1"/>
+          <p:nvPr/>
+        </p:nvSpPr>
+        <p:spPr>
+          <a:xfrm>
+            <a:off x="6553080" y="6245280"/>
+            <a:ext cx="2133360" cy="475920"/>
+          </a:xfrm>
+          <a:prstGeom prst="rect">
+            <a:avLst/>
+          </a:prstGeom>
+        </p:spPr>
+        <p:txBody>
+          <a:bodyPr/>
+          <a:lstStyle/>
+          <a:p>
+            <a:pPr>
+              <a:lnSpc>
+                <a:spcPct val="100000"/>
+              </a:lnSpc>
+            </a:pPr>
+            <a:fld id="{AC9106D0-2718-497D-832B-11578C3EEFC2}" type="slidenum">
+              <a:rPr lang="en-US" sz="1400">
+                <a:solidFill>
+                  <a:srgbClr val="000000"/>
+                </a:solidFill>
+                <a:latin typeface="Arial"/>
+                <a:ea typeface="PMingLiU"/>
+              </a:rPr>
+              <a:t>11</a:t>
+            </a:fld>
+            <a:endParaRPr/>
+          </a:p>
+        </p:txBody>
+      </p:sp>
+      <p:pic>
+        <p:nvPicPr>
+          <p:cNvPr id="7" name="Picture 6" descr="Class_vs_num_mos.png"/>
+          <p:cNvPicPr>
+            <a:picLocks noChangeAspect="1"/>
+          </p:cNvPicPr>
+          <p:nvPr/>
+        </p:nvPicPr>
+        <p:blipFill>
+          <a:blip r:embed="rId3">
+            <a:extLst>
+              <a:ext uri="{28A0092B-C50C-407E-A947-70E740481C1C}">
+                <a14:useLocalDpi xmlns:a14="http://schemas.microsoft.com/office/drawing/2010/main" val="0"/>
+              </a:ext>
+            </a:extLst>
+          </a:blip>
+          <a:stretch>
+            <a:fillRect/>
+          </a:stretch>
+        </p:blipFill>
+        <p:spPr>
+          <a:xfrm>
+            <a:off x="1508125" y="1506593"/>
+            <a:ext cx="6318249" cy="4738687"/>
+          </a:xfrm>
+          <a:prstGeom prst="rect">
+            <a:avLst/>
+          </a:prstGeom>
+        </p:spPr>
+      </p:pic>
+    </p:spTree>
+  </p:cSld>
+  <p:clrMapOvr>
+    <a:masterClrMapping/>
+  </p:clrMapOvr>
+</p:sld>
+</file>
+
+<file path=ppt/slides/slide12.xml><?xml version="1.0" encoding="utf-8"?>
+<p:sld xmlns:a="http://schemas.openxmlformats.org/drawingml/2006/main" xmlns:r="http://schemas.openxmlformats.org/officeDocument/2006/relationships" xmlns:p="http://schemas.openxmlformats.org/presentationml/2006/main">
+  <p:cSld>
+    <p:spTree>
+      <p:nvGrpSpPr>
+        <p:cNvPr id="1" name=""/>
+        <p:cNvGrpSpPr/>
+        <p:nvPr/>
+      </p:nvGrpSpPr>
+      <p:grpSpPr>
+        <a:xfrm>
+          <a:off x="0" y="0"/>
+          <a:ext cx="0" cy="0"/>
+          <a:chOff x="0" y="0"/>
+          <a:chExt cx="0" cy="0"/>
+        </a:xfrm>
+      </p:grpSpPr>
+      <p:sp>
+        <p:nvSpPr>
+          <p:cNvPr id="109" name="CustomShape 1"/>
+          <p:cNvSpPr/>
+          <p:nvPr/>
+        </p:nvSpPr>
+        <p:spPr>
+          <a:xfrm>
+            <a:off x="372960" y="152280"/>
+            <a:ext cx="6852960" cy="1142640"/>
+          </a:xfrm>
+          <a:prstGeom prst="rect">
+            <a:avLst/>
+          </a:prstGeom>
+          <a:noFill/>
+          <a:ln>
+            <a:noFill/>
+          </a:ln>
+        </p:spPr>
+        <p:txBody>
+          <a:bodyPr lIns="90000" tIns="45000" rIns="90000" bIns="45000" anchor="ctr"/>
+          <a:lstStyle/>
+          <a:p>
+            <a:pPr>
+              <a:lnSpc>
+                <a:spcPct val="100000"/>
+              </a:lnSpc>
+            </a:pPr>
+            <a:r>
+              <a:rPr lang="en-US" sz="3600">
+                <a:solidFill>
+                  <a:srgbClr val="4D4D4D"/>
+                </a:solidFill>
+                <a:latin typeface="Georgia"/>
+                <a:ea typeface="新細明體"/>
+              </a:rPr>
+              <a:t>Conclusion and Future Work</a:t>
+            </a:r>
+            <a:endParaRPr/>
+          </a:p>
+        </p:txBody>
+      </p:sp>
+      <p:sp>
+        <p:nvSpPr>
+          <p:cNvPr id="110" name="CustomShape 2"/>
+          <p:cNvSpPr/>
+          <p:nvPr/>
+        </p:nvSpPr>
+        <p:spPr>
+          <a:xfrm>
+            <a:off x="9360" y="1752480"/>
+            <a:ext cx="9067320" cy="3809520"/>
+          </a:xfrm>
+          <a:prstGeom prst="rect">
+            <a:avLst/>
+          </a:prstGeom>
+          <a:noFill/>
+          <a:ln>
+            <a:noFill/>
+          </a:ln>
+        </p:spPr>
+        <p:txBody>
+          <a:bodyPr/>
+          <a:lstStyle/>
+          <a:p>
+            <a:endParaRPr lang="en-US" dirty="0"/>
+          </a:p>
+        </p:txBody>
+      </p:sp>
+      <p:sp>
+        <p:nvSpPr>
+          <p:cNvPr id="111" name="TextShape 3"/>
+          <p:cNvSpPr txBox="1"/>
+          <p:nvPr/>
+        </p:nvSpPr>
+        <p:spPr>
+          <a:xfrm>
+            <a:off x="6553080" y="6245280"/>
+            <a:ext cx="2133360" cy="475920"/>
+          </a:xfrm>
+          <a:prstGeom prst="rect">
+            <a:avLst/>
+          </a:prstGeom>
+        </p:spPr>
+        <p:txBody>
+          <a:bodyPr/>
+          <a:lstStyle/>
+          <a:p>
+            <a:pPr>
+              <a:lnSpc>
+                <a:spcPct val="100000"/>
+              </a:lnSpc>
+            </a:pPr>
+            <a:fld id="{43D1DB95-641F-4FB7-986C-9EC92CD27E4E}" type="slidenum">
+              <a:rPr lang="en-US" sz="1400">
+                <a:solidFill>
+                  <a:srgbClr val="000000"/>
+                </a:solidFill>
+                <a:latin typeface="Arial"/>
+                <a:ea typeface="PMingLiU"/>
+              </a:rPr>
+              <a:t>12</a:t>
+            </a:fld>
+            <a:endParaRPr/>
+          </a:p>
+        </p:txBody>
+      </p:sp>
+      <p:sp>
+        <p:nvSpPr>
+          <p:cNvPr id="4" name="TextBox 3"/>
+          <p:cNvSpPr txBox="1"/>
+          <p:nvPr/>
+        </p:nvSpPr>
+        <p:spPr>
+          <a:xfrm>
+            <a:off x="372960" y="2016125"/>
+            <a:ext cx="8313480" cy="3323987"/>
+          </a:xfrm>
+          <a:prstGeom prst="rect">
+            <a:avLst/>
+          </a:prstGeom>
+          <a:noFill/>
+        </p:spPr>
+        <p:txBody>
+          <a:bodyPr wrap="square" rtlCol="0">
+            <a:spAutoFit/>
+          </a:bodyPr>
+          <a:lstStyle/>
+          <a:p>
+            <a:pPr marL="285750" indent="-285750">
+              <a:buFont typeface="Arial"/>
+              <a:buChar char="•"/>
+            </a:pPr>
+            <a:r>
+              <a:rPr lang="en-US" sz="2400" dirty="0" smtClean="0"/>
+              <a:t>Predict number of mosquitos per trap, as it is a good indicator of WNV present</a:t>
+            </a:r>
+          </a:p>
+          <a:p>
+            <a:endParaRPr lang="en-US" sz="2400" dirty="0" smtClean="0"/>
+          </a:p>
+          <a:p>
+            <a:pPr marL="285750" indent="-285750">
+              <a:buFont typeface="Arial"/>
+              <a:buChar char="•"/>
+            </a:pPr>
+            <a:r>
+              <a:rPr lang="en-US" sz="2400" dirty="0" smtClean="0"/>
+              <a:t>Use a </a:t>
+            </a:r>
+            <a:r>
+              <a:rPr lang="en-US" sz="2400" dirty="0" err="1" smtClean="0"/>
+              <a:t>Hellinger</a:t>
+            </a:r>
+            <a:r>
+              <a:rPr lang="en-US" sz="2400" dirty="0" smtClean="0"/>
+              <a:t> distance based decision tree to do classification</a:t>
+            </a:r>
+          </a:p>
+          <a:p>
+            <a:pPr marL="285750" indent="-285750">
+              <a:buFont typeface="Arial"/>
+              <a:buChar char="•"/>
+            </a:pPr>
+            <a:endParaRPr lang="en-US" sz="2400" dirty="0" smtClean="0"/>
+          </a:p>
+          <a:p>
+            <a:pPr marL="342900" indent="-342900">
+              <a:buFont typeface="Arial"/>
+              <a:buChar char="•"/>
+            </a:pPr>
+            <a:r>
+              <a:rPr lang="en-US" sz="2400" dirty="0" smtClean="0"/>
+              <a:t>Find prior probability of a certain species of mosquito containing WNV</a:t>
+            </a:r>
+          </a:p>
+          <a:p>
+            <a:endParaRPr lang="en-US" dirty="0" smtClean="0"/>
+          </a:p>
+        </p:txBody>
+      </p:sp>
+    </p:spTree>
+  </p:cSld>
+  <p:clrMapOvr>
+    <a:masterClrMapping/>
+  </p:clrMapOvr>
+</p:sld>
+</file>
+
+<file path=ppt/slides/slide13.xml><?xml version="1.0" encoding="utf-8"?>
+<p:sld xmlns:a="http://schemas.openxmlformats.org/drawingml/2006/main" xmlns:r="http://schemas.openxmlformats.org/officeDocument/2006/relationships" xmlns:p="http://schemas.openxmlformats.org/presentationml/2006/main">
+  <p:cSld>
+    <p:spTree>
+      <p:nvGrpSpPr>
+        <p:cNvPr id="1" name=""/>
+        <p:cNvGrpSpPr/>
+        <p:nvPr/>
+      </p:nvGrpSpPr>
+      <p:grpSpPr>
+        <a:xfrm>
+          <a:off x="0" y="0"/>
+          <a:ext cx="0" cy="0"/>
+          <a:chOff x="0" y="0"/>
+          <a:chExt cx="0" cy="0"/>
+        </a:xfrm>
+      </p:grpSpPr>
+      <p:sp>
+        <p:nvSpPr>
+          <p:cNvPr id="112" name="CustomShape 1"/>
+          <p:cNvSpPr/>
+          <p:nvPr/>
+        </p:nvSpPr>
+        <p:spPr>
+          <a:xfrm>
+            <a:off x="372960" y="152280"/>
+            <a:ext cx="6852960" cy="1142640"/>
+          </a:xfrm>
+          <a:prstGeom prst="rect">
+            <a:avLst/>
+          </a:prstGeom>
+          <a:noFill/>
+          <a:ln>
+            <a:noFill/>
+          </a:ln>
+        </p:spPr>
+        <p:txBody>
+          <a:bodyPr lIns="90000" tIns="45000" rIns="90000" bIns="45000" anchor="ctr"/>
+          <a:lstStyle/>
+          <a:p>
+            <a:pPr>
+              <a:lnSpc>
+                <a:spcPct val="100000"/>
+              </a:lnSpc>
+            </a:pPr>
+            <a:r>
+              <a:rPr lang="en-US" sz="3600">
+                <a:solidFill>
+                  <a:srgbClr val="4D4D4D"/>
+                </a:solidFill>
+                <a:latin typeface="Georgia"/>
+                <a:ea typeface="新細明體"/>
+              </a:rPr>
+              <a:t>References</a:t>
+            </a:r>
+            <a:endParaRPr/>
+          </a:p>
+        </p:txBody>
+      </p:sp>
+      <p:sp>
+        <p:nvSpPr>
+          <p:cNvPr id="113" name="CustomShape 2"/>
+          <p:cNvSpPr/>
+          <p:nvPr/>
+        </p:nvSpPr>
+        <p:spPr>
+          <a:xfrm>
+            <a:off x="9360" y="1752480"/>
+            <a:ext cx="9067320" cy="3809520"/>
+          </a:xfrm>
+          <a:prstGeom prst="rect">
+            <a:avLst/>
+          </a:prstGeom>
+          <a:noFill/>
+          <a:ln>
+            <a:noFill/>
+          </a:ln>
+        </p:spPr>
+      </p:sp>
+      <p:sp>
+        <p:nvSpPr>
+          <p:cNvPr id="114" name="TextShape 3"/>
+          <p:cNvSpPr txBox="1"/>
+          <p:nvPr/>
+        </p:nvSpPr>
+        <p:spPr>
+          <a:xfrm>
+            <a:off x="6553080" y="6245280"/>
+            <a:ext cx="2133360" cy="475920"/>
+          </a:xfrm>
+          <a:prstGeom prst="rect">
+            <a:avLst/>
+          </a:prstGeom>
+        </p:spPr>
+        <p:txBody>
+          <a:bodyPr/>
+          <a:lstStyle/>
+          <a:p>
+            <a:pPr>
+              <a:lnSpc>
+                <a:spcPct val="100000"/>
+              </a:lnSpc>
+            </a:pPr>
+            <a:fld id="{067B7E74-0710-4D75-8C3A-AC56CC12B40C}" type="slidenum">
+              <a:rPr lang="en-US" sz="1400">
+                <a:solidFill>
+                  <a:srgbClr val="000000"/>
+                </a:solidFill>
+                <a:latin typeface="Arial"/>
+                <a:ea typeface="PMingLiU"/>
+              </a:rPr>
+              <a:t>13</a:t>
+            </a:fld>
+            <a:endParaRPr/>
+          </a:p>
+        </p:txBody>
+      </p:sp>
+      <p:sp>
+        <p:nvSpPr>
+          <p:cNvPr id="2" name="TextBox 1"/>
+          <p:cNvSpPr txBox="1"/>
+          <p:nvPr/>
+        </p:nvSpPr>
+        <p:spPr>
+          <a:xfrm>
+            <a:off x="920750" y="1784230"/>
+            <a:ext cx="7318375" cy="3970318"/>
+          </a:xfrm>
+          <a:prstGeom prst="rect">
+            <a:avLst/>
+          </a:prstGeom>
+          <a:noFill/>
+        </p:spPr>
+        <p:txBody>
+          <a:bodyPr wrap="square" rtlCol="0">
+            <a:spAutoFit/>
+          </a:bodyPr>
+          <a:lstStyle/>
+          <a:p>
+            <a:pPr marL="285750" indent="-285750">
+              <a:buFont typeface="Arial"/>
+              <a:buChar char="•"/>
+            </a:pPr>
+            <a:r>
+              <a:rPr lang="en-US" dirty="0" smtClean="0"/>
+              <a:t>Hahn</a:t>
+            </a:r>
+            <a:r>
+              <a:rPr lang="en-US" dirty="0"/>
+              <a:t>, M., Monaghan, A., Hayden, M., </a:t>
+            </a:r>
+            <a:r>
+              <a:rPr lang="en-US" dirty="0" err="1"/>
+              <a:t>Eisen</a:t>
+            </a:r>
+            <a:r>
+              <a:rPr lang="en-US" dirty="0"/>
+              <a:t>, R., </a:t>
+            </a:r>
+            <a:r>
+              <a:rPr lang="en-US" dirty="0" err="1"/>
+              <a:t>Delorey</a:t>
+            </a:r>
+            <a:r>
+              <a:rPr lang="en-US" dirty="0"/>
+              <a:t>, M., Lindsey, N., . . . Fischer, M. (2015). Meteorological Conditions Associated with Increased Incidence of West Nile Virus Disease in the United States, 2004-2012. </a:t>
+            </a:r>
+            <a:r>
+              <a:rPr lang="en-US" i="1" dirty="0"/>
+              <a:t>American Journal of Tropical Medicine and Hygiene</a:t>
+            </a:r>
+            <a:r>
+              <a:rPr lang="en-US" dirty="0"/>
+              <a:t>, 1013-1022. </a:t>
+            </a:r>
+            <a:endParaRPr lang="en-US" dirty="0" smtClean="0"/>
+          </a:p>
+          <a:p>
+            <a:pPr marL="285750" indent="-285750">
+              <a:buFont typeface="Arial"/>
+              <a:buChar char="•"/>
+            </a:pPr>
+            <a:endParaRPr lang="en-US" dirty="0"/>
+          </a:p>
+          <a:p>
+            <a:pPr marL="285750" indent="-285750">
+              <a:buFont typeface="Arial"/>
+              <a:buChar char="•"/>
+            </a:pPr>
+            <a:r>
+              <a:rPr lang="en-US" dirty="0" smtClean="0"/>
+              <a:t>Ruiz</a:t>
+            </a:r>
+            <a:r>
+              <a:rPr lang="en-US" dirty="0"/>
+              <a:t>, M., Chaves, L., </a:t>
+            </a:r>
+            <a:r>
+              <a:rPr lang="en-US" dirty="0" err="1"/>
+              <a:t>Hamer</a:t>
+            </a:r>
+            <a:r>
+              <a:rPr lang="en-US" dirty="0"/>
+              <a:t>, G., Sun, T., Brown, W., Walker, E., . . . </a:t>
+            </a:r>
+            <a:r>
+              <a:rPr lang="en-US" dirty="0" err="1"/>
+              <a:t>Kitron</a:t>
+            </a:r>
+            <a:r>
+              <a:rPr lang="en-US" dirty="0"/>
+              <a:t>, U. (</a:t>
+            </a:r>
+            <a:r>
+              <a:rPr lang="en-US" dirty="0" err="1"/>
+              <a:t>n.d.</a:t>
+            </a:r>
+            <a:r>
+              <a:rPr lang="en-US" dirty="0"/>
+              <a:t>). Local impact of temperature and precipitation on West Nile virus infection in </a:t>
+            </a:r>
+            <a:r>
+              <a:rPr lang="en-US" dirty="0" err="1"/>
+              <a:t>Culex</a:t>
+            </a:r>
+            <a:r>
+              <a:rPr lang="en-US" dirty="0"/>
+              <a:t> species mosquitoes in northeast Illinois, USA. </a:t>
+            </a:r>
+            <a:r>
+              <a:rPr lang="en-US" i="1" dirty="0"/>
+              <a:t>Parasites Vectors Parasites &amp; Vectors</a:t>
+            </a:r>
+            <a:r>
+              <a:rPr lang="en-US" dirty="0"/>
+              <a:t>, 19-19. </a:t>
+            </a:r>
+            <a:endParaRPr lang="en-US" dirty="0" smtClean="0"/>
+          </a:p>
+          <a:p>
+            <a:pPr marL="285750" indent="-285750">
+              <a:buFont typeface="Arial"/>
+              <a:buChar char="•"/>
+            </a:pPr>
+            <a:endParaRPr lang="en-US" dirty="0" smtClean="0"/>
+          </a:p>
+          <a:p>
+            <a:pPr marL="285750" indent="-285750">
+              <a:buFont typeface="Arial"/>
+              <a:buChar char="•"/>
+            </a:pPr>
+            <a:r>
+              <a:rPr lang="en-US" dirty="0" smtClean="0"/>
+              <a:t>West </a:t>
+            </a:r>
+            <a:r>
+              <a:rPr lang="en-US" dirty="0"/>
+              <a:t>Nile Virus Prediction. (</a:t>
+            </a:r>
+            <a:r>
+              <a:rPr lang="en-US" dirty="0" err="1"/>
+              <a:t>n.d.</a:t>
+            </a:r>
+            <a:r>
+              <a:rPr lang="en-US" dirty="0"/>
+              <a:t>). Retrieved October 12, 2015, from https://</a:t>
+            </a:r>
+            <a:r>
+              <a:rPr lang="en-US" dirty="0" err="1"/>
+              <a:t>www.kaggle.com</a:t>
+            </a:r>
+            <a:r>
+              <a:rPr lang="en-US" dirty="0"/>
+              <a:t>/c/predict-west-</a:t>
+            </a:r>
+            <a:r>
+              <a:rPr lang="en-US" dirty="0" err="1"/>
+              <a:t>nile</a:t>
+            </a:r>
+            <a:r>
+              <a:rPr lang="en-US" dirty="0"/>
+              <a:t>-virus </a:t>
+            </a:r>
+          </a:p>
+          <a:p>
+            <a:pPr marL="285750" indent="-285750">
+              <a:buFont typeface="Arial"/>
+              <a:buChar char="•"/>
+            </a:pPr>
+            <a:endParaRPr lang="en-US" dirty="0"/>
+          </a:p>
+        </p:txBody>
+      </p:sp>
+    </p:spTree>
+  </p:cSld>
+  <p:clrMapOvr>
+    <a:masterClrMapping/>
+  </p:clrMapOvr>
+</p:sld>
+</file>
+
+<file path=ppt/slides/slide2.xml><?xml version="1.0" encoding="utf-8"?>
+<p:sld xmlns:a="http://schemas.openxmlformats.org/drawingml/2006/main" xmlns:r="http://schemas.openxmlformats.org/officeDocument/2006/relationships" xmlns:p="http://schemas.openxmlformats.org/presentationml/2006/main">
+  <p:cSld>
+    <p:spTree>
+      <p:nvGrpSpPr>
+        <p:cNvPr id="1" name=""/>
+        <p:cNvGrpSpPr/>
+        <p:nvPr/>
+      </p:nvGrpSpPr>
+      <p:grpSpPr>
+        <a:xfrm>
+          <a:off x="0" y="0"/>
+          <a:ext cx="0" cy="0"/>
+          <a:chOff x="0" y="0"/>
+          <a:chExt cx="0" cy="0"/>
+        </a:xfrm>
+      </p:grpSpPr>
+      <p:sp>
+        <p:nvSpPr>
+          <p:cNvPr id="87" name="CustomShape 1"/>
+          <p:cNvSpPr/>
+          <p:nvPr/>
+        </p:nvSpPr>
+        <p:spPr>
+          <a:xfrm>
+            <a:off x="372960" y="152280"/>
+            <a:ext cx="6852960" cy="1142640"/>
+          </a:xfrm>
+          <a:prstGeom prst="rect">
+            <a:avLst/>
+          </a:prstGeom>
+          <a:noFill/>
+          <a:ln>
+            <a:noFill/>
+          </a:ln>
+        </p:spPr>
+        <p:txBody>
+          <a:bodyPr lIns="90000" tIns="45000" rIns="90000" bIns="45000" anchor="ctr"/>
+          <a:lstStyle/>
+          <a:p>
+            <a:pPr>
+              <a:lnSpc>
+                <a:spcPct val="100000"/>
+              </a:lnSpc>
+            </a:pPr>
+            <a:r>
+              <a:rPr lang="en-US" sz="3600">
+                <a:solidFill>
+                  <a:srgbClr val="4D4D4D"/>
+                </a:solidFill>
+                <a:latin typeface="Georgia"/>
+                <a:ea typeface="PMingLiU"/>
+              </a:rPr>
+              <a:t>Motivation</a:t>
+            </a:r>
+            <a:endParaRPr/>
+          </a:p>
+        </p:txBody>
+      </p:sp>
+      <p:sp>
+        <p:nvSpPr>
+          <p:cNvPr id="88" name="TextShape 2"/>
+          <p:cNvSpPr txBox="1"/>
+          <p:nvPr/>
+        </p:nvSpPr>
+        <p:spPr>
+          <a:xfrm>
+            <a:off x="6553080" y="6245280"/>
+            <a:ext cx="2133360" cy="475920"/>
+          </a:xfrm>
+          <a:prstGeom prst="rect">
+            <a:avLst/>
+          </a:prstGeom>
+        </p:spPr>
+        <p:txBody>
+          <a:bodyPr/>
+          <a:lstStyle/>
+          <a:p>
+            <a:pPr>
+              <a:lnSpc>
+                <a:spcPct val="100000"/>
+              </a:lnSpc>
+            </a:pPr>
+            <a:fld id="{CB2D7697-84ED-4023-89C7-43A35970AFE5}" type="slidenum">
+              <a:rPr lang="en-US" sz="1400">
+                <a:solidFill>
+                  <a:srgbClr val="000000"/>
+                </a:solidFill>
+                <a:latin typeface="Arial"/>
+                <a:ea typeface="PMingLiU"/>
+              </a:rPr>
+              <a:t>2</a:t>
+            </a:fld>
+            <a:endParaRPr/>
+          </a:p>
+        </p:txBody>
+      </p:sp>
+      <p:sp>
+        <p:nvSpPr>
+          <p:cNvPr id="2" name="TextBox 1"/>
+          <p:cNvSpPr txBox="1"/>
+          <p:nvPr/>
+        </p:nvSpPr>
+        <p:spPr>
+          <a:xfrm>
+            <a:off x="762000" y="2047875"/>
+            <a:ext cx="7651750" cy="1815882"/>
+          </a:xfrm>
+          <a:prstGeom prst="rect">
+            <a:avLst/>
+          </a:prstGeom>
+          <a:noFill/>
+        </p:spPr>
+        <p:txBody>
+          <a:bodyPr wrap="square" rtlCol="0">
+            <a:spAutoFit/>
+          </a:bodyPr>
+          <a:lstStyle/>
+          <a:p>
+            <a:r>
+              <a:rPr lang="en-US" sz="2800" dirty="0" smtClean="0"/>
+              <a:t>Aid the City of Chicago in the fight to stop the spread of West Nile virus</a:t>
+            </a:r>
+          </a:p>
+          <a:p>
+            <a:endParaRPr lang="en-US" sz="2800" dirty="0"/>
+          </a:p>
+          <a:p>
+            <a:endParaRPr lang="en-US" sz="2800" dirty="0" smtClean="0"/>
+          </a:p>
+        </p:txBody>
+      </p:sp>
+      <p:pic>
+        <p:nvPicPr>
+          <p:cNvPr id="3" name="Picture 2"/>
+          <p:cNvPicPr>
+            <a:picLocks noChangeAspect="1"/>
+          </p:cNvPicPr>
+          <p:nvPr/>
+        </p:nvPicPr>
+        <p:blipFill>
+          <a:blip r:embed="rId3"/>
+          <a:stretch>
+            <a:fillRect/>
+          </a:stretch>
+        </p:blipFill>
+        <p:spPr>
+          <a:xfrm>
+            <a:off x="5233506" y="2889251"/>
+            <a:ext cx="3330902" cy="3175000"/>
+          </a:xfrm>
+          <a:prstGeom prst="rect">
+            <a:avLst/>
+          </a:prstGeom>
+        </p:spPr>
+      </p:pic>
+      <p:sp>
+        <p:nvSpPr>
+          <p:cNvPr id="4" name="Rectangle 3"/>
+          <p:cNvSpPr/>
+          <p:nvPr/>
+        </p:nvSpPr>
+        <p:spPr>
+          <a:xfrm>
+            <a:off x="6286787" y="6002695"/>
+            <a:ext cx="1424864" cy="246221"/>
+          </a:xfrm>
+          <a:prstGeom prst="rect">
+            <a:avLst/>
+          </a:prstGeom>
+        </p:spPr>
+        <p:txBody>
+          <a:bodyPr wrap="none">
+            <a:spAutoFit/>
+          </a:bodyPr>
+          <a:lstStyle/>
+          <a:p>
+            <a:r>
+              <a:rPr lang="en-US" sz="1000" dirty="0" err="1">
+                <a:solidFill>
+                  <a:srgbClr val="000090"/>
+                </a:solidFill>
+              </a:rPr>
+              <a:t>binghammemorial.org</a:t>
+            </a:r>
+            <a:endParaRPr lang="en-US" sz="1000" dirty="0">
+              <a:solidFill>
+                <a:srgbClr val="000090"/>
+              </a:solidFill>
+            </a:endParaRPr>
+          </a:p>
+        </p:txBody>
+      </p:sp>
+    </p:spTree>
+  </p:cSld>
+  <p:clrMapOvr>
+    <a:masterClrMapping/>
+  </p:clrMapOvr>
+</p:sld>
+</file>
+
+<file path=ppt/slides/slide3.xml><?xml version="1.0" encoding="utf-8"?>
+<p:sld xmlns:a="http://schemas.openxmlformats.org/drawingml/2006/main" xmlns:r="http://schemas.openxmlformats.org/officeDocument/2006/relationships" xmlns:p="http://schemas.openxmlformats.org/presentationml/2006/main">
+  <p:cSld>
+    <p:spTree>
+      <p:nvGrpSpPr>
+        <p:cNvPr id="1" name=""/>
+        <p:cNvGrpSpPr/>
+        <p:nvPr/>
+      </p:nvGrpSpPr>
+      <p:grpSpPr>
+        <a:xfrm>
+          <a:off x="0" y="0"/>
+          <a:ext cx="0" cy="0"/>
+          <a:chOff x="0" y="0"/>
+          <a:chExt cx="0" cy="0"/>
+        </a:xfrm>
+      </p:grpSpPr>
+      <p:sp>
+        <p:nvSpPr>
+          <p:cNvPr id="89" name="CustomShape 1"/>
+          <p:cNvSpPr/>
+          <p:nvPr/>
+        </p:nvSpPr>
+        <p:spPr>
+          <a:xfrm>
+            <a:off x="372960" y="152280"/>
+            <a:ext cx="6852960" cy="1142640"/>
+          </a:xfrm>
+          <a:prstGeom prst="rect">
+            <a:avLst/>
+          </a:prstGeom>
+          <a:noFill/>
+          <a:ln>
+            <a:noFill/>
+          </a:ln>
+        </p:spPr>
+        <p:txBody>
+          <a:bodyPr lIns="90000" tIns="45000" rIns="90000" bIns="45000" anchor="ctr"/>
+          <a:lstStyle/>
+          <a:p>
+            <a:pPr>
+              <a:lnSpc>
+                <a:spcPct val="100000"/>
+              </a:lnSpc>
+            </a:pPr>
+            <a:r>
+              <a:rPr lang="en-US" sz="3600" dirty="0" smtClean="0">
+                <a:solidFill>
+                  <a:srgbClr val="4D4D4D"/>
+                </a:solidFill>
+                <a:latin typeface="Georgia"/>
+                <a:ea typeface="PMingLiU"/>
+              </a:rPr>
+              <a:t>Background (Andrew)</a:t>
+            </a:r>
+            <a:endParaRPr dirty="0"/>
+          </a:p>
+        </p:txBody>
+      </p:sp>
+      <p:pic>
+        <p:nvPicPr>
+          <p:cNvPr id="2" name="Picture 1"/>
+          <p:cNvPicPr>
+            <a:picLocks noChangeAspect="1"/>
+          </p:cNvPicPr>
+          <p:nvPr/>
+        </p:nvPicPr>
+        <p:blipFill rotWithShape="1">
+          <a:blip r:embed="rId3"/>
+          <a:srcRect r="41146"/>
+          <a:stretch/>
+        </p:blipFill>
+        <p:spPr>
+          <a:xfrm>
+            <a:off x="833336" y="2342670"/>
+            <a:ext cx="2362438" cy="2657955"/>
+          </a:xfrm>
+          <a:prstGeom prst="rect">
+            <a:avLst/>
+          </a:prstGeom>
+        </p:spPr>
+      </p:pic>
+      <p:sp>
+        <p:nvSpPr>
+          <p:cNvPr id="16" name="TextBox 15"/>
+          <p:cNvSpPr txBox="1"/>
+          <p:nvPr/>
+        </p:nvSpPr>
+        <p:spPr>
+          <a:xfrm>
+            <a:off x="555625" y="5835680"/>
+            <a:ext cx="8350250" cy="400110"/>
+          </a:xfrm>
+          <a:prstGeom prst="rect">
+            <a:avLst/>
+          </a:prstGeom>
+          <a:noFill/>
+        </p:spPr>
+        <p:txBody>
+          <a:bodyPr wrap="square" rtlCol="0">
+            <a:spAutoFit/>
+          </a:bodyPr>
+          <a:lstStyle/>
+          <a:p>
+            <a:pPr algn="ctr"/>
+            <a:r>
+              <a:rPr lang="en-US" sz="2000" b="1" dirty="0" smtClean="0"/>
+              <a:t>Statistics + Engineering + Math + Computer Science = Success</a:t>
+            </a:r>
+            <a:endParaRPr lang="en-US" sz="2000" b="1" dirty="0"/>
+          </a:p>
+        </p:txBody>
+      </p:sp>
+      <p:sp>
+        <p:nvSpPr>
+          <p:cNvPr id="6" name="TextBox 5"/>
+          <p:cNvSpPr txBox="1"/>
+          <p:nvPr/>
+        </p:nvSpPr>
+        <p:spPr>
+          <a:xfrm>
+            <a:off x="3603625" y="2397125"/>
+            <a:ext cx="4762500" cy="2031325"/>
+          </a:xfrm>
+          <a:prstGeom prst="rect">
+            <a:avLst/>
+          </a:prstGeom>
+          <a:noFill/>
+        </p:spPr>
+        <p:txBody>
+          <a:bodyPr wrap="square" rtlCol="0">
+            <a:spAutoFit/>
+          </a:bodyPr>
+          <a:lstStyle/>
+          <a:p>
+            <a:r>
+              <a:rPr lang="en-US" dirty="0" smtClean="0"/>
+              <a:t>Background:</a:t>
+            </a:r>
+          </a:p>
+          <a:p>
+            <a:pPr marL="742950" lvl="1" indent="-285750">
+              <a:buFont typeface="Arial"/>
+              <a:buChar char="•"/>
+            </a:pPr>
+            <a:r>
+              <a:rPr lang="en-US" dirty="0" smtClean="0"/>
+              <a:t>Undergraduate CS Major</a:t>
+            </a:r>
+          </a:p>
+          <a:p>
+            <a:pPr marL="742950" lvl="1" indent="-285750">
+              <a:buFont typeface="Arial"/>
+              <a:buChar char="•"/>
+            </a:pPr>
+            <a:r>
+              <a:rPr lang="en-US" dirty="0" smtClean="0"/>
+              <a:t>Math double-major</a:t>
+            </a:r>
+          </a:p>
+          <a:p>
+            <a:pPr marL="742950" lvl="1" indent="-285750">
+              <a:buFont typeface="Arial"/>
+              <a:buChar char="•"/>
+            </a:pPr>
+            <a:endParaRPr lang="en-US" dirty="0" smtClean="0"/>
+          </a:p>
+          <a:p>
+            <a:r>
+              <a:rPr lang="en-US" dirty="0" smtClean="0"/>
+              <a:t>Contribution and Workload</a:t>
+            </a:r>
+          </a:p>
+          <a:p>
+            <a:pPr marL="742950" lvl="1" indent="-285750">
+              <a:buFont typeface="Arial"/>
+              <a:buChar char="•"/>
+            </a:pPr>
+            <a:r>
+              <a:rPr lang="en-US" dirty="0" smtClean="0"/>
+              <a:t>Programming Lead</a:t>
+            </a:r>
+          </a:p>
+          <a:p>
+            <a:pPr marL="742950" lvl="1" indent="-285750">
+              <a:buFont typeface="Arial"/>
+              <a:buChar char="•"/>
+            </a:pPr>
+            <a:r>
+              <a:rPr lang="en-US" dirty="0" smtClean="0"/>
+              <a:t>Assisted with experiment design</a:t>
+            </a:r>
+          </a:p>
+        </p:txBody>
+      </p:sp>
+    </p:spTree>
+  </p:cSld>
+  <p:clrMapOvr>
+    <a:masterClrMapping/>
+  </p:clrMapOvr>
+  <p:timing>
+    <p:tnLst>
+      <p:par>
+        <p:cTn xmlns:p14="http://schemas.microsoft.com/office/powerpoint/2010/main" id="1" dur="indefinite" restart="never" nodeType="tmRoot"/>
+      </p:par>
+    </p:tnLst>
+  </p:timing>
+</p:sld>
+</file>
+
+<file path=ppt/slides/slide4.xml><?xml version="1.0" encoding="utf-8"?>
+<p:sld xmlns:a="http://schemas.openxmlformats.org/drawingml/2006/main" xmlns:r="http://schemas.openxmlformats.org/officeDocument/2006/relationships" xmlns:p="http://schemas.openxmlformats.org/presentationml/2006/main">
+  <p:cSld>
+    <p:spTree>
+      <p:nvGrpSpPr>
+        <p:cNvPr id="1" name=""/>
+        <p:cNvGrpSpPr/>
+        <p:nvPr/>
+      </p:nvGrpSpPr>
+      <p:grpSpPr>
+        <a:xfrm>
+          <a:off x="0" y="0"/>
+          <a:ext cx="0" cy="0"/>
+          <a:chOff x="0" y="0"/>
+          <a:chExt cx="0" cy="0"/>
+        </a:xfrm>
+      </p:grpSpPr>
+      <p:sp>
+        <p:nvSpPr>
+          <p:cNvPr id="89" name="CustomShape 1"/>
+          <p:cNvSpPr/>
+          <p:nvPr/>
+        </p:nvSpPr>
+        <p:spPr>
+          <a:xfrm>
+            <a:off x="372960" y="152280"/>
+            <a:ext cx="6852960" cy="1142640"/>
+          </a:xfrm>
+          <a:prstGeom prst="rect">
+            <a:avLst/>
+          </a:prstGeom>
+          <a:noFill/>
+          <a:ln>
+            <a:noFill/>
+          </a:ln>
+        </p:spPr>
+        <p:txBody>
+          <a:bodyPr lIns="90000" tIns="45000" rIns="90000" bIns="45000" anchor="ctr"/>
+          <a:lstStyle/>
+          <a:p>
+            <a:pPr>
+              <a:lnSpc>
+                <a:spcPct val="100000"/>
+              </a:lnSpc>
+            </a:pPr>
+            <a:r>
+              <a:rPr lang="en-US" sz="3600" dirty="0" smtClean="0">
+                <a:solidFill>
+                  <a:srgbClr val="4D4D4D"/>
+                </a:solidFill>
+                <a:latin typeface="Georgia"/>
+                <a:ea typeface="PMingLiU"/>
+              </a:rPr>
+              <a:t>Background (Frank)</a:t>
+            </a:r>
+            <a:endParaRPr dirty="0"/>
+          </a:p>
+        </p:txBody>
+      </p:sp>
+      <p:pic>
+        <p:nvPicPr>
+          <p:cNvPr id="3" name="Picture 2"/>
+          <p:cNvPicPr>
+            <a:picLocks noChangeAspect="1"/>
+          </p:cNvPicPr>
+          <p:nvPr/>
+        </p:nvPicPr>
+        <p:blipFill rotWithShape="1">
+          <a:blip r:embed="rId3"/>
+          <a:srcRect l="20462" r="12502" b="12731"/>
+          <a:stretch/>
+        </p:blipFill>
+        <p:spPr>
+          <a:xfrm>
+            <a:off x="826726" y="2088670"/>
+            <a:ext cx="2693206" cy="2657955"/>
+          </a:xfrm>
+          <a:prstGeom prst="rect">
+            <a:avLst/>
+          </a:prstGeom>
+        </p:spPr>
+      </p:pic>
+      <p:sp>
+        <p:nvSpPr>
+          <p:cNvPr id="16" name="TextBox 15"/>
+          <p:cNvSpPr txBox="1"/>
+          <p:nvPr/>
+        </p:nvSpPr>
+        <p:spPr>
+          <a:xfrm>
+            <a:off x="555625" y="5635625"/>
+            <a:ext cx="8350250" cy="400110"/>
+          </a:xfrm>
+          <a:prstGeom prst="rect">
+            <a:avLst/>
+          </a:prstGeom>
+          <a:noFill/>
+        </p:spPr>
+        <p:txBody>
+          <a:bodyPr wrap="square" rtlCol="0">
+            <a:spAutoFit/>
+          </a:bodyPr>
+          <a:lstStyle/>
+          <a:p>
+            <a:pPr algn="ctr"/>
+            <a:r>
+              <a:rPr lang="en-US" sz="2000" b="1" dirty="0" smtClean="0"/>
+              <a:t>Statistics + Engineering + Math + Computer Science = Success</a:t>
+            </a:r>
+            <a:endParaRPr lang="en-US" sz="2000" b="1" dirty="0"/>
+          </a:p>
+        </p:txBody>
+      </p:sp>
+      <p:sp>
+        <p:nvSpPr>
+          <p:cNvPr id="5" name="Rectangle 4"/>
+          <p:cNvSpPr/>
+          <p:nvPr/>
+        </p:nvSpPr>
+        <p:spPr>
+          <a:xfrm>
+            <a:off x="3937000" y="2381926"/>
+            <a:ext cx="4572000" cy="2308324"/>
+          </a:xfrm>
+          <a:prstGeom prst="rect">
+            <a:avLst/>
+          </a:prstGeom>
+        </p:spPr>
+        <p:txBody>
+          <a:bodyPr>
+            <a:spAutoFit/>
+          </a:bodyPr>
+          <a:lstStyle/>
+          <a:p>
+            <a:r>
+              <a:rPr lang="en-US" dirty="0"/>
+              <a:t>Background:</a:t>
+            </a:r>
+          </a:p>
+          <a:p>
+            <a:pPr marL="742950" lvl="1" indent="-285750">
+              <a:buFont typeface="Arial"/>
+              <a:buChar char="•"/>
+            </a:pPr>
+            <a:r>
+              <a:rPr lang="en-US" dirty="0" smtClean="0"/>
+              <a:t>Graduate EE</a:t>
+            </a:r>
+          </a:p>
+          <a:p>
+            <a:pPr marL="1200150" lvl="2" indent="-285750">
+              <a:buFont typeface="Courier New"/>
+              <a:buChar char="o"/>
+            </a:pPr>
+            <a:r>
+              <a:rPr lang="en-US" dirty="0" smtClean="0"/>
+              <a:t>Control Theory</a:t>
+            </a:r>
+          </a:p>
+          <a:p>
+            <a:pPr marL="742950" lvl="1" indent="-285750">
+              <a:buFont typeface="Arial"/>
+              <a:buChar char="•"/>
+            </a:pPr>
+            <a:r>
+              <a:rPr lang="en-US" dirty="0" smtClean="0"/>
+              <a:t>Undergraduate EE</a:t>
+            </a:r>
+            <a:endParaRPr lang="en-US" dirty="0"/>
+          </a:p>
+          <a:p>
+            <a:pPr lvl="1"/>
+            <a:endParaRPr lang="en-US" dirty="0"/>
+          </a:p>
+          <a:p>
+            <a:r>
+              <a:rPr lang="en-US" dirty="0"/>
+              <a:t>Contribution and Workload</a:t>
+            </a:r>
+          </a:p>
+          <a:p>
+            <a:pPr marL="742950" lvl="1" indent="-285750">
+              <a:buFont typeface="Arial"/>
+              <a:buChar char="•"/>
+            </a:pPr>
+            <a:r>
+              <a:rPr lang="en-US" dirty="0" smtClean="0"/>
+              <a:t>Experimental Design Lead</a:t>
+            </a:r>
+            <a:endParaRPr lang="en-US" dirty="0"/>
+          </a:p>
+          <a:p>
+            <a:pPr marL="742950" lvl="1" indent="-285750">
+              <a:buFont typeface="Arial"/>
+              <a:buChar char="•"/>
+            </a:pPr>
+            <a:r>
+              <a:rPr lang="en-US" dirty="0"/>
+              <a:t>Assisted with </a:t>
+            </a:r>
+            <a:r>
+              <a:rPr lang="en-US" dirty="0" smtClean="0"/>
+              <a:t>programming</a:t>
+            </a:r>
+            <a:endParaRPr lang="en-US" dirty="0"/>
+          </a:p>
+        </p:txBody>
+      </p:sp>
+    </p:spTree>
+    <p:extLst>
+      <p:ext uri="{BB962C8B-B14F-4D97-AF65-F5344CB8AC3E}">
+        <p14:creationId xmlns:p14="http://schemas.microsoft.com/office/powerpoint/2010/main" val="560031060"/>
+      </p:ext>
+    </p:extLst>
+  </p:cSld>
+  <p:clrMapOvr>
+    <a:masterClrMapping/>
+  </p:clrMapOvr>
+  <p:timing>
+    <p:tnLst>
+      <p:par>
+        <p:cTn xmlns:p14="http://schemas.microsoft.com/office/powerpoint/2010/main" id="1" dur="indefinite" restart="never" nodeType="tmRoot"/>
+      </p:par>
+    </p:tnLst>
+  </p:timing>
+</p:sld>
+</file>
+
+<file path=ppt/slides/slide5.xml><?xml version="1.0" encoding="utf-8"?>
+<p:sld xmlns:a="http://schemas.openxmlformats.org/drawingml/2006/main" xmlns:r="http://schemas.openxmlformats.org/officeDocument/2006/relationships" xmlns:p="http://schemas.openxmlformats.org/presentationml/2006/main">
+  <p:cSld>
+    <p:spTree>
+      <p:nvGrpSpPr>
+        <p:cNvPr id="1" name=""/>
+        <p:cNvGrpSpPr/>
+        <p:nvPr/>
+      </p:nvGrpSpPr>
+      <p:grpSpPr>
+        <a:xfrm>
+          <a:off x="0" y="0"/>
+          <a:ext cx="0" cy="0"/>
+          <a:chOff x="0" y="0"/>
+          <a:chExt cx="0" cy="0"/>
+        </a:xfrm>
+      </p:grpSpPr>
+      <p:sp>
+        <p:nvSpPr>
+          <p:cNvPr id="90" name="CustomShape 1"/>
+          <p:cNvSpPr/>
+          <p:nvPr/>
+        </p:nvSpPr>
+        <p:spPr>
+          <a:xfrm>
+            <a:off x="372960" y="152280"/>
+            <a:ext cx="6852960" cy="1142640"/>
+          </a:xfrm>
+          <a:prstGeom prst="rect">
+            <a:avLst/>
+          </a:prstGeom>
+          <a:noFill/>
+          <a:ln>
+            <a:noFill/>
+          </a:ln>
+        </p:spPr>
+        <p:txBody>
+          <a:bodyPr lIns="90000" tIns="45000" rIns="90000" bIns="45000" anchor="ctr"/>
+          <a:lstStyle/>
+          <a:p>
+            <a:pPr>
+              <a:lnSpc>
+                <a:spcPct val="100000"/>
+              </a:lnSpc>
+            </a:pPr>
+            <a:r>
+              <a:rPr lang="en-US" sz="3600">
+                <a:solidFill>
+                  <a:srgbClr val="4D4D4D"/>
+                </a:solidFill>
+                <a:latin typeface="Georgia"/>
+                <a:ea typeface="新細明體"/>
+              </a:rPr>
+              <a:t>Related Work</a:t>
+            </a:r>
+            <a:endParaRPr/>
+          </a:p>
+        </p:txBody>
+      </p:sp>
+      <p:sp>
+        <p:nvSpPr>
+          <p:cNvPr id="91" name="TextShape 2"/>
+          <p:cNvSpPr txBox="1"/>
+          <p:nvPr/>
+        </p:nvSpPr>
+        <p:spPr>
+          <a:xfrm>
+            <a:off x="6553080" y="6245280"/>
+            <a:ext cx="2133360" cy="475920"/>
+          </a:xfrm>
+          <a:prstGeom prst="rect">
+            <a:avLst/>
+          </a:prstGeom>
+        </p:spPr>
+        <p:txBody>
+          <a:bodyPr/>
+          <a:lstStyle/>
+          <a:p>
+            <a:pPr>
+              <a:lnSpc>
+                <a:spcPct val="100000"/>
+              </a:lnSpc>
+            </a:pPr>
+            <a:fld id="{855D1AC3-7B00-48B3-94EF-2CAA8A687E63}" type="slidenum">
+              <a:rPr lang="en-US" sz="1400">
+                <a:solidFill>
+                  <a:srgbClr val="000000"/>
+                </a:solidFill>
+                <a:latin typeface="Arial"/>
+                <a:ea typeface="PMingLiU"/>
+              </a:rPr>
+              <a:t>5</a:t>
+            </a:fld>
+            <a:endParaRPr/>
+          </a:p>
+        </p:txBody>
+      </p:sp>
+      <p:sp>
+        <p:nvSpPr>
+          <p:cNvPr id="3" name="TextBox 2"/>
+          <p:cNvSpPr txBox="1"/>
+          <p:nvPr/>
+        </p:nvSpPr>
+        <p:spPr>
+          <a:xfrm>
+            <a:off x="619125" y="1762125"/>
+            <a:ext cx="8067315" cy="3539431"/>
+          </a:xfrm>
+          <a:prstGeom prst="rect">
+            <a:avLst/>
+          </a:prstGeom>
+          <a:noFill/>
+        </p:spPr>
+        <p:txBody>
+          <a:bodyPr wrap="square" rtlCol="0">
+            <a:spAutoFit/>
+          </a:bodyPr>
+          <a:lstStyle/>
+          <a:p>
+            <a:pPr marL="457200" indent="-457200">
+              <a:buFont typeface="Arial"/>
+              <a:buChar char="•"/>
+            </a:pPr>
+            <a:r>
+              <a:rPr lang="en-US" sz="2800" dirty="0" smtClean="0"/>
+              <a:t>Research by the National Center of Atmospheric Research in Boulder, CO</a:t>
+            </a:r>
+          </a:p>
+          <a:p>
+            <a:pPr marL="457200" indent="-457200">
+              <a:buFont typeface="Arial"/>
+              <a:buChar char="•"/>
+            </a:pPr>
+            <a:endParaRPr lang="en-US" sz="2800" dirty="0" smtClean="0"/>
+          </a:p>
+          <a:p>
+            <a:pPr marL="457200" indent="-457200">
+              <a:buFont typeface="Arial"/>
+              <a:buChar char="•"/>
+            </a:pPr>
+            <a:r>
+              <a:rPr lang="en-US" sz="2800" dirty="0" smtClean="0"/>
+              <a:t>Research by the Geographic </a:t>
+            </a:r>
+            <a:r>
+              <a:rPr lang="en-US" sz="2800" dirty="0"/>
+              <a:t>Information Systems and Spatial Analysis </a:t>
+            </a:r>
+            <a:r>
+              <a:rPr lang="en-US" sz="2800" dirty="0" smtClean="0"/>
+              <a:t>Laboratory </a:t>
+            </a:r>
+            <a:r>
+              <a:rPr lang="en-US" sz="2800" dirty="0"/>
+              <a:t>at University of Illinois at Urbana-Champaign </a:t>
+            </a:r>
+          </a:p>
+          <a:p>
+            <a:endParaRPr lang="en-US" sz="2800" dirty="0" smtClean="0"/>
+          </a:p>
+          <a:p>
+            <a:pPr marL="457200" indent="-457200">
+              <a:buFont typeface="Arial"/>
+              <a:buChar char="•"/>
+            </a:pPr>
+            <a:r>
+              <a:rPr lang="en-US" sz="2800" dirty="0" smtClean="0"/>
+              <a:t>Credit Card Fraud Detection</a:t>
+            </a:r>
+            <a:endParaRPr lang="en-US" sz="2800" dirty="0"/>
+          </a:p>
+        </p:txBody>
+      </p:sp>
+    </p:spTree>
+  </p:cSld>
+  <p:clrMapOvr>
+    <a:masterClrMapping/>
+  </p:clrMapOvr>
+</p:sld>
+</file>
+
+<file path=ppt/slides/slide6.xml><?xml version="1.0" encoding="utf-8"?>
+<p:sld xmlns:a="http://schemas.openxmlformats.org/drawingml/2006/main" xmlns:r="http://schemas.openxmlformats.org/officeDocument/2006/relationships" xmlns:p="http://schemas.openxmlformats.org/presentationml/2006/main">
+  <p:cSld>
+    <p:spTree>
+      <p:nvGrpSpPr>
+        <p:cNvPr id="1" name=""/>
+        <p:cNvGrpSpPr/>
+        <p:nvPr/>
+      </p:nvGrpSpPr>
+      <p:grpSpPr>
+        <a:xfrm>
+          <a:off x="0" y="0"/>
+          <a:ext cx="0" cy="0"/>
+          <a:chOff x="0" y="0"/>
+          <a:chExt cx="0" cy="0"/>
+        </a:xfrm>
+      </p:grpSpPr>
+      <p:sp>
+        <p:nvSpPr>
+          <p:cNvPr id="92" name="CustomShape 1"/>
+          <p:cNvSpPr/>
+          <p:nvPr/>
+        </p:nvSpPr>
+        <p:spPr>
+          <a:xfrm>
+            <a:off x="372960" y="152280"/>
+            <a:ext cx="6852960" cy="1142640"/>
+          </a:xfrm>
+          <a:prstGeom prst="rect">
+            <a:avLst/>
+          </a:prstGeom>
+          <a:noFill/>
+          <a:ln>
+            <a:noFill/>
+          </a:ln>
+        </p:spPr>
+        <p:txBody>
+          <a:bodyPr lIns="90000" tIns="45000" rIns="90000" bIns="45000" anchor="ctr"/>
+          <a:lstStyle/>
+          <a:p>
+            <a:pPr>
+              <a:lnSpc>
+                <a:spcPct val="100000"/>
+              </a:lnSpc>
+            </a:pPr>
+            <a:r>
+              <a:rPr lang="en-US" sz="3600">
+                <a:solidFill>
+                  <a:srgbClr val="4D4D4D"/>
+                </a:solidFill>
+                <a:latin typeface="Georgia"/>
+                <a:ea typeface="PMingLiU"/>
+              </a:rPr>
+              <a:t>Claim / Target Task</a:t>
+            </a:r>
+            <a:endParaRPr/>
+          </a:p>
+        </p:txBody>
+      </p:sp>
+      <p:sp>
+        <p:nvSpPr>
+          <p:cNvPr id="93" name="TextShape 2"/>
+          <p:cNvSpPr txBox="1"/>
+          <p:nvPr/>
+        </p:nvSpPr>
+        <p:spPr>
+          <a:xfrm>
+            <a:off x="6553080" y="6245280"/>
+            <a:ext cx="2133360" cy="475920"/>
+          </a:xfrm>
+          <a:prstGeom prst="rect">
+            <a:avLst/>
+          </a:prstGeom>
+        </p:spPr>
+        <p:txBody>
+          <a:bodyPr/>
+          <a:lstStyle/>
+          <a:p>
+            <a:pPr>
+              <a:lnSpc>
+                <a:spcPct val="100000"/>
+              </a:lnSpc>
+            </a:pPr>
+            <a:fld id="{F7055223-EE39-4C36-AADF-42B1675134ED}" type="slidenum">
+              <a:rPr lang="en-US" sz="1400">
+                <a:solidFill>
+                  <a:srgbClr val="000000"/>
+                </a:solidFill>
+                <a:latin typeface="Arial"/>
+                <a:ea typeface="PMingLiU"/>
+              </a:rPr>
+              <a:t>6</a:t>
+            </a:fld>
+            <a:endParaRPr/>
+          </a:p>
+        </p:txBody>
+      </p:sp>
+      <p:sp>
+        <p:nvSpPr>
+          <p:cNvPr id="2" name="TextBox 1"/>
+          <p:cNvSpPr txBox="1"/>
+          <p:nvPr/>
+        </p:nvSpPr>
+        <p:spPr>
+          <a:xfrm>
+            <a:off x="587375" y="1778000"/>
+            <a:ext cx="7842250" cy="1508105"/>
+          </a:xfrm>
+          <a:prstGeom prst="rect">
+            <a:avLst/>
+          </a:prstGeom>
+          <a:noFill/>
+        </p:spPr>
+        <p:txBody>
+          <a:bodyPr wrap="square" rtlCol="0">
+            <a:spAutoFit/>
+          </a:bodyPr>
+          <a:lstStyle/>
+          <a:p>
+            <a:endParaRPr lang="en-US" dirty="0"/>
+          </a:p>
+          <a:p>
+            <a:r>
+              <a:rPr lang="en-US" sz="2800" dirty="0" smtClean="0"/>
+              <a:t>Predict when and where in Chicago mosquitos will be infected with West Nile virus</a:t>
+            </a:r>
+            <a:endParaRPr lang="en-US" sz="2800" dirty="0"/>
+          </a:p>
+          <a:p>
+            <a:r>
+              <a:rPr lang="en-US" dirty="0" smtClean="0"/>
+              <a:t> </a:t>
+            </a:r>
+            <a:endParaRPr lang="en-US" dirty="0"/>
+          </a:p>
+        </p:txBody>
+      </p:sp>
+      <p:pic>
+        <p:nvPicPr>
+          <p:cNvPr id="3" name="Picture 2"/>
+          <p:cNvPicPr>
+            <a:picLocks noChangeAspect="1"/>
+          </p:cNvPicPr>
+          <p:nvPr/>
+        </p:nvPicPr>
+        <p:blipFill>
+          <a:blip r:embed="rId3"/>
+          <a:stretch>
+            <a:fillRect/>
+          </a:stretch>
+        </p:blipFill>
+        <p:spPr>
+          <a:xfrm>
+            <a:off x="4175125" y="3022600"/>
+            <a:ext cx="3810000" cy="2971800"/>
+          </a:xfrm>
+          <a:prstGeom prst="rect">
+            <a:avLst/>
+          </a:prstGeom>
+        </p:spPr>
+      </p:pic>
+      <p:sp>
+        <p:nvSpPr>
+          <p:cNvPr id="4" name="Rectangle 3"/>
+          <p:cNvSpPr/>
+          <p:nvPr/>
+        </p:nvSpPr>
+        <p:spPr>
+          <a:xfrm>
+            <a:off x="6092276" y="5999059"/>
+            <a:ext cx="1133644" cy="246221"/>
+          </a:xfrm>
+          <a:prstGeom prst="rect">
+            <a:avLst/>
+          </a:prstGeom>
+        </p:spPr>
+        <p:txBody>
+          <a:bodyPr wrap="none">
+            <a:spAutoFit/>
+          </a:bodyPr>
+          <a:lstStyle/>
+          <a:p>
+            <a:r>
+              <a:rPr lang="en-US" sz="1000" dirty="0" err="1">
+                <a:solidFill>
+                  <a:srgbClr val="000090"/>
+                </a:solidFill>
+              </a:rPr>
+              <a:t>Imagebasket.net</a:t>
+            </a:r>
+            <a:endParaRPr lang="en-US" sz="1000" dirty="0">
+              <a:solidFill>
+                <a:srgbClr val="000090"/>
+              </a:solidFill>
+            </a:endParaRPr>
+          </a:p>
+        </p:txBody>
+      </p:sp>
+    </p:spTree>
+  </p:cSld>
+  <p:clrMapOvr>
+    <a:masterClrMapping/>
+  </p:clrMapOvr>
+</p:sld>
+</file>
+
+<file path=ppt/slides/slide7.xml><?xml version="1.0" encoding="utf-8"?>
+<p:sld xmlns:a="http://schemas.openxmlformats.org/drawingml/2006/main" xmlns:r="http://schemas.openxmlformats.org/officeDocument/2006/relationships" xmlns:p="http://schemas.openxmlformats.org/presentationml/2006/main">
+  <p:cSld>
+    <p:spTree>
+      <p:nvGrpSpPr>
+        <p:cNvPr id="1" name=""/>
+        <p:cNvGrpSpPr/>
+        <p:nvPr/>
+      </p:nvGrpSpPr>
+      <p:grpSpPr>
+        <a:xfrm>
+          <a:off x="0" y="0"/>
+          <a:ext cx="0" cy="0"/>
+          <a:chOff x="0" y="0"/>
+          <a:chExt cx="0" cy="0"/>
+        </a:xfrm>
+      </p:grpSpPr>
+      <p:sp>
+        <p:nvSpPr>
+          <p:cNvPr id="94" name="CustomShape 1"/>
+          <p:cNvSpPr/>
+          <p:nvPr/>
+        </p:nvSpPr>
+        <p:spPr>
+          <a:xfrm>
+            <a:off x="372960" y="152280"/>
+            <a:ext cx="6852960" cy="1142640"/>
+          </a:xfrm>
+          <a:prstGeom prst="rect">
+            <a:avLst/>
+          </a:prstGeom>
+          <a:noFill/>
+          <a:ln>
+            <a:noFill/>
+          </a:ln>
+        </p:spPr>
+        <p:txBody>
+          <a:bodyPr lIns="90000" tIns="45000" rIns="90000" bIns="45000" anchor="ctr"/>
+          <a:lstStyle/>
+          <a:p>
+            <a:pPr>
+              <a:lnSpc>
+                <a:spcPct val="100000"/>
+              </a:lnSpc>
+            </a:pPr>
+            <a:r>
+              <a:rPr lang="en-US" sz="3600">
+                <a:solidFill>
+                  <a:srgbClr val="4D4D4D"/>
+                </a:solidFill>
+                <a:latin typeface="Georgia"/>
+                <a:ea typeface="PMingLiU"/>
+              </a:rPr>
+              <a:t>Proposed Solution</a:t>
+            </a:r>
+            <a:endParaRPr/>
+          </a:p>
+        </p:txBody>
+      </p:sp>
+      <p:sp>
+        <p:nvSpPr>
+          <p:cNvPr id="95" name="CustomShape 2"/>
+          <p:cNvSpPr/>
+          <p:nvPr/>
+        </p:nvSpPr>
+        <p:spPr>
+          <a:xfrm>
+            <a:off x="155520" y="-144360"/>
+            <a:ext cx="304560" cy="304560"/>
+          </a:xfrm>
+          <a:prstGeom prst="rect">
+            <a:avLst/>
+          </a:prstGeom>
+          <a:noFill/>
+          <a:ln>
+            <a:noFill/>
+          </a:ln>
+        </p:spPr>
+      </p:sp>
+      <p:sp>
+        <p:nvSpPr>
+          <p:cNvPr id="96" name="CustomShape 3"/>
+          <p:cNvSpPr/>
+          <p:nvPr/>
+        </p:nvSpPr>
+        <p:spPr>
+          <a:xfrm>
+            <a:off x="307800" y="7920"/>
+            <a:ext cx="304560" cy="304560"/>
+          </a:xfrm>
+          <a:prstGeom prst="rect">
+            <a:avLst/>
+          </a:prstGeom>
+          <a:noFill/>
+          <a:ln>
+            <a:noFill/>
+          </a:ln>
+        </p:spPr>
+      </p:sp>
+      <p:sp>
+        <p:nvSpPr>
+          <p:cNvPr id="4" name="TextBox 3"/>
+          <p:cNvSpPr txBox="1"/>
+          <p:nvPr/>
+        </p:nvSpPr>
+        <p:spPr>
+          <a:xfrm>
+            <a:off x="612360" y="1889125"/>
+            <a:ext cx="7944265" cy="3108544"/>
+          </a:xfrm>
+          <a:prstGeom prst="rect">
+            <a:avLst/>
+          </a:prstGeom>
+          <a:noFill/>
+        </p:spPr>
+        <p:txBody>
+          <a:bodyPr wrap="square" rtlCol="0">
+            <a:spAutoFit/>
+          </a:bodyPr>
+          <a:lstStyle/>
+          <a:p>
+            <a:pPr marL="457200" indent="-457200">
+              <a:buFont typeface="Arial"/>
+              <a:buChar char="•"/>
+            </a:pPr>
+            <a:r>
+              <a:rPr lang="en-US" sz="2800" dirty="0" smtClean="0"/>
+              <a:t>View as solely a classification problem</a:t>
+            </a:r>
+          </a:p>
+          <a:p>
+            <a:pPr marL="457200" indent="-457200">
+              <a:buFont typeface="Arial"/>
+              <a:buChar char="•"/>
+            </a:pPr>
+            <a:r>
+              <a:rPr lang="en-US" sz="2800" dirty="0" smtClean="0"/>
+              <a:t>Consider weather and mosquito collection data</a:t>
+            </a:r>
+          </a:p>
+          <a:p>
+            <a:pPr marL="457200" indent="-457200">
+              <a:buFont typeface="Arial"/>
+              <a:buChar char="•"/>
+            </a:pPr>
+            <a:r>
+              <a:rPr lang="en-US" sz="2800" dirty="0" smtClean="0"/>
+              <a:t>Need to account for imbalanced training data</a:t>
+            </a:r>
+          </a:p>
+          <a:p>
+            <a:pPr marL="457200" indent="-457200">
+              <a:buFont typeface="Arial"/>
+              <a:buChar char="•"/>
+            </a:pPr>
+            <a:r>
+              <a:rPr lang="en-US" sz="2800" dirty="0" smtClean="0"/>
+              <a:t>Used a Naïve Bayes Classifier to do classification</a:t>
+            </a:r>
+          </a:p>
+          <a:p>
+            <a:pPr marL="457200" indent="-457200">
+              <a:buFont typeface="Arial"/>
+              <a:buChar char="•"/>
+            </a:pPr>
+            <a:endParaRPr lang="en-US" sz="2800" dirty="0" smtClean="0"/>
+          </a:p>
+        </p:txBody>
+      </p:sp>
+    </p:spTree>
+  </p:cSld>
+  <p:clrMapOvr>
+    <a:masterClrMapping/>
+  </p:clrMapOvr>
+</p:sld>
+</file>
+
+<file path=ppt/slides/slide8.xml><?xml version="1.0" encoding="utf-8"?>
+<p:sld xmlns:a="http://schemas.openxmlformats.org/drawingml/2006/main" xmlns:r="http://schemas.openxmlformats.org/officeDocument/2006/relationships" xmlns:p="http://schemas.openxmlformats.org/presentationml/2006/main">
+  <p:cSld>
+    <p:spTree>
+      <p:nvGrpSpPr>
+        <p:cNvPr id="1" name=""/>
+        <p:cNvGrpSpPr/>
+        <p:nvPr/>
+      </p:nvGrpSpPr>
+      <p:grpSpPr>
+        <a:xfrm>
+          <a:off x="0" y="0"/>
+          <a:ext cx="0" cy="0"/>
+          <a:chOff x="0" y="0"/>
+          <a:chExt cx="0" cy="0"/>
+        </a:xfrm>
+      </p:grpSpPr>
+      <p:sp>
+        <p:nvSpPr>
+          <p:cNvPr id="97" name="CustomShape 1"/>
+          <p:cNvSpPr/>
+          <p:nvPr/>
+        </p:nvSpPr>
+        <p:spPr>
+          <a:xfrm>
+            <a:off x="372960" y="152280"/>
+            <a:ext cx="6852960" cy="1142640"/>
+          </a:xfrm>
+          <a:prstGeom prst="rect">
+            <a:avLst/>
+          </a:prstGeom>
+          <a:noFill/>
+          <a:ln>
+            <a:noFill/>
+          </a:ln>
+        </p:spPr>
+        <p:txBody>
+          <a:bodyPr lIns="90000" tIns="45000" rIns="90000" bIns="45000" anchor="ctr"/>
+          <a:lstStyle/>
+          <a:p>
+            <a:pPr>
+              <a:lnSpc>
+                <a:spcPct val="150000"/>
+              </a:lnSpc>
+            </a:pPr>
+            <a:r>
+              <a:rPr lang="en-US" sz="3600">
+                <a:solidFill>
+                  <a:srgbClr val="4D4D4D"/>
+                </a:solidFill>
+                <a:latin typeface="Georgia"/>
+                <a:ea typeface="PMingLiU"/>
+              </a:rPr>
+              <a:t>Implementation</a:t>
+            </a:r>
+            <a:endParaRPr/>
+          </a:p>
+        </p:txBody>
+      </p:sp>
+      <p:sp>
+        <p:nvSpPr>
+          <p:cNvPr id="98" name="TextShape 2"/>
+          <p:cNvSpPr txBox="1"/>
+          <p:nvPr/>
+        </p:nvSpPr>
+        <p:spPr>
+          <a:xfrm>
+            <a:off x="533520" y="1447920"/>
+            <a:ext cx="8229240" cy="4419360"/>
+          </a:xfrm>
+          <a:prstGeom prst="rect">
+            <a:avLst/>
+          </a:prstGeom>
+        </p:spPr>
+        <p:txBody>
+          <a:bodyPr/>
+          <a:lstStyle/>
+          <a:p>
+            <a:endParaRPr/>
+          </a:p>
+        </p:txBody>
+      </p:sp>
+      <p:sp>
+        <p:nvSpPr>
+          <p:cNvPr id="99" name="TextShape 3"/>
+          <p:cNvSpPr txBox="1"/>
+          <p:nvPr/>
+        </p:nvSpPr>
+        <p:spPr>
+          <a:xfrm>
+            <a:off x="6553080" y="6245280"/>
+            <a:ext cx="2133360" cy="475920"/>
+          </a:xfrm>
+          <a:prstGeom prst="rect">
+            <a:avLst/>
+          </a:prstGeom>
+        </p:spPr>
+        <p:txBody>
+          <a:bodyPr/>
+          <a:lstStyle/>
+          <a:p>
+            <a:pPr>
+              <a:lnSpc>
+                <a:spcPct val="100000"/>
+              </a:lnSpc>
+            </a:pPr>
+            <a:fld id="{FDC8350B-486A-46EF-AB1D-D8C68004616A}" type="slidenum">
+              <a:rPr lang="en-US" sz="1400">
+                <a:solidFill>
+                  <a:srgbClr val="000000"/>
+                </a:solidFill>
+                <a:latin typeface="Arial"/>
+                <a:ea typeface="PMingLiU"/>
+              </a:rPr>
+              <a:t>8</a:t>
+            </a:fld>
+            <a:endParaRPr/>
+          </a:p>
+        </p:txBody>
+      </p:sp>
+      <p:sp>
+        <p:nvSpPr>
+          <p:cNvPr id="4" name="Rectangle 3"/>
+          <p:cNvSpPr/>
+          <p:nvPr/>
+        </p:nvSpPr>
+        <p:spPr>
+          <a:xfrm>
+            <a:off x="1232020" y="1752589"/>
+            <a:ext cx="1381125" cy="936625"/>
+          </a:xfrm>
+          <a:prstGeom prst="rect">
+            <a:avLst/>
+          </a:prstGeom>
+        </p:spPr>
+        <p:style>
+          <a:lnRef idx="1">
+            <a:schemeClr val="accent1"/>
+          </a:lnRef>
+          <a:fillRef idx="3">
+            <a:schemeClr val="accent1"/>
+          </a:fillRef>
+          <a:effectRef idx="2">
+            <a:schemeClr val="accent1"/>
+          </a:effectRef>
+          <a:fontRef idx="minor">
+            <a:schemeClr val="lt1"/>
+          </a:fontRef>
+        </p:style>
+        <p:txBody>
+          <a:bodyPr rtlCol="0" anchor="ctr"/>
+          <a:lstStyle/>
+          <a:p>
+            <a:pPr algn="ctr"/>
+            <a:r>
+              <a:rPr lang="en-US" dirty="0" smtClean="0"/>
+              <a:t>Weather Data (</a:t>
+            </a:r>
+            <a:r>
+              <a:rPr lang="en-US" dirty="0" err="1" smtClean="0"/>
+              <a:t>csv</a:t>
+            </a:r>
+            <a:r>
+              <a:rPr lang="en-US" dirty="0" smtClean="0"/>
+              <a:t>)</a:t>
+            </a:r>
+            <a:endParaRPr lang="en-US" dirty="0"/>
+          </a:p>
+        </p:txBody>
+      </p:sp>
+      <p:sp>
+        <p:nvSpPr>
+          <p:cNvPr id="9" name="Rectangle 8"/>
+          <p:cNvSpPr/>
+          <p:nvPr/>
+        </p:nvSpPr>
+        <p:spPr>
+          <a:xfrm>
+            <a:off x="1232020" y="3151176"/>
+            <a:ext cx="1381125" cy="936625"/>
+          </a:xfrm>
+          <a:prstGeom prst="rect">
+            <a:avLst/>
+          </a:prstGeom>
+        </p:spPr>
+        <p:style>
+          <a:lnRef idx="1">
+            <a:schemeClr val="accent1"/>
+          </a:lnRef>
+          <a:fillRef idx="3">
+            <a:schemeClr val="accent1"/>
+          </a:fillRef>
+          <a:effectRef idx="2">
+            <a:schemeClr val="accent1"/>
+          </a:effectRef>
+          <a:fontRef idx="minor">
+            <a:schemeClr val="lt1"/>
+          </a:fontRef>
+        </p:style>
+        <p:txBody>
+          <a:bodyPr rtlCol="0" anchor="ctr"/>
+          <a:lstStyle/>
+          <a:p>
+            <a:pPr algn="ctr"/>
+            <a:r>
+              <a:rPr lang="en-US" dirty="0" smtClean="0"/>
+              <a:t>Mosquito Data (</a:t>
+            </a:r>
+            <a:r>
+              <a:rPr lang="en-US" dirty="0" err="1" smtClean="0"/>
+              <a:t>csv</a:t>
+            </a:r>
+            <a:r>
+              <a:rPr lang="en-US" dirty="0" smtClean="0"/>
+              <a:t>)</a:t>
+            </a:r>
+            <a:endParaRPr lang="en-US" dirty="0"/>
+          </a:p>
+        </p:txBody>
+      </p:sp>
+      <p:sp>
+        <p:nvSpPr>
+          <p:cNvPr id="6" name="Right Arrow 5"/>
+          <p:cNvSpPr/>
+          <p:nvPr/>
+        </p:nvSpPr>
+        <p:spPr>
+          <a:xfrm>
+            <a:off x="2724271" y="2149464"/>
+            <a:ext cx="418980" cy="174625"/>
+          </a:xfrm>
+          <a:prstGeom prst="rightArrow">
+            <a:avLst/>
+          </a:prstGeom>
+          <a:solidFill>
+            <a:srgbClr val="008000"/>
+          </a:solidFill>
+        </p:spPr>
+        <p:style>
+          <a:lnRef idx="1">
+            <a:schemeClr val="accent1"/>
+          </a:lnRef>
+          <a:fillRef idx="3">
+            <a:schemeClr val="accent1"/>
+          </a:fillRef>
+          <a:effectRef idx="2">
+            <a:schemeClr val="accent1"/>
+          </a:effectRef>
+          <a:fontRef idx="minor">
+            <a:schemeClr val="lt1"/>
+          </a:fontRef>
+        </p:style>
+        <p:txBody>
+          <a:bodyPr rtlCol="0" anchor="ctr"/>
+          <a:lstStyle/>
+          <a:p>
+            <a:pPr algn="ctr"/>
+            <a:endParaRPr lang="en-US"/>
+          </a:p>
+        </p:txBody>
+      </p:sp>
+      <p:sp>
+        <p:nvSpPr>
+          <p:cNvPr id="11" name="Rectangle 10"/>
+          <p:cNvSpPr/>
+          <p:nvPr/>
+        </p:nvSpPr>
+        <p:spPr>
+          <a:xfrm>
+            <a:off x="3327522" y="1903399"/>
+            <a:ext cx="1165103" cy="714376"/>
+          </a:xfrm>
+          <a:prstGeom prst="rect">
+            <a:avLst/>
+          </a:prstGeom>
+        </p:spPr>
+        <p:style>
+          <a:lnRef idx="1">
+            <a:schemeClr val="accent1"/>
+          </a:lnRef>
+          <a:fillRef idx="3">
+            <a:schemeClr val="accent1"/>
+          </a:fillRef>
+          <a:effectRef idx="2">
+            <a:schemeClr val="accent1"/>
+          </a:effectRef>
+          <a:fontRef idx="minor">
+            <a:schemeClr val="lt1"/>
+          </a:fontRef>
+        </p:style>
+        <p:txBody>
+          <a:bodyPr rtlCol="0" anchor="ctr"/>
+          <a:lstStyle/>
+          <a:p>
+            <a:pPr algn="ctr"/>
+            <a:r>
+              <a:rPr lang="en-US" dirty="0" smtClean="0"/>
+              <a:t>Relevant Features</a:t>
+            </a:r>
+            <a:endParaRPr lang="en-US" dirty="0"/>
+          </a:p>
+        </p:txBody>
+      </p:sp>
+      <p:sp>
+        <p:nvSpPr>
+          <p:cNvPr id="12" name="Right Arrow 11"/>
+          <p:cNvSpPr/>
+          <p:nvPr/>
+        </p:nvSpPr>
+        <p:spPr>
+          <a:xfrm>
+            <a:off x="2724271" y="3397241"/>
+            <a:ext cx="418980" cy="174625"/>
+          </a:xfrm>
+          <a:prstGeom prst="rightArrow">
+            <a:avLst/>
+          </a:prstGeom>
+          <a:solidFill>
+            <a:srgbClr val="008000"/>
+          </a:solidFill>
+        </p:spPr>
+        <p:style>
+          <a:lnRef idx="1">
+            <a:schemeClr val="accent1"/>
+          </a:lnRef>
+          <a:fillRef idx="3">
+            <a:schemeClr val="accent1"/>
+          </a:fillRef>
+          <a:effectRef idx="2">
+            <a:schemeClr val="accent1"/>
+          </a:effectRef>
+          <a:fontRef idx="minor">
+            <a:schemeClr val="lt1"/>
+          </a:fontRef>
+        </p:style>
+        <p:txBody>
+          <a:bodyPr rtlCol="0" anchor="ctr"/>
+          <a:lstStyle/>
+          <a:p>
+            <a:pPr algn="ctr"/>
+            <a:endParaRPr lang="en-US"/>
+          </a:p>
+        </p:txBody>
+      </p:sp>
+      <p:sp>
+        <p:nvSpPr>
+          <p:cNvPr id="13" name="Rectangle 12"/>
+          <p:cNvSpPr/>
+          <p:nvPr/>
+        </p:nvSpPr>
+        <p:spPr>
+          <a:xfrm>
+            <a:off x="3327522" y="3151176"/>
+            <a:ext cx="1165103" cy="714376"/>
+          </a:xfrm>
+          <a:prstGeom prst="rect">
+            <a:avLst/>
+          </a:prstGeom>
+        </p:spPr>
+        <p:style>
+          <a:lnRef idx="1">
+            <a:schemeClr val="accent1"/>
+          </a:lnRef>
+          <a:fillRef idx="3">
+            <a:schemeClr val="accent1"/>
+          </a:fillRef>
+          <a:effectRef idx="2">
+            <a:schemeClr val="accent1"/>
+          </a:effectRef>
+          <a:fontRef idx="minor">
+            <a:schemeClr val="lt1"/>
+          </a:fontRef>
+        </p:style>
+        <p:txBody>
+          <a:bodyPr rtlCol="0" anchor="ctr"/>
+          <a:lstStyle/>
+          <a:p>
+            <a:pPr algn="ctr"/>
+            <a:r>
+              <a:rPr lang="en-US" dirty="0" smtClean="0"/>
+              <a:t>Relevant Features</a:t>
+            </a:r>
+            <a:endParaRPr lang="en-US" dirty="0"/>
+          </a:p>
+        </p:txBody>
+      </p:sp>
+      <p:cxnSp>
+        <p:nvCxnSpPr>
+          <p:cNvPr id="8" name="Straight Arrow Connector 7"/>
+          <p:cNvCxnSpPr/>
+          <p:nvPr/>
+        </p:nvCxnSpPr>
+        <p:spPr>
+          <a:xfrm>
+            <a:off x="4603750" y="2324089"/>
+            <a:ext cx="762000" cy="293686"/>
+          </a:xfrm>
+          <a:prstGeom prst="straightConnector1">
+            <a:avLst/>
+          </a:prstGeom>
+          <a:ln>
+            <a:tailEnd type="arrow"/>
+          </a:ln>
+        </p:spPr>
+        <p:style>
+          <a:lnRef idx="2">
+            <a:schemeClr val="accent1"/>
+          </a:lnRef>
+          <a:fillRef idx="0">
+            <a:schemeClr val="accent1"/>
+          </a:fillRef>
+          <a:effectRef idx="1">
+            <a:schemeClr val="accent1"/>
+          </a:effectRef>
+          <a:fontRef idx="minor">
+            <a:schemeClr val="tx1"/>
+          </a:fontRef>
+        </p:style>
+      </p:cxnSp>
+      <p:cxnSp>
+        <p:nvCxnSpPr>
+          <p:cNvPr id="16" name="Straight Arrow Connector 15"/>
+          <p:cNvCxnSpPr/>
+          <p:nvPr/>
+        </p:nvCxnSpPr>
+        <p:spPr>
+          <a:xfrm flipV="1">
+            <a:off x="4603750" y="3151176"/>
+            <a:ext cx="762000" cy="420690"/>
+          </a:xfrm>
+          <a:prstGeom prst="straightConnector1">
+            <a:avLst/>
+          </a:prstGeom>
+          <a:ln>
+            <a:tailEnd type="arrow"/>
+          </a:ln>
+        </p:spPr>
+        <p:style>
+          <a:lnRef idx="2">
+            <a:schemeClr val="accent1"/>
+          </a:lnRef>
+          <a:fillRef idx="0">
+            <a:schemeClr val="accent1"/>
+          </a:fillRef>
+          <a:effectRef idx="1">
+            <a:schemeClr val="accent1"/>
+          </a:effectRef>
+          <a:fontRef idx="minor">
+            <a:schemeClr val="tx1"/>
+          </a:fontRef>
+        </p:style>
+      </p:cxnSp>
+      <p:sp>
+        <p:nvSpPr>
+          <p:cNvPr id="20" name="Rectangle 19"/>
+          <p:cNvSpPr/>
+          <p:nvPr/>
+        </p:nvSpPr>
+        <p:spPr>
+          <a:xfrm>
+            <a:off x="5524500" y="2324089"/>
+            <a:ext cx="1615955" cy="1111250"/>
+          </a:xfrm>
+          <a:prstGeom prst="rect">
+            <a:avLst/>
+          </a:prstGeom>
+        </p:spPr>
+        <p:style>
+          <a:lnRef idx="1">
+            <a:schemeClr val="accent1"/>
+          </a:lnRef>
+          <a:fillRef idx="3">
+            <a:schemeClr val="accent1"/>
+          </a:fillRef>
+          <a:effectRef idx="2">
+            <a:schemeClr val="accent1"/>
+          </a:effectRef>
+          <a:fontRef idx="minor">
+            <a:schemeClr val="lt1"/>
+          </a:fontRef>
+        </p:style>
+        <p:txBody>
+          <a:bodyPr rtlCol="0" anchor="ctr"/>
+          <a:lstStyle/>
+          <a:p>
+            <a:pPr algn="ctr"/>
+            <a:r>
+              <a:rPr lang="en-US" dirty="0" smtClean="0"/>
+              <a:t>Combined Data</a:t>
+            </a:r>
+            <a:endParaRPr lang="en-US" dirty="0"/>
+          </a:p>
+        </p:txBody>
+      </p:sp>
+      <p:sp>
+        <p:nvSpPr>
+          <p:cNvPr id="17" name="Down Arrow 16"/>
+          <p:cNvSpPr/>
+          <p:nvPr/>
+        </p:nvSpPr>
+        <p:spPr>
+          <a:xfrm>
+            <a:off x="6235580" y="3541701"/>
+            <a:ext cx="317500" cy="1092199"/>
+          </a:xfrm>
+          <a:prstGeom prst="downArrow">
+            <a:avLst/>
+          </a:prstGeom>
+          <a:solidFill>
+            <a:srgbClr val="008000"/>
+          </a:solidFill>
+        </p:spPr>
+        <p:style>
+          <a:lnRef idx="1">
+            <a:schemeClr val="accent1"/>
+          </a:lnRef>
+          <a:fillRef idx="3">
+            <a:schemeClr val="accent1"/>
+          </a:fillRef>
+          <a:effectRef idx="2">
+            <a:schemeClr val="accent1"/>
+          </a:effectRef>
+          <a:fontRef idx="minor">
+            <a:schemeClr val="lt1"/>
+          </a:fontRef>
+        </p:style>
+        <p:txBody>
+          <a:bodyPr rtlCol="0" anchor="ctr"/>
+          <a:lstStyle/>
+          <a:p>
+            <a:pPr algn="ctr"/>
+            <a:endParaRPr lang="en-US"/>
+          </a:p>
+        </p:txBody>
+      </p:sp>
+      <p:sp>
+        <p:nvSpPr>
+          <p:cNvPr id="18" name="TextBox 17"/>
+          <p:cNvSpPr txBox="1"/>
+          <p:nvPr/>
+        </p:nvSpPr>
+        <p:spPr>
+          <a:xfrm>
+            <a:off x="6605449" y="3571866"/>
+            <a:ext cx="1070012" cy="923330"/>
+          </a:xfrm>
+          <a:prstGeom prst="rect">
+            <a:avLst/>
+          </a:prstGeom>
+          <a:noFill/>
+        </p:spPr>
+        <p:txBody>
+          <a:bodyPr wrap="none" rtlCol="0">
+            <a:spAutoFit/>
+          </a:bodyPr>
+          <a:lstStyle/>
+          <a:p>
+            <a:pPr algn="ctr"/>
+            <a:r>
+              <a:rPr lang="en-US" dirty="0" smtClean="0"/>
+              <a:t>Imputing</a:t>
+            </a:r>
+          </a:p>
+          <a:p>
+            <a:pPr algn="ctr"/>
+            <a:r>
+              <a:rPr lang="en-US" dirty="0" smtClean="0"/>
+              <a:t>Scaling</a:t>
+            </a:r>
+          </a:p>
+          <a:p>
+            <a:pPr algn="ctr"/>
+            <a:r>
+              <a:rPr lang="en-US" dirty="0" err="1" smtClean="0"/>
+              <a:t>OneHot</a:t>
+            </a:r>
+            <a:endParaRPr lang="en-US" dirty="0"/>
+          </a:p>
+        </p:txBody>
+      </p:sp>
+      <p:sp>
+        <p:nvSpPr>
+          <p:cNvPr id="19" name="Rectangle 18"/>
+          <p:cNvSpPr/>
+          <p:nvPr/>
+        </p:nvSpPr>
+        <p:spPr>
+          <a:xfrm>
+            <a:off x="5524500" y="4822814"/>
+            <a:ext cx="1615955" cy="968376"/>
+          </a:xfrm>
+          <a:prstGeom prst="rect">
+            <a:avLst/>
+          </a:prstGeom>
+        </p:spPr>
+        <p:style>
+          <a:lnRef idx="1">
+            <a:schemeClr val="accent1"/>
+          </a:lnRef>
+          <a:fillRef idx="3">
+            <a:schemeClr val="accent1"/>
+          </a:fillRef>
+          <a:effectRef idx="2">
+            <a:schemeClr val="accent1"/>
+          </a:effectRef>
+          <a:fontRef idx="minor">
+            <a:schemeClr val="lt1"/>
+          </a:fontRef>
+        </p:style>
+        <p:txBody>
+          <a:bodyPr rtlCol="0" anchor="ctr"/>
+          <a:lstStyle/>
+          <a:p>
+            <a:pPr algn="ctr"/>
+            <a:r>
+              <a:rPr lang="en-US" dirty="0" smtClean="0"/>
+              <a:t>Training Set</a:t>
+            </a:r>
+            <a:endParaRPr lang="en-US" dirty="0"/>
+          </a:p>
+        </p:txBody>
+      </p:sp>
+      <p:sp>
+        <p:nvSpPr>
+          <p:cNvPr id="21" name="Left Arrow 20"/>
+          <p:cNvSpPr/>
+          <p:nvPr/>
+        </p:nvSpPr>
+        <p:spPr>
+          <a:xfrm>
+            <a:off x="4143375" y="5138730"/>
+            <a:ext cx="1222375" cy="317500"/>
+          </a:xfrm>
+          <a:prstGeom prst="leftArrow">
+            <a:avLst/>
+          </a:prstGeom>
+          <a:solidFill>
+            <a:srgbClr val="008000"/>
+          </a:solidFill>
+        </p:spPr>
+        <p:style>
+          <a:lnRef idx="1">
+            <a:schemeClr val="accent1"/>
+          </a:lnRef>
+          <a:fillRef idx="3">
+            <a:schemeClr val="accent1"/>
+          </a:fillRef>
+          <a:effectRef idx="2">
+            <a:schemeClr val="accent1"/>
+          </a:effectRef>
+          <a:fontRef idx="minor">
+            <a:schemeClr val="lt1"/>
+          </a:fontRef>
+        </p:style>
+        <p:txBody>
+          <a:bodyPr rtlCol="0" anchor="ctr"/>
+          <a:lstStyle/>
+          <a:p>
+            <a:pPr algn="ctr"/>
+            <a:endParaRPr lang="en-US">
+              <a:solidFill>
+                <a:srgbClr val="008000"/>
+              </a:solidFill>
+            </a:endParaRPr>
+          </a:p>
+        </p:txBody>
+      </p:sp>
+      <p:sp>
+        <p:nvSpPr>
+          <p:cNvPr id="22" name="Oval 21"/>
+          <p:cNvSpPr/>
+          <p:nvPr/>
+        </p:nvSpPr>
+        <p:spPr>
+          <a:xfrm>
+            <a:off x="2008187" y="4526946"/>
+            <a:ext cx="1920877" cy="1552580"/>
+          </a:xfrm>
+          <a:prstGeom prst="ellipse">
+            <a:avLst/>
+          </a:prstGeom>
+          <a:solidFill>
+            <a:srgbClr val="FF0000"/>
+          </a:solidFill>
+        </p:spPr>
+        <p:style>
+          <a:lnRef idx="1">
+            <a:schemeClr val="accent1"/>
+          </a:lnRef>
+          <a:fillRef idx="3">
+            <a:schemeClr val="accent1"/>
+          </a:fillRef>
+          <a:effectRef idx="2">
+            <a:schemeClr val="accent1"/>
+          </a:effectRef>
+          <a:fontRef idx="minor">
+            <a:schemeClr val="lt1"/>
+          </a:fontRef>
+        </p:style>
+        <p:txBody>
+          <a:bodyPr rtlCol="0" anchor="ctr"/>
+          <a:lstStyle/>
+          <a:p>
+            <a:pPr algn="ctr"/>
+            <a:r>
+              <a:rPr lang="en-US" dirty="0" smtClean="0"/>
+              <a:t>Learning Models</a:t>
+            </a:r>
+            <a:endParaRPr lang="en-US" dirty="0"/>
+          </a:p>
+        </p:txBody>
+      </p:sp>
+    </p:spTree>
+  </p:cSld>
+  <p:clrMapOvr>
+    <a:masterClrMapping/>
+  </p:clrMapOvr>
+</p:sld>
+</file>
+
+<file path=ppt/slides/slide9.xml><?xml version="1.0" encoding="utf-8"?>
+<p:sld xmlns:a="http://schemas.openxmlformats.org/drawingml/2006/main" xmlns:r="http://schemas.openxmlformats.org/officeDocument/2006/relationships" xmlns:p="http://schemas.openxmlformats.org/presentationml/2006/main">
+  <p:cSld>
+    <p:spTree>
+      <p:nvGrpSpPr>
+        <p:cNvPr id="1" name=""/>
+        <p:cNvGrpSpPr/>
+        <p:nvPr/>
+      </p:nvGrpSpPr>
+      <p:grpSpPr>
+        <a:xfrm>
+          <a:off x="0" y="0"/>
+          <a:ext cx="0" cy="0"/>
+          <a:chOff x="0" y="0"/>
+          <a:chExt cx="0" cy="0"/>
+        </a:xfrm>
+      </p:grpSpPr>
+      <p:sp>
+        <p:nvSpPr>
+          <p:cNvPr id="100" name="CustomShape 1"/>
+          <p:cNvSpPr/>
+          <p:nvPr/>
+        </p:nvSpPr>
+        <p:spPr>
+          <a:xfrm>
+            <a:off x="372960" y="152280"/>
+            <a:ext cx="6852960" cy="1142640"/>
+          </a:xfrm>
+          <a:prstGeom prst="rect">
+            <a:avLst/>
+          </a:prstGeom>
+          <a:noFill/>
+          <a:ln>
+            <a:noFill/>
+          </a:ln>
+        </p:spPr>
+        <p:txBody>
+          <a:bodyPr lIns="90000" tIns="45000" rIns="90000" bIns="45000" anchor="ctr"/>
+          <a:lstStyle/>
+          <a:p>
+            <a:pPr>
+              <a:lnSpc>
+                <a:spcPct val="150000"/>
+              </a:lnSpc>
+            </a:pPr>
+            <a:r>
+              <a:rPr lang="en-US" sz="3600">
+                <a:solidFill>
+                  <a:srgbClr val="4D4D4D"/>
+                </a:solidFill>
+                <a:latin typeface="Georgia"/>
+                <a:ea typeface="PMingLiU"/>
+              </a:rPr>
+              <a:t>Data Summary</a:t>
+            </a:r>
+            <a:endParaRPr/>
+          </a:p>
+        </p:txBody>
+      </p:sp>
+      <p:sp>
+        <p:nvSpPr>
+          <p:cNvPr id="101" name="TextShape 2"/>
+          <p:cNvSpPr txBox="1"/>
+          <p:nvPr/>
+        </p:nvSpPr>
+        <p:spPr>
+          <a:xfrm>
+            <a:off x="533520" y="1447920"/>
+            <a:ext cx="8229240" cy="4419360"/>
+          </a:xfrm>
+          <a:prstGeom prst="rect">
+            <a:avLst/>
+          </a:prstGeom>
+        </p:spPr>
+        <p:txBody>
+          <a:bodyPr/>
+          <a:lstStyle/>
+          <a:p>
+            <a:endParaRPr/>
+          </a:p>
+        </p:txBody>
+      </p:sp>
+      <p:sp>
+        <p:nvSpPr>
+          <p:cNvPr id="102" name="TextShape 3"/>
+          <p:cNvSpPr txBox="1"/>
+          <p:nvPr/>
+        </p:nvSpPr>
+        <p:spPr>
+          <a:xfrm>
+            <a:off x="6553080" y="6245280"/>
+            <a:ext cx="2133360" cy="475920"/>
+          </a:xfrm>
+          <a:prstGeom prst="rect">
+            <a:avLst/>
+          </a:prstGeom>
+        </p:spPr>
+        <p:txBody>
+          <a:bodyPr/>
+          <a:lstStyle/>
+          <a:p>
+            <a:pPr>
+              <a:lnSpc>
+                <a:spcPct val="100000"/>
+              </a:lnSpc>
+            </a:pPr>
+            <a:fld id="{E39EB270-8C4C-45C0-864C-7E8EE4FA0020}" type="slidenum">
+              <a:rPr lang="en-US" sz="1400">
+                <a:solidFill>
+                  <a:srgbClr val="000000"/>
+                </a:solidFill>
+                <a:latin typeface="Arial"/>
+                <a:ea typeface="PMingLiU"/>
+              </a:rPr>
+              <a:t>9</a:t>
+            </a:fld>
+            <a:endParaRPr/>
+          </a:p>
+        </p:txBody>
+      </p:sp>
+      <p:sp>
+        <p:nvSpPr>
+          <p:cNvPr id="2" name="TextBox 1"/>
+          <p:cNvSpPr txBox="1"/>
+          <p:nvPr/>
+        </p:nvSpPr>
+        <p:spPr>
+          <a:xfrm>
+            <a:off x="682625" y="1762125"/>
+            <a:ext cx="7747000" cy="3970318"/>
+          </a:xfrm>
+          <a:prstGeom prst="rect">
+            <a:avLst/>
+          </a:prstGeom>
+          <a:noFill/>
+        </p:spPr>
+        <p:txBody>
+          <a:bodyPr wrap="square" rtlCol="0">
+            <a:spAutoFit/>
+          </a:bodyPr>
+          <a:lstStyle/>
+          <a:p>
+            <a:pPr marL="457200" indent="-457200">
+              <a:buFont typeface="Arial"/>
+              <a:buChar char="•"/>
+            </a:pPr>
+            <a:r>
+              <a:rPr lang="en-US" sz="2800" dirty="0" smtClean="0"/>
+              <a:t>Imbalanced training data</a:t>
+            </a:r>
+          </a:p>
+          <a:p>
+            <a:pPr marL="914400" lvl="1" indent="-457200">
+              <a:buFont typeface="Courier New"/>
+              <a:buChar char="o"/>
+            </a:pPr>
+            <a:r>
+              <a:rPr lang="en-US" sz="2800" dirty="0" smtClean="0"/>
+              <a:t>10,506 samples</a:t>
+            </a:r>
+          </a:p>
+          <a:p>
+            <a:pPr marL="914400" lvl="1" indent="-457200">
+              <a:buFont typeface="Courier New"/>
+              <a:buChar char="o"/>
+            </a:pPr>
+            <a:r>
+              <a:rPr lang="en-US" sz="2800" dirty="0" smtClean="0"/>
+              <a:t>~5% WNV present</a:t>
+            </a:r>
+          </a:p>
+          <a:p>
+            <a:pPr marL="914400" lvl="1" indent="-457200">
+              <a:buFont typeface="Courier New"/>
+              <a:buChar char="o"/>
+            </a:pPr>
+            <a:r>
+              <a:rPr lang="en-US" sz="2800" dirty="0" smtClean="0"/>
+              <a:t>~95% not present</a:t>
+            </a:r>
+          </a:p>
+          <a:p>
+            <a:pPr marL="285750" indent="-285750">
+              <a:buFont typeface="Arial"/>
+              <a:buChar char="•"/>
+            </a:pPr>
+            <a:endParaRPr lang="en-US" sz="2800" dirty="0" smtClean="0"/>
+          </a:p>
+          <a:p>
+            <a:pPr marL="285750" indent="-285750">
+              <a:buFont typeface="Arial"/>
+              <a:buChar char="•"/>
+            </a:pPr>
+            <a:r>
+              <a:rPr lang="en-US" sz="2800" dirty="0" smtClean="0"/>
+              <a:t>Features from 2 given sources:</a:t>
+            </a:r>
+          </a:p>
+          <a:p>
+            <a:pPr marL="914400" lvl="1" indent="-457200">
+              <a:buFont typeface="Courier New"/>
+              <a:buChar char="o"/>
+            </a:pPr>
+            <a:r>
+              <a:rPr lang="en-US" sz="2800" dirty="0" smtClean="0"/>
+              <a:t>Weather data</a:t>
+            </a:r>
+          </a:p>
+          <a:p>
+            <a:pPr marL="914400" lvl="1" indent="-457200">
+              <a:buFont typeface="Courier New"/>
+              <a:buChar char="o"/>
+            </a:pPr>
+            <a:r>
+              <a:rPr lang="en-US" sz="2800" dirty="0" smtClean="0"/>
+              <a:t>Mosquito data</a:t>
+            </a:r>
+          </a:p>
+          <a:p>
+            <a:pPr marL="457200" indent="-457200">
+              <a:buFont typeface="Arial"/>
+              <a:buChar char="•"/>
+            </a:pPr>
+            <a:endParaRPr lang="en-US" sz="2800" dirty="0"/>
+          </a:p>
+        </p:txBody>
+      </p:sp>
     </p:spTree>
   </p:cSld>
   <p:clrMapOvr>
